--- a/cse3302/t3.pptx
+++ b/cse3302/t3.pptx
@@ -5,7 +5,7 @@
     <p:sldMasterId id="2147483648" r:id="rId1"/>
   </p:sldMasterIdLst>
   <p:notesMasterIdLst>
-    <p:notesMasterId r:id="rId34"/>
+    <p:notesMasterId r:id="rId33"/>
   </p:notesMasterIdLst>
   <p:sldIdLst>
     <p:sldId id="256" r:id="rId2"/>
@@ -27,19 +27,18 @@
     <p:sldId id="296" r:id="rId18"/>
     <p:sldId id="290" r:id="rId19"/>
     <p:sldId id="297" r:id="rId20"/>
-    <p:sldId id="298" r:id="rId21"/>
-    <p:sldId id="299" r:id="rId22"/>
-    <p:sldId id="291" r:id="rId23"/>
-    <p:sldId id="300" r:id="rId24"/>
-    <p:sldId id="301" r:id="rId25"/>
-    <p:sldId id="302" r:id="rId26"/>
-    <p:sldId id="292" r:id="rId27"/>
-    <p:sldId id="303" r:id="rId28"/>
-    <p:sldId id="293" r:id="rId29"/>
-    <p:sldId id="304" r:id="rId30"/>
-    <p:sldId id="305" r:id="rId31"/>
-    <p:sldId id="306" r:id="rId32"/>
-    <p:sldId id="307" r:id="rId33"/>
+    <p:sldId id="299" r:id="rId21"/>
+    <p:sldId id="291" r:id="rId22"/>
+    <p:sldId id="300" r:id="rId23"/>
+    <p:sldId id="301" r:id="rId24"/>
+    <p:sldId id="302" r:id="rId25"/>
+    <p:sldId id="292" r:id="rId26"/>
+    <p:sldId id="303" r:id="rId27"/>
+    <p:sldId id="293" r:id="rId28"/>
+    <p:sldId id="304" r:id="rId29"/>
+    <p:sldId id="305" r:id="rId30"/>
+    <p:sldId id="306" r:id="rId31"/>
+    <p:sldId id="309" r:id="rId32"/>
   </p:sldIdLst>
   <p:sldSz cx="12192000" cy="6858000"/>
   <p:notesSz cx="6858000" cy="9144000"/>
@@ -157,6 +156,404 @@
 </p:presentation>
 </file>
 
+<file path=ppt/revisionInfo.xml><?xml version="1.0" encoding="utf-8"?>
+<p1510:revInfo xmlns:a="http://schemas.openxmlformats.org/drawingml/2006/main" xmlns:r="http://schemas.openxmlformats.org/officeDocument/2006/relationships" xmlns:p1510="http://schemas.microsoft.com/office/powerpoint/2015/10/main">
+  <p1510:revLst>
+    <p1510:client id="{94A22966-F01A-4769-B4F3-2371B12D2CD3}" v="67" dt="2025-09-05T20:08:12.600"/>
+  </p1510:revLst>
+</p1510:revInfo>
+</file>
+
+<file path=ppt/changesInfos/changesInfo1.xml><?xml version="1.0" encoding="utf-8"?>
+<pc:chgInfo xmlns:a="http://schemas.openxmlformats.org/drawingml/2006/main" xmlns:r="http://schemas.openxmlformats.org/officeDocument/2006/relationships" xmlns:ac="http://schemas.microsoft.com/office/drawing/2013/main/command" xmlns:pc="http://schemas.microsoft.com/office/powerpoint/2013/main/command">
+  <pc:docChgLst>
+    <pc:chgData name="Park, Wonjun" userId="S::wxp7177@mavs.uta.edu::b7ccadb5-266d-4b52-a139-568b916a9101" providerId="AD" clId="Web-{94A22966-F01A-4769-B4F3-2371B12D2CD3}"/>
+    <pc:docChg chg="addSld delSld modSld">
+      <pc:chgData name="Park, Wonjun" userId="S::wxp7177@mavs.uta.edu::b7ccadb5-266d-4b52-a139-568b916a9101" providerId="AD" clId="Web-{94A22966-F01A-4769-B4F3-2371B12D2CD3}" dt="2025-09-05T20:08:12.600" v="62"/>
+      <pc:docMkLst>
+        <pc:docMk/>
+      </pc:docMkLst>
+      <pc:sldChg chg="addSp delSp modSp">
+        <pc:chgData name="Park, Wonjun" userId="S::wxp7177@mavs.uta.edu::b7ccadb5-266d-4b52-a139-568b916a9101" providerId="AD" clId="Web-{94A22966-F01A-4769-B4F3-2371B12D2CD3}" dt="2025-09-05T20:03:50.662" v="20" actId="14100"/>
+        <pc:sldMkLst>
+          <pc:docMk/>
+          <pc:sldMk cId="2806006264" sldId="297"/>
+        </pc:sldMkLst>
+        <pc:spChg chg="del">
+          <ac:chgData name="Park, Wonjun" userId="S::wxp7177@mavs.uta.edu::b7ccadb5-266d-4b52-a139-568b916a9101" providerId="AD" clId="Web-{94A22966-F01A-4769-B4F3-2371B12D2CD3}" dt="2025-09-05T20:02:43.974" v="4"/>
+          <ac:spMkLst>
+            <pc:docMk/>
+            <pc:sldMk cId="2806006264" sldId="297"/>
+            <ac:spMk id="6" creationId="{F89CDFB1-87A1-8C51-2F9F-C4694DB468D5}"/>
+          </ac:spMkLst>
+        </pc:spChg>
+        <pc:spChg chg="add del mod">
+          <ac:chgData name="Park, Wonjun" userId="S::wxp7177@mavs.uta.edu::b7ccadb5-266d-4b52-a139-568b916a9101" providerId="AD" clId="Web-{94A22966-F01A-4769-B4F3-2371B12D2CD3}" dt="2025-09-05T20:02:44.787" v="5"/>
+          <ac:spMkLst>
+            <pc:docMk/>
+            <pc:sldMk cId="2806006264" sldId="297"/>
+            <ac:spMk id="8" creationId="{356AB7FE-5402-2566-73C9-1B7D055C2715}"/>
+          </ac:spMkLst>
+        </pc:spChg>
+        <pc:picChg chg="add mod">
+          <ac:chgData name="Park, Wonjun" userId="S::wxp7177@mavs.uta.edu::b7ccadb5-266d-4b52-a139-568b916a9101" providerId="AD" clId="Web-{94A22966-F01A-4769-B4F3-2371B12D2CD3}" dt="2025-09-05T20:02:20.646" v="1" actId="1076"/>
+          <ac:picMkLst>
+            <pc:docMk/>
+            <pc:sldMk cId="2806006264" sldId="297"/>
+            <ac:picMk id="3" creationId="{7AA41DC8-D8D5-D57A-F1F1-65D30E5F2D8B}"/>
+          </ac:picMkLst>
+        </pc:picChg>
+        <pc:picChg chg="add mod ord">
+          <ac:chgData name="Park, Wonjun" userId="S::wxp7177@mavs.uta.edu::b7ccadb5-266d-4b52-a139-568b916a9101" providerId="AD" clId="Web-{94A22966-F01A-4769-B4F3-2371B12D2CD3}" dt="2025-09-05T20:03:41.662" v="18" actId="14100"/>
+          <ac:picMkLst>
+            <pc:docMk/>
+            <pc:sldMk cId="2806006264" sldId="297"/>
+            <ac:picMk id="9" creationId="{56D22EFA-9D00-E492-C47A-37250A405189}"/>
+          </ac:picMkLst>
+        </pc:picChg>
+        <pc:picChg chg="add mod">
+          <ac:chgData name="Park, Wonjun" userId="S::wxp7177@mavs.uta.edu::b7ccadb5-266d-4b52-a139-568b916a9101" providerId="AD" clId="Web-{94A22966-F01A-4769-B4F3-2371B12D2CD3}" dt="2025-09-05T20:03:50.662" v="20" actId="14100"/>
+          <ac:picMkLst>
+            <pc:docMk/>
+            <pc:sldMk cId="2806006264" sldId="297"/>
+            <ac:picMk id="10" creationId="{70996D56-D72B-D061-4E7F-8CEDED255FC8}"/>
+          </ac:picMkLst>
+        </pc:picChg>
+      </pc:sldChg>
+      <pc:sldChg chg="addSp del">
+        <pc:chgData name="Park, Wonjun" userId="S::wxp7177@mavs.uta.edu::b7ccadb5-266d-4b52-a139-568b916a9101" providerId="AD" clId="Web-{94A22966-F01A-4769-B4F3-2371B12D2CD3}" dt="2025-09-05T20:03:55.162" v="21"/>
+        <pc:sldMkLst>
+          <pc:docMk/>
+          <pc:sldMk cId="4189559204" sldId="298"/>
+        </pc:sldMkLst>
+        <pc:picChg chg="add">
+          <ac:chgData name="Park, Wonjun" userId="S::wxp7177@mavs.uta.edu::b7ccadb5-266d-4b52-a139-568b916a9101" providerId="AD" clId="Web-{94A22966-F01A-4769-B4F3-2371B12D2CD3}" dt="2025-09-05T20:02:22.099" v="2"/>
+          <ac:picMkLst>
+            <pc:docMk/>
+            <pc:sldMk cId="4189559204" sldId="298"/>
+            <ac:picMk id="7" creationId="{23579B34-10ED-9C6E-450D-AB3C99D6426D}"/>
+          </ac:picMkLst>
+        </pc:picChg>
+      </pc:sldChg>
+      <pc:sldChg chg="addSp delSp modSp">
+        <pc:chgData name="Park, Wonjun" userId="S::wxp7177@mavs.uta.edu::b7ccadb5-266d-4b52-a139-568b916a9101" providerId="AD" clId="Web-{94A22966-F01A-4769-B4F3-2371B12D2CD3}" dt="2025-09-05T20:04:21.740" v="26" actId="1076"/>
+        <pc:sldMkLst>
+          <pc:docMk/>
+          <pc:sldMk cId="2801828238" sldId="299"/>
+        </pc:sldMkLst>
+        <pc:spChg chg="del">
+          <ac:chgData name="Park, Wonjun" userId="S::wxp7177@mavs.uta.edu::b7ccadb5-266d-4b52-a139-568b916a9101" providerId="AD" clId="Web-{94A22966-F01A-4769-B4F3-2371B12D2CD3}" dt="2025-09-05T20:04:08.412" v="22"/>
+          <ac:spMkLst>
+            <pc:docMk/>
+            <pc:sldMk cId="2801828238" sldId="299"/>
+            <ac:spMk id="6" creationId="{F2A555FD-925E-B4C5-4D93-AA66DC0E19A5}"/>
+          </ac:spMkLst>
+        </pc:spChg>
+        <pc:spChg chg="add del mod">
+          <ac:chgData name="Park, Wonjun" userId="S::wxp7177@mavs.uta.edu::b7ccadb5-266d-4b52-a139-568b916a9101" providerId="AD" clId="Web-{94A22966-F01A-4769-B4F3-2371B12D2CD3}" dt="2025-09-05T20:04:09.287" v="23"/>
+          <ac:spMkLst>
+            <pc:docMk/>
+            <pc:sldMk cId="2801828238" sldId="299"/>
+            <ac:spMk id="9" creationId="{862C70E6-ABBC-EE82-572E-9F5C69904C10}"/>
+          </ac:spMkLst>
+        </pc:spChg>
+        <pc:picChg chg="add">
+          <ac:chgData name="Park, Wonjun" userId="S::wxp7177@mavs.uta.edu::b7ccadb5-266d-4b52-a139-568b916a9101" providerId="AD" clId="Web-{94A22966-F01A-4769-B4F3-2371B12D2CD3}" dt="2025-09-05T20:02:23.631" v="3"/>
+          <ac:picMkLst>
+            <pc:docMk/>
+            <pc:sldMk cId="2801828238" sldId="299"/>
+            <ac:picMk id="7" creationId="{CB2444D7-30CD-369A-4D87-1E72D37FC516}"/>
+          </ac:picMkLst>
+        </pc:picChg>
+        <pc:picChg chg="add mod ord">
+          <ac:chgData name="Park, Wonjun" userId="S::wxp7177@mavs.uta.edu::b7ccadb5-266d-4b52-a139-568b916a9101" providerId="AD" clId="Web-{94A22966-F01A-4769-B4F3-2371B12D2CD3}" dt="2025-09-05T20:04:21.740" v="26" actId="1076"/>
+          <ac:picMkLst>
+            <pc:docMk/>
+            <pc:sldMk cId="2801828238" sldId="299"/>
+            <ac:picMk id="10" creationId="{1FEC67AA-94E8-B25F-DB19-AF298B23EE97}"/>
+          </ac:picMkLst>
+        </pc:picChg>
+      </pc:sldChg>
+      <pc:sldChg chg="addSp delSp modSp">
+        <pc:chgData name="Park, Wonjun" userId="S::wxp7177@mavs.uta.edu::b7ccadb5-266d-4b52-a139-568b916a9101" providerId="AD" clId="Web-{94A22966-F01A-4769-B4F3-2371B12D2CD3}" dt="2025-09-05T20:06:00.694" v="37" actId="14100"/>
+        <pc:sldMkLst>
+          <pc:docMk/>
+          <pc:sldMk cId="1930594921" sldId="304"/>
+        </pc:sldMkLst>
+        <pc:spChg chg="del">
+          <ac:chgData name="Park, Wonjun" userId="S::wxp7177@mavs.uta.edu::b7ccadb5-266d-4b52-a139-568b916a9101" providerId="AD" clId="Web-{94A22966-F01A-4769-B4F3-2371B12D2CD3}" dt="2025-09-05T20:05:04.287" v="27"/>
+          <ac:spMkLst>
+            <pc:docMk/>
+            <pc:sldMk cId="1930594921" sldId="304"/>
+            <ac:spMk id="2" creationId="{6784459E-ADAF-5BF3-4991-6857D30B15C0}"/>
+          </ac:spMkLst>
+        </pc:spChg>
+        <pc:spChg chg="add del mod">
+          <ac:chgData name="Park, Wonjun" userId="S::wxp7177@mavs.uta.edu::b7ccadb5-266d-4b52-a139-568b916a9101" providerId="AD" clId="Web-{94A22966-F01A-4769-B4F3-2371B12D2CD3}" dt="2025-09-05T20:05:06.053" v="28"/>
+          <ac:spMkLst>
+            <pc:docMk/>
+            <pc:sldMk cId="1930594921" sldId="304"/>
+            <ac:spMk id="8" creationId="{11429859-6AC4-A6E6-D958-179E73A54B10}"/>
+          </ac:spMkLst>
+        </pc:spChg>
+        <pc:picChg chg="add mod ord">
+          <ac:chgData name="Park, Wonjun" userId="S::wxp7177@mavs.uta.edu::b7ccadb5-266d-4b52-a139-568b916a9101" providerId="AD" clId="Web-{94A22966-F01A-4769-B4F3-2371B12D2CD3}" dt="2025-09-05T20:05:09.553" v="29" actId="1076"/>
+          <ac:picMkLst>
+            <pc:docMk/>
+            <pc:sldMk cId="1930594921" sldId="304"/>
+            <ac:picMk id="9" creationId="{5D88957D-29C9-A7C9-BDEF-5DA7CEDB411C}"/>
+          </ac:picMkLst>
+        </pc:picChg>
+        <pc:picChg chg="add mod">
+          <ac:chgData name="Park, Wonjun" userId="S::wxp7177@mavs.uta.edu::b7ccadb5-266d-4b52-a139-568b916a9101" providerId="AD" clId="Web-{94A22966-F01A-4769-B4F3-2371B12D2CD3}" dt="2025-09-05T20:06:00.694" v="37" actId="14100"/>
+          <ac:picMkLst>
+            <pc:docMk/>
+            <pc:sldMk cId="1930594921" sldId="304"/>
+            <ac:picMk id="10" creationId="{7D7A66D6-D8B3-6877-D630-CB86F1678A6D}"/>
+          </ac:picMkLst>
+        </pc:picChg>
+      </pc:sldChg>
+      <pc:sldChg chg="addSp delSp modSp mod setBg">
+        <pc:chgData name="Park, Wonjun" userId="S::wxp7177@mavs.uta.edu::b7ccadb5-266d-4b52-a139-568b916a9101" providerId="AD" clId="Web-{94A22966-F01A-4769-B4F3-2371B12D2CD3}" dt="2025-09-05T20:07:36.256" v="56"/>
+        <pc:sldMkLst>
+          <pc:docMk/>
+          <pc:sldMk cId="3293542955" sldId="305"/>
+        </pc:sldMkLst>
+        <pc:spChg chg="del">
+          <ac:chgData name="Park, Wonjun" userId="S::wxp7177@mavs.uta.edu::b7ccadb5-266d-4b52-a139-568b916a9101" providerId="AD" clId="Web-{94A22966-F01A-4769-B4F3-2371B12D2CD3}" dt="2025-09-05T20:06:05.662" v="38"/>
+          <ac:spMkLst>
+            <pc:docMk/>
+            <pc:sldMk cId="3293542955" sldId="305"/>
+            <ac:spMk id="2" creationId="{54F22351-1BB4-9A93-56E6-4EB33226C9EC}"/>
+          </ac:spMkLst>
+        </pc:spChg>
+        <pc:spChg chg="mod ord">
+          <ac:chgData name="Park, Wonjun" userId="S::wxp7177@mavs.uta.edu::b7ccadb5-266d-4b52-a139-568b916a9101" providerId="AD" clId="Web-{94A22966-F01A-4769-B4F3-2371B12D2CD3}" dt="2025-09-05T20:07:21.131" v="54"/>
+          <ac:spMkLst>
+            <pc:docMk/>
+            <pc:sldMk cId="3293542955" sldId="305"/>
+            <ac:spMk id="4" creationId="{F1243A9B-794A-F98A-8F6D-B9F7E0312405}"/>
+          </ac:spMkLst>
+        </pc:spChg>
+        <pc:spChg chg="mod ord">
+          <ac:chgData name="Park, Wonjun" userId="S::wxp7177@mavs.uta.edu::b7ccadb5-266d-4b52-a139-568b916a9101" providerId="AD" clId="Web-{94A22966-F01A-4769-B4F3-2371B12D2CD3}" dt="2025-09-05T20:07:21.131" v="54"/>
+          <ac:spMkLst>
+            <pc:docMk/>
+            <pc:sldMk cId="3293542955" sldId="305"/>
+            <ac:spMk id="5" creationId="{470A7149-66E7-B62E-54B1-B1F7DB908709}"/>
+          </ac:spMkLst>
+        </pc:spChg>
+        <pc:spChg chg="mod ord">
+          <ac:chgData name="Park, Wonjun" userId="S::wxp7177@mavs.uta.edu::b7ccadb5-266d-4b52-a139-568b916a9101" providerId="AD" clId="Web-{94A22966-F01A-4769-B4F3-2371B12D2CD3}" dt="2025-09-05T20:07:36.256" v="56"/>
+          <ac:spMkLst>
+            <pc:docMk/>
+            <pc:sldMk cId="3293542955" sldId="305"/>
+            <ac:spMk id="7" creationId="{B27691C9-33E9-19C3-8BF6-7AB513C373C9}"/>
+          </ac:spMkLst>
+        </pc:spChg>
+        <pc:spChg chg="add del mod">
+          <ac:chgData name="Park, Wonjun" userId="S::wxp7177@mavs.uta.edu::b7ccadb5-266d-4b52-a139-568b916a9101" providerId="AD" clId="Web-{94A22966-F01A-4769-B4F3-2371B12D2CD3}" dt="2025-09-05T20:06:07.616" v="39"/>
+          <ac:spMkLst>
+            <pc:docMk/>
+            <pc:sldMk cId="3293542955" sldId="305"/>
+            <ac:spMk id="13" creationId="{C5F3A2C3-E5A2-7E90-3653-688BD75507AC}"/>
+          </ac:spMkLst>
+        </pc:spChg>
+        <pc:spChg chg="mod">
+          <ac:chgData name="Park, Wonjun" userId="S::wxp7177@mavs.uta.edu::b7ccadb5-266d-4b52-a139-568b916a9101" providerId="AD" clId="Web-{94A22966-F01A-4769-B4F3-2371B12D2CD3}" dt="2025-09-05T20:07:21.131" v="54"/>
+          <ac:spMkLst>
+            <pc:docMk/>
+            <pc:sldMk cId="3293542955" sldId="305"/>
+            <ac:spMk id="15" creationId="{8733B58D-58AA-CE2C-AD15-C83BD1EB4251}"/>
+          </ac:spMkLst>
+        </pc:spChg>
+        <pc:spChg chg="add del">
+          <ac:chgData name="Park, Wonjun" userId="S::wxp7177@mavs.uta.edu::b7ccadb5-266d-4b52-a139-568b916a9101" providerId="AD" clId="Web-{94A22966-F01A-4769-B4F3-2371B12D2CD3}" dt="2025-09-05T20:07:21.131" v="54"/>
+          <ac:spMkLst>
+            <pc:docMk/>
+            <pc:sldMk cId="3293542955" sldId="305"/>
+            <ac:spMk id="22" creationId="{6112B4A7-3559-4D03-BE94-7DA52DBD6D40}"/>
+          </ac:spMkLst>
+        </pc:spChg>
+        <pc:spChg chg="add del">
+          <ac:chgData name="Park, Wonjun" userId="S::wxp7177@mavs.uta.edu::b7ccadb5-266d-4b52-a139-568b916a9101" providerId="AD" clId="Web-{94A22966-F01A-4769-B4F3-2371B12D2CD3}" dt="2025-09-05T20:07:21.131" v="54"/>
+          <ac:spMkLst>
+            <pc:docMk/>
+            <pc:sldMk cId="3293542955" sldId="305"/>
+            <ac:spMk id="24" creationId="{90464369-70FA-42AF-948F-80664CA7BFE5}"/>
+          </ac:spMkLst>
+        </pc:spChg>
+        <pc:spChg chg="add del">
+          <ac:chgData name="Park, Wonjun" userId="S::wxp7177@mavs.uta.edu::b7ccadb5-266d-4b52-a139-568b916a9101" providerId="AD" clId="Web-{94A22966-F01A-4769-B4F3-2371B12D2CD3}" dt="2025-09-05T20:07:21.131" v="54"/>
+          <ac:spMkLst>
+            <pc:docMk/>
+            <pc:sldMk cId="3293542955" sldId="305"/>
+            <ac:spMk id="26" creationId="{A648176E-454C-437C-B0FC-9B82FCF32B24}"/>
+          </ac:spMkLst>
+        </pc:spChg>
+        <pc:spChg chg="add del">
+          <ac:chgData name="Park, Wonjun" userId="S::wxp7177@mavs.uta.edu::b7ccadb5-266d-4b52-a139-568b916a9101" providerId="AD" clId="Web-{94A22966-F01A-4769-B4F3-2371B12D2CD3}" dt="2025-09-05T20:07:21.131" v="54"/>
+          <ac:spMkLst>
+            <pc:docMk/>
+            <pc:sldMk cId="3293542955" sldId="305"/>
+            <ac:spMk id="28" creationId="{A6604B49-AD5C-4590-B051-06C8222ECD99}"/>
+          </ac:spMkLst>
+        </pc:spChg>
+        <pc:spChg chg="add del">
+          <ac:chgData name="Park, Wonjun" userId="S::wxp7177@mavs.uta.edu::b7ccadb5-266d-4b52-a139-568b916a9101" providerId="AD" clId="Web-{94A22966-F01A-4769-B4F3-2371B12D2CD3}" dt="2025-09-05T20:07:21.131" v="54"/>
+          <ac:spMkLst>
+            <pc:docMk/>
+            <pc:sldMk cId="3293542955" sldId="305"/>
+            <ac:spMk id="30" creationId="{CC552A98-EF7D-4D42-AB69-066B786AB55B}"/>
+          </ac:spMkLst>
+        </pc:spChg>
+        <pc:picChg chg="mod ord">
+          <ac:chgData name="Park, Wonjun" userId="S::wxp7177@mavs.uta.edu::b7ccadb5-266d-4b52-a139-568b916a9101" providerId="AD" clId="Web-{94A22966-F01A-4769-B4F3-2371B12D2CD3}" dt="2025-09-05T20:07:09.725" v="53"/>
+          <ac:picMkLst>
+            <pc:docMk/>
+            <pc:sldMk cId="3293542955" sldId="305"/>
+            <ac:picMk id="3" creationId="{05B03E9B-B9DF-6099-D6C4-1342A772C1E5}"/>
+          </ac:picMkLst>
+        </pc:picChg>
+        <pc:picChg chg="mod">
+          <ac:chgData name="Park, Wonjun" userId="S::wxp7177@mavs.uta.edu::b7ccadb5-266d-4b52-a139-568b916a9101" providerId="AD" clId="Web-{94A22966-F01A-4769-B4F3-2371B12D2CD3}" dt="2025-09-05T20:07:21.131" v="54"/>
+          <ac:picMkLst>
+            <pc:docMk/>
+            <pc:sldMk cId="3293542955" sldId="305"/>
+            <ac:picMk id="6" creationId="{349BA8D9-9490-6ADE-DE2C-40E5E8EA223D}"/>
+          </ac:picMkLst>
+        </pc:picChg>
+        <pc:picChg chg="add del">
+          <ac:chgData name="Park, Wonjun" userId="S::wxp7177@mavs.uta.edu::b7ccadb5-266d-4b52-a139-568b916a9101" providerId="AD" clId="Web-{94A22966-F01A-4769-B4F3-2371B12D2CD3}" dt="2025-09-05T20:05:15.819" v="31"/>
+          <ac:picMkLst>
+            <pc:docMk/>
+            <pc:sldMk cId="3293542955" sldId="305"/>
+            <ac:picMk id="9" creationId="{428534DD-01D2-2F6A-4FAA-76CBEB16C1AF}"/>
+          </ac:picMkLst>
+        </pc:picChg>
+        <pc:picChg chg="add">
+          <ac:chgData name="Park, Wonjun" userId="S::wxp7177@mavs.uta.edu::b7ccadb5-266d-4b52-a139-568b916a9101" providerId="AD" clId="Web-{94A22966-F01A-4769-B4F3-2371B12D2CD3}" dt="2025-09-05T20:05:20.131" v="32"/>
+          <ac:picMkLst>
+            <pc:docMk/>
+            <pc:sldMk cId="3293542955" sldId="305"/>
+            <ac:picMk id="11" creationId="{ED1147E7-B471-301C-8D6F-FDE951E51FEC}"/>
+          </ac:picMkLst>
+        </pc:picChg>
+        <pc:picChg chg="add del mod">
+          <ac:chgData name="Park, Wonjun" userId="S::wxp7177@mavs.uta.edu::b7ccadb5-266d-4b52-a139-568b916a9101" providerId="AD" clId="Web-{94A22966-F01A-4769-B4F3-2371B12D2CD3}" dt="2025-09-05T20:06:12.022" v="41"/>
+          <ac:picMkLst>
+            <pc:docMk/>
+            <pc:sldMk cId="3293542955" sldId="305"/>
+            <ac:picMk id="14" creationId="{D5DA9F64-381A-C9E3-3C28-A70EEFA0C0ED}"/>
+          </ac:picMkLst>
+        </pc:picChg>
+        <pc:picChg chg="add">
+          <ac:chgData name="Park, Wonjun" userId="S::wxp7177@mavs.uta.edu::b7ccadb5-266d-4b52-a139-568b916a9101" providerId="AD" clId="Web-{94A22966-F01A-4769-B4F3-2371B12D2CD3}" dt="2025-09-05T20:07:06.850" v="52"/>
+          <ac:picMkLst>
+            <pc:docMk/>
+            <pc:sldMk cId="3293542955" sldId="305"/>
+            <ac:picMk id="17" creationId="{D6E653DD-4BD7-74D4-2530-FF30F6CBE6F7}"/>
+          </ac:picMkLst>
+        </pc:picChg>
+      </pc:sldChg>
+      <pc:sldChg chg="addSp delSp modSp">
+        <pc:chgData name="Park, Wonjun" userId="S::wxp7177@mavs.uta.edu::b7ccadb5-266d-4b52-a139-568b916a9101" providerId="AD" clId="Web-{94A22966-F01A-4769-B4F3-2371B12D2CD3}" dt="2025-09-05T20:07:00.881" v="51" actId="1076"/>
+        <pc:sldMkLst>
+          <pc:docMk/>
+          <pc:sldMk cId="471683116" sldId="306"/>
+        </pc:sldMkLst>
+        <pc:spChg chg="del">
+          <ac:chgData name="Park, Wonjun" userId="S::wxp7177@mavs.uta.edu::b7ccadb5-266d-4b52-a139-568b916a9101" providerId="AD" clId="Web-{94A22966-F01A-4769-B4F3-2371B12D2CD3}" dt="2025-09-05T20:06:26.694" v="42"/>
+          <ac:spMkLst>
+            <pc:docMk/>
+            <pc:sldMk cId="471683116" sldId="306"/>
+            <ac:spMk id="2" creationId="{8A15A0AA-D6C8-7ECB-D3C3-219012716882}"/>
+          </ac:spMkLst>
+        </pc:spChg>
+        <pc:spChg chg="add del mod">
+          <ac:chgData name="Park, Wonjun" userId="S::wxp7177@mavs.uta.edu::b7ccadb5-266d-4b52-a139-568b916a9101" providerId="AD" clId="Web-{94A22966-F01A-4769-B4F3-2371B12D2CD3}" dt="2025-09-05T20:06:28.006" v="43"/>
+          <ac:spMkLst>
+            <pc:docMk/>
+            <pc:sldMk cId="471683116" sldId="306"/>
+            <ac:spMk id="10" creationId="{54E179C3-C814-7659-D936-62D6F77819B0}"/>
+          </ac:spMkLst>
+        </pc:spChg>
+        <pc:picChg chg="del">
+          <ac:chgData name="Park, Wonjun" userId="S::wxp7177@mavs.uta.edu::b7ccadb5-266d-4b52-a139-568b916a9101" providerId="AD" clId="Web-{94A22966-F01A-4769-B4F3-2371B12D2CD3}" dt="2025-09-05T20:06:49.475" v="47"/>
+          <ac:picMkLst>
+            <pc:docMk/>
+            <pc:sldMk cId="471683116" sldId="306"/>
+            <ac:picMk id="3" creationId="{2FDDDF25-E262-993A-ABBD-DD1000A31C37}"/>
+          </ac:picMkLst>
+        </pc:picChg>
+        <pc:picChg chg="del">
+          <ac:chgData name="Park, Wonjun" userId="S::wxp7177@mavs.uta.edu::b7ccadb5-266d-4b52-a139-568b916a9101" providerId="AD" clId="Web-{94A22966-F01A-4769-B4F3-2371B12D2CD3}" dt="2025-09-05T20:06:47.412" v="46"/>
+          <ac:picMkLst>
+            <pc:docMk/>
+            <pc:sldMk cId="471683116" sldId="306"/>
+            <ac:picMk id="6" creationId="{E5804CB2-B6B7-CF9B-5BD9-4651285B95A0}"/>
+          </ac:picMkLst>
+        </pc:picChg>
+        <pc:picChg chg="add mod">
+          <ac:chgData name="Park, Wonjun" userId="S::wxp7177@mavs.uta.edu::b7ccadb5-266d-4b52-a139-568b916a9101" providerId="AD" clId="Web-{94A22966-F01A-4769-B4F3-2371B12D2CD3}" dt="2025-09-05T20:06:51.506" v="48" actId="1076"/>
+          <ac:picMkLst>
+            <pc:docMk/>
+            <pc:sldMk cId="471683116" sldId="306"/>
+            <ac:picMk id="8" creationId="{8A7FBAF8-8966-967A-0218-8CEFC9D7C69E}"/>
+          </ac:picMkLst>
+        </pc:picChg>
+        <pc:picChg chg="add mod ord">
+          <ac:chgData name="Park, Wonjun" userId="S::wxp7177@mavs.uta.edu::b7ccadb5-266d-4b52-a139-568b916a9101" providerId="AD" clId="Web-{94A22966-F01A-4769-B4F3-2371B12D2CD3}" dt="2025-09-05T20:07:00.881" v="51" actId="1076"/>
+          <ac:picMkLst>
+            <pc:docMk/>
+            <pc:sldMk cId="471683116" sldId="306"/>
+            <ac:picMk id="11" creationId="{3518B64C-D258-202C-AC0D-3B516FF942F4}"/>
+          </ac:picMkLst>
+        </pc:picChg>
+      </pc:sldChg>
+      <pc:sldChg chg="addSp del">
+        <pc:chgData name="Park, Wonjun" userId="S::wxp7177@mavs.uta.edu::b7ccadb5-266d-4b52-a139-568b916a9101" providerId="AD" clId="Web-{94A22966-F01A-4769-B4F3-2371B12D2CD3}" dt="2025-09-05T20:08:12.600" v="62"/>
+        <pc:sldMkLst>
+          <pc:docMk/>
+          <pc:sldMk cId="3516564138" sldId="307"/>
+        </pc:sldMkLst>
+        <pc:picChg chg="add">
+          <ac:chgData name="Park, Wonjun" userId="S::wxp7177@mavs.uta.edu::b7ccadb5-266d-4b52-a139-568b916a9101" providerId="AD" clId="Web-{94A22966-F01A-4769-B4F3-2371B12D2CD3}" dt="2025-09-05T20:05:29.881" v="34"/>
+          <ac:picMkLst>
+            <pc:docMk/>
+            <pc:sldMk cId="3516564138" sldId="307"/>
+            <ac:picMk id="9" creationId="{A2BA5D37-726C-B401-02D7-9006DD5C1E0C}"/>
+          </ac:picMkLst>
+        </pc:picChg>
+      </pc:sldChg>
+      <pc:sldChg chg="addSp modSp add replId">
+        <pc:chgData name="Park, Wonjun" userId="S::wxp7177@mavs.uta.edu::b7ccadb5-266d-4b52-a139-568b916a9101" providerId="AD" clId="Web-{94A22966-F01A-4769-B4F3-2371B12D2CD3}" dt="2025-09-05T20:08:09.819" v="61" actId="1076"/>
+        <pc:sldMkLst>
+          <pc:docMk/>
+          <pc:sldMk cId="4009198647" sldId="309"/>
+        </pc:sldMkLst>
+        <pc:spChg chg="add mod">
+          <ac:chgData name="Park, Wonjun" userId="S::wxp7177@mavs.uta.edu::b7ccadb5-266d-4b52-a139-568b916a9101" providerId="AD" clId="Web-{94A22966-F01A-4769-B4F3-2371B12D2CD3}" dt="2025-09-05T20:08:09.819" v="61" actId="1076"/>
+          <ac:spMkLst>
+            <pc:docMk/>
+            <pc:sldMk cId="4009198647" sldId="309"/>
+            <ac:spMk id="3" creationId="{15973021-4DFC-7F66-01CA-9D32ADD0FCD2}"/>
+          </ac:spMkLst>
+        </pc:spChg>
+        <pc:picChg chg="mod">
+          <ac:chgData name="Park, Wonjun" userId="S::wxp7177@mavs.uta.edu::b7ccadb5-266d-4b52-a139-568b916a9101" providerId="AD" clId="Web-{94A22966-F01A-4769-B4F3-2371B12D2CD3}" dt="2025-09-05T20:08:06.569" v="60" actId="14100"/>
+          <ac:picMkLst>
+            <pc:docMk/>
+            <pc:sldMk cId="4009198647" sldId="309"/>
+            <ac:picMk id="11" creationId="{191D98BD-0CC4-4C8E-2CC7-36CAE84694EB}"/>
+          </ac:picMkLst>
+        </pc:picChg>
+      </pc:sldChg>
+    </pc:docChg>
+  </pc:docChgLst>
+</pc:chgInfo>
+</file>
+
 <file path=ppt/notesMasters/notesMaster1.xml><?xml version="1.0" encoding="utf-8"?>
 <p:notesMaster xmlns:a="http://schemas.openxmlformats.org/drawingml/2006/main" xmlns:r="http://schemas.openxmlformats.org/officeDocument/2006/relationships" xmlns:p="http://schemas.openxmlformats.org/presentationml/2006/main">
   <p:cSld>
@@ -239,7 +636,7 @@
           <a:p>
             <a:fld id="{59C4774C-2001-2447-8C80-801716BED38F}" type="datetimeFigureOut">
               <a:rPr lang="en-KR" smtClean="0"/>
-              <a:t>9/3/25</a:t>
+              <a:t>09/05/2025</a:t>
             </a:fld>
             <a:endParaRPr lang="en-KR"/>
           </a:p>
@@ -656,7 +1053,7 @@
           <a:p>
             <a:fld id="{6093C486-3FC1-D047-8AAD-775C03B1D46D}" type="datetime1">
               <a:rPr lang="en-US" smtClean="0"/>
-              <a:t>9/3/25</a:t>
+              <a:t>9/5/2025</a:t>
             </a:fld>
             <a:endParaRPr lang="en-KR"/>
           </a:p>
@@ -856,7 +1253,7 @@
           <a:p>
             <a:fld id="{74F43B52-1EE7-7E49-82A9-FAE84E3792EC}" type="datetime1">
               <a:rPr lang="en-US" smtClean="0"/>
-              <a:t>9/3/25</a:t>
+              <a:t>9/5/2025</a:t>
             </a:fld>
             <a:endParaRPr lang="en-KR"/>
           </a:p>
@@ -1066,7 +1463,7 @@
           <a:p>
             <a:fld id="{23E00662-EEAF-0D45-B5FF-93297BDD54C0}" type="datetime1">
               <a:rPr lang="en-US" smtClean="0"/>
-              <a:t>9/3/25</a:t>
+              <a:t>9/5/2025</a:t>
             </a:fld>
             <a:endParaRPr lang="en-KR"/>
           </a:p>
@@ -1266,7 +1663,7 @@
           <a:p>
             <a:fld id="{68118D73-32D1-A847-AA81-E353C58266DD}" type="datetime1">
               <a:rPr lang="en-US" smtClean="0"/>
-              <a:t>9/3/25</a:t>
+              <a:t>9/5/2025</a:t>
             </a:fld>
             <a:endParaRPr lang="en-KR"/>
           </a:p>
@@ -1542,7 +1939,7 @@
           <a:p>
             <a:fld id="{ED4F0C8A-8D87-224E-912B-0C981F57F905}" type="datetime1">
               <a:rPr lang="en-US" smtClean="0"/>
-              <a:t>9/3/25</a:t>
+              <a:t>9/5/2025</a:t>
             </a:fld>
             <a:endParaRPr lang="en-KR"/>
           </a:p>
@@ -1810,7 +2207,7 @@
           <a:p>
             <a:fld id="{21C3F313-F49C-2040-9962-BF560DDCC7CA}" type="datetime1">
               <a:rPr lang="en-US" smtClean="0"/>
-              <a:t>9/3/25</a:t>
+              <a:t>9/5/2025</a:t>
             </a:fld>
             <a:endParaRPr lang="en-KR"/>
           </a:p>
@@ -2225,7 +2622,7 @@
           <a:p>
             <a:fld id="{7D467C72-4FC2-E744-89F6-2196F33FEDFC}" type="datetime1">
               <a:rPr lang="en-US" smtClean="0"/>
-              <a:t>9/3/25</a:t>
+              <a:t>9/5/2025</a:t>
             </a:fld>
             <a:endParaRPr lang="en-KR"/>
           </a:p>
@@ -2367,7 +2764,7 @@
           <a:p>
             <a:fld id="{BE3D0B36-39CF-3C40-AF2F-273CBE04BEB2}" type="datetime1">
               <a:rPr lang="en-US" smtClean="0"/>
-              <a:t>9/3/25</a:t>
+              <a:t>9/5/2025</a:t>
             </a:fld>
             <a:endParaRPr lang="en-KR"/>
           </a:p>
@@ -2480,7 +2877,7 @@
           <a:p>
             <a:fld id="{31650A9D-8DFF-B740-A01D-EB2FF93D258C}" type="datetime1">
               <a:rPr lang="en-US" smtClean="0"/>
-              <a:t>9/3/25</a:t>
+              <a:t>9/5/2025</a:t>
             </a:fld>
             <a:endParaRPr lang="en-KR"/>
           </a:p>
@@ -2793,7 +3190,7 @@
           <a:p>
             <a:fld id="{265983C3-29C2-8D4D-9024-3854AFA4D352}" type="datetime1">
               <a:rPr lang="en-US" smtClean="0"/>
-              <a:t>9/3/25</a:t>
+              <a:t>9/5/2025</a:t>
             </a:fld>
             <a:endParaRPr lang="en-KR"/>
           </a:p>
@@ -3082,7 +3479,7 @@
           <a:p>
             <a:fld id="{9C72AF14-B600-2C4D-ABB0-51C5A8D429B0}" type="datetime1">
               <a:rPr lang="en-US" smtClean="0"/>
-              <a:t>9/3/25</a:t>
+              <a:t>9/5/2025</a:t>
             </a:fld>
             <a:endParaRPr lang="en-KR"/>
           </a:p>
@@ -3325,7 +3722,7 @@
           <a:p>
             <a:fld id="{480F38A0-08EA-A847-AADD-5A3F09E1CFA9}" type="datetime1">
               <a:rPr lang="en-US" smtClean="0"/>
-              <a:t>9/3/25</a:t>
+              <a:t>9/5/2025</a:t>
             </a:fld>
             <a:endParaRPr lang="en-KR"/>
           </a:p>
@@ -4146,7 +4543,7 @@
           <a:p>
             <a:fld id="{ED4F0C8A-8D87-224E-912B-0C981F57F905}" type="datetime1">
               <a:rPr lang="en-US" smtClean="0"/>
-              <a:t>9/3/25</a:t>
+              <a:t>9/5/2025</a:t>
             </a:fld>
             <a:endParaRPr lang="en-KR"/>
           </a:p>
@@ -4234,7 +4631,7 @@
           <a:p>
             <a:fld id="{68118D73-32D1-A847-AA81-E353C58266DD}" type="datetime1">
               <a:rPr lang="en-US" smtClean="0"/>
-              <a:t>9/3/25</a:t>
+              <a:t>9/5/2025</a:t>
             </a:fld>
             <a:endParaRPr lang="en-KR"/>
           </a:p>
@@ -4411,7 +4808,7 @@
           <a:p>
             <a:fld id="{68118D73-32D1-A847-AA81-E353C58266DD}" type="datetime1">
               <a:rPr lang="en-US" smtClean="0"/>
-              <a:t>9/3/25</a:t>
+              <a:t>9/5/2025</a:t>
             </a:fld>
             <a:endParaRPr lang="en-KR"/>
           </a:p>
@@ -4663,7 +5060,7 @@
           <a:p>
             <a:fld id="{68118D73-32D1-A847-AA81-E353C58266DD}" type="datetime1">
               <a:rPr lang="en-US" smtClean="0"/>
-              <a:t>9/3/25</a:t>
+              <a:t>9/5/2025</a:t>
             </a:fld>
             <a:endParaRPr lang="en-KR"/>
           </a:p>
@@ -4840,7 +5237,7 @@
           <a:p>
             <a:fld id="{68118D73-32D1-A847-AA81-E353C58266DD}" type="datetime1">
               <a:rPr lang="en-US" smtClean="0"/>
-              <a:t>9/3/25</a:t>
+              <a:t>9/5/2025</a:t>
             </a:fld>
             <a:endParaRPr lang="en-KR"/>
           </a:p>
@@ -5077,7 +5474,7 @@
           <a:p>
             <a:fld id="{68118D73-32D1-A847-AA81-E353C58266DD}" type="datetime1">
               <a:rPr lang="en-US" smtClean="0"/>
-              <a:t>9/3/25</a:t>
+              <a:t>9/5/2025</a:t>
             </a:fld>
             <a:endParaRPr lang="en-KR"/>
           </a:p>
@@ -5254,7 +5651,7 @@
           <a:p>
             <a:fld id="{68118D73-32D1-A847-AA81-E353C58266DD}" type="datetime1">
               <a:rPr lang="en-US" smtClean="0"/>
-              <a:t>9/3/25</a:t>
+              <a:t>9/5/2025</a:t>
             </a:fld>
             <a:endParaRPr lang="en-KR"/>
           </a:p>
@@ -6134,7 +6531,7 @@
           <a:p>
             <a:fld id="{68118D73-32D1-A847-AA81-E353C58266DD}" type="datetime1">
               <a:rPr lang="en-US" smtClean="0"/>
-              <a:t>9/3/25</a:t>
+              <a:t>9/5/2025</a:t>
             </a:fld>
             <a:endParaRPr lang="en-KR"/>
           </a:p>
@@ -6311,7 +6708,7 @@
           <a:p>
             <a:fld id="{68118D73-32D1-A847-AA81-E353C58266DD}" type="datetime1">
               <a:rPr lang="en-US" smtClean="0"/>
-              <a:t>9/3/25</a:t>
+              <a:t>9/5/2025</a:t>
             </a:fld>
             <a:endParaRPr lang="en-KR"/>
           </a:p>
@@ -6429,373 +6826,98 @@
           </a:prstGeom>
         </p:spPr>
       </p:pic>
-      <mc:AlternateContent xmlns:mc="http://schemas.openxmlformats.org/markup-compatibility/2006" xmlns:a14="http://schemas.microsoft.com/office/drawing/2010/main">
-        <mc:Choice Requires="a14">
-          <p:sp>
-            <p:nvSpPr>
-              <p:cNvPr id="6" name="Content Placeholder 8">
-                <a:extLst>
-                  <a:ext uri="{FF2B5EF4-FFF2-40B4-BE49-F238E27FC236}">
-                    <a16:creationId xmlns:a16="http://schemas.microsoft.com/office/drawing/2014/main" id="{F89CDFB1-87A1-8C51-2F9F-C4694DB468D5}"/>
-                  </a:ext>
-                </a:extLst>
-              </p:cNvPr>
-              <p:cNvSpPr>
-                <a:spLocks noGrp="1"/>
-              </p:cNvSpPr>
-              <p:nvPr>
-                <p:ph idx="1"/>
-              </p:nvPr>
-            </p:nvSpPr>
-            <p:spPr>
-              <a:xfrm>
-                <a:off x="838200" y="2774193"/>
-                <a:ext cx="10515600" cy="3402770"/>
-              </a:xfrm>
-            </p:spPr>
-            <p:txBody>
-              <a:bodyPr/>
-              <a:lstStyle/>
-              <a:p>
-                <a:pPr marL="0" indent="0">
-                  <a:buNone/>
-                </a:pPr>
-                <a:r>
-                  <a:rPr lang="en-KR">
-                    <a:latin typeface="Apple SD Gothic Neo" panose="02000300000000000000" pitchFamily="2" charset="-127"/>
-                    <a:ea typeface="Apple SD Gothic Neo" panose="02000300000000000000" pitchFamily="2" charset="-127"/>
-                  </a:rPr>
-                  <a:t>Case i.</a:t>
-                </a:r>
-              </a:p>
-              <a:p>
-                <a:pPr marL="0" indent="0" algn="ctr">
-                  <a:buNone/>
-                </a:pPr>
-                <a14:m>
-                  <m:oMathPara xmlns:m="http://schemas.openxmlformats.org/officeDocument/2006/math">
-                    <m:oMathParaPr>
-                      <m:jc m:val="centerGroup"/>
-                    </m:oMathParaPr>
-                    <m:oMath xmlns:m="http://schemas.openxmlformats.org/officeDocument/2006/math">
-                      <m:f>
-                        <m:fPr>
-                          <m:ctrlPr>
-                            <a:rPr lang="en-KR" i="1" smtClean="0">
-                              <a:latin typeface="Cambria Math" panose="02040503050406030204" pitchFamily="18" charset="0"/>
-                              <a:ea typeface="Apple SD Gothic Neo" panose="02000300000000000000" pitchFamily="2" charset="-127"/>
-                            </a:rPr>
-                          </m:ctrlPr>
-                        </m:fPr>
-                        <m:num/>
-                        <m:den>
-                          <m:func>
-                            <m:funcPr>
-                              <m:ctrlPr>
-                                <a:rPr lang="en-US" b="0" i="1" smtClean="0">
-                                  <a:latin typeface="Cambria Math" panose="02040503050406030204" pitchFamily="18" charset="0"/>
-                                  <a:ea typeface="Apple SD Gothic Neo" panose="02000300000000000000" pitchFamily="2" charset="-127"/>
-                                </a:rPr>
-                              </m:ctrlPr>
-                            </m:funcPr>
-                            <m:fName>
-                              <m:r>
-                                <m:rPr>
-                                  <m:sty m:val="p"/>
-                                </m:rPr>
-                                <a:rPr lang="en-US" b="0" i="0" smtClean="0">
-                                  <a:latin typeface="Cambria Math" panose="02040503050406030204" pitchFamily="18" charset="0"/>
-                                  <a:ea typeface="Apple SD Gothic Neo" panose="02000300000000000000" pitchFamily="2" charset="-127"/>
-                                </a:rPr>
-                                <m:t>max</m:t>
-                              </m:r>
-                            </m:fName>
-                            <m:e>
-                              <m:r>
-                                <a:rPr lang="en-US" b="0" i="1" smtClean="0">
-                                  <a:latin typeface="Cambria Math" panose="02040503050406030204" pitchFamily="18" charset="0"/>
-                                  <a:ea typeface="Apple SD Gothic Neo" panose="02000300000000000000" pitchFamily="2" charset="-127"/>
-                                </a:rPr>
-                                <m:t>𝑍</m:t>
-                              </m:r>
-                              <m:r>
-                                <a:rPr lang="en-US" b="0" i="1" smtClean="0">
-                                  <a:latin typeface="Cambria Math" panose="02040503050406030204" pitchFamily="18" charset="0"/>
-                                  <a:ea typeface="Apple SD Gothic Neo" panose="02000300000000000000" pitchFamily="2" charset="-127"/>
-                                </a:rPr>
-                                <m:t> </m:t>
-                              </m:r>
-                              <m:r>
-                                <a:rPr lang="en-US" b="0" i="1" smtClean="0">
-                                  <a:latin typeface="Cambria Math" panose="02040503050406030204" pitchFamily="18" charset="0"/>
-                                  <a:ea typeface="Apple SD Gothic Neo" panose="02000300000000000000" pitchFamily="2" charset="-127"/>
-                                </a:rPr>
-                                <m:t>𝑛</m:t>
-                              </m:r>
-                              <m:r>
-                                <a:rPr lang="en-US" b="0" i="1" smtClean="0">
-                                  <a:latin typeface="Cambria Math" panose="02040503050406030204" pitchFamily="18" charset="0"/>
-                                  <a:ea typeface="Apple SD Gothic Neo" panose="02000300000000000000" pitchFamily="2" charset="-127"/>
-                                </a:rPr>
-                                <m:t> </m:t>
-                              </m:r>
-                              <m:r>
-                                <a:rPr lang="en-US" b="0" i="1" smtClean="0">
-                                  <a:latin typeface="Cambria Math" panose="02040503050406030204" pitchFamily="18" charset="0"/>
-                                  <a:ea typeface="Apple SD Gothic Neo" panose="02000300000000000000" pitchFamily="2" charset="-127"/>
-                                </a:rPr>
-                                <m:t>𝑛</m:t>
-                              </m:r>
-                            </m:e>
-                          </m:func>
-                        </m:den>
-                      </m:f>
-                      <m:func>
-                        <m:funcPr>
-                          <m:ctrlPr>
-                            <a:rPr lang="en-US" b="0" i="1" smtClean="0">
-                              <a:latin typeface="Cambria Math" panose="02040503050406030204" pitchFamily="18" charset="0"/>
-                              <a:ea typeface="Apple SD Gothic Neo" panose="02000300000000000000" pitchFamily="2" charset="-127"/>
-                            </a:rPr>
-                          </m:ctrlPr>
-                        </m:funcPr>
-                        <m:fName>
-                          <m:r>
-                            <m:rPr>
-                              <m:sty m:val="p"/>
-                            </m:rPr>
-                            <a:rPr lang="en-US" b="0" i="0" smtClean="0">
-                              <a:latin typeface="Cambria Math" panose="02040503050406030204" pitchFamily="18" charset="0"/>
-                              <a:ea typeface="Apple SD Gothic Neo" panose="02000300000000000000" pitchFamily="2" charset="-127"/>
-                            </a:rPr>
-                            <m:t>max</m:t>
-                          </m:r>
-                        </m:fName>
-                        <m:e>
-                          <m:r>
-                            <a:rPr lang="en-US" b="0" i="1" smtClean="0">
-                              <a:latin typeface="Cambria Math" panose="02040503050406030204" pitchFamily="18" charset="0"/>
-                              <a:ea typeface="Apple SD Gothic Neo" panose="02000300000000000000" pitchFamily="2" charset="-127"/>
-                            </a:rPr>
-                            <m:t>𝑍𝑛</m:t>
-                          </m:r>
-                        </m:e>
-                      </m:func>
-                    </m:oMath>
-                  </m:oMathPara>
-                </a14:m>
-                <a:endParaRPr lang="en-US" b="0">
-                  <a:latin typeface="Apple SD Gothic Neo" panose="02000300000000000000" pitchFamily="2" charset="-127"/>
-                  <a:ea typeface="Apple SD Gothic Neo" panose="02000300000000000000" pitchFamily="2" charset="-127"/>
-                </a:endParaRPr>
-              </a:p>
-              <a:p>
-                <a:pPr marL="0" indent="0" algn="ctr">
-                  <a:buNone/>
-                </a:pPr>
-                <a:r>
-                  <a:rPr lang="en-US">
-                    <a:latin typeface="Apple SD Gothic Neo" panose="02000300000000000000" pitchFamily="2" charset="-127"/>
-                    <a:ea typeface="Apple SD Gothic Neo" panose="02000300000000000000" pitchFamily="2" charset="-127"/>
-                  </a:rPr>
-                  <a:t>I</a:t>
-                </a:r>
-                <a:r>
-                  <a:rPr lang="en-KR">
-                    <a:latin typeface="Apple SD Gothic Neo" panose="02000300000000000000" pitchFamily="2" charset="-127"/>
-                    <a:ea typeface="Apple SD Gothic Neo" panose="02000300000000000000" pitchFamily="2" charset="-127"/>
-                  </a:rPr>
-                  <a:t>f max Z n n, then max n Z n?</a:t>
-                </a:r>
-              </a:p>
-              <a:p>
-                <a:pPr marL="0" indent="0" algn="just">
-                  <a:buNone/>
-                </a:pPr>
-                <a:r>
-                  <a:rPr lang="en-KR">
-                    <a:latin typeface="Apple SD Gothic Neo" panose="02000300000000000000" pitchFamily="2" charset="-127"/>
-                    <a:ea typeface="Apple SD Gothic Neo" panose="02000300000000000000" pitchFamily="2" charset="-127"/>
-                  </a:rPr>
-                  <a:t>Proof)</a:t>
-                </a:r>
-              </a:p>
-              <a:p>
-                <a:pPr marL="0" indent="0" algn="just">
-                  <a:buNone/>
-                </a:pPr>
-                <a14:m>
-                  <m:oMathPara xmlns:m="http://schemas.openxmlformats.org/officeDocument/2006/math">
-                    <m:oMathParaPr>
-                      <m:jc m:val="centerGroup"/>
-                    </m:oMathParaPr>
-                    <m:oMath xmlns:m="http://schemas.openxmlformats.org/officeDocument/2006/math">
-                      <m:func>
-                        <m:funcPr>
-                          <m:ctrlPr>
-                            <a:rPr lang="en-US" b="0" i="1" smtClean="0">
-                              <a:latin typeface="Cambria Math" panose="02040503050406030204" pitchFamily="18" charset="0"/>
-                              <a:ea typeface="Apple SD Gothic Neo" panose="02000300000000000000" pitchFamily="2" charset="-127"/>
-                            </a:rPr>
-                          </m:ctrlPr>
-                        </m:funcPr>
-                        <m:fName>
-                          <m:r>
-                            <m:rPr>
-                              <m:sty m:val="p"/>
-                            </m:rPr>
-                            <a:rPr lang="en-US" b="0" i="0" smtClean="0">
-                              <a:latin typeface="Cambria Math" panose="02040503050406030204" pitchFamily="18" charset="0"/>
-                              <a:ea typeface="Apple SD Gothic Neo" panose="02000300000000000000" pitchFamily="2" charset="-127"/>
-                            </a:rPr>
-                            <m:t>max</m:t>
-                          </m:r>
-                        </m:fName>
-                        <m:e>
-                          <m:r>
-                            <a:rPr lang="en-US" b="0" i="1" smtClean="0">
-                              <a:latin typeface="Cambria Math" panose="02040503050406030204" pitchFamily="18" charset="0"/>
-                              <a:ea typeface="Apple SD Gothic Neo" panose="02000300000000000000" pitchFamily="2" charset="-127"/>
-                            </a:rPr>
-                            <m:t>𝑛</m:t>
-                          </m:r>
-                          <m:r>
-                            <a:rPr lang="en-US" b="0" i="1" smtClean="0">
-                              <a:latin typeface="Cambria Math" panose="02040503050406030204" pitchFamily="18" charset="0"/>
-                              <a:ea typeface="Apple SD Gothic Neo" panose="02000300000000000000" pitchFamily="2" charset="-127"/>
-                            </a:rPr>
-                            <m:t> </m:t>
-                          </m:r>
-                          <m:r>
-                            <a:rPr lang="en-US" b="0" i="1" smtClean="0">
-                              <a:latin typeface="Cambria Math" panose="02040503050406030204" pitchFamily="18" charset="0"/>
-                              <a:ea typeface="Apple SD Gothic Neo" panose="02000300000000000000" pitchFamily="2" charset="-127"/>
-                            </a:rPr>
-                            <m:t>𝑍</m:t>
-                          </m:r>
-                          <m:r>
-                            <a:rPr lang="en-US" b="0" i="1" smtClean="0">
-                              <a:latin typeface="Cambria Math" panose="02040503050406030204" pitchFamily="18" charset="0"/>
-                              <a:ea typeface="Apple SD Gothic Neo" panose="02000300000000000000" pitchFamily="2" charset="-127"/>
-                            </a:rPr>
-                            <m:t> </m:t>
-                          </m:r>
-                          <m:r>
-                            <a:rPr lang="en-US" b="0" i="1" smtClean="0">
-                              <a:latin typeface="Cambria Math" panose="02040503050406030204" pitchFamily="18" charset="0"/>
-                              <a:ea typeface="Apple SD Gothic Neo" panose="02000300000000000000" pitchFamily="2" charset="-127"/>
-                            </a:rPr>
-                            <m:t>𝑛</m:t>
-                          </m:r>
-                          <m:r>
-                            <a:rPr lang="en-US" b="0" i="1" smtClean="0">
-                              <a:latin typeface="Cambria Math" panose="02040503050406030204" pitchFamily="18" charset="0"/>
-                              <a:ea typeface="Apple SD Gothic Neo" panose="02000300000000000000" pitchFamily="2" charset="-127"/>
-                            </a:rPr>
-                            <m:t> (</m:t>
-                          </m:r>
-                          <m:r>
-                            <a:rPr lang="en-US" b="0" i="1" smtClean="0">
-                              <a:latin typeface="Cambria Math" panose="02040503050406030204" pitchFamily="18" charset="0"/>
-                              <a:ea typeface="Apple SD Gothic Neo" panose="02000300000000000000" pitchFamily="2" charset="-127"/>
-                            </a:rPr>
-                            <m:t>𝐵𝑦</m:t>
-                          </m:r>
-                          <m:func>
-                            <m:funcPr>
-                              <m:ctrlPr>
-                                <a:rPr lang="en-US" b="0" i="1" smtClean="0">
-                                  <a:latin typeface="Cambria Math" panose="02040503050406030204" pitchFamily="18" charset="0"/>
-                                  <a:ea typeface="Apple SD Gothic Neo" panose="02000300000000000000" pitchFamily="2" charset="-127"/>
-                                </a:rPr>
-                              </m:ctrlPr>
-                            </m:funcPr>
-                            <m:fName>
-                              <m:r>
-                                <m:rPr>
-                                  <m:sty m:val="p"/>
-                                </m:rPr>
-                                <a:rPr lang="en-US" b="0" i="0" smtClean="0">
-                                  <a:latin typeface="Cambria Math" panose="02040503050406030204" pitchFamily="18" charset="0"/>
-                                  <a:ea typeface="Apple SD Gothic Neo" panose="02000300000000000000" pitchFamily="2" charset="-127"/>
-                                </a:rPr>
-                                <m:t>max</m:t>
-                              </m:r>
-                            </m:fName>
-                            <m:e>
-                              <m:r>
-                                <a:rPr lang="en-US" b="0" i="1" smtClean="0">
-                                  <a:latin typeface="Cambria Math" panose="02040503050406030204" pitchFamily="18" charset="0"/>
-                                  <a:ea typeface="Apple SD Gothic Neo" panose="02000300000000000000" pitchFamily="2" charset="-127"/>
-                                </a:rPr>
-                                <m:t>𝑛𝑍</m:t>
-                              </m:r>
-                              <m:r>
-                                <a:rPr lang="en-US" b="0" i="1" smtClean="0">
-                                  <a:latin typeface="Cambria Math" panose="02040503050406030204" pitchFamily="18" charset="0"/>
-                                  <a:ea typeface="Apple SD Gothic Neo" panose="02000300000000000000" pitchFamily="2" charset="-127"/>
-                                </a:rPr>
-                                <m:t>)</m:t>
-                              </m:r>
-                            </m:e>
-                          </m:func>
-                        </m:e>
-                      </m:func>
-                    </m:oMath>
-                  </m:oMathPara>
-                </a14:m>
-                <a:endParaRPr lang="en-KR">
-                  <a:latin typeface="Apple SD Gothic Neo" panose="02000300000000000000" pitchFamily="2" charset="-127"/>
-                  <a:ea typeface="Apple SD Gothic Neo" panose="02000300000000000000" pitchFamily="2" charset="-127"/>
-                </a:endParaRPr>
-              </a:p>
-            </p:txBody>
-          </p:sp>
-        </mc:Choice>
-        <mc:Fallback xmlns="">
-          <p:sp>
-            <p:nvSpPr>
-              <p:cNvPr id="6" name="Content Placeholder 8">
-                <a:extLst>
-                  <a:ext uri="{FF2B5EF4-FFF2-40B4-BE49-F238E27FC236}">
-                    <a16:creationId xmlns:a16="http://schemas.microsoft.com/office/drawing/2014/main" id="{F89CDFB1-87A1-8C51-2F9F-C4694DB468D5}"/>
-                  </a:ext>
-                </a:extLst>
-              </p:cNvPr>
-              <p:cNvSpPr>
-                <a:spLocks noGrp="1" noRot="1" noChangeAspect="1" noMove="1" noResize="1" noEditPoints="1" noAdjustHandles="1" noChangeArrowheads="1" noChangeShapeType="1" noTextEdit="1"/>
-              </p:cNvSpPr>
-              <p:nvPr>
-                <p:ph idx="1"/>
-              </p:nvPr>
-            </p:nvSpPr>
-            <p:spPr>
-              <a:xfrm>
-                <a:off x="838200" y="2774193"/>
-                <a:ext cx="10515600" cy="3402770"/>
-              </a:xfrm>
-              <a:blipFill>
-                <a:blip r:embed="rId3"/>
-                <a:stretch>
-                  <a:fillRect l="-1206" t="-2602"/>
-                </a:stretch>
-              </a:blipFill>
-            </p:spPr>
-            <p:txBody>
-              <a:bodyPr/>
-              <a:lstStyle/>
-              <a:p>
-                <a:r>
-                  <a:rPr lang="en-KR">
-                    <a:noFill/>
-                  </a:rPr>
-                  <a:t> </a:t>
-                </a:r>
-              </a:p>
-            </p:txBody>
-          </p:sp>
-        </mc:Fallback>
-      </mc:AlternateContent>
+      <p:pic>
+        <p:nvPicPr>
+          <p:cNvPr id="3" name="Picture 2">
+            <a:extLst>
+              <a:ext uri="{FF2B5EF4-FFF2-40B4-BE49-F238E27FC236}">
+                <a16:creationId xmlns:a16="http://schemas.microsoft.com/office/drawing/2014/main" id="{7AA41DC8-D8D5-D57A-F1F1-65D30E5F2D8B}"/>
+              </a:ext>
+            </a:extLst>
+          </p:cNvPr>
+          <p:cNvPicPr>
+            <a:picLocks noChangeAspect="1"/>
+          </p:cNvPicPr>
+          <p:nvPr/>
+        </p:nvPicPr>
+        <p:blipFill>
+          <a:blip r:embed="rId3"/>
+          <a:stretch>
+            <a:fillRect/>
+          </a:stretch>
+        </p:blipFill>
+        <p:spPr>
+          <a:xfrm>
+            <a:off x="925429" y="2455445"/>
+            <a:ext cx="5648826" cy="342900"/>
+          </a:xfrm>
+          <a:prstGeom prst="rect">
+            <a:avLst/>
+          </a:prstGeom>
+        </p:spPr>
+      </p:pic>
+      <p:pic>
+        <p:nvPicPr>
+          <p:cNvPr id="9" name="Content Placeholder 8" descr="A close-up of a white background&#10;&#10;AI-generated content may be incorrect.">
+            <a:extLst>
+              <a:ext uri="{FF2B5EF4-FFF2-40B4-BE49-F238E27FC236}">
+                <a16:creationId xmlns:a16="http://schemas.microsoft.com/office/drawing/2014/main" id="{56D22EFA-9D00-E492-C47A-37250A405189}"/>
+              </a:ext>
+            </a:extLst>
+          </p:cNvPr>
+          <p:cNvPicPr>
+            <a:picLocks noGrp="1" noChangeAspect="1"/>
+          </p:cNvPicPr>
+          <p:nvPr>
+            <p:ph idx="1"/>
+          </p:nvPr>
+        </p:nvPicPr>
+        <p:blipFill>
+          <a:blip r:embed="rId4"/>
+          <a:stretch>
+            <a:fillRect/>
+          </a:stretch>
+        </p:blipFill>
+        <p:spPr>
+          <a:xfrm>
+            <a:off x="949678" y="3061140"/>
+            <a:ext cx="10102143" cy="1964971"/>
+          </a:xfrm>
+          <a:prstGeom prst="rect">
+            <a:avLst/>
+          </a:prstGeom>
+        </p:spPr>
+      </p:pic>
+      <p:pic>
+        <p:nvPicPr>
+          <p:cNvPr id="10" name="Picture 9" descr="A close-up of a person holding a microphone&#10;&#10;AI-generated content may be incorrect.">
+            <a:extLst>
+              <a:ext uri="{FF2B5EF4-FFF2-40B4-BE49-F238E27FC236}">
+                <a16:creationId xmlns:a16="http://schemas.microsoft.com/office/drawing/2014/main" id="{70996D56-D72B-D061-4E7F-8CEDED255FC8}"/>
+              </a:ext>
+            </a:extLst>
+          </p:cNvPr>
+          <p:cNvPicPr>
+            <a:picLocks noChangeAspect="1"/>
+          </p:cNvPicPr>
+          <p:nvPr/>
+        </p:nvPicPr>
+        <p:blipFill>
+          <a:blip r:embed="rId5"/>
+          <a:stretch>
+            <a:fillRect/>
+          </a:stretch>
+        </p:blipFill>
+        <p:spPr>
+          <a:xfrm>
+            <a:off x="963789" y="5021086"/>
+            <a:ext cx="10073921" cy="1077382"/>
+          </a:xfrm>
+          <a:prstGeom prst="rect">
+            <a:avLst/>
+          </a:prstGeom>
+        </p:spPr>
+      </p:pic>
     </p:spTree>
     <p:extLst>
       <p:ext uri="{BB962C8B-B14F-4D97-AF65-F5344CB8AC3E}">
@@ -6969,7 +7091,7 @@
           <a:p>
             <a:fld id="{68118D73-32D1-A847-AA81-E353C58266DD}" type="datetime1">
               <a:rPr lang="en-US" smtClean="0"/>
-              <a:t>9/3/25</a:t>
+              <a:t>9/5/2025</a:t>
             </a:fld>
             <a:endParaRPr lang="en-KR"/>
           </a:p>
@@ -7018,550 +7140,6 @@
 </file>
 
 <file path=ppt/slides/slide20.xml><?xml version="1.0" encoding="utf-8"?>
-<p:sld xmlns:a="http://schemas.openxmlformats.org/drawingml/2006/main" xmlns:r="http://schemas.openxmlformats.org/officeDocument/2006/relationships" xmlns:p="http://schemas.openxmlformats.org/presentationml/2006/main">
-  <p:cSld>
-    <p:spTree>
-      <p:nvGrpSpPr>
-        <p:cNvPr id="1" name="">
-          <a:extLst>
-            <a:ext uri="{FF2B5EF4-FFF2-40B4-BE49-F238E27FC236}">
-              <a16:creationId xmlns:a16="http://schemas.microsoft.com/office/drawing/2014/main" id="{D5648093-4B4F-27AD-58D6-776E5801E37D}"/>
-            </a:ext>
-          </a:extLst>
-        </p:cNvPr>
-        <p:cNvGrpSpPr/>
-        <p:nvPr/>
-      </p:nvGrpSpPr>
-      <p:grpSpPr>
-        <a:xfrm>
-          <a:off x="0" y="0"/>
-          <a:ext cx="0" cy="0"/>
-          <a:chOff x="0" y="0"/>
-          <a:chExt cx="0" cy="0"/>
-        </a:xfrm>
-      </p:grpSpPr>
-      <p:sp>
-        <p:nvSpPr>
-          <p:cNvPr id="4" name="Date Placeholder 3">
-            <a:extLst>
-              <a:ext uri="{FF2B5EF4-FFF2-40B4-BE49-F238E27FC236}">
-                <a16:creationId xmlns:a16="http://schemas.microsoft.com/office/drawing/2014/main" id="{0017D542-C076-150B-C863-91BDD572A565}"/>
-              </a:ext>
-            </a:extLst>
-          </p:cNvPr>
-          <p:cNvSpPr>
-            <a:spLocks noGrp="1"/>
-          </p:cNvSpPr>
-          <p:nvPr>
-            <p:ph type="dt" sz="half" idx="10"/>
-          </p:nvPr>
-        </p:nvSpPr>
-        <p:spPr/>
-        <p:txBody>
-          <a:bodyPr/>
-          <a:lstStyle/>
-          <a:p>
-            <a:fld id="{68118D73-32D1-A847-AA81-E353C58266DD}" type="datetime1">
-              <a:rPr lang="en-US" smtClean="0"/>
-              <a:t>9/3/25</a:t>
-            </a:fld>
-            <a:endParaRPr lang="en-KR"/>
-          </a:p>
-        </p:txBody>
-      </p:sp>
-      <p:sp>
-        <p:nvSpPr>
-          <p:cNvPr id="5" name="Slide Number Placeholder 4">
-            <a:extLst>
-              <a:ext uri="{FF2B5EF4-FFF2-40B4-BE49-F238E27FC236}">
-                <a16:creationId xmlns:a16="http://schemas.microsoft.com/office/drawing/2014/main" id="{A4394D54-5496-C7D2-E50A-1447B2DDAEA5}"/>
-              </a:ext>
-            </a:extLst>
-          </p:cNvPr>
-          <p:cNvSpPr>
-            <a:spLocks noGrp="1"/>
-          </p:cNvSpPr>
-          <p:nvPr>
-            <p:ph type="sldNum" sz="quarter" idx="12"/>
-          </p:nvPr>
-        </p:nvSpPr>
-        <p:spPr/>
-        <p:txBody>
-          <a:bodyPr/>
-          <a:lstStyle/>
-          <a:p>
-            <a:fld id="{98A7C90A-C1D4-1A4A-BB39-07FDF258A5BB}" type="slidenum">
-              <a:rPr lang="en-KR" smtClean="0"/>
-              <a:t>20</a:t>
-            </a:fld>
-            <a:endParaRPr lang="en-KR"/>
-          </a:p>
-        </p:txBody>
-      </p:sp>
-      <p:sp>
-        <p:nvSpPr>
-          <p:cNvPr id="15" name="Title 1">
-            <a:extLst>
-              <a:ext uri="{FF2B5EF4-FFF2-40B4-BE49-F238E27FC236}">
-                <a16:creationId xmlns:a16="http://schemas.microsoft.com/office/drawing/2014/main" id="{F2633C6C-780A-6137-0ABE-E445AC4C65C6}"/>
-              </a:ext>
-            </a:extLst>
-          </p:cNvPr>
-          <p:cNvSpPr>
-            <a:spLocks noGrp="1"/>
-          </p:cNvSpPr>
-          <p:nvPr>
-            <p:ph type="title"/>
-          </p:nvPr>
-        </p:nvSpPr>
-        <p:spPr>
-          <a:xfrm>
-            <a:off x="838200" y="365125"/>
-            <a:ext cx="10515600" cy="1325563"/>
-          </a:xfrm>
-        </p:spPr>
-        <p:txBody>
-          <a:bodyPr/>
-          <a:lstStyle/>
-          <a:p>
-            <a:r>
-              <a:rPr lang="en-KR" b="1">
-                <a:latin typeface="Apple SD Gothic Neo" panose="02000300000000000000" pitchFamily="2" charset="-127"/>
-                <a:ea typeface="Apple SD Gothic Neo" panose="02000300000000000000" pitchFamily="2" charset="-127"/>
-              </a:rPr>
-              <a:t>Problem 2</a:t>
-            </a:r>
-            <a:br>
-              <a:rPr lang="en-KR" b="1">
-                <a:latin typeface="Apple SD Gothic Neo" panose="02000300000000000000" pitchFamily="2" charset="-127"/>
-                <a:ea typeface="Apple SD Gothic Neo" panose="02000300000000000000" pitchFamily="2" charset="-127"/>
-              </a:rPr>
-            </a:br>
-            <a:r>
-              <a:rPr lang="en-KR" sz="2400">
-                <a:latin typeface="Apple SD Gothic Neo" panose="02000300000000000000" pitchFamily="2" charset="-127"/>
-                <a:ea typeface="Apple SD Gothic Neo" panose="02000300000000000000" pitchFamily="2" charset="-127"/>
-              </a:rPr>
-              <a:t>Solution</a:t>
-            </a:r>
-            <a:endParaRPr lang="en-KR" b="1">
-              <a:latin typeface="Apple SD Gothic Neo" panose="02000300000000000000" pitchFamily="2" charset="-127"/>
-              <a:ea typeface="Apple SD Gothic Neo" panose="02000300000000000000" pitchFamily="2" charset="-127"/>
-            </a:endParaRPr>
-          </a:p>
-        </p:txBody>
-      </p:sp>
-      <p:pic>
-        <p:nvPicPr>
-          <p:cNvPr id="2" name="Picture 1">
-            <a:extLst>
-              <a:ext uri="{FF2B5EF4-FFF2-40B4-BE49-F238E27FC236}">
-                <a16:creationId xmlns:a16="http://schemas.microsoft.com/office/drawing/2014/main" id="{8FA646D8-8FF4-238F-1FD5-5F3CCAF0BB35}"/>
-              </a:ext>
-            </a:extLst>
-          </p:cNvPr>
-          <p:cNvPicPr>
-            <a:picLocks noChangeAspect="1"/>
-          </p:cNvPicPr>
-          <p:nvPr/>
-        </p:nvPicPr>
-        <p:blipFill>
-          <a:blip r:embed="rId2"/>
-          <a:stretch>
-            <a:fillRect/>
-          </a:stretch>
-        </p:blipFill>
-        <p:spPr>
-          <a:xfrm>
-            <a:off x="978889" y="1690688"/>
-            <a:ext cx="10234222" cy="399438"/>
-          </a:xfrm>
-          <a:prstGeom prst="rect">
-            <a:avLst/>
-          </a:prstGeom>
-        </p:spPr>
-      </p:pic>
-      <mc:AlternateContent xmlns:mc="http://schemas.openxmlformats.org/markup-compatibility/2006" xmlns:a14="http://schemas.microsoft.com/office/drawing/2010/main">
-        <mc:Choice Requires="a14">
-          <p:sp>
-            <p:nvSpPr>
-              <p:cNvPr id="6" name="Content Placeholder 8">
-                <a:extLst>
-                  <a:ext uri="{FF2B5EF4-FFF2-40B4-BE49-F238E27FC236}">
-                    <a16:creationId xmlns:a16="http://schemas.microsoft.com/office/drawing/2014/main" id="{42C76C5B-F8A5-F474-616C-CE4B66A0E7F4}"/>
-                  </a:ext>
-                </a:extLst>
-              </p:cNvPr>
-              <p:cNvSpPr>
-                <a:spLocks noGrp="1"/>
-              </p:cNvSpPr>
-              <p:nvPr>
-                <p:ph idx="1"/>
-              </p:nvPr>
-            </p:nvSpPr>
-            <p:spPr>
-              <a:xfrm>
-                <a:off x="838200" y="2774193"/>
-                <a:ext cx="10515600" cy="3402770"/>
-              </a:xfrm>
-            </p:spPr>
-            <p:txBody>
-              <a:bodyPr/>
-              <a:lstStyle/>
-              <a:p>
-                <a:pPr marL="0" indent="0">
-                  <a:buNone/>
-                </a:pPr>
-                <a:r>
-                  <a:rPr lang="en-KR">
-                    <a:latin typeface="Apple SD Gothic Neo" panose="02000300000000000000" pitchFamily="2" charset="-127"/>
-                    <a:ea typeface="Apple SD Gothic Neo" panose="02000300000000000000" pitchFamily="2" charset="-127"/>
-                  </a:rPr>
-                  <a:t>Case ii.</a:t>
-                </a:r>
-              </a:p>
-              <a:p>
-                <a:pPr marL="0" indent="0" algn="ctr">
-                  <a:buNone/>
-                </a:pPr>
-                <a14:m>
-                  <m:oMathPara xmlns:m="http://schemas.openxmlformats.org/officeDocument/2006/math">
-                    <m:oMathParaPr>
-                      <m:jc m:val="centerGroup"/>
-                    </m:oMathParaPr>
-                    <m:oMath xmlns:m="http://schemas.openxmlformats.org/officeDocument/2006/math">
-                      <m:f>
-                        <m:fPr>
-                          <m:ctrlPr>
-                            <a:rPr lang="en-KR" i="1" smtClean="0">
-                              <a:latin typeface="Cambria Math" panose="02040503050406030204" pitchFamily="18" charset="0"/>
-                              <a:ea typeface="Apple SD Gothic Neo" panose="02000300000000000000" pitchFamily="2" charset="-127"/>
-                            </a:rPr>
-                          </m:ctrlPr>
-                        </m:fPr>
-                        <m:num/>
-                        <m:den>
-                          <m:func>
-                            <m:funcPr>
-                              <m:ctrlPr>
-                                <a:rPr lang="en-US" b="0" i="1" smtClean="0">
-                                  <a:latin typeface="Cambria Math" panose="02040503050406030204" pitchFamily="18" charset="0"/>
-                                  <a:ea typeface="Apple SD Gothic Neo" panose="02000300000000000000" pitchFamily="2" charset="-127"/>
-                                </a:rPr>
-                              </m:ctrlPr>
-                            </m:funcPr>
-                            <m:fName>
-                              <m:r>
-                                <m:rPr>
-                                  <m:sty m:val="p"/>
-                                </m:rPr>
-                                <a:rPr lang="en-US" b="0" i="0" smtClean="0">
-                                  <a:latin typeface="Cambria Math" panose="02040503050406030204" pitchFamily="18" charset="0"/>
-                                  <a:ea typeface="Apple SD Gothic Neo" panose="02000300000000000000" pitchFamily="2" charset="-127"/>
-                                </a:rPr>
-                                <m:t>max</m:t>
-                              </m:r>
-                            </m:fName>
-                            <m:e>
-                              <m:r>
-                                <a:rPr lang="en-US" b="0" i="1" smtClean="0">
-                                  <a:latin typeface="Cambria Math" panose="02040503050406030204" pitchFamily="18" charset="0"/>
-                                  <a:ea typeface="Apple SD Gothic Neo" panose="02000300000000000000" pitchFamily="2" charset="-127"/>
-                                </a:rPr>
-                                <m:t>𝑛</m:t>
-                              </m:r>
-                              <m:r>
-                                <a:rPr lang="en-US" b="0" i="1" smtClean="0">
-                                  <a:latin typeface="Cambria Math" panose="02040503050406030204" pitchFamily="18" charset="0"/>
-                                  <a:ea typeface="Apple SD Gothic Neo" panose="02000300000000000000" pitchFamily="2" charset="-127"/>
-                                </a:rPr>
-                                <m:t> </m:t>
-                              </m:r>
-                              <m:r>
-                                <a:rPr lang="en-US" b="0" i="1" smtClean="0">
-                                  <a:latin typeface="Cambria Math" panose="02040503050406030204" pitchFamily="18" charset="0"/>
-                                  <a:ea typeface="Apple SD Gothic Neo" panose="02000300000000000000" pitchFamily="2" charset="-127"/>
-                                </a:rPr>
-                                <m:t>𝑍</m:t>
-                              </m:r>
-                              <m:r>
-                                <a:rPr lang="en-US" b="0" i="1" smtClean="0">
-                                  <a:latin typeface="Cambria Math" panose="02040503050406030204" pitchFamily="18" charset="0"/>
-                                  <a:ea typeface="Apple SD Gothic Neo" panose="02000300000000000000" pitchFamily="2" charset="-127"/>
-                                </a:rPr>
-                                <m:t> </m:t>
-                              </m:r>
-                              <m:r>
-                                <a:rPr lang="en-US" b="0" i="1" smtClean="0">
-                                  <a:latin typeface="Cambria Math" panose="02040503050406030204" pitchFamily="18" charset="0"/>
-                                  <a:ea typeface="Apple SD Gothic Neo" panose="02000300000000000000" pitchFamily="2" charset="-127"/>
-                                </a:rPr>
-                                <m:t>𝑛</m:t>
-                              </m:r>
-                            </m:e>
-                          </m:func>
-                        </m:den>
-                      </m:f>
-                      <m:func>
-                        <m:funcPr>
-                          <m:ctrlPr>
-                            <a:rPr lang="en-US" b="0" i="1" smtClean="0">
-                              <a:latin typeface="Cambria Math" panose="02040503050406030204" pitchFamily="18" charset="0"/>
-                              <a:ea typeface="Apple SD Gothic Neo" panose="02000300000000000000" pitchFamily="2" charset="-127"/>
-                            </a:rPr>
-                          </m:ctrlPr>
-                        </m:funcPr>
-                        <m:fName>
-                          <m:r>
-                            <m:rPr>
-                              <m:sty m:val="p"/>
-                            </m:rPr>
-                            <a:rPr lang="en-US" b="0" i="0" smtClean="0">
-                              <a:latin typeface="Cambria Math" panose="02040503050406030204" pitchFamily="18" charset="0"/>
-                              <a:ea typeface="Apple SD Gothic Neo" panose="02000300000000000000" pitchFamily="2" charset="-127"/>
-                            </a:rPr>
-                            <m:t>max</m:t>
-                          </m:r>
-                        </m:fName>
-                        <m:e>
-                          <m:r>
-                            <a:rPr lang="en-US" b="0" i="1" smtClean="0">
-                              <a:latin typeface="Cambria Math" panose="02040503050406030204" pitchFamily="18" charset="0"/>
-                              <a:ea typeface="Apple SD Gothic Neo" panose="02000300000000000000" pitchFamily="2" charset="-127"/>
-                            </a:rPr>
-                            <m:t>𝑛𝑍</m:t>
-                          </m:r>
-                        </m:e>
-                      </m:func>
-                    </m:oMath>
-                  </m:oMathPara>
-                </a14:m>
-                <a:endParaRPr lang="en-US" b="0">
-                  <a:latin typeface="Apple SD Gothic Neo" panose="02000300000000000000" pitchFamily="2" charset="-127"/>
-                  <a:ea typeface="Apple SD Gothic Neo" panose="02000300000000000000" pitchFamily="2" charset="-127"/>
-                </a:endParaRPr>
-              </a:p>
-              <a:p>
-                <a:pPr marL="0" indent="0" algn="ctr">
-                  <a:buNone/>
-                </a:pPr>
-                <a:r>
-                  <a:rPr lang="en-US">
-                    <a:latin typeface="Apple SD Gothic Neo" panose="02000300000000000000" pitchFamily="2" charset="-127"/>
-                    <a:ea typeface="Apple SD Gothic Neo" panose="02000300000000000000" pitchFamily="2" charset="-127"/>
-                  </a:rPr>
-                  <a:t>I</a:t>
-                </a:r>
-                <a:r>
-                  <a:rPr lang="en-KR">
-                    <a:latin typeface="Apple SD Gothic Neo" panose="02000300000000000000" pitchFamily="2" charset="-127"/>
-                    <a:ea typeface="Apple SD Gothic Neo" panose="02000300000000000000" pitchFamily="2" charset="-127"/>
-                  </a:rPr>
-                  <a:t>f max n Z n, then max Z n n?</a:t>
-                </a:r>
-              </a:p>
-              <a:p>
-                <a:pPr marL="0" indent="0" algn="just">
-                  <a:buNone/>
-                </a:pPr>
-                <a:r>
-                  <a:rPr lang="en-KR">
-                    <a:latin typeface="Apple SD Gothic Neo" panose="02000300000000000000" pitchFamily="2" charset="-127"/>
-                    <a:ea typeface="Apple SD Gothic Neo" panose="02000300000000000000" pitchFamily="2" charset="-127"/>
-                  </a:rPr>
-                  <a:t>Proof)</a:t>
-                </a:r>
-              </a:p>
-              <a:p>
-                <a:pPr marL="0" indent="0" algn="just">
-                  <a:buNone/>
-                </a:pPr>
-                <a14:m>
-                  <m:oMathPara xmlns:m="http://schemas.openxmlformats.org/officeDocument/2006/math">
-                    <m:oMathParaPr>
-                      <m:jc m:val="centerGroup"/>
-                    </m:oMathParaPr>
-                    <m:oMath xmlns:m="http://schemas.openxmlformats.org/officeDocument/2006/math">
-                      <m:func>
-                        <m:funcPr>
-                          <m:ctrlPr>
-                            <a:rPr lang="en-US" b="0" i="1" smtClean="0">
-                              <a:latin typeface="Cambria Math" panose="02040503050406030204" pitchFamily="18" charset="0"/>
-                              <a:ea typeface="Apple SD Gothic Neo" panose="02000300000000000000" pitchFamily="2" charset="-127"/>
-                            </a:rPr>
-                          </m:ctrlPr>
-                        </m:funcPr>
-                        <m:fName>
-                          <m:r>
-                            <m:rPr>
-                              <m:sty m:val="p"/>
-                            </m:rPr>
-                            <a:rPr lang="en-US" b="0" i="0" smtClean="0">
-                              <a:latin typeface="Cambria Math" panose="02040503050406030204" pitchFamily="18" charset="0"/>
-                              <a:ea typeface="Apple SD Gothic Neo" panose="02000300000000000000" pitchFamily="2" charset="-127"/>
-                            </a:rPr>
-                            <m:t>max</m:t>
-                          </m:r>
-                        </m:fName>
-                        <m:e>
-                          <m:r>
-                            <a:rPr lang="en-US" b="0" i="1" smtClean="0">
-                              <a:latin typeface="Cambria Math" panose="02040503050406030204" pitchFamily="18" charset="0"/>
-                              <a:ea typeface="Apple SD Gothic Neo" panose="02000300000000000000" pitchFamily="2" charset="-127"/>
-                            </a:rPr>
-                            <m:t>𝑍</m:t>
-                          </m:r>
-                          <m:r>
-                            <a:rPr lang="en-US" b="0" i="1" smtClean="0">
-                              <a:latin typeface="Cambria Math" panose="02040503050406030204" pitchFamily="18" charset="0"/>
-                              <a:ea typeface="Apple SD Gothic Neo" panose="02000300000000000000" pitchFamily="2" charset="-127"/>
-                            </a:rPr>
-                            <m:t> </m:t>
-                          </m:r>
-                          <m:r>
-                            <a:rPr lang="en-US" b="0" i="1" smtClean="0">
-                              <a:latin typeface="Cambria Math" panose="02040503050406030204" pitchFamily="18" charset="0"/>
-                              <a:ea typeface="Apple SD Gothic Neo" panose="02000300000000000000" pitchFamily="2" charset="-127"/>
-                            </a:rPr>
-                            <m:t>𝑛</m:t>
-                          </m:r>
-                          <m:r>
-                            <a:rPr lang="en-US" b="0" i="1" smtClean="0">
-                              <a:latin typeface="Cambria Math" panose="02040503050406030204" pitchFamily="18" charset="0"/>
-                              <a:ea typeface="Apple SD Gothic Neo" panose="02000300000000000000" pitchFamily="2" charset="-127"/>
-                            </a:rPr>
-                            <m:t> </m:t>
-                          </m:r>
-                          <m:r>
-                            <a:rPr lang="en-US" b="0" i="1" smtClean="0">
-                              <a:latin typeface="Cambria Math" panose="02040503050406030204" pitchFamily="18" charset="0"/>
-                              <a:ea typeface="Apple SD Gothic Neo" panose="02000300000000000000" pitchFamily="2" charset="-127"/>
-                            </a:rPr>
-                            <m:t>𝑛</m:t>
-                          </m:r>
-                          <m:r>
-                            <a:rPr lang="en-US" b="0" i="1" smtClean="0">
-                              <a:latin typeface="Cambria Math" panose="02040503050406030204" pitchFamily="18" charset="0"/>
-                              <a:ea typeface="Apple SD Gothic Neo" panose="02000300000000000000" pitchFamily="2" charset="-127"/>
-                            </a:rPr>
-                            <m:t> (</m:t>
-                          </m:r>
-                          <m:r>
-                            <a:rPr lang="en-US" b="0" i="1" smtClean="0">
-                              <a:latin typeface="Cambria Math" panose="02040503050406030204" pitchFamily="18" charset="0"/>
-                              <a:ea typeface="Apple SD Gothic Neo" panose="02000300000000000000" pitchFamily="2" charset="-127"/>
-                            </a:rPr>
-                            <m:t>𝐵𝑦</m:t>
-                          </m:r>
-                          <m:func>
-                            <m:funcPr>
-                              <m:ctrlPr>
-                                <a:rPr lang="en-US" b="0" i="1" smtClean="0">
-                                  <a:latin typeface="Cambria Math" panose="02040503050406030204" pitchFamily="18" charset="0"/>
-                                  <a:ea typeface="Apple SD Gothic Neo" panose="02000300000000000000" pitchFamily="2" charset="-127"/>
-                                </a:rPr>
-                              </m:ctrlPr>
-                            </m:funcPr>
-                            <m:fName>
-                              <m:r>
-                                <m:rPr>
-                                  <m:sty m:val="p"/>
-                                </m:rPr>
-                                <a:rPr lang="en-US" b="0" i="0" smtClean="0">
-                                  <a:latin typeface="Cambria Math" panose="02040503050406030204" pitchFamily="18" charset="0"/>
-                                  <a:ea typeface="Apple SD Gothic Neo" panose="02000300000000000000" pitchFamily="2" charset="-127"/>
-                                </a:rPr>
-                                <m:t>max</m:t>
-                              </m:r>
-                            </m:fName>
-                            <m:e>
-                              <m:r>
-                                <a:rPr lang="en-US" b="0" i="1" smtClean="0">
-                                  <a:latin typeface="Cambria Math" panose="02040503050406030204" pitchFamily="18" charset="0"/>
-                                  <a:ea typeface="Apple SD Gothic Neo" panose="02000300000000000000" pitchFamily="2" charset="-127"/>
-                                </a:rPr>
-                                <m:t>𝑍𝑛</m:t>
-                              </m:r>
-                              <m:r>
-                                <a:rPr lang="en-US" b="0" i="1" smtClean="0">
-                                  <a:latin typeface="Cambria Math" panose="02040503050406030204" pitchFamily="18" charset="0"/>
-                                  <a:ea typeface="Apple SD Gothic Neo" panose="02000300000000000000" pitchFamily="2" charset="-127"/>
-                                </a:rPr>
-                                <m:t>)</m:t>
-                              </m:r>
-                            </m:e>
-                          </m:func>
-                        </m:e>
-                      </m:func>
-                    </m:oMath>
-                  </m:oMathPara>
-                </a14:m>
-                <a:endParaRPr lang="en-KR">
-                  <a:latin typeface="Apple SD Gothic Neo" panose="02000300000000000000" pitchFamily="2" charset="-127"/>
-                  <a:ea typeface="Apple SD Gothic Neo" panose="02000300000000000000" pitchFamily="2" charset="-127"/>
-                </a:endParaRPr>
-              </a:p>
-            </p:txBody>
-          </p:sp>
-        </mc:Choice>
-        <mc:Fallback xmlns="">
-          <p:sp>
-            <p:nvSpPr>
-              <p:cNvPr id="6" name="Content Placeholder 8">
-                <a:extLst>
-                  <a:ext uri="{FF2B5EF4-FFF2-40B4-BE49-F238E27FC236}">
-                    <a16:creationId xmlns:a16="http://schemas.microsoft.com/office/drawing/2014/main" id="{42C76C5B-F8A5-F474-616C-CE4B66A0E7F4}"/>
-                  </a:ext>
-                </a:extLst>
-              </p:cNvPr>
-              <p:cNvSpPr>
-                <a:spLocks noGrp="1" noRot="1" noChangeAspect="1" noMove="1" noResize="1" noEditPoints="1" noAdjustHandles="1" noChangeArrowheads="1" noChangeShapeType="1" noTextEdit="1"/>
-              </p:cNvSpPr>
-              <p:nvPr>
-                <p:ph idx="1"/>
-              </p:nvPr>
-            </p:nvSpPr>
-            <p:spPr>
-              <a:xfrm>
-                <a:off x="838200" y="2774193"/>
-                <a:ext cx="10515600" cy="3402770"/>
-              </a:xfrm>
-              <a:blipFill>
-                <a:blip r:embed="rId3"/>
-                <a:stretch>
-                  <a:fillRect l="-1206" t="-2602"/>
-                </a:stretch>
-              </a:blipFill>
-            </p:spPr>
-            <p:txBody>
-              <a:bodyPr/>
-              <a:lstStyle/>
-              <a:p>
-                <a:r>
-                  <a:rPr lang="en-KR">
-                    <a:noFill/>
-                  </a:rPr>
-                  <a:t> </a:t>
-                </a:r>
-              </a:p>
-            </p:txBody>
-          </p:sp>
-        </mc:Fallback>
-      </mc:AlternateContent>
-    </p:spTree>
-    <p:extLst>
-      <p:ext uri="{BB962C8B-B14F-4D97-AF65-F5344CB8AC3E}">
-        <p14:creationId xmlns:p14="http://schemas.microsoft.com/office/powerpoint/2010/main" val="4189559204"/>
-      </p:ext>
-    </p:extLst>
-  </p:cSld>
-  <p:clrMapOvr>
-    <a:masterClrMapping/>
-  </p:clrMapOvr>
-</p:sld>
-</file>
-
-<file path=ppt/slides/slide21.xml><?xml version="1.0" encoding="utf-8"?>
 <p:sld xmlns:a="http://schemas.openxmlformats.org/drawingml/2006/main" xmlns:r="http://schemas.openxmlformats.org/officeDocument/2006/relationships" xmlns:p="http://schemas.openxmlformats.org/presentationml/2006/main">
   <p:cSld>
     <p:spTree>
@@ -7607,7 +7185,7 @@
           <a:p>
             <a:fld id="{68118D73-32D1-A847-AA81-E353C58266DD}" type="datetime1">
               <a:rPr lang="en-US" smtClean="0"/>
-              <a:t>9/3/25</a:t>
+              <a:t>9/5/2025</a:t>
             </a:fld>
             <a:endParaRPr lang="en-KR"/>
           </a:p>
@@ -7636,7 +7214,7 @@
           <a:p>
             <a:fld id="{98A7C90A-C1D4-1A4A-BB39-07FDF258A5BB}" type="slidenum">
               <a:rPr lang="en-KR" smtClean="0"/>
-              <a:t>21</a:t>
+              <a:t>20</a:t>
             </a:fld>
             <a:endParaRPr lang="en-KR"/>
           </a:p>
@@ -7725,1076 +7303,68 @@
           </a:prstGeom>
         </p:spPr>
       </p:pic>
-      <mc:AlternateContent xmlns:mc="http://schemas.openxmlformats.org/markup-compatibility/2006" xmlns:a14="http://schemas.microsoft.com/office/drawing/2010/main">
-        <mc:Choice Requires="a14">
-          <p:sp>
-            <p:nvSpPr>
-              <p:cNvPr id="6" name="Content Placeholder 8">
-                <a:extLst>
-                  <a:ext uri="{FF2B5EF4-FFF2-40B4-BE49-F238E27FC236}">
-                    <a16:creationId xmlns:a16="http://schemas.microsoft.com/office/drawing/2014/main" id="{F2A555FD-925E-B4C5-4D93-AA66DC0E19A5}"/>
-                  </a:ext>
-                </a:extLst>
-              </p:cNvPr>
-              <p:cNvSpPr>
-                <a:spLocks noGrp="1"/>
-              </p:cNvSpPr>
-              <p:nvPr>
-                <p:ph idx="1"/>
-              </p:nvPr>
-            </p:nvSpPr>
-            <p:spPr>
-              <a:xfrm>
-                <a:off x="838200" y="2774193"/>
-                <a:ext cx="10515600" cy="3402770"/>
-              </a:xfrm>
-            </p:spPr>
-            <p:txBody>
-              <a:bodyPr>
-                <a:normAutofit fontScale="92500" lnSpcReduction="10000"/>
-              </a:bodyPr>
-              <a:lstStyle/>
-              <a:p>
-                <a:pPr marL="0" indent="0">
-                  <a:buNone/>
-                </a:pPr>
-                <a:r>
-                  <a:rPr lang="en-KR">
-                    <a:latin typeface="Apple SD Gothic Neo" panose="02000300000000000000" pitchFamily="2" charset="-127"/>
-                    <a:ea typeface="Apple SD Gothic Neo" panose="02000300000000000000" pitchFamily="2" charset="-127"/>
-                  </a:rPr>
-                  <a:t>Case iii.</a:t>
-                </a:r>
-              </a:p>
-              <a:p>
-                <a:pPr marL="0" indent="0" algn="ctr">
-                  <a:buNone/>
-                </a:pPr>
-                <a14:m>
-                  <m:oMathPara xmlns:m="http://schemas.openxmlformats.org/officeDocument/2006/math">
-                    <m:oMathParaPr>
-                      <m:jc m:val="centerGroup"/>
-                    </m:oMathParaPr>
-                    <m:oMath xmlns:m="http://schemas.openxmlformats.org/officeDocument/2006/math">
-                      <m:f>
-                        <m:fPr>
-                          <m:ctrlPr>
-                            <a:rPr lang="en-KR" i="1" smtClean="0">
-                              <a:latin typeface="Cambria Math" panose="02040503050406030204" pitchFamily="18" charset="0"/>
-                              <a:ea typeface="Apple SD Gothic Neo" panose="02000300000000000000" pitchFamily="2" charset="-127"/>
-                            </a:rPr>
-                          </m:ctrlPr>
-                        </m:fPr>
-                        <m:num>
-                          <m:func>
-                            <m:funcPr>
-                              <m:ctrlPr>
-                                <a:rPr lang="en-US" b="0" i="1" smtClean="0">
-                                  <a:latin typeface="Cambria Math" panose="02040503050406030204" pitchFamily="18" charset="0"/>
-                                  <a:ea typeface="Apple SD Gothic Neo" panose="02000300000000000000" pitchFamily="2" charset="-127"/>
-                                </a:rPr>
-                              </m:ctrlPr>
-                            </m:funcPr>
-                            <m:fName>
-                              <m:r>
-                                <m:rPr>
-                                  <m:sty m:val="p"/>
-                                </m:rPr>
-                                <a:rPr lang="en-US" b="0" i="0" smtClean="0">
-                                  <a:latin typeface="Cambria Math" panose="02040503050406030204" pitchFamily="18" charset="0"/>
-                                  <a:ea typeface="Apple SD Gothic Neo" panose="02000300000000000000" pitchFamily="2" charset="-127"/>
-                                </a:rPr>
-                                <m:t>max</m:t>
-                              </m:r>
-                            </m:fName>
-                            <m:e>
-                              <m:sSub>
-                                <m:sSubPr>
-                                  <m:ctrlPr>
-                                    <a:rPr lang="en-US" i="1">
-                                      <a:latin typeface="Cambria Math" panose="02040503050406030204" pitchFamily="18" charset="0"/>
-                                      <a:ea typeface="Apple SD Gothic Neo" panose="02000300000000000000" pitchFamily="2" charset="-127"/>
-                                    </a:rPr>
-                                  </m:ctrlPr>
-                                </m:sSubPr>
-                                <m:e>
-                                  <m:r>
-                                    <a:rPr lang="en-US" i="1">
-                                      <a:latin typeface="Cambria Math" panose="02040503050406030204" pitchFamily="18" charset="0"/>
-                                      <a:ea typeface="Apple SD Gothic Neo" panose="02000300000000000000" pitchFamily="2" charset="-127"/>
-                                    </a:rPr>
-                                    <m:t>𝑛</m:t>
-                                  </m:r>
-                                </m:e>
-                                <m:sub>
-                                  <m:r>
-                                    <a:rPr lang="en-US" i="1">
-                                      <a:latin typeface="Cambria Math" panose="02040503050406030204" pitchFamily="18" charset="0"/>
-                                      <a:ea typeface="Apple SD Gothic Neo" panose="02000300000000000000" pitchFamily="2" charset="-127"/>
-                                    </a:rPr>
-                                    <m:t>1</m:t>
-                                  </m:r>
-                                </m:sub>
-                              </m:sSub>
-                              <m:sSub>
-                                <m:sSubPr>
-                                  <m:ctrlPr>
-                                    <a:rPr lang="en-US" i="1">
-                                      <a:latin typeface="Cambria Math" panose="02040503050406030204" pitchFamily="18" charset="0"/>
-                                      <a:ea typeface="Apple SD Gothic Neo" panose="02000300000000000000" pitchFamily="2" charset="-127"/>
-                                    </a:rPr>
-                                  </m:ctrlPr>
-                                </m:sSubPr>
-                                <m:e>
-                                  <m:r>
-                                    <a:rPr lang="en-US" i="1">
-                                      <a:latin typeface="Cambria Math" panose="02040503050406030204" pitchFamily="18" charset="0"/>
-                                      <a:ea typeface="Apple SD Gothic Neo" panose="02000300000000000000" pitchFamily="2" charset="-127"/>
-                                    </a:rPr>
-                                    <m:t>𝑛</m:t>
-                                  </m:r>
-                                </m:e>
-                                <m:sub>
-                                  <m:r>
-                                    <a:rPr lang="en-US" i="1">
-                                      <a:latin typeface="Cambria Math" panose="02040503050406030204" pitchFamily="18" charset="0"/>
-                                      <a:ea typeface="Apple SD Gothic Neo" panose="02000300000000000000" pitchFamily="2" charset="-127"/>
-                                    </a:rPr>
-                                    <m:t>2</m:t>
-                                  </m:r>
-                                </m:sub>
-                              </m:sSub>
-                              <m:sSub>
-                                <m:sSubPr>
-                                  <m:ctrlPr>
-                                    <a:rPr lang="en-US" i="1">
-                                      <a:latin typeface="Cambria Math" panose="02040503050406030204" pitchFamily="18" charset="0"/>
-                                      <a:ea typeface="Apple SD Gothic Neo" panose="02000300000000000000" pitchFamily="2" charset="-127"/>
-                                    </a:rPr>
-                                  </m:ctrlPr>
-                                </m:sSubPr>
-                                <m:e>
-                                  <m:r>
-                                    <a:rPr lang="en-US" i="1">
-                                      <a:latin typeface="Cambria Math" panose="02040503050406030204" pitchFamily="18" charset="0"/>
-                                      <a:ea typeface="Apple SD Gothic Neo" panose="02000300000000000000" pitchFamily="2" charset="-127"/>
-                                    </a:rPr>
-                                    <m:t>𝑛</m:t>
-                                  </m:r>
-                                </m:e>
-                                <m:sub>
-                                  <m:r>
-                                    <a:rPr lang="en-US" i="1">
-                                      <a:latin typeface="Cambria Math" panose="02040503050406030204" pitchFamily="18" charset="0"/>
-                                      <a:ea typeface="Apple SD Gothic Neo" panose="02000300000000000000" pitchFamily="2" charset="-127"/>
-                                    </a:rPr>
-                                    <m:t>3</m:t>
-                                  </m:r>
-                                </m:sub>
-                              </m:sSub>
-                            </m:e>
-                          </m:func>
-                        </m:num>
-                        <m:den>
-                          <m:func>
-                            <m:funcPr>
-                              <m:ctrlPr>
-                                <a:rPr lang="en-US" b="0" i="1" smtClean="0">
-                                  <a:latin typeface="Cambria Math" panose="02040503050406030204" pitchFamily="18" charset="0"/>
-                                  <a:ea typeface="Apple SD Gothic Neo" panose="02000300000000000000" pitchFamily="2" charset="-127"/>
-                                </a:rPr>
-                              </m:ctrlPr>
-                            </m:funcPr>
-                            <m:fName>
-                              <m:r>
-                                <m:rPr>
-                                  <m:sty m:val="p"/>
-                                </m:rPr>
-                                <a:rPr lang="en-US" b="0" i="0" smtClean="0">
-                                  <a:latin typeface="Cambria Math" panose="02040503050406030204" pitchFamily="18" charset="0"/>
-                                  <a:ea typeface="Apple SD Gothic Neo" panose="02000300000000000000" pitchFamily="2" charset="-127"/>
-                                </a:rPr>
-                                <m:t>max</m:t>
-                              </m:r>
-                            </m:fName>
-                            <m:e>
-                              <m:r>
-                                <a:rPr lang="en-US" b="0" i="1" smtClean="0">
-                                  <a:latin typeface="Cambria Math" panose="02040503050406030204" pitchFamily="18" charset="0"/>
-                                  <a:ea typeface="Apple SD Gothic Neo" panose="02000300000000000000" pitchFamily="2" charset="-127"/>
-                                </a:rPr>
-                                <m:t>𝑆</m:t>
-                              </m:r>
-                              <m:d>
-                                <m:dPr>
-                                  <m:ctrlPr>
-                                    <a:rPr lang="en-US" b="0" i="1" smtClean="0">
-                                      <a:latin typeface="Cambria Math" panose="02040503050406030204" pitchFamily="18" charset="0"/>
-                                      <a:ea typeface="Apple SD Gothic Neo" panose="02000300000000000000" pitchFamily="2" charset="-127"/>
-                                    </a:rPr>
-                                  </m:ctrlPr>
-                                </m:dPr>
-                                <m:e>
-                                  <m:sSub>
-                                    <m:sSubPr>
-                                      <m:ctrlPr>
-                                        <a:rPr lang="en-US" i="1">
-                                          <a:latin typeface="Cambria Math" panose="02040503050406030204" pitchFamily="18" charset="0"/>
-                                          <a:ea typeface="Apple SD Gothic Neo" panose="02000300000000000000" pitchFamily="2" charset="-127"/>
-                                        </a:rPr>
-                                      </m:ctrlPr>
-                                    </m:sSubPr>
-                                    <m:e>
-                                      <m:r>
-                                        <a:rPr lang="en-US" i="1">
-                                          <a:latin typeface="Cambria Math" panose="02040503050406030204" pitchFamily="18" charset="0"/>
-                                          <a:ea typeface="Apple SD Gothic Neo" panose="02000300000000000000" pitchFamily="2" charset="-127"/>
-                                        </a:rPr>
-                                        <m:t>𝑛</m:t>
-                                      </m:r>
-                                    </m:e>
-                                    <m:sub>
-                                      <m:r>
-                                        <a:rPr lang="en-US" i="1">
-                                          <a:latin typeface="Cambria Math" panose="02040503050406030204" pitchFamily="18" charset="0"/>
-                                          <a:ea typeface="Apple SD Gothic Neo" panose="02000300000000000000" pitchFamily="2" charset="-127"/>
-                                        </a:rPr>
-                                        <m:t>1</m:t>
-                                      </m:r>
-                                    </m:sub>
-                                  </m:sSub>
-                                </m:e>
-                              </m:d>
-                              <m:r>
-                                <a:rPr lang="en-US" b="0" i="1" smtClean="0">
-                                  <a:latin typeface="Cambria Math" panose="02040503050406030204" pitchFamily="18" charset="0"/>
-                                  <a:ea typeface="Apple SD Gothic Neo" panose="02000300000000000000" pitchFamily="2" charset="-127"/>
-                                </a:rPr>
-                                <m:t>𝑆</m:t>
-                              </m:r>
-                              <m:r>
-                                <a:rPr lang="en-US" b="0" i="1" smtClean="0">
-                                  <a:latin typeface="Cambria Math" panose="02040503050406030204" pitchFamily="18" charset="0"/>
-                                  <a:ea typeface="Apple SD Gothic Neo" panose="02000300000000000000" pitchFamily="2" charset="-127"/>
-                                </a:rPr>
-                                <m:t>(</m:t>
-                              </m:r>
-                              <m:sSub>
-                                <m:sSubPr>
-                                  <m:ctrlPr>
-                                    <a:rPr lang="en-US" i="1">
-                                      <a:latin typeface="Cambria Math" panose="02040503050406030204" pitchFamily="18" charset="0"/>
-                                      <a:ea typeface="Apple SD Gothic Neo" panose="02000300000000000000" pitchFamily="2" charset="-127"/>
-                                    </a:rPr>
-                                  </m:ctrlPr>
-                                </m:sSubPr>
-                                <m:e>
-                                  <m:r>
-                                    <a:rPr lang="en-US" i="1">
-                                      <a:latin typeface="Cambria Math" panose="02040503050406030204" pitchFamily="18" charset="0"/>
-                                      <a:ea typeface="Apple SD Gothic Neo" panose="02000300000000000000" pitchFamily="2" charset="-127"/>
-                                    </a:rPr>
-                                    <m:t>𝑛</m:t>
-                                  </m:r>
-                                </m:e>
-                                <m:sub>
-                                  <m:r>
-                                    <a:rPr lang="en-US" i="1">
-                                      <a:latin typeface="Cambria Math" panose="02040503050406030204" pitchFamily="18" charset="0"/>
-                                      <a:ea typeface="Apple SD Gothic Neo" panose="02000300000000000000" pitchFamily="2" charset="-127"/>
-                                    </a:rPr>
-                                    <m:t>2</m:t>
-                                  </m:r>
-                                </m:sub>
-                              </m:sSub>
-                              <m:r>
-                                <a:rPr lang="en-US" b="0" i="1" smtClean="0">
-                                  <a:latin typeface="Cambria Math" panose="02040503050406030204" pitchFamily="18" charset="0"/>
-                                  <a:ea typeface="Apple SD Gothic Neo" panose="02000300000000000000" pitchFamily="2" charset="-127"/>
-                                </a:rPr>
-                                <m:t>)</m:t>
-                              </m:r>
-                              <m:r>
-                                <a:rPr lang="en-US" b="0" i="1" smtClean="0">
-                                  <a:latin typeface="Cambria Math" panose="02040503050406030204" pitchFamily="18" charset="0"/>
-                                  <a:ea typeface="Apple SD Gothic Neo" panose="02000300000000000000" pitchFamily="2" charset="-127"/>
-                                </a:rPr>
-                                <m:t>𝑆</m:t>
-                              </m:r>
-                              <m:r>
-                                <a:rPr lang="en-US" b="0" i="1" smtClean="0">
-                                  <a:latin typeface="Cambria Math" panose="02040503050406030204" pitchFamily="18" charset="0"/>
-                                  <a:ea typeface="Apple SD Gothic Neo" panose="02000300000000000000" pitchFamily="2" charset="-127"/>
-                                </a:rPr>
-                                <m:t>(</m:t>
-                              </m:r>
-                              <m:sSub>
-                                <m:sSubPr>
-                                  <m:ctrlPr>
-                                    <a:rPr lang="en-US" i="1">
-                                      <a:latin typeface="Cambria Math" panose="02040503050406030204" pitchFamily="18" charset="0"/>
-                                      <a:ea typeface="Apple SD Gothic Neo" panose="02000300000000000000" pitchFamily="2" charset="-127"/>
-                                    </a:rPr>
-                                  </m:ctrlPr>
-                                </m:sSubPr>
-                                <m:e>
-                                  <m:r>
-                                    <a:rPr lang="en-US" i="1">
-                                      <a:latin typeface="Cambria Math" panose="02040503050406030204" pitchFamily="18" charset="0"/>
-                                      <a:ea typeface="Apple SD Gothic Neo" panose="02000300000000000000" pitchFamily="2" charset="-127"/>
-                                    </a:rPr>
-                                    <m:t>𝑛</m:t>
-                                  </m:r>
-                                </m:e>
-                                <m:sub>
-                                  <m:r>
-                                    <a:rPr lang="en-US" i="1">
-                                      <a:latin typeface="Cambria Math" panose="02040503050406030204" pitchFamily="18" charset="0"/>
-                                      <a:ea typeface="Apple SD Gothic Neo" panose="02000300000000000000" pitchFamily="2" charset="-127"/>
-                                    </a:rPr>
-                                    <m:t>3</m:t>
-                                  </m:r>
-                                </m:sub>
-                              </m:sSub>
-                              <m:r>
-                                <a:rPr lang="en-US" b="0" i="1" smtClean="0">
-                                  <a:latin typeface="Cambria Math" panose="02040503050406030204" pitchFamily="18" charset="0"/>
-                                  <a:ea typeface="Apple SD Gothic Neo" panose="02000300000000000000" pitchFamily="2" charset="-127"/>
-                                </a:rPr>
-                                <m:t>)</m:t>
-                              </m:r>
-                            </m:e>
-                          </m:func>
-                        </m:den>
-                      </m:f>
-                      <m:func>
-                        <m:funcPr>
-                          <m:ctrlPr>
-                            <a:rPr lang="en-US" b="0" i="1" smtClean="0">
-                              <a:latin typeface="Cambria Math" panose="02040503050406030204" pitchFamily="18" charset="0"/>
-                              <a:ea typeface="Apple SD Gothic Neo" panose="02000300000000000000" pitchFamily="2" charset="-127"/>
-                            </a:rPr>
-                          </m:ctrlPr>
-                        </m:funcPr>
-                        <m:fName>
-                          <m:r>
-                            <m:rPr>
-                              <m:sty m:val="p"/>
-                            </m:rPr>
-                            <a:rPr lang="en-US" b="0" i="0" smtClean="0">
-                              <a:latin typeface="Cambria Math" panose="02040503050406030204" pitchFamily="18" charset="0"/>
-                              <a:ea typeface="Apple SD Gothic Neo" panose="02000300000000000000" pitchFamily="2" charset="-127"/>
-                            </a:rPr>
-                            <m:t>max</m:t>
-                          </m:r>
-                        </m:fName>
-                        <m:e>
-                          <m:r>
-                            <a:rPr lang="en-US" b="0" i="1" smtClean="0">
-                              <a:latin typeface="Cambria Math" panose="02040503050406030204" pitchFamily="18" charset="0"/>
-                              <a:ea typeface="Apple SD Gothic Neo" panose="02000300000000000000" pitchFamily="2" charset="-127"/>
-                            </a:rPr>
-                            <m:t>𝑆</m:t>
-                          </m:r>
-                        </m:e>
-                      </m:func>
-                    </m:oMath>
-                  </m:oMathPara>
-                </a14:m>
-                <a:endParaRPr lang="en-US" b="0">
-                  <a:latin typeface="Apple SD Gothic Neo" panose="02000300000000000000" pitchFamily="2" charset="-127"/>
-                  <a:ea typeface="Apple SD Gothic Neo" panose="02000300000000000000" pitchFamily="2" charset="-127"/>
-                </a:endParaRPr>
-              </a:p>
-              <a:p>
-                <a:pPr marL="0" indent="0" algn="ctr">
-                  <a:buNone/>
-                </a:pPr>
-                <a:r>
-                  <a:rPr lang="en-US">
-                    <a:latin typeface="Apple SD Gothic Neo" panose="02000300000000000000" pitchFamily="2" charset="-127"/>
-                    <a:ea typeface="Apple SD Gothic Neo" panose="02000300000000000000" pitchFamily="2" charset="-127"/>
-                  </a:rPr>
-                  <a:t>I</a:t>
-                </a:r>
-                <a:r>
-                  <a:rPr lang="en-KR">
-                    <a:latin typeface="Apple SD Gothic Neo" panose="02000300000000000000" pitchFamily="2" charset="-127"/>
-                    <a:ea typeface="Apple SD Gothic Neo" panose="02000300000000000000" pitchFamily="2" charset="-127"/>
-                  </a:rPr>
-                  <a:t>f max S(n1) S(n2) S(n3), then max S(n2) S(n1) S(n3)?</a:t>
-                </a:r>
-              </a:p>
-              <a:p>
-                <a:pPr marL="0" indent="0" algn="just">
-                  <a:buNone/>
-                </a:pPr>
-                <a:r>
-                  <a:rPr lang="en-KR">
-                    <a:latin typeface="Apple SD Gothic Neo" panose="02000300000000000000" pitchFamily="2" charset="-127"/>
-                    <a:ea typeface="Apple SD Gothic Neo" panose="02000300000000000000" pitchFamily="2" charset="-127"/>
-                  </a:rPr>
-                  <a:t>Proof)</a:t>
-                </a:r>
-              </a:p>
-              <a:p>
-                <a:pPr marL="514350" indent="-514350" algn="ctr">
-                  <a:buAutoNum type="arabicParenR"/>
-                </a:pPr>
-                <a14:m>
-                  <m:oMath xmlns:m="http://schemas.openxmlformats.org/officeDocument/2006/math">
-                    <m:func>
-                      <m:funcPr>
-                        <m:ctrlPr>
-                          <a:rPr lang="en-US" b="0" i="1" smtClean="0">
-                            <a:latin typeface="Cambria Math" panose="02040503050406030204" pitchFamily="18" charset="0"/>
-                            <a:ea typeface="Apple SD Gothic Neo" panose="02000300000000000000" pitchFamily="2" charset="-127"/>
-                          </a:rPr>
-                        </m:ctrlPr>
-                      </m:funcPr>
-                      <m:fName>
-                        <m:r>
-                          <m:rPr>
-                            <m:sty m:val="p"/>
-                          </m:rPr>
-                          <a:rPr lang="en-US" b="0" i="0" smtClean="0">
-                            <a:latin typeface="Cambria Math" panose="02040503050406030204" pitchFamily="18" charset="0"/>
-                            <a:ea typeface="Apple SD Gothic Neo" panose="02000300000000000000" pitchFamily="2" charset="-127"/>
-                          </a:rPr>
-                          <m:t>max</m:t>
-                        </m:r>
-                      </m:fName>
-                      <m:e>
-                        <m:sSub>
-                          <m:sSubPr>
-                            <m:ctrlPr>
-                              <a:rPr lang="en-US" i="1">
-                                <a:latin typeface="Cambria Math" panose="02040503050406030204" pitchFamily="18" charset="0"/>
-                                <a:ea typeface="Apple SD Gothic Neo" panose="02000300000000000000" pitchFamily="2" charset="-127"/>
-                              </a:rPr>
-                            </m:ctrlPr>
-                          </m:sSubPr>
-                          <m:e>
-                            <m:r>
-                              <a:rPr lang="en-US" i="1">
-                                <a:latin typeface="Cambria Math" panose="02040503050406030204" pitchFamily="18" charset="0"/>
-                                <a:ea typeface="Apple SD Gothic Neo" panose="02000300000000000000" pitchFamily="2" charset="-127"/>
-                              </a:rPr>
-                              <m:t>𝑛</m:t>
-                            </m:r>
-                          </m:e>
-                          <m:sub>
-                            <m:r>
-                              <a:rPr lang="en-US" i="1">
-                                <a:latin typeface="Cambria Math" panose="02040503050406030204" pitchFamily="18" charset="0"/>
-                                <a:ea typeface="Apple SD Gothic Neo" panose="02000300000000000000" pitchFamily="2" charset="-127"/>
-                              </a:rPr>
-                              <m:t>1</m:t>
-                            </m:r>
-                          </m:sub>
-                        </m:sSub>
-                        <m:sSub>
-                          <m:sSubPr>
-                            <m:ctrlPr>
-                              <a:rPr lang="en-US" i="1">
-                                <a:latin typeface="Cambria Math" panose="02040503050406030204" pitchFamily="18" charset="0"/>
-                                <a:ea typeface="Apple SD Gothic Neo" panose="02000300000000000000" pitchFamily="2" charset="-127"/>
-                              </a:rPr>
-                            </m:ctrlPr>
-                          </m:sSubPr>
-                          <m:e>
-                            <m:r>
-                              <a:rPr lang="en-US" i="1">
-                                <a:latin typeface="Cambria Math" panose="02040503050406030204" pitchFamily="18" charset="0"/>
-                                <a:ea typeface="Apple SD Gothic Neo" panose="02000300000000000000" pitchFamily="2" charset="-127"/>
-                              </a:rPr>
-                              <m:t>𝑛</m:t>
-                            </m:r>
-                          </m:e>
-                          <m:sub>
-                            <m:r>
-                              <a:rPr lang="en-US" i="1">
-                                <a:latin typeface="Cambria Math" panose="02040503050406030204" pitchFamily="18" charset="0"/>
-                                <a:ea typeface="Apple SD Gothic Neo" panose="02000300000000000000" pitchFamily="2" charset="-127"/>
-                              </a:rPr>
-                              <m:t>2</m:t>
-                            </m:r>
-                          </m:sub>
-                        </m:sSub>
-                        <m:sSub>
-                          <m:sSubPr>
-                            <m:ctrlPr>
-                              <a:rPr lang="en-US" i="1">
-                                <a:latin typeface="Cambria Math" panose="02040503050406030204" pitchFamily="18" charset="0"/>
-                                <a:ea typeface="Apple SD Gothic Neo" panose="02000300000000000000" pitchFamily="2" charset="-127"/>
-                              </a:rPr>
-                            </m:ctrlPr>
-                          </m:sSubPr>
-                          <m:e>
-                            <m:r>
-                              <a:rPr lang="en-US" i="1">
-                                <a:latin typeface="Cambria Math" panose="02040503050406030204" pitchFamily="18" charset="0"/>
-                                <a:ea typeface="Apple SD Gothic Neo" panose="02000300000000000000" pitchFamily="2" charset="-127"/>
-                              </a:rPr>
-                              <m:t>𝑛</m:t>
-                            </m:r>
-                          </m:e>
-                          <m:sub>
-                            <m:r>
-                              <a:rPr lang="en-US" i="1">
-                                <a:latin typeface="Cambria Math" panose="02040503050406030204" pitchFamily="18" charset="0"/>
-                                <a:ea typeface="Apple SD Gothic Neo" panose="02000300000000000000" pitchFamily="2" charset="-127"/>
-                              </a:rPr>
-                              <m:t>3</m:t>
-                            </m:r>
-                          </m:sub>
-                        </m:sSub>
-                        <m:r>
-                          <a:rPr lang="en-US" b="0" i="1" smtClean="0">
-                            <a:latin typeface="Cambria Math" panose="02040503050406030204" pitchFamily="18" charset="0"/>
-                            <a:ea typeface="Apple SD Gothic Neo" panose="02000300000000000000" pitchFamily="2" charset="-127"/>
-                          </a:rPr>
-                          <m:t> (</m:t>
-                        </m:r>
-                        <m:r>
-                          <a:rPr lang="en-US" b="0" i="1" smtClean="0">
-                            <a:latin typeface="Cambria Math" panose="02040503050406030204" pitchFamily="18" charset="0"/>
-                            <a:ea typeface="Apple SD Gothic Neo" panose="02000300000000000000" pitchFamily="2" charset="-127"/>
-                          </a:rPr>
-                          <m:t>𝐵𝑦</m:t>
-                        </m:r>
-                        <m:r>
-                          <a:rPr lang="en-US" b="0" i="1" smtClean="0">
-                            <a:latin typeface="Cambria Math" panose="02040503050406030204" pitchFamily="18" charset="0"/>
-                            <a:ea typeface="Apple SD Gothic Neo" panose="02000300000000000000" pitchFamily="2" charset="-127"/>
-                          </a:rPr>
-                          <m:t> </m:t>
-                        </m:r>
-                        <m:r>
-                          <a:rPr lang="en-US" b="0" i="1" smtClean="0">
-                            <a:latin typeface="Cambria Math" panose="02040503050406030204" pitchFamily="18" charset="0"/>
-                            <a:ea typeface="Apple SD Gothic Neo" panose="02000300000000000000" pitchFamily="2" charset="-127"/>
-                          </a:rPr>
-                          <m:t>𝐴𝑠𝑠𝑢𝑚𝑝𝑡𝑖𝑜𝑛</m:t>
-                        </m:r>
-                      </m:e>
-                    </m:func>
-                    <m:r>
-                      <a:rPr lang="en-US" b="0" i="1" smtClean="0">
-                        <a:latin typeface="Cambria Math" panose="02040503050406030204" pitchFamily="18" charset="0"/>
-                        <a:ea typeface="Apple SD Gothic Neo" panose="02000300000000000000" pitchFamily="2" charset="-127"/>
-                      </a:rPr>
-                      <m:t>)</m:t>
-                    </m:r>
-                  </m:oMath>
-                </a14:m>
-                <a:endParaRPr lang="en-KR">
-                  <a:latin typeface="Apple SD Gothic Neo" panose="02000300000000000000" pitchFamily="2" charset="-127"/>
-                  <a:ea typeface="Apple SD Gothic Neo" panose="02000300000000000000" pitchFamily="2" charset="-127"/>
-                </a:endParaRPr>
-              </a:p>
-              <a:p>
-                <a:pPr marL="514350" indent="-514350" algn="ctr">
-                  <a:buFont typeface="Arial" panose="020B0604020202020204" pitchFamily="34" charset="0"/>
-                  <a:buAutoNum type="arabicParenR"/>
-                </a:pPr>
-                <a14:m>
-                  <m:oMath xmlns:m="http://schemas.openxmlformats.org/officeDocument/2006/math">
-                    <m:func>
-                      <m:funcPr>
-                        <m:ctrlPr>
-                          <a:rPr lang="en-US" i="1">
-                            <a:latin typeface="Cambria Math" panose="02040503050406030204" pitchFamily="18" charset="0"/>
-                            <a:ea typeface="Apple SD Gothic Neo" panose="02000300000000000000" pitchFamily="2" charset="-127"/>
-                          </a:rPr>
-                        </m:ctrlPr>
-                      </m:funcPr>
-                      <m:fName>
-                        <m:r>
-                          <m:rPr>
-                            <m:sty m:val="p"/>
-                          </m:rPr>
-                          <a:rPr lang="en-US">
-                            <a:latin typeface="Cambria Math" panose="02040503050406030204" pitchFamily="18" charset="0"/>
-                            <a:ea typeface="Apple SD Gothic Neo" panose="02000300000000000000" pitchFamily="2" charset="-127"/>
-                          </a:rPr>
-                          <m:t>max</m:t>
-                        </m:r>
-                      </m:fName>
-                      <m:e>
-                        <m:sSub>
-                          <m:sSubPr>
-                            <m:ctrlPr>
-                              <a:rPr lang="en-US" i="1">
-                                <a:latin typeface="Cambria Math" panose="02040503050406030204" pitchFamily="18" charset="0"/>
-                                <a:ea typeface="Apple SD Gothic Neo" panose="02000300000000000000" pitchFamily="2" charset="-127"/>
-                              </a:rPr>
-                            </m:ctrlPr>
-                          </m:sSubPr>
-                          <m:e>
-                            <m:r>
-                              <a:rPr lang="en-US" i="1">
-                                <a:latin typeface="Cambria Math" panose="02040503050406030204" pitchFamily="18" charset="0"/>
-                                <a:ea typeface="Apple SD Gothic Neo" panose="02000300000000000000" pitchFamily="2" charset="-127"/>
-                              </a:rPr>
-                              <m:t>𝑛</m:t>
-                            </m:r>
-                          </m:e>
-                          <m:sub>
-                            <m:r>
-                              <a:rPr lang="en-US" b="0" i="1" smtClean="0">
-                                <a:latin typeface="Cambria Math" panose="02040503050406030204" pitchFamily="18" charset="0"/>
-                                <a:ea typeface="Apple SD Gothic Neo" panose="02000300000000000000" pitchFamily="2" charset="-127"/>
-                              </a:rPr>
-                              <m:t>2</m:t>
-                            </m:r>
-                          </m:sub>
-                        </m:sSub>
-                        <m:sSub>
-                          <m:sSubPr>
-                            <m:ctrlPr>
-                              <a:rPr lang="en-US" i="1">
-                                <a:latin typeface="Cambria Math" panose="02040503050406030204" pitchFamily="18" charset="0"/>
-                                <a:ea typeface="Apple SD Gothic Neo" panose="02000300000000000000" pitchFamily="2" charset="-127"/>
-                              </a:rPr>
-                            </m:ctrlPr>
-                          </m:sSubPr>
-                          <m:e>
-                            <m:r>
-                              <a:rPr lang="en-US" i="1">
-                                <a:latin typeface="Cambria Math" panose="02040503050406030204" pitchFamily="18" charset="0"/>
-                                <a:ea typeface="Apple SD Gothic Neo" panose="02000300000000000000" pitchFamily="2" charset="-127"/>
-                              </a:rPr>
-                              <m:t>𝑛</m:t>
-                            </m:r>
-                          </m:e>
-                          <m:sub>
-                            <m:r>
-                              <a:rPr lang="en-US" b="0" i="1" smtClean="0">
-                                <a:latin typeface="Cambria Math" panose="02040503050406030204" pitchFamily="18" charset="0"/>
-                                <a:ea typeface="Apple SD Gothic Neo" panose="02000300000000000000" pitchFamily="2" charset="-127"/>
-                              </a:rPr>
-                              <m:t>1</m:t>
-                            </m:r>
-                          </m:sub>
-                        </m:sSub>
-                        <m:sSub>
-                          <m:sSubPr>
-                            <m:ctrlPr>
-                              <a:rPr lang="en-US" i="1">
-                                <a:latin typeface="Cambria Math" panose="02040503050406030204" pitchFamily="18" charset="0"/>
-                                <a:ea typeface="Apple SD Gothic Neo" panose="02000300000000000000" pitchFamily="2" charset="-127"/>
-                              </a:rPr>
-                            </m:ctrlPr>
-                          </m:sSubPr>
-                          <m:e>
-                            <m:r>
-                              <a:rPr lang="en-US" i="1">
-                                <a:latin typeface="Cambria Math" panose="02040503050406030204" pitchFamily="18" charset="0"/>
-                                <a:ea typeface="Apple SD Gothic Neo" panose="02000300000000000000" pitchFamily="2" charset="-127"/>
-                              </a:rPr>
-                              <m:t>𝑛</m:t>
-                            </m:r>
-                          </m:e>
-                          <m:sub>
-                            <m:r>
-                              <a:rPr lang="en-US" i="1">
-                                <a:latin typeface="Cambria Math" panose="02040503050406030204" pitchFamily="18" charset="0"/>
-                                <a:ea typeface="Apple SD Gothic Neo" panose="02000300000000000000" pitchFamily="2" charset="-127"/>
-                              </a:rPr>
-                              <m:t>3</m:t>
-                            </m:r>
-                          </m:sub>
-                        </m:sSub>
-                        <m:r>
-                          <a:rPr lang="en-US" i="1">
-                            <a:latin typeface="Cambria Math" panose="02040503050406030204" pitchFamily="18" charset="0"/>
-                            <a:ea typeface="Apple SD Gothic Neo" panose="02000300000000000000" pitchFamily="2" charset="-127"/>
-                          </a:rPr>
-                          <m:t> (</m:t>
-                        </m:r>
-                        <m:r>
-                          <a:rPr lang="en-US" i="1">
-                            <a:latin typeface="Cambria Math" panose="02040503050406030204" pitchFamily="18" charset="0"/>
-                            <a:ea typeface="Apple SD Gothic Neo" panose="02000300000000000000" pitchFamily="2" charset="-127"/>
-                          </a:rPr>
-                          <m:t>𝐵𝑦</m:t>
-                        </m:r>
-                        <m:r>
-                          <a:rPr lang="en-US" i="1">
-                            <a:latin typeface="Cambria Math" panose="02040503050406030204" pitchFamily="18" charset="0"/>
-                            <a:ea typeface="Apple SD Gothic Neo" panose="02000300000000000000" pitchFamily="2" charset="-127"/>
-                          </a:rPr>
-                          <m:t> 1 </m:t>
-                        </m:r>
-                        <m:r>
-                          <a:rPr lang="en-US" b="0" i="1" smtClean="0">
-                            <a:latin typeface="Cambria Math" panose="02040503050406030204" pitchFamily="18" charset="0"/>
-                            <a:ea typeface="Apple SD Gothic Neo" panose="02000300000000000000" pitchFamily="2" charset="-127"/>
-                          </a:rPr>
-                          <m:t>𝑎𝑛𝑑</m:t>
-                        </m:r>
-                        <m:r>
-                          <a:rPr lang="en-US" b="0" i="1" smtClean="0">
-                            <a:latin typeface="Cambria Math" panose="02040503050406030204" pitchFamily="18" charset="0"/>
-                            <a:ea typeface="Apple SD Gothic Neo" panose="02000300000000000000" pitchFamily="2" charset="-127"/>
-                          </a:rPr>
-                          <m:t> </m:t>
-                        </m:r>
-                        <m:r>
-                          <a:rPr lang="en-US" b="0" i="1" smtClean="0">
-                            <a:latin typeface="Cambria Math" panose="02040503050406030204" pitchFamily="18" charset="0"/>
-                            <a:ea typeface="Apple SD Gothic Neo" panose="02000300000000000000" pitchFamily="2" charset="-127"/>
-                          </a:rPr>
-                          <m:t>𝐼</m:t>
-                        </m:r>
-                        <m:r>
-                          <a:rPr lang="en-US" b="0" i="1" smtClean="0">
-                            <a:latin typeface="Cambria Math" panose="02040503050406030204" pitchFamily="18" charset="0"/>
-                            <a:ea typeface="Apple SD Gothic Neo" panose="02000300000000000000" pitchFamily="2" charset="-127"/>
-                          </a:rPr>
-                          <m:t>.</m:t>
-                        </m:r>
-                        <m:r>
-                          <a:rPr lang="en-US" b="0" i="1" smtClean="0">
-                            <a:latin typeface="Cambria Math" panose="02040503050406030204" pitchFamily="18" charset="0"/>
-                            <a:ea typeface="Apple SD Gothic Neo" panose="02000300000000000000" pitchFamily="2" charset="-127"/>
-                          </a:rPr>
-                          <m:t>𝐻</m:t>
-                        </m:r>
-                      </m:e>
-                    </m:func>
-                    <m:r>
-                      <a:rPr lang="en-US" i="1">
-                        <a:latin typeface="Cambria Math" panose="02040503050406030204" pitchFamily="18" charset="0"/>
-                        <a:ea typeface="Apple SD Gothic Neo" panose="02000300000000000000" pitchFamily="2" charset="-127"/>
-                      </a:rPr>
-                      <m:t>)</m:t>
-                    </m:r>
-                  </m:oMath>
-                </a14:m>
-                <a:endParaRPr lang="en-KR">
-                  <a:latin typeface="Apple SD Gothic Neo" panose="02000300000000000000" pitchFamily="2" charset="-127"/>
-                  <a:ea typeface="Apple SD Gothic Neo" panose="02000300000000000000" pitchFamily="2" charset="-127"/>
-                </a:endParaRPr>
-              </a:p>
-              <a:p>
-                <a:pPr marL="514350" indent="-514350" algn="ctr">
-                  <a:buFont typeface="Arial" panose="020B0604020202020204" pitchFamily="34" charset="0"/>
-                  <a:buAutoNum type="arabicParenR"/>
-                </a:pPr>
-                <a14:m>
-                  <m:oMath xmlns:m="http://schemas.openxmlformats.org/officeDocument/2006/math">
-                    <m:func>
-                      <m:funcPr>
-                        <m:ctrlPr>
-                          <a:rPr lang="en-US" i="1">
-                            <a:latin typeface="Cambria Math" panose="02040503050406030204" pitchFamily="18" charset="0"/>
-                            <a:ea typeface="Apple SD Gothic Neo" panose="02000300000000000000" pitchFamily="2" charset="-127"/>
-                          </a:rPr>
-                        </m:ctrlPr>
-                      </m:funcPr>
-                      <m:fName>
-                        <m:r>
-                          <m:rPr>
-                            <m:sty m:val="p"/>
-                          </m:rPr>
-                          <a:rPr lang="en-US">
-                            <a:latin typeface="Cambria Math" panose="02040503050406030204" pitchFamily="18" charset="0"/>
-                            <a:ea typeface="Apple SD Gothic Neo" panose="02000300000000000000" pitchFamily="2" charset="-127"/>
-                          </a:rPr>
-                          <m:t>max</m:t>
-                        </m:r>
-                      </m:fName>
-                      <m:e>
-                        <m:sSub>
-                          <m:sSubPr>
-                            <m:ctrlPr>
-                              <a:rPr lang="en-US" i="1">
-                                <a:latin typeface="Cambria Math" panose="02040503050406030204" pitchFamily="18" charset="0"/>
-                                <a:ea typeface="Apple SD Gothic Neo" panose="02000300000000000000" pitchFamily="2" charset="-127"/>
-                              </a:rPr>
-                            </m:ctrlPr>
-                          </m:sSubPr>
-                          <m:e>
-                            <m:r>
-                              <a:rPr lang="en-US" b="0" i="1" smtClean="0">
-                                <a:latin typeface="Cambria Math" panose="02040503050406030204" pitchFamily="18" charset="0"/>
-                                <a:ea typeface="Apple SD Gothic Neo" panose="02000300000000000000" pitchFamily="2" charset="-127"/>
-                              </a:rPr>
-                              <m:t>𝑆</m:t>
-                            </m:r>
-                            <m:r>
-                              <a:rPr lang="en-US" b="0" i="1" smtClean="0">
-                                <a:latin typeface="Cambria Math" panose="02040503050406030204" pitchFamily="18" charset="0"/>
-                                <a:ea typeface="Apple SD Gothic Neo" panose="02000300000000000000" pitchFamily="2" charset="-127"/>
-                              </a:rPr>
-                              <m:t>(</m:t>
-                            </m:r>
-                            <m:r>
-                              <a:rPr lang="en-US" i="1">
-                                <a:latin typeface="Cambria Math" panose="02040503050406030204" pitchFamily="18" charset="0"/>
-                                <a:ea typeface="Apple SD Gothic Neo" panose="02000300000000000000" pitchFamily="2" charset="-127"/>
-                              </a:rPr>
-                              <m:t>𝑛</m:t>
-                            </m:r>
-                          </m:e>
-                          <m:sub>
-                            <m:r>
-                              <a:rPr lang="en-US" i="1">
-                                <a:latin typeface="Cambria Math" panose="02040503050406030204" pitchFamily="18" charset="0"/>
-                                <a:ea typeface="Apple SD Gothic Neo" panose="02000300000000000000" pitchFamily="2" charset="-127"/>
-                              </a:rPr>
-                              <m:t>2</m:t>
-                            </m:r>
-                          </m:sub>
-                        </m:sSub>
-                        <m:sSub>
-                          <m:sSubPr>
-                            <m:ctrlPr>
-                              <a:rPr lang="en-US" i="1">
-                                <a:latin typeface="Cambria Math" panose="02040503050406030204" pitchFamily="18" charset="0"/>
-                                <a:ea typeface="Apple SD Gothic Neo" panose="02000300000000000000" pitchFamily="2" charset="-127"/>
-                              </a:rPr>
-                            </m:ctrlPr>
-                          </m:sSubPr>
-                          <m:e>
-                            <m:r>
-                              <a:rPr lang="en-US" b="0" i="1" smtClean="0">
-                                <a:latin typeface="Cambria Math" panose="02040503050406030204" pitchFamily="18" charset="0"/>
-                                <a:ea typeface="Apple SD Gothic Neo" panose="02000300000000000000" pitchFamily="2" charset="-127"/>
-                              </a:rPr>
-                              <m:t>)</m:t>
-                            </m:r>
-                            <m:r>
-                              <a:rPr lang="en-US" b="0" i="1" smtClean="0">
-                                <a:latin typeface="Cambria Math" panose="02040503050406030204" pitchFamily="18" charset="0"/>
-                                <a:ea typeface="Apple SD Gothic Neo" panose="02000300000000000000" pitchFamily="2" charset="-127"/>
-                              </a:rPr>
-                              <m:t>𝑆</m:t>
-                            </m:r>
-                            <m:r>
-                              <a:rPr lang="en-US" b="0" i="1" smtClean="0">
-                                <a:latin typeface="Cambria Math" panose="02040503050406030204" pitchFamily="18" charset="0"/>
-                                <a:ea typeface="Apple SD Gothic Neo" panose="02000300000000000000" pitchFamily="2" charset="-127"/>
-                              </a:rPr>
-                              <m:t>(</m:t>
-                            </m:r>
-                            <m:r>
-                              <a:rPr lang="en-US" i="1">
-                                <a:latin typeface="Cambria Math" panose="02040503050406030204" pitchFamily="18" charset="0"/>
-                                <a:ea typeface="Apple SD Gothic Neo" panose="02000300000000000000" pitchFamily="2" charset="-127"/>
-                              </a:rPr>
-                              <m:t>𝑛</m:t>
-                            </m:r>
-                          </m:e>
-                          <m:sub>
-                            <m:r>
-                              <a:rPr lang="en-US" i="1">
-                                <a:latin typeface="Cambria Math" panose="02040503050406030204" pitchFamily="18" charset="0"/>
-                                <a:ea typeface="Apple SD Gothic Neo" panose="02000300000000000000" pitchFamily="2" charset="-127"/>
-                              </a:rPr>
-                              <m:t>1</m:t>
-                            </m:r>
-                          </m:sub>
-                        </m:sSub>
-                        <m:r>
-                          <a:rPr lang="en-US" b="0" i="1" smtClean="0">
-                            <a:latin typeface="Cambria Math" panose="02040503050406030204" pitchFamily="18" charset="0"/>
-                            <a:ea typeface="Apple SD Gothic Neo" panose="02000300000000000000" pitchFamily="2" charset="-127"/>
-                          </a:rPr>
-                          <m:t>)</m:t>
-                        </m:r>
-                        <m:r>
-                          <a:rPr lang="en-US" b="0" i="1" smtClean="0">
-                            <a:latin typeface="Cambria Math" panose="02040503050406030204" pitchFamily="18" charset="0"/>
-                            <a:ea typeface="Apple SD Gothic Neo" panose="02000300000000000000" pitchFamily="2" charset="-127"/>
-                          </a:rPr>
-                          <m:t>𝑆</m:t>
-                        </m:r>
-                        <m:r>
-                          <a:rPr lang="en-US" b="0" i="1" smtClean="0">
-                            <a:latin typeface="Cambria Math" panose="02040503050406030204" pitchFamily="18" charset="0"/>
-                            <a:ea typeface="Apple SD Gothic Neo" panose="02000300000000000000" pitchFamily="2" charset="-127"/>
-                          </a:rPr>
-                          <m:t>(</m:t>
-                        </m:r>
-                        <m:sSub>
-                          <m:sSubPr>
-                            <m:ctrlPr>
-                              <a:rPr lang="en-US" i="1">
-                                <a:latin typeface="Cambria Math" panose="02040503050406030204" pitchFamily="18" charset="0"/>
-                                <a:ea typeface="Apple SD Gothic Neo" panose="02000300000000000000" pitchFamily="2" charset="-127"/>
-                              </a:rPr>
-                            </m:ctrlPr>
-                          </m:sSubPr>
-                          <m:e>
-                            <m:r>
-                              <a:rPr lang="en-US" i="1">
-                                <a:latin typeface="Cambria Math" panose="02040503050406030204" pitchFamily="18" charset="0"/>
-                                <a:ea typeface="Apple SD Gothic Neo" panose="02000300000000000000" pitchFamily="2" charset="-127"/>
-                              </a:rPr>
-                              <m:t>𝑛</m:t>
-                            </m:r>
-                          </m:e>
-                          <m:sub>
-                            <m:r>
-                              <a:rPr lang="en-US" i="1">
-                                <a:latin typeface="Cambria Math" panose="02040503050406030204" pitchFamily="18" charset="0"/>
-                                <a:ea typeface="Apple SD Gothic Neo" panose="02000300000000000000" pitchFamily="2" charset="-127"/>
-                              </a:rPr>
-                              <m:t>3</m:t>
-                            </m:r>
-                          </m:sub>
-                        </m:sSub>
-                        <m:r>
-                          <a:rPr lang="en-US" b="0" i="1" smtClean="0">
-                            <a:latin typeface="Cambria Math" panose="02040503050406030204" pitchFamily="18" charset="0"/>
-                            <a:ea typeface="Apple SD Gothic Neo" panose="02000300000000000000" pitchFamily="2" charset="-127"/>
-                          </a:rPr>
-                          <m:t>)</m:t>
-                        </m:r>
-                        <m:r>
-                          <a:rPr lang="en-US" i="1">
-                            <a:latin typeface="Cambria Math" panose="02040503050406030204" pitchFamily="18" charset="0"/>
-                            <a:ea typeface="Apple SD Gothic Neo" panose="02000300000000000000" pitchFamily="2" charset="-127"/>
-                          </a:rPr>
-                          <m:t> (</m:t>
-                        </m:r>
-                        <m:r>
-                          <a:rPr lang="en-US" i="1">
-                            <a:latin typeface="Cambria Math" panose="02040503050406030204" pitchFamily="18" charset="0"/>
-                            <a:ea typeface="Apple SD Gothic Neo" panose="02000300000000000000" pitchFamily="2" charset="-127"/>
-                          </a:rPr>
-                          <m:t>𝐵𝑦</m:t>
-                        </m:r>
-                        <m:r>
-                          <a:rPr lang="en-US" i="1">
-                            <a:latin typeface="Cambria Math" panose="02040503050406030204" pitchFamily="18" charset="0"/>
-                            <a:ea typeface="Apple SD Gothic Neo" panose="02000300000000000000" pitchFamily="2" charset="-127"/>
-                          </a:rPr>
-                          <m:t> 2 </m:t>
-                        </m:r>
-                        <m:r>
-                          <a:rPr lang="en-US" i="1">
-                            <a:latin typeface="Cambria Math" panose="02040503050406030204" pitchFamily="18" charset="0"/>
-                            <a:ea typeface="Apple SD Gothic Neo" panose="02000300000000000000" pitchFamily="2" charset="-127"/>
-                          </a:rPr>
-                          <m:t>𝑎𝑛𝑑</m:t>
-                        </m:r>
-                        <m:func>
-                          <m:funcPr>
-                            <m:ctrlPr>
-                              <a:rPr lang="en-US" b="0" i="1" smtClean="0">
-                                <a:latin typeface="Cambria Math" panose="02040503050406030204" pitchFamily="18" charset="0"/>
-                                <a:ea typeface="Apple SD Gothic Neo" panose="02000300000000000000" pitchFamily="2" charset="-127"/>
-                              </a:rPr>
-                            </m:ctrlPr>
-                          </m:funcPr>
-                          <m:fName>
-                            <m:r>
-                              <m:rPr>
-                                <m:sty m:val="p"/>
-                              </m:rPr>
-                              <a:rPr lang="en-US" b="0" i="0" smtClean="0">
-                                <a:latin typeface="Cambria Math" panose="02040503050406030204" pitchFamily="18" charset="0"/>
-                                <a:ea typeface="Apple SD Gothic Neo" panose="02000300000000000000" pitchFamily="2" charset="-127"/>
-                              </a:rPr>
-                              <m:t>max</m:t>
-                            </m:r>
-                          </m:fName>
-                          <m:e>
-                            <m:r>
-                              <a:rPr lang="en-US" b="0" i="1" smtClean="0">
-                                <a:latin typeface="Cambria Math" panose="02040503050406030204" pitchFamily="18" charset="0"/>
-                                <a:ea typeface="Apple SD Gothic Neo" panose="02000300000000000000" pitchFamily="2" charset="-127"/>
-                              </a:rPr>
-                              <m:t>𝑆</m:t>
-                            </m:r>
-                          </m:e>
-                        </m:func>
-                      </m:e>
-                    </m:func>
-                    <m:r>
-                      <a:rPr lang="en-US" i="1">
-                        <a:latin typeface="Cambria Math" panose="02040503050406030204" pitchFamily="18" charset="0"/>
-                        <a:ea typeface="Apple SD Gothic Neo" panose="02000300000000000000" pitchFamily="2" charset="-127"/>
-                      </a:rPr>
-                      <m:t>)</m:t>
-                    </m:r>
-                  </m:oMath>
-                </a14:m>
-                <a:endParaRPr lang="en-KR">
-                  <a:latin typeface="Apple SD Gothic Neo" panose="02000300000000000000" pitchFamily="2" charset="-127"/>
-                  <a:ea typeface="Apple SD Gothic Neo" panose="02000300000000000000" pitchFamily="2" charset="-127"/>
-                </a:endParaRPr>
-              </a:p>
-              <a:p>
-                <a:pPr marL="514350" indent="-514350" algn="ctr">
-                  <a:buFont typeface="Arial" panose="020B0604020202020204" pitchFamily="34" charset="0"/>
-                  <a:buAutoNum type="arabicParenR"/>
-                </a:pPr>
-                <a:endParaRPr lang="en-KR">
-                  <a:latin typeface="Apple SD Gothic Neo" panose="02000300000000000000" pitchFamily="2" charset="-127"/>
-                  <a:ea typeface="Apple SD Gothic Neo" panose="02000300000000000000" pitchFamily="2" charset="-127"/>
-                </a:endParaRPr>
-              </a:p>
-              <a:p>
-                <a:pPr marL="514350" indent="-514350" algn="ctr">
-                  <a:buAutoNum type="arabicParenR"/>
-                </a:pPr>
-                <a:endParaRPr lang="en-KR">
-                  <a:latin typeface="Apple SD Gothic Neo" panose="02000300000000000000" pitchFamily="2" charset="-127"/>
-                  <a:ea typeface="Apple SD Gothic Neo" panose="02000300000000000000" pitchFamily="2" charset="-127"/>
-                </a:endParaRPr>
-              </a:p>
-            </p:txBody>
-          </p:sp>
-        </mc:Choice>
-        <mc:Fallback xmlns="">
-          <p:sp>
-            <p:nvSpPr>
-              <p:cNvPr id="6" name="Content Placeholder 8">
-                <a:extLst>
-                  <a:ext uri="{FF2B5EF4-FFF2-40B4-BE49-F238E27FC236}">
-                    <a16:creationId xmlns:a16="http://schemas.microsoft.com/office/drawing/2014/main" id="{F2A555FD-925E-B4C5-4D93-AA66DC0E19A5}"/>
-                  </a:ext>
-                </a:extLst>
-              </p:cNvPr>
-              <p:cNvSpPr>
-                <a:spLocks noGrp="1" noRot="1" noChangeAspect="1" noMove="1" noResize="1" noEditPoints="1" noAdjustHandles="1" noChangeArrowheads="1" noChangeShapeType="1" noTextEdit="1"/>
-              </p:cNvSpPr>
-              <p:nvPr>
-                <p:ph idx="1"/>
-              </p:nvPr>
-            </p:nvSpPr>
-            <p:spPr>
-              <a:xfrm>
-                <a:off x="838200" y="2774193"/>
-                <a:ext cx="10515600" cy="3402770"/>
-              </a:xfrm>
-              <a:blipFill>
-                <a:blip r:embed="rId3"/>
-                <a:stretch>
-                  <a:fillRect l="-1086" t="-2974" b="-743"/>
-                </a:stretch>
-              </a:blipFill>
-            </p:spPr>
-            <p:txBody>
-              <a:bodyPr/>
-              <a:lstStyle/>
-              <a:p>
-                <a:r>
-                  <a:rPr lang="en-KR">
-                    <a:noFill/>
-                  </a:rPr>
-                  <a:t> </a:t>
-                </a:r>
-              </a:p>
-            </p:txBody>
-          </p:sp>
-        </mc:Fallback>
-      </mc:AlternateContent>
+      <p:pic>
+        <p:nvPicPr>
+          <p:cNvPr id="7" name="Picture 6">
+            <a:extLst>
+              <a:ext uri="{FF2B5EF4-FFF2-40B4-BE49-F238E27FC236}">
+                <a16:creationId xmlns:a16="http://schemas.microsoft.com/office/drawing/2014/main" id="{CB2444D7-30CD-369A-4D87-1E72D37FC516}"/>
+              </a:ext>
+            </a:extLst>
+          </p:cNvPr>
+          <p:cNvPicPr>
+            <a:picLocks noChangeAspect="1"/>
+          </p:cNvPicPr>
+          <p:nvPr/>
+        </p:nvPicPr>
+        <p:blipFill>
+          <a:blip r:embed="rId3"/>
+          <a:stretch>
+            <a:fillRect/>
+          </a:stretch>
+        </p:blipFill>
+        <p:spPr>
+          <a:xfrm>
+            <a:off x="925429" y="2455445"/>
+            <a:ext cx="5648826" cy="342900"/>
+          </a:xfrm>
+          <a:prstGeom prst="rect">
+            <a:avLst/>
+          </a:prstGeom>
+        </p:spPr>
+      </p:pic>
+      <p:pic>
+        <p:nvPicPr>
+          <p:cNvPr id="10" name="Content Placeholder 9" descr="A white background with black text&#10;&#10;AI-generated content may be incorrect.">
+            <a:extLst>
+              <a:ext uri="{FF2B5EF4-FFF2-40B4-BE49-F238E27FC236}">
+                <a16:creationId xmlns:a16="http://schemas.microsoft.com/office/drawing/2014/main" id="{1FEC67AA-94E8-B25F-DB19-AF298B23EE97}"/>
+              </a:ext>
+            </a:extLst>
+          </p:cNvPr>
+          <p:cNvPicPr>
+            <a:picLocks noGrp="1" noChangeAspect="1"/>
+          </p:cNvPicPr>
+          <p:nvPr>
+            <p:ph idx="1"/>
+          </p:nvPr>
+        </p:nvPicPr>
+        <p:blipFill>
+          <a:blip r:embed="rId4"/>
+          <a:stretch>
+            <a:fillRect/>
+          </a:stretch>
+        </p:blipFill>
+        <p:spPr>
+          <a:xfrm>
+            <a:off x="982133" y="3085836"/>
+            <a:ext cx="10227733" cy="2508249"/>
+          </a:xfrm>
+          <a:prstGeom prst="rect">
+            <a:avLst/>
+          </a:prstGeom>
+        </p:spPr>
+      </p:pic>
     </p:spTree>
     <p:extLst>
       <p:ext uri="{BB962C8B-B14F-4D97-AF65-F5344CB8AC3E}">
@@ -8808,7 +7378,7 @@
 </p:sld>
 </file>
 
-<file path=ppt/slides/slide22.xml><?xml version="1.0" encoding="utf-8"?>
+<file path=ppt/slides/slide21.xml><?xml version="1.0" encoding="utf-8"?>
 <p:sld xmlns:a="http://schemas.openxmlformats.org/drawingml/2006/main" xmlns:r="http://schemas.openxmlformats.org/officeDocument/2006/relationships" xmlns:p="http://schemas.openxmlformats.org/presentationml/2006/main">
   <p:cSld>
     <p:spTree>
@@ -8854,7 +7424,7 @@
           <a:p>
             <a:fld id="{68118D73-32D1-A847-AA81-E353C58266DD}" type="datetime1">
               <a:rPr lang="en-US" smtClean="0"/>
-              <a:t>9/3/25</a:t>
+              <a:t>9/5/2025</a:t>
             </a:fld>
             <a:endParaRPr lang="en-KR"/>
           </a:p>
@@ -8883,7 +7453,7 @@
           <a:p>
             <a:fld id="{98A7C90A-C1D4-1A4A-BB39-07FDF258A5BB}" type="slidenum">
               <a:rPr lang="en-KR" smtClean="0"/>
-              <a:t>22</a:t>
+              <a:t>21</a:t>
             </a:fld>
             <a:endParaRPr lang="en-KR"/>
           </a:p>
@@ -8985,7 +7555,7 @@
 </p:sld>
 </file>
 
-<file path=ppt/slides/slide23.xml><?xml version="1.0" encoding="utf-8"?>
+<file path=ppt/slides/slide22.xml><?xml version="1.0" encoding="utf-8"?>
 <p:sld xmlns:a="http://schemas.openxmlformats.org/drawingml/2006/main" xmlns:r="http://schemas.openxmlformats.org/officeDocument/2006/relationships" xmlns:p="http://schemas.openxmlformats.org/presentationml/2006/main">
   <p:cSld>
     <p:spTree>
@@ -9031,7 +7601,7 @@
           <a:p>
             <a:fld id="{68118D73-32D1-A847-AA81-E353C58266DD}" type="datetime1">
               <a:rPr lang="en-US" smtClean="0"/>
-              <a:t>9/3/25</a:t>
+              <a:t>9/5/2025</a:t>
             </a:fld>
             <a:endParaRPr lang="en-KR"/>
           </a:p>
@@ -9060,7 +7630,7 @@
           <a:p>
             <a:fld id="{98A7C90A-C1D4-1A4A-BB39-07FDF258A5BB}" type="slidenum">
               <a:rPr lang="en-KR" smtClean="0"/>
-              <a:t>23</a:t>
+              <a:t>22</a:t>
             </a:fld>
             <a:endParaRPr lang="en-KR"/>
           </a:p>
@@ -9949,7 +8519,7 @@
 </p:sld>
 </file>
 
-<file path=ppt/slides/slide24.xml><?xml version="1.0" encoding="utf-8"?>
+<file path=ppt/slides/slide23.xml><?xml version="1.0" encoding="utf-8"?>
 <p:sld xmlns:a="http://schemas.openxmlformats.org/drawingml/2006/main" xmlns:r="http://schemas.openxmlformats.org/officeDocument/2006/relationships" xmlns:p="http://schemas.openxmlformats.org/presentationml/2006/main">
   <p:cSld>
     <p:spTree>
@@ -9995,7 +8565,7 @@
           <a:p>
             <a:fld id="{68118D73-32D1-A847-AA81-E353C58266DD}" type="datetime1">
               <a:rPr lang="en-US" smtClean="0"/>
-              <a:t>9/3/25</a:t>
+              <a:t>9/5/2025</a:t>
             </a:fld>
             <a:endParaRPr lang="en-KR"/>
           </a:p>
@@ -10024,7 +8594,7 @@
           <a:p>
             <a:fld id="{98A7C90A-C1D4-1A4A-BB39-07FDF258A5BB}" type="slidenum">
               <a:rPr lang="en-KR" smtClean="0"/>
-              <a:t>24</a:t>
+              <a:t>23</a:t>
             </a:fld>
             <a:endParaRPr lang="en-KR"/>
           </a:p>
@@ -10673,7 +9243,7 @@
 </p:sld>
 </file>
 
-<file path=ppt/slides/slide25.xml><?xml version="1.0" encoding="utf-8"?>
+<file path=ppt/slides/slide24.xml><?xml version="1.0" encoding="utf-8"?>
 <p:sld xmlns:a="http://schemas.openxmlformats.org/drawingml/2006/main" xmlns:r="http://schemas.openxmlformats.org/officeDocument/2006/relationships" xmlns:p="http://schemas.openxmlformats.org/presentationml/2006/main">
   <p:cSld>
     <p:spTree>
@@ -10719,7 +9289,7 @@
           <a:p>
             <a:fld id="{68118D73-32D1-A847-AA81-E353C58266DD}" type="datetime1">
               <a:rPr lang="en-US" smtClean="0"/>
-              <a:t>9/3/25</a:t>
+              <a:t>9/5/2025</a:t>
             </a:fld>
             <a:endParaRPr lang="en-KR"/>
           </a:p>
@@ -10748,7 +9318,7 @@
           <a:p>
             <a:fld id="{98A7C90A-C1D4-1A4A-BB39-07FDF258A5BB}" type="slidenum">
               <a:rPr lang="en-KR" smtClean="0"/>
-              <a:t>25</a:t>
+              <a:t>24</a:t>
             </a:fld>
             <a:endParaRPr lang="en-KR"/>
           </a:p>
@@ -10850,7 +9420,7 @@
 </p:sld>
 </file>
 
-<file path=ppt/slides/slide26.xml><?xml version="1.0" encoding="utf-8"?>
+<file path=ppt/slides/slide25.xml><?xml version="1.0" encoding="utf-8"?>
 <p:sld xmlns:a="http://schemas.openxmlformats.org/drawingml/2006/main" xmlns:r="http://schemas.openxmlformats.org/officeDocument/2006/relationships" xmlns:p="http://schemas.openxmlformats.org/presentationml/2006/main">
   <p:cSld>
     <p:spTree>
@@ -10896,7 +9466,7 @@
           <a:p>
             <a:fld id="{68118D73-32D1-A847-AA81-E353C58266DD}" type="datetime1">
               <a:rPr lang="en-US" smtClean="0"/>
-              <a:t>9/3/25</a:t>
+              <a:t>9/5/2025</a:t>
             </a:fld>
             <a:endParaRPr lang="en-KR"/>
           </a:p>
@@ -10925,7 +9495,7 @@
           <a:p>
             <a:fld id="{98A7C90A-C1D4-1A4A-BB39-07FDF258A5BB}" type="slidenum">
               <a:rPr lang="en-KR" smtClean="0"/>
-              <a:t>26</a:t>
+              <a:t>25</a:t>
             </a:fld>
             <a:endParaRPr lang="en-KR"/>
           </a:p>
@@ -11672,7 +10242,7 @@
 </p:sld>
 </file>
 
-<file path=ppt/slides/slide27.xml><?xml version="1.0" encoding="utf-8"?>
+<file path=ppt/slides/slide26.xml><?xml version="1.0" encoding="utf-8"?>
 <p:sld xmlns:a="http://schemas.openxmlformats.org/drawingml/2006/main" xmlns:r="http://schemas.openxmlformats.org/officeDocument/2006/relationships" xmlns:p="http://schemas.openxmlformats.org/presentationml/2006/main">
   <p:cSld>
     <p:spTree>
@@ -11718,7 +10288,7 @@
           <a:p>
             <a:fld id="{68118D73-32D1-A847-AA81-E353C58266DD}" type="datetime1">
               <a:rPr lang="en-US" smtClean="0"/>
-              <a:t>9/3/25</a:t>
+              <a:t>9/5/2025</a:t>
             </a:fld>
             <a:endParaRPr lang="en-KR"/>
           </a:p>
@@ -11747,7 +10317,7 @@
           <a:p>
             <a:fld id="{98A7C90A-C1D4-1A4A-BB39-07FDF258A5BB}" type="slidenum">
               <a:rPr lang="en-KR" smtClean="0"/>
-              <a:t>27</a:t>
+              <a:t>26</a:t>
             </a:fld>
             <a:endParaRPr lang="en-KR"/>
           </a:p>
@@ -12613,7 +11183,7 @@
 </p:sld>
 </file>
 
-<file path=ppt/slides/slide28.xml><?xml version="1.0" encoding="utf-8"?>
+<file path=ppt/slides/slide27.xml><?xml version="1.0" encoding="utf-8"?>
 <p:sld xmlns:a="http://schemas.openxmlformats.org/drawingml/2006/main" xmlns:r="http://schemas.openxmlformats.org/officeDocument/2006/relationships" xmlns:p="http://schemas.openxmlformats.org/presentationml/2006/main">
   <p:cSld>
     <p:spTree>
@@ -12659,7 +11229,7 @@
           <a:p>
             <a:fld id="{68118D73-32D1-A847-AA81-E353C58266DD}" type="datetime1">
               <a:rPr lang="en-US" smtClean="0"/>
-              <a:t>9/3/25</a:t>
+              <a:t>9/5/2025</a:t>
             </a:fld>
             <a:endParaRPr lang="en-KR"/>
           </a:p>
@@ -12688,7 +11258,7 @@
           <a:p>
             <a:fld id="{98A7C90A-C1D4-1A4A-BB39-07FDF258A5BB}" type="slidenum">
               <a:rPr lang="en-KR" smtClean="0"/>
-              <a:t>28</a:t>
+              <a:t>27</a:t>
             </a:fld>
             <a:endParaRPr lang="en-KR"/>
           </a:p>
@@ -12820,7 +11390,7 @@
 </p:sld>
 </file>
 
-<file path=ppt/slides/slide29.xml><?xml version="1.0" encoding="utf-8"?>
+<file path=ppt/slides/slide28.xml><?xml version="1.0" encoding="utf-8"?>
 <p:sld xmlns:a="http://schemas.openxmlformats.org/drawingml/2006/main" xmlns:r="http://schemas.openxmlformats.org/officeDocument/2006/relationships" xmlns:p="http://schemas.openxmlformats.org/presentationml/2006/main">
   <p:cSld>
     <p:spTree>
@@ -12866,7 +11436,7 @@
           <a:p>
             <a:fld id="{68118D73-32D1-A847-AA81-E353C58266DD}" type="datetime1">
               <a:rPr lang="en-US" smtClean="0"/>
-              <a:t>9/3/25</a:t>
+              <a:t>9/5/2025</a:t>
             </a:fld>
             <a:endParaRPr lang="en-KR"/>
           </a:p>
@@ -12895,7 +11465,7 @@
           <a:p>
             <a:fld id="{98A7C90A-C1D4-1A4A-BB39-07FDF258A5BB}" type="slidenum">
               <a:rPr lang="en-KR" smtClean="0"/>
-              <a:t>29</a:t>
+              <a:t>28</a:t>
             </a:fld>
             <a:endParaRPr lang="en-KR"/>
           </a:p>
@@ -13014,846 +11584,68 @@
           </a:prstGeom>
         </p:spPr>
       </p:pic>
-      <mc:AlternateContent xmlns:mc="http://schemas.openxmlformats.org/markup-compatibility/2006" xmlns:a14="http://schemas.microsoft.com/office/drawing/2010/main">
-        <mc:Choice Requires="a14">
-          <p:sp>
-            <p:nvSpPr>
-              <p:cNvPr id="2" name="Content Placeholder 8">
-                <a:extLst>
-                  <a:ext uri="{FF2B5EF4-FFF2-40B4-BE49-F238E27FC236}">
-                    <a16:creationId xmlns:a16="http://schemas.microsoft.com/office/drawing/2014/main" id="{6784459E-ADAF-5BF3-4991-6857D30B15C0}"/>
-                  </a:ext>
-                </a:extLst>
-              </p:cNvPr>
-              <p:cNvSpPr>
-                <a:spLocks noGrp="1"/>
-              </p:cNvSpPr>
-              <p:nvPr>
-                <p:ph idx="1"/>
-              </p:nvPr>
-            </p:nvSpPr>
-            <p:spPr>
-              <a:xfrm>
-                <a:off x="838200" y="2774193"/>
-                <a:ext cx="10515600" cy="3402770"/>
-              </a:xfrm>
-            </p:spPr>
-            <p:txBody>
-              <a:bodyPr>
-                <a:normAutofit fontScale="85000" lnSpcReduction="20000"/>
-              </a:bodyPr>
-              <a:lstStyle/>
-              <a:p>
-                <a:pPr marL="0" indent="0">
-                  <a:buNone/>
-                </a:pPr>
-                <a:r>
-                  <a:rPr lang="en-KR">
-                    <a:latin typeface="Apple SD Gothic Neo" panose="02000300000000000000" pitchFamily="2" charset="-127"/>
-                    <a:ea typeface="Apple SD Gothic Neo" panose="02000300000000000000" pitchFamily="2" charset="-127"/>
-                  </a:rPr>
-                  <a:t>Case i.</a:t>
-                </a:r>
-              </a:p>
-              <a:p>
-                <a:pPr marL="0" indent="0" algn="ctr">
-                  <a:buNone/>
-                </a:pPr>
-                <a14:m>
-                  <m:oMathPara xmlns:m="http://schemas.openxmlformats.org/officeDocument/2006/math">
-                    <m:oMathParaPr>
-                      <m:jc m:val="centerGroup"/>
-                    </m:oMathParaPr>
-                    <m:oMath xmlns:m="http://schemas.openxmlformats.org/officeDocument/2006/math">
-                      <m:f>
-                        <m:fPr>
-                          <m:ctrlPr>
-                            <a:rPr lang="en-KR" i="1" smtClean="0">
-                              <a:latin typeface="Cambria Math" panose="02040503050406030204" pitchFamily="18" charset="0"/>
-                              <a:ea typeface="Apple SD Gothic Neo" panose="02000300000000000000" pitchFamily="2" charset="-127"/>
-                            </a:rPr>
-                          </m:ctrlPr>
-                        </m:fPr>
-                        <m:num/>
-                        <m:den>
-                          <m:func>
-                            <m:funcPr>
-                              <m:ctrlPr>
-                                <a:rPr lang="en-US" b="0" i="1" smtClean="0">
-                                  <a:latin typeface="Cambria Math" panose="02040503050406030204" pitchFamily="18" charset="0"/>
-                                  <a:ea typeface="Apple SD Gothic Neo" panose="02000300000000000000" pitchFamily="2" charset="-127"/>
-                                </a:rPr>
-                              </m:ctrlPr>
-                            </m:funcPr>
-                            <m:fName>
-                              <m:r>
-                                <m:rPr>
-                                  <m:sty m:val="p"/>
-                                </m:rPr>
-                                <a:rPr lang="en-US" b="0" i="0" smtClean="0">
-                                  <a:latin typeface="Cambria Math" panose="02040503050406030204" pitchFamily="18" charset="0"/>
-                                  <a:ea typeface="Apple SD Gothic Neo" panose="02000300000000000000" pitchFamily="2" charset="-127"/>
-                                </a:rPr>
-                                <m:t>fibsum</m:t>
-                              </m:r>
-                            </m:fName>
-                            <m:e>
-                              <m:r>
-                                <a:rPr lang="en-US" b="0" i="1" smtClean="0">
-                                  <a:latin typeface="Cambria Math" panose="02040503050406030204" pitchFamily="18" charset="0"/>
-                                  <a:ea typeface="Apple SD Gothic Neo" panose="02000300000000000000" pitchFamily="2" charset="-127"/>
-                                </a:rPr>
-                                <m:t>𝑍</m:t>
-                              </m:r>
-                              <m:r>
-                                <a:rPr lang="en-US" b="0" i="1" smtClean="0">
-                                  <a:latin typeface="Cambria Math" panose="02040503050406030204" pitchFamily="18" charset="0"/>
-                                  <a:ea typeface="Apple SD Gothic Neo" panose="02000300000000000000" pitchFamily="2" charset="-127"/>
-                                </a:rPr>
-                                <m:t> </m:t>
-                              </m:r>
-                              <m:r>
-                                <a:rPr lang="en-US" b="0" i="1" smtClean="0">
-                                  <a:latin typeface="Cambria Math" panose="02040503050406030204" pitchFamily="18" charset="0"/>
-                                  <a:ea typeface="Apple SD Gothic Neo" panose="02000300000000000000" pitchFamily="2" charset="-127"/>
-                                </a:rPr>
-                                <m:t>𝑍</m:t>
-                              </m:r>
-                            </m:e>
-                          </m:func>
-                        </m:den>
-                      </m:f>
-                      <m:func>
-                        <m:funcPr>
-                          <m:ctrlPr>
-                            <a:rPr lang="en-US" b="0" i="1" smtClean="0">
-                              <a:latin typeface="Cambria Math" panose="02040503050406030204" pitchFamily="18" charset="0"/>
-                              <a:ea typeface="Apple SD Gothic Neo" panose="02000300000000000000" pitchFamily="2" charset="-127"/>
-                            </a:rPr>
-                          </m:ctrlPr>
-                        </m:funcPr>
-                        <m:fName>
-                          <m:r>
-                            <m:rPr>
-                              <m:sty m:val="p"/>
-                            </m:rPr>
-                            <a:rPr lang="en-US" b="0" i="0" smtClean="0">
-                              <a:latin typeface="Cambria Math" panose="02040503050406030204" pitchFamily="18" charset="0"/>
-                              <a:ea typeface="Apple SD Gothic Neo" panose="02000300000000000000" pitchFamily="2" charset="-127"/>
-                            </a:rPr>
-                            <m:t>fibsum</m:t>
-                          </m:r>
-                        </m:fName>
-                        <m:e>
-                          <m:r>
-                            <a:rPr lang="en-US" b="0" i="1" smtClean="0">
-                              <a:latin typeface="Cambria Math" panose="02040503050406030204" pitchFamily="18" charset="0"/>
-                              <a:ea typeface="Apple SD Gothic Neo" panose="02000300000000000000" pitchFamily="2" charset="-127"/>
-                            </a:rPr>
-                            <m:t>𝑍</m:t>
-                          </m:r>
-                        </m:e>
-                      </m:func>
-                    </m:oMath>
-                  </m:oMathPara>
-                </a14:m>
-                <a:endParaRPr lang="en-US" b="0">
-                  <a:latin typeface="Apple SD Gothic Neo" panose="02000300000000000000" pitchFamily="2" charset="-127"/>
-                  <a:ea typeface="Apple SD Gothic Neo" panose="02000300000000000000" pitchFamily="2" charset="-127"/>
-                </a:endParaRPr>
-              </a:p>
-              <a:p>
-                <a:pPr marL="0" indent="0" algn="ctr">
-                  <a:buNone/>
-                </a:pPr>
-                <a:r>
-                  <a:rPr lang="en-US">
-                    <a:latin typeface="Apple SD Gothic Neo" panose="02000300000000000000" pitchFamily="2" charset="-127"/>
-                    <a:ea typeface="Apple SD Gothic Neo" panose="02000300000000000000" pitchFamily="2" charset="-127"/>
-                  </a:rPr>
-                  <a:t>I</a:t>
-                </a:r>
-                <a:r>
-                  <a:rPr lang="en-KR">
-                    <a:latin typeface="Apple SD Gothic Neo" panose="02000300000000000000" pitchFamily="2" charset="-127"/>
-                    <a:ea typeface="Apple SD Gothic Neo" panose="02000300000000000000" pitchFamily="2" charset="-127"/>
-                  </a:rPr>
-                  <a:t>f fibsum Z Z, then fib S(S(Z) S(Z)?</a:t>
-                </a:r>
-              </a:p>
-              <a:p>
-                <a:pPr marL="0" indent="0" algn="just">
-                  <a:buNone/>
-                </a:pPr>
-                <a:r>
-                  <a:rPr lang="en-KR">
-                    <a:latin typeface="Apple SD Gothic Neo" panose="02000300000000000000" pitchFamily="2" charset="-127"/>
-                    <a:ea typeface="Apple SD Gothic Neo" panose="02000300000000000000" pitchFamily="2" charset="-127"/>
-                  </a:rPr>
-                  <a:t>Proof)</a:t>
-                </a:r>
-              </a:p>
-              <a:p>
-                <a:pPr marL="514350" indent="-514350" algn="ctr">
-                  <a:buAutoNum type="arabicParenR"/>
-                </a:pPr>
-                <a14:m>
-                  <m:oMath xmlns:m="http://schemas.openxmlformats.org/officeDocument/2006/math">
-                    <m:func>
-                      <m:funcPr>
-                        <m:ctrlPr>
-                          <a:rPr lang="en-US" b="0" i="1" smtClean="0">
-                            <a:latin typeface="Cambria Math" panose="02040503050406030204" pitchFamily="18" charset="0"/>
-                            <a:ea typeface="Apple SD Gothic Neo" panose="02000300000000000000" pitchFamily="2" charset="-127"/>
-                          </a:rPr>
-                        </m:ctrlPr>
-                      </m:funcPr>
-                      <m:fName>
-                        <m:r>
-                          <m:rPr>
-                            <m:sty m:val="p"/>
-                          </m:rPr>
-                          <a:rPr lang="en-US" b="0" i="0" smtClean="0">
-                            <a:latin typeface="Cambria Math" panose="02040503050406030204" pitchFamily="18" charset="0"/>
-                            <a:ea typeface="Apple SD Gothic Neo" panose="02000300000000000000" pitchFamily="2" charset="-127"/>
-                          </a:rPr>
-                          <m:t>fib</m:t>
-                        </m:r>
-                      </m:fName>
-                      <m:e>
-                        <m:r>
-                          <a:rPr lang="en-US" b="0" i="1" smtClean="0">
-                            <a:latin typeface="Cambria Math" panose="02040503050406030204" pitchFamily="18" charset="0"/>
-                            <a:ea typeface="Apple SD Gothic Neo" panose="02000300000000000000" pitchFamily="2" charset="-127"/>
-                          </a:rPr>
-                          <m:t>𝑍</m:t>
-                        </m:r>
-                        <m:r>
-                          <a:rPr lang="en-US" b="0" i="1" smtClean="0">
-                            <a:latin typeface="Cambria Math" panose="02040503050406030204" pitchFamily="18" charset="0"/>
-                            <a:ea typeface="Apple SD Gothic Neo" panose="02000300000000000000" pitchFamily="2" charset="-127"/>
-                          </a:rPr>
-                          <m:t> </m:t>
-                        </m:r>
-                        <m:r>
-                          <a:rPr lang="en-US" b="0" i="1" smtClean="0">
-                            <a:latin typeface="Cambria Math" panose="02040503050406030204" pitchFamily="18" charset="0"/>
-                            <a:ea typeface="Apple SD Gothic Neo" panose="02000300000000000000" pitchFamily="2" charset="-127"/>
-                          </a:rPr>
-                          <m:t>𝑍</m:t>
-                        </m:r>
-                        <m:r>
-                          <a:rPr lang="en-US" b="0" i="1" smtClean="0">
-                            <a:latin typeface="Cambria Math" panose="02040503050406030204" pitchFamily="18" charset="0"/>
-                            <a:ea typeface="Apple SD Gothic Neo" panose="02000300000000000000" pitchFamily="2" charset="-127"/>
-                          </a:rPr>
-                          <m:t> (</m:t>
-                        </m:r>
-                        <m:r>
-                          <a:rPr lang="en-US" b="0" i="1" smtClean="0">
-                            <a:latin typeface="Cambria Math" panose="02040503050406030204" pitchFamily="18" charset="0"/>
-                            <a:ea typeface="Apple SD Gothic Neo" panose="02000300000000000000" pitchFamily="2" charset="-127"/>
-                          </a:rPr>
-                          <m:t>𝐵𝑦</m:t>
-                        </m:r>
-                        <m:func>
-                          <m:funcPr>
-                            <m:ctrlPr>
-                              <a:rPr lang="en-US" b="0" i="1" smtClean="0">
-                                <a:latin typeface="Cambria Math" panose="02040503050406030204" pitchFamily="18" charset="0"/>
-                                <a:ea typeface="Apple SD Gothic Neo" panose="02000300000000000000" pitchFamily="2" charset="-127"/>
-                              </a:rPr>
-                            </m:ctrlPr>
-                          </m:funcPr>
-                          <m:fName>
-                            <m:r>
-                              <m:rPr>
-                                <m:sty m:val="p"/>
-                              </m:rPr>
-                              <a:rPr lang="en-US" b="0" i="0" smtClean="0">
-                                <a:latin typeface="Cambria Math" panose="02040503050406030204" pitchFamily="18" charset="0"/>
-                                <a:ea typeface="Apple SD Gothic Neo" panose="02000300000000000000" pitchFamily="2" charset="-127"/>
-                              </a:rPr>
-                              <m:t>fib</m:t>
-                            </m:r>
-                          </m:fName>
-                          <m:e>
-                            <m:r>
-                              <a:rPr lang="en-US" b="0" i="1" smtClean="0">
-                                <a:latin typeface="Cambria Math" panose="02040503050406030204" pitchFamily="18" charset="0"/>
-                                <a:ea typeface="Apple SD Gothic Neo" panose="02000300000000000000" pitchFamily="2" charset="-127"/>
-                              </a:rPr>
-                              <m:t>𝑍</m:t>
-                            </m:r>
-                            <m:r>
-                              <a:rPr lang="en-US" b="0" i="1" smtClean="0">
-                                <a:latin typeface="Cambria Math" panose="02040503050406030204" pitchFamily="18" charset="0"/>
-                                <a:ea typeface="Apple SD Gothic Neo" panose="02000300000000000000" pitchFamily="2" charset="-127"/>
-                              </a:rPr>
-                              <m:t>)</m:t>
-                            </m:r>
-                          </m:e>
-                        </m:func>
-                      </m:e>
-                    </m:func>
-                  </m:oMath>
-                </a14:m>
-                <a:endParaRPr lang="en-KR">
-                  <a:latin typeface="Apple SD Gothic Neo" panose="02000300000000000000" pitchFamily="2" charset="-127"/>
-                  <a:ea typeface="Apple SD Gothic Neo" panose="02000300000000000000" pitchFamily="2" charset="-127"/>
-                </a:endParaRPr>
-              </a:p>
-              <a:p>
-                <a:pPr marL="514350" indent="-514350" algn="ctr">
-                  <a:buFont typeface="Arial" panose="020B0604020202020204" pitchFamily="34" charset="0"/>
-                  <a:buAutoNum type="arabicParenR"/>
-                </a:pPr>
-                <a14:m>
-                  <m:oMath xmlns:m="http://schemas.openxmlformats.org/officeDocument/2006/math">
-                    <m:func>
-                      <m:funcPr>
-                        <m:ctrlPr>
-                          <a:rPr lang="en-US" i="1">
-                            <a:latin typeface="Cambria Math" panose="02040503050406030204" pitchFamily="18" charset="0"/>
-                            <a:ea typeface="Apple SD Gothic Neo" panose="02000300000000000000" pitchFamily="2" charset="-127"/>
-                          </a:rPr>
-                        </m:ctrlPr>
-                      </m:funcPr>
-                      <m:fName>
-                        <m:r>
-                          <m:rPr>
-                            <m:sty m:val="p"/>
-                          </m:rPr>
-                          <a:rPr lang="en-US">
-                            <a:latin typeface="Cambria Math" panose="02040503050406030204" pitchFamily="18" charset="0"/>
-                            <a:ea typeface="Apple SD Gothic Neo" panose="02000300000000000000" pitchFamily="2" charset="-127"/>
-                          </a:rPr>
-                          <m:t>fib</m:t>
-                        </m:r>
-                      </m:fName>
-                      <m:e>
-                        <m:r>
-                          <a:rPr lang="en-US" b="0" i="1" smtClean="0">
-                            <a:latin typeface="Cambria Math" panose="02040503050406030204" pitchFamily="18" charset="0"/>
-                            <a:ea typeface="Apple SD Gothic Neo" panose="02000300000000000000" pitchFamily="2" charset="-127"/>
-                          </a:rPr>
-                          <m:t>𝑆</m:t>
-                        </m:r>
-                        <m:r>
-                          <a:rPr lang="en-US" b="0" i="1" smtClean="0">
-                            <a:latin typeface="Cambria Math" panose="02040503050406030204" pitchFamily="18" charset="0"/>
-                            <a:ea typeface="Apple SD Gothic Neo" panose="02000300000000000000" pitchFamily="2" charset="-127"/>
-                          </a:rPr>
-                          <m:t>(</m:t>
-                        </m:r>
-                        <m:r>
-                          <a:rPr lang="en-US" i="1">
-                            <a:latin typeface="Cambria Math" panose="02040503050406030204" pitchFamily="18" charset="0"/>
-                            <a:ea typeface="Apple SD Gothic Neo" panose="02000300000000000000" pitchFamily="2" charset="-127"/>
-                          </a:rPr>
-                          <m:t>𝑍</m:t>
-                        </m:r>
-                        <m:r>
-                          <a:rPr lang="en-US" b="0" i="1" smtClean="0">
-                            <a:latin typeface="Cambria Math" panose="02040503050406030204" pitchFamily="18" charset="0"/>
-                            <a:ea typeface="Apple SD Gothic Neo" panose="02000300000000000000" pitchFamily="2" charset="-127"/>
-                          </a:rPr>
-                          <m:t>)</m:t>
-                        </m:r>
-                        <m:r>
-                          <a:rPr lang="en-US" i="1">
-                            <a:latin typeface="Cambria Math" panose="02040503050406030204" pitchFamily="18" charset="0"/>
-                            <a:ea typeface="Apple SD Gothic Neo" panose="02000300000000000000" pitchFamily="2" charset="-127"/>
-                          </a:rPr>
-                          <m:t> </m:t>
-                        </m:r>
-                        <m:r>
-                          <a:rPr lang="en-US" b="0" i="1" smtClean="0">
-                            <a:latin typeface="Cambria Math" panose="02040503050406030204" pitchFamily="18" charset="0"/>
-                            <a:ea typeface="Apple SD Gothic Neo" panose="02000300000000000000" pitchFamily="2" charset="-127"/>
-                          </a:rPr>
-                          <m:t>𝑆</m:t>
-                        </m:r>
-                        <m:r>
-                          <a:rPr lang="en-US" b="0" i="1" smtClean="0">
-                            <a:latin typeface="Cambria Math" panose="02040503050406030204" pitchFamily="18" charset="0"/>
-                            <a:ea typeface="Apple SD Gothic Neo" panose="02000300000000000000" pitchFamily="2" charset="-127"/>
-                          </a:rPr>
-                          <m:t>(</m:t>
-                        </m:r>
-                        <m:r>
-                          <a:rPr lang="en-US" i="1">
-                            <a:latin typeface="Cambria Math" panose="02040503050406030204" pitchFamily="18" charset="0"/>
-                            <a:ea typeface="Apple SD Gothic Neo" panose="02000300000000000000" pitchFamily="2" charset="-127"/>
-                          </a:rPr>
-                          <m:t>𝑍</m:t>
-                        </m:r>
-                        <m:r>
-                          <a:rPr lang="en-US" b="0" i="1" smtClean="0">
-                            <a:latin typeface="Cambria Math" panose="02040503050406030204" pitchFamily="18" charset="0"/>
-                            <a:ea typeface="Apple SD Gothic Neo" panose="02000300000000000000" pitchFamily="2" charset="-127"/>
-                          </a:rPr>
-                          <m:t>)</m:t>
-                        </m:r>
-                        <m:r>
-                          <a:rPr lang="en-US" i="1">
-                            <a:latin typeface="Cambria Math" panose="02040503050406030204" pitchFamily="18" charset="0"/>
-                            <a:ea typeface="Apple SD Gothic Neo" panose="02000300000000000000" pitchFamily="2" charset="-127"/>
-                          </a:rPr>
-                          <m:t> (</m:t>
-                        </m:r>
-                        <m:r>
-                          <a:rPr lang="en-US" i="1">
-                            <a:latin typeface="Cambria Math" panose="02040503050406030204" pitchFamily="18" charset="0"/>
-                            <a:ea typeface="Apple SD Gothic Neo" panose="02000300000000000000" pitchFamily="2" charset="-127"/>
-                          </a:rPr>
-                          <m:t>𝐵𝑦</m:t>
-                        </m:r>
-                        <m:func>
-                          <m:funcPr>
-                            <m:ctrlPr>
-                              <a:rPr lang="en-US" i="1">
-                                <a:latin typeface="Cambria Math" panose="02040503050406030204" pitchFamily="18" charset="0"/>
-                                <a:ea typeface="Apple SD Gothic Neo" panose="02000300000000000000" pitchFamily="2" charset="-127"/>
-                              </a:rPr>
-                            </m:ctrlPr>
-                          </m:funcPr>
-                          <m:fName>
-                            <m:r>
-                              <m:rPr>
-                                <m:sty m:val="p"/>
-                              </m:rPr>
-                              <a:rPr lang="en-US">
-                                <a:latin typeface="Cambria Math" panose="02040503050406030204" pitchFamily="18" charset="0"/>
-                                <a:ea typeface="Apple SD Gothic Neo" panose="02000300000000000000" pitchFamily="2" charset="-127"/>
-                              </a:rPr>
-                              <m:t>fib</m:t>
-                            </m:r>
-                          </m:fName>
-                          <m:e>
-                            <m:r>
-                              <a:rPr lang="en-US" b="0" i="1" smtClean="0">
-                                <a:latin typeface="Cambria Math" panose="02040503050406030204" pitchFamily="18" charset="0"/>
-                                <a:ea typeface="Apple SD Gothic Neo" panose="02000300000000000000" pitchFamily="2" charset="-127"/>
-                              </a:rPr>
-                              <m:t>𝑆</m:t>
-                            </m:r>
-                            <m:r>
-                              <a:rPr lang="en-US" i="1">
-                                <a:latin typeface="Cambria Math" panose="02040503050406030204" pitchFamily="18" charset="0"/>
-                                <a:ea typeface="Apple SD Gothic Neo" panose="02000300000000000000" pitchFamily="2" charset="-127"/>
-                              </a:rPr>
-                              <m:t>𝑍</m:t>
-                            </m:r>
-                            <m:r>
-                              <a:rPr lang="en-US" i="1">
-                                <a:latin typeface="Cambria Math" panose="02040503050406030204" pitchFamily="18" charset="0"/>
-                                <a:ea typeface="Apple SD Gothic Neo" panose="02000300000000000000" pitchFamily="2" charset="-127"/>
-                              </a:rPr>
-                              <m:t>)</m:t>
-                            </m:r>
-                          </m:e>
-                        </m:func>
-                      </m:e>
-                    </m:func>
-                  </m:oMath>
-                </a14:m>
-                <a:endParaRPr lang="en-KR">
-                  <a:latin typeface="Apple SD Gothic Neo" panose="02000300000000000000" pitchFamily="2" charset="-127"/>
-                  <a:ea typeface="Apple SD Gothic Neo" panose="02000300000000000000" pitchFamily="2" charset="-127"/>
-                </a:endParaRPr>
-              </a:p>
-              <a:p>
-                <a:pPr marL="514350" indent="-514350" algn="ctr">
-                  <a:buFont typeface="Arial" panose="020B0604020202020204" pitchFamily="34" charset="0"/>
-                  <a:buAutoNum type="arabicParenR"/>
-                </a:pPr>
-                <a14:m>
-                  <m:oMath xmlns:m="http://schemas.openxmlformats.org/officeDocument/2006/math">
-                    <m:func>
-                      <m:funcPr>
-                        <m:ctrlPr>
-                          <a:rPr lang="en-US" i="1">
-                            <a:latin typeface="Cambria Math" panose="02040503050406030204" pitchFamily="18" charset="0"/>
-                            <a:ea typeface="Apple SD Gothic Neo" panose="02000300000000000000" pitchFamily="2" charset="-127"/>
-                          </a:rPr>
-                        </m:ctrlPr>
-                      </m:funcPr>
-                      <m:fName>
-                        <m:r>
-                          <m:rPr>
-                            <m:sty m:val="p"/>
-                          </m:rPr>
-                          <a:rPr lang="en-US" b="0" i="0" smtClean="0">
-                            <a:latin typeface="Cambria Math" panose="02040503050406030204" pitchFamily="18" charset="0"/>
-                            <a:ea typeface="Apple SD Gothic Neo" panose="02000300000000000000" pitchFamily="2" charset="-127"/>
-                          </a:rPr>
-                          <m:t>add</m:t>
-                        </m:r>
-                      </m:fName>
-                      <m:e>
-                        <m:r>
-                          <a:rPr lang="en-US" i="1">
-                            <a:latin typeface="Cambria Math" panose="02040503050406030204" pitchFamily="18" charset="0"/>
-                            <a:ea typeface="Apple SD Gothic Neo" panose="02000300000000000000" pitchFamily="2" charset="-127"/>
-                          </a:rPr>
-                          <m:t>𝑍</m:t>
-                        </m:r>
-                        <m:r>
-                          <a:rPr lang="en-US" i="1">
-                            <a:latin typeface="Cambria Math" panose="02040503050406030204" pitchFamily="18" charset="0"/>
-                            <a:ea typeface="Apple SD Gothic Neo" panose="02000300000000000000" pitchFamily="2" charset="-127"/>
-                          </a:rPr>
-                          <m:t> </m:t>
-                        </m:r>
-                        <m:r>
-                          <a:rPr lang="en-US" i="1">
-                            <a:latin typeface="Cambria Math" panose="02040503050406030204" pitchFamily="18" charset="0"/>
-                            <a:ea typeface="Apple SD Gothic Neo" panose="02000300000000000000" pitchFamily="2" charset="-127"/>
-                          </a:rPr>
-                          <m:t>𝑆</m:t>
-                        </m:r>
-                        <m:d>
-                          <m:dPr>
-                            <m:ctrlPr>
-                              <a:rPr lang="en-US" i="1">
-                                <a:latin typeface="Cambria Math" panose="02040503050406030204" pitchFamily="18" charset="0"/>
-                                <a:ea typeface="Apple SD Gothic Neo" panose="02000300000000000000" pitchFamily="2" charset="-127"/>
-                              </a:rPr>
-                            </m:ctrlPr>
-                          </m:dPr>
-                          <m:e>
-                            <m:r>
-                              <a:rPr lang="en-US" i="1">
-                                <a:latin typeface="Cambria Math" panose="02040503050406030204" pitchFamily="18" charset="0"/>
-                                <a:ea typeface="Apple SD Gothic Neo" panose="02000300000000000000" pitchFamily="2" charset="-127"/>
-                              </a:rPr>
-                              <m:t>𝑍</m:t>
-                            </m:r>
-                          </m:e>
-                        </m:d>
-                        <m:r>
-                          <a:rPr lang="en-US" b="0" i="1" smtClean="0">
-                            <a:latin typeface="Cambria Math" panose="02040503050406030204" pitchFamily="18" charset="0"/>
-                            <a:ea typeface="Apple SD Gothic Neo" panose="02000300000000000000" pitchFamily="2" charset="-127"/>
-                          </a:rPr>
-                          <m:t> </m:t>
-                        </m:r>
-                        <m:r>
-                          <a:rPr lang="en-US" b="0" i="1" smtClean="0">
-                            <a:latin typeface="Cambria Math" panose="02040503050406030204" pitchFamily="18" charset="0"/>
-                            <a:ea typeface="Apple SD Gothic Neo" panose="02000300000000000000" pitchFamily="2" charset="-127"/>
-                          </a:rPr>
-                          <m:t>𝑆</m:t>
-                        </m:r>
-                        <m:r>
-                          <a:rPr lang="en-US" b="0" i="1" smtClean="0">
-                            <a:latin typeface="Cambria Math" panose="02040503050406030204" pitchFamily="18" charset="0"/>
-                            <a:ea typeface="Apple SD Gothic Neo" panose="02000300000000000000" pitchFamily="2" charset="-127"/>
-                          </a:rPr>
-                          <m:t>(</m:t>
-                        </m:r>
-                        <m:r>
-                          <a:rPr lang="en-US" b="0" i="1" smtClean="0">
-                            <a:latin typeface="Cambria Math" panose="02040503050406030204" pitchFamily="18" charset="0"/>
-                            <a:ea typeface="Apple SD Gothic Neo" panose="02000300000000000000" pitchFamily="2" charset="-127"/>
-                          </a:rPr>
-                          <m:t>𝑍</m:t>
-                        </m:r>
-                        <m:r>
-                          <a:rPr lang="en-US" b="0" i="1" smtClean="0">
-                            <a:latin typeface="Cambria Math" panose="02040503050406030204" pitchFamily="18" charset="0"/>
-                            <a:ea typeface="Apple SD Gothic Neo" panose="02000300000000000000" pitchFamily="2" charset="-127"/>
-                          </a:rPr>
-                          <m:t>) (</m:t>
-                        </m:r>
-                        <m:r>
-                          <a:rPr lang="en-US" i="1">
-                            <a:latin typeface="Cambria Math" panose="02040503050406030204" pitchFamily="18" charset="0"/>
-                            <a:ea typeface="Apple SD Gothic Neo" panose="02000300000000000000" pitchFamily="2" charset="-127"/>
-                          </a:rPr>
-                          <m:t>𝐵𝑦</m:t>
-                        </m:r>
-                        <m:func>
-                          <m:funcPr>
-                            <m:ctrlPr>
-                              <a:rPr lang="en-US" i="1">
-                                <a:latin typeface="Cambria Math" panose="02040503050406030204" pitchFamily="18" charset="0"/>
-                                <a:ea typeface="Apple SD Gothic Neo" panose="02000300000000000000" pitchFamily="2" charset="-127"/>
-                              </a:rPr>
-                            </m:ctrlPr>
-                          </m:funcPr>
-                          <m:fName>
-                            <m:r>
-                              <m:rPr>
-                                <m:sty m:val="p"/>
-                              </m:rPr>
-                              <a:rPr lang="en-US" b="0" i="0" smtClean="0">
-                                <a:latin typeface="Cambria Math" panose="02040503050406030204" pitchFamily="18" charset="0"/>
-                                <a:ea typeface="Apple SD Gothic Neo" panose="02000300000000000000" pitchFamily="2" charset="-127"/>
-                              </a:rPr>
-                              <m:t>Add</m:t>
-                            </m:r>
-                          </m:fName>
-                          <m:e>
-                            <m:r>
-                              <a:rPr lang="en-US" i="1">
-                                <a:latin typeface="Cambria Math" panose="02040503050406030204" pitchFamily="18" charset="0"/>
-                                <a:ea typeface="Apple SD Gothic Neo" panose="02000300000000000000" pitchFamily="2" charset="-127"/>
-                              </a:rPr>
-                              <m:t>𝑍</m:t>
-                            </m:r>
-                            <m:r>
-                              <a:rPr lang="en-US" i="1">
-                                <a:latin typeface="Cambria Math" panose="02040503050406030204" pitchFamily="18" charset="0"/>
-                                <a:ea typeface="Apple SD Gothic Neo" panose="02000300000000000000" pitchFamily="2" charset="-127"/>
-                              </a:rPr>
-                              <m:t>)</m:t>
-                            </m:r>
-                          </m:e>
-                        </m:func>
-                      </m:e>
-                    </m:func>
-                  </m:oMath>
-                </a14:m>
-                <a:endParaRPr lang="en-KR">
-                  <a:latin typeface="Apple SD Gothic Neo" panose="02000300000000000000" pitchFamily="2" charset="-127"/>
-                  <a:ea typeface="Apple SD Gothic Neo" panose="02000300000000000000" pitchFamily="2" charset="-127"/>
-                </a:endParaRPr>
-              </a:p>
-              <a:p>
-                <a:pPr marL="514350" indent="-514350" algn="ctr">
-                  <a:buFont typeface="Arial" panose="020B0604020202020204" pitchFamily="34" charset="0"/>
-                  <a:buAutoNum type="arabicParenR"/>
-                </a:pPr>
-                <a14:m>
-                  <m:oMath xmlns:m="http://schemas.openxmlformats.org/officeDocument/2006/math">
-                    <m:func>
-                      <m:funcPr>
-                        <m:ctrlPr>
-                          <a:rPr lang="en-US" i="1">
-                            <a:latin typeface="Cambria Math" panose="02040503050406030204" pitchFamily="18" charset="0"/>
-                            <a:ea typeface="Apple SD Gothic Neo" panose="02000300000000000000" pitchFamily="2" charset="-127"/>
-                          </a:rPr>
-                        </m:ctrlPr>
-                      </m:funcPr>
-                      <m:fName>
-                        <m:r>
-                          <m:rPr>
-                            <m:sty m:val="p"/>
-                          </m:rPr>
-                          <a:rPr lang="en-US" b="0" i="0" smtClean="0">
-                            <a:latin typeface="Cambria Math" panose="02040503050406030204" pitchFamily="18" charset="0"/>
-                            <a:ea typeface="Apple SD Gothic Neo" panose="02000300000000000000" pitchFamily="2" charset="-127"/>
-                          </a:rPr>
-                          <m:t>fib</m:t>
-                        </m:r>
-                      </m:fName>
-                      <m:e>
-                        <m:r>
-                          <a:rPr lang="en-US" b="0" i="1" smtClean="0">
-                            <a:latin typeface="Cambria Math" panose="02040503050406030204" pitchFamily="18" charset="0"/>
-                            <a:ea typeface="Apple SD Gothic Neo" panose="02000300000000000000" pitchFamily="2" charset="-127"/>
-                          </a:rPr>
-                          <m:t>𝑆</m:t>
-                        </m:r>
-                        <m:r>
-                          <a:rPr lang="en-US" b="0" i="1" smtClean="0">
-                            <a:latin typeface="Cambria Math" panose="02040503050406030204" pitchFamily="18" charset="0"/>
-                            <a:ea typeface="Apple SD Gothic Neo" panose="02000300000000000000" pitchFamily="2" charset="-127"/>
-                          </a:rPr>
-                          <m:t>(</m:t>
-                        </m:r>
-                        <m:r>
-                          <a:rPr lang="en-US" i="1">
-                            <a:latin typeface="Cambria Math" panose="02040503050406030204" pitchFamily="18" charset="0"/>
-                            <a:ea typeface="Apple SD Gothic Neo" panose="02000300000000000000" pitchFamily="2" charset="-127"/>
-                          </a:rPr>
-                          <m:t>𝑆</m:t>
-                        </m:r>
-                        <m:d>
-                          <m:dPr>
-                            <m:ctrlPr>
-                              <a:rPr lang="en-US" i="1">
-                                <a:latin typeface="Cambria Math" panose="02040503050406030204" pitchFamily="18" charset="0"/>
-                                <a:ea typeface="Apple SD Gothic Neo" panose="02000300000000000000" pitchFamily="2" charset="-127"/>
-                              </a:rPr>
-                            </m:ctrlPr>
-                          </m:dPr>
-                          <m:e>
-                            <m:r>
-                              <a:rPr lang="en-US" i="1">
-                                <a:latin typeface="Cambria Math" panose="02040503050406030204" pitchFamily="18" charset="0"/>
-                                <a:ea typeface="Apple SD Gothic Neo" panose="02000300000000000000" pitchFamily="2" charset="-127"/>
-                              </a:rPr>
-                              <m:t>𝑍</m:t>
-                            </m:r>
-                          </m:e>
-                        </m:d>
-                        <m:r>
-                          <a:rPr lang="en-US" b="0" i="1" smtClean="0">
-                            <a:latin typeface="Cambria Math" panose="02040503050406030204" pitchFamily="18" charset="0"/>
-                            <a:ea typeface="Apple SD Gothic Neo" panose="02000300000000000000" pitchFamily="2" charset="-127"/>
-                          </a:rPr>
-                          <m:t>)</m:t>
-                        </m:r>
-                        <m:r>
-                          <a:rPr lang="en-US" i="1">
-                            <a:latin typeface="Cambria Math" panose="02040503050406030204" pitchFamily="18" charset="0"/>
-                            <a:ea typeface="Apple SD Gothic Neo" panose="02000300000000000000" pitchFamily="2" charset="-127"/>
-                          </a:rPr>
-                          <m:t> </m:t>
-                        </m:r>
-                        <m:r>
-                          <a:rPr lang="en-US" i="1">
-                            <a:latin typeface="Cambria Math" panose="02040503050406030204" pitchFamily="18" charset="0"/>
-                            <a:ea typeface="Apple SD Gothic Neo" panose="02000300000000000000" pitchFamily="2" charset="-127"/>
-                          </a:rPr>
-                          <m:t>𝑆</m:t>
-                        </m:r>
-                        <m:r>
-                          <a:rPr lang="en-US" i="1">
-                            <a:latin typeface="Cambria Math" panose="02040503050406030204" pitchFamily="18" charset="0"/>
-                            <a:ea typeface="Apple SD Gothic Neo" panose="02000300000000000000" pitchFamily="2" charset="-127"/>
-                          </a:rPr>
-                          <m:t>(</m:t>
-                        </m:r>
-                        <m:r>
-                          <a:rPr lang="en-US" i="1">
-                            <a:latin typeface="Cambria Math" panose="02040503050406030204" pitchFamily="18" charset="0"/>
-                            <a:ea typeface="Apple SD Gothic Neo" panose="02000300000000000000" pitchFamily="2" charset="-127"/>
-                          </a:rPr>
-                          <m:t>𝑍</m:t>
-                        </m:r>
-                        <m:r>
-                          <a:rPr lang="en-US" i="1">
-                            <a:latin typeface="Cambria Math" panose="02040503050406030204" pitchFamily="18" charset="0"/>
-                            <a:ea typeface="Apple SD Gothic Neo" panose="02000300000000000000" pitchFamily="2" charset="-127"/>
-                          </a:rPr>
-                          <m:t>) (</m:t>
-                        </m:r>
-                        <m:r>
-                          <a:rPr lang="en-US" i="1">
-                            <a:latin typeface="Cambria Math" panose="02040503050406030204" pitchFamily="18" charset="0"/>
-                            <a:ea typeface="Apple SD Gothic Neo" panose="02000300000000000000" pitchFamily="2" charset="-127"/>
-                          </a:rPr>
-                          <m:t>𝐵𝑦</m:t>
-                        </m:r>
-                        <m:func>
-                          <m:funcPr>
-                            <m:ctrlPr>
-                              <a:rPr lang="en-US" i="1">
-                                <a:latin typeface="Cambria Math" panose="02040503050406030204" pitchFamily="18" charset="0"/>
-                                <a:ea typeface="Apple SD Gothic Neo" panose="02000300000000000000" pitchFamily="2" charset="-127"/>
-                              </a:rPr>
-                            </m:ctrlPr>
-                          </m:funcPr>
-                          <m:fName>
-                            <m:r>
-                              <a:rPr lang="en-US" b="0" i="0" smtClean="0">
-                                <a:latin typeface="Cambria Math" panose="02040503050406030204" pitchFamily="18" charset="0"/>
-                                <a:ea typeface="Apple SD Gothic Neo" panose="02000300000000000000" pitchFamily="2" charset="-127"/>
-                              </a:rPr>
-                              <m:t>1,2,3</m:t>
-                            </m:r>
-                          </m:fName>
-                          <m:e>
-                            <m:r>
-                              <a:rPr lang="en-US" b="0" i="1" smtClean="0">
-                                <a:latin typeface="Cambria Math" panose="02040503050406030204" pitchFamily="18" charset="0"/>
-                                <a:ea typeface="Apple SD Gothic Neo" panose="02000300000000000000" pitchFamily="2" charset="-127"/>
-                              </a:rPr>
-                              <m:t>𝑎𝑛𝑑</m:t>
-                            </m:r>
-                            <m:r>
-                              <a:rPr lang="en-US" b="0" i="1" smtClean="0">
-                                <a:latin typeface="Cambria Math" panose="02040503050406030204" pitchFamily="18" charset="0"/>
-                                <a:ea typeface="Apple SD Gothic Neo" panose="02000300000000000000" pitchFamily="2" charset="-127"/>
-                              </a:rPr>
-                              <m:t> </m:t>
-                            </m:r>
-                            <m:r>
-                              <m:rPr>
-                                <m:sty m:val="p"/>
-                              </m:rPr>
-                              <a:rPr lang="en-US" b="0" i="0" smtClean="0">
-                                <a:latin typeface="Cambria Math" panose="02040503050406030204" pitchFamily="18" charset="0"/>
-                                <a:ea typeface="Apple SD Gothic Neo" panose="02000300000000000000" pitchFamily="2" charset="-127"/>
-                              </a:rPr>
-                              <m:t>fib</m:t>
-                            </m:r>
-                            <m:r>
-                              <a:rPr lang="en-US" b="0" i="1" smtClean="0">
-                                <a:latin typeface="Cambria Math" panose="02040503050406030204" pitchFamily="18" charset="0"/>
-                                <a:ea typeface="Apple SD Gothic Neo" panose="02000300000000000000" pitchFamily="2" charset="-127"/>
-                              </a:rPr>
-                              <m:t>𝑆</m:t>
-                            </m:r>
-                            <m:r>
-                              <a:rPr lang="en-US" i="1">
-                                <a:latin typeface="Cambria Math" panose="02040503050406030204" pitchFamily="18" charset="0"/>
-                                <a:ea typeface="Apple SD Gothic Neo" panose="02000300000000000000" pitchFamily="2" charset="-127"/>
-                              </a:rPr>
-                              <m:t>)</m:t>
-                            </m:r>
-                          </m:e>
-                        </m:func>
-                      </m:e>
-                    </m:func>
-                  </m:oMath>
-                </a14:m>
-                <a:endParaRPr lang="en-KR">
-                  <a:latin typeface="Apple SD Gothic Neo" panose="02000300000000000000" pitchFamily="2" charset="-127"/>
-                  <a:ea typeface="Apple SD Gothic Neo" panose="02000300000000000000" pitchFamily="2" charset="-127"/>
-                </a:endParaRPr>
-              </a:p>
-            </p:txBody>
-          </p:sp>
-        </mc:Choice>
-        <mc:Fallback xmlns="">
-          <p:sp>
-            <p:nvSpPr>
-              <p:cNvPr id="2" name="Content Placeholder 8">
-                <a:extLst>
-                  <a:ext uri="{FF2B5EF4-FFF2-40B4-BE49-F238E27FC236}">
-                    <a16:creationId xmlns:a16="http://schemas.microsoft.com/office/drawing/2014/main" id="{6784459E-ADAF-5BF3-4991-6857D30B15C0}"/>
-                  </a:ext>
-                </a:extLst>
-              </p:cNvPr>
-              <p:cNvSpPr>
-                <a:spLocks noGrp="1" noRot="1" noChangeAspect="1" noMove="1" noResize="1" noEditPoints="1" noAdjustHandles="1" noChangeArrowheads="1" noChangeShapeType="1" noTextEdit="1"/>
-              </p:cNvSpPr>
-              <p:nvPr>
-                <p:ph idx="1"/>
-              </p:nvPr>
-            </p:nvSpPr>
-            <p:spPr>
-              <a:xfrm>
-                <a:off x="838200" y="2774193"/>
-                <a:ext cx="10515600" cy="3402770"/>
-              </a:xfrm>
-              <a:blipFill>
-                <a:blip r:embed="rId4"/>
-                <a:stretch>
-                  <a:fillRect l="-965" t="-4089"/>
-                </a:stretch>
-              </a:blipFill>
-            </p:spPr>
-            <p:txBody>
-              <a:bodyPr/>
-              <a:lstStyle/>
-              <a:p>
-                <a:r>
-                  <a:rPr lang="en-KR">
-                    <a:noFill/>
-                  </a:rPr>
-                  <a:t> </a:t>
-                </a:r>
-              </a:p>
-            </p:txBody>
-          </p:sp>
-        </mc:Fallback>
-      </mc:AlternateContent>
+      <p:pic>
+        <p:nvPicPr>
+          <p:cNvPr id="9" name="Content Placeholder 8">
+            <a:extLst>
+              <a:ext uri="{FF2B5EF4-FFF2-40B4-BE49-F238E27FC236}">
+                <a16:creationId xmlns:a16="http://schemas.microsoft.com/office/drawing/2014/main" id="{5D88957D-29C9-A7C9-BDEF-5DA7CEDB411C}"/>
+              </a:ext>
+            </a:extLst>
+          </p:cNvPr>
+          <p:cNvPicPr>
+            <a:picLocks noGrp="1" noChangeAspect="1"/>
+          </p:cNvPicPr>
+          <p:nvPr>
+            <p:ph idx="1"/>
+          </p:nvPr>
+        </p:nvPicPr>
+        <p:blipFill>
+          <a:blip r:embed="rId4"/>
+          <a:stretch>
+            <a:fillRect/>
+          </a:stretch>
+        </p:blipFill>
+        <p:spPr>
+          <a:xfrm>
+            <a:off x="839258" y="3156744"/>
+            <a:ext cx="6153150" cy="419100"/>
+          </a:xfrm>
+          <a:prstGeom prst="rect">
+            <a:avLst/>
+          </a:prstGeom>
+        </p:spPr>
+      </p:pic>
+      <p:pic>
+        <p:nvPicPr>
+          <p:cNvPr id="10" name="Picture 9" descr="A white background with black letters and numbers&#10;&#10;AI-generated content may be incorrect.">
+            <a:extLst>
+              <a:ext uri="{FF2B5EF4-FFF2-40B4-BE49-F238E27FC236}">
+                <a16:creationId xmlns:a16="http://schemas.microsoft.com/office/drawing/2014/main" id="{7D7A66D6-D8B3-6877-D630-CB86F1678A6D}"/>
+              </a:ext>
+            </a:extLst>
+          </p:cNvPr>
+          <p:cNvPicPr>
+            <a:picLocks noChangeAspect="1"/>
+          </p:cNvPicPr>
+          <p:nvPr/>
+        </p:nvPicPr>
+        <p:blipFill>
+          <a:blip r:embed="rId5"/>
+          <a:stretch>
+            <a:fillRect/>
+          </a:stretch>
+        </p:blipFill>
+        <p:spPr>
+          <a:xfrm>
+            <a:off x="838906" y="3583164"/>
+            <a:ext cx="8933744" cy="2739672"/>
+          </a:xfrm>
+          <a:prstGeom prst="rect">
+            <a:avLst/>
+          </a:prstGeom>
+        </p:spPr>
+      </p:pic>
     </p:spTree>
     <p:extLst>
       <p:ext uri="{BB962C8B-B14F-4D97-AF65-F5344CB8AC3E}">
@@ -13867,189 +11659,7 @@
 </p:sld>
 </file>
 
-<file path=ppt/slides/slide3.xml><?xml version="1.0" encoding="utf-8"?>
-<p:sld xmlns:a="http://schemas.openxmlformats.org/drawingml/2006/main" xmlns:r="http://schemas.openxmlformats.org/officeDocument/2006/relationships" xmlns:p="http://schemas.openxmlformats.org/presentationml/2006/main">
-  <p:cSld>
-    <p:spTree>
-      <p:nvGrpSpPr>
-        <p:cNvPr id="1" name="">
-          <a:extLst>
-            <a:ext uri="{FF2B5EF4-FFF2-40B4-BE49-F238E27FC236}">
-              <a16:creationId xmlns:a16="http://schemas.microsoft.com/office/drawing/2014/main" id="{650F95F5-C38D-2196-A018-6AA4A7450C0D}"/>
-            </a:ext>
-          </a:extLst>
-        </p:cNvPr>
-        <p:cNvGrpSpPr/>
-        <p:nvPr/>
-      </p:nvGrpSpPr>
-      <p:grpSpPr>
-        <a:xfrm>
-          <a:off x="0" y="0"/>
-          <a:ext cx="0" cy="0"/>
-          <a:chOff x="0" y="0"/>
-          <a:chExt cx="0" cy="0"/>
-        </a:xfrm>
-      </p:grpSpPr>
-      <p:sp>
-        <p:nvSpPr>
-          <p:cNvPr id="2" name="Title 1">
-            <a:extLst>
-              <a:ext uri="{FF2B5EF4-FFF2-40B4-BE49-F238E27FC236}">
-                <a16:creationId xmlns:a16="http://schemas.microsoft.com/office/drawing/2014/main" id="{7AADBDC8-B9F1-BC32-1346-B4C848FF2424}"/>
-              </a:ext>
-            </a:extLst>
-          </p:cNvPr>
-          <p:cNvSpPr>
-            <a:spLocks noGrp="1"/>
-          </p:cNvSpPr>
-          <p:nvPr>
-            <p:ph type="title"/>
-          </p:nvPr>
-        </p:nvSpPr>
-        <p:spPr/>
-        <p:txBody>
-          <a:bodyPr/>
-          <a:lstStyle/>
-          <a:p>
-            <a:r>
-              <a:rPr lang="en-KR" b="1">
-                <a:latin typeface="Apple SD Gothic Neo" panose="02000300000000000000" pitchFamily="2" charset="-127"/>
-                <a:ea typeface="Apple SD Gothic Neo" panose="02000300000000000000" pitchFamily="2" charset="-127"/>
-              </a:rPr>
-              <a:t>Content</a:t>
-            </a:r>
-          </a:p>
-        </p:txBody>
-      </p:sp>
-      <p:sp>
-        <p:nvSpPr>
-          <p:cNvPr id="9" name="Content Placeholder 8">
-            <a:extLst>
-              <a:ext uri="{FF2B5EF4-FFF2-40B4-BE49-F238E27FC236}">
-                <a16:creationId xmlns:a16="http://schemas.microsoft.com/office/drawing/2014/main" id="{1C02E391-47E1-4A00-6BEA-F6432DD4DEC8}"/>
-              </a:ext>
-            </a:extLst>
-          </p:cNvPr>
-          <p:cNvSpPr>
-            <a:spLocks noGrp="1"/>
-          </p:cNvSpPr>
-          <p:nvPr>
-            <p:ph idx="1"/>
-          </p:nvPr>
-        </p:nvSpPr>
-        <p:spPr>
-          <a:xfrm>
-            <a:off x="838200" y="1690688"/>
-            <a:ext cx="10515600" cy="4486275"/>
-          </a:xfrm>
-        </p:spPr>
-        <p:txBody>
-          <a:bodyPr/>
-          <a:lstStyle/>
-          <a:p>
-            <a:r>
-              <a:rPr lang="en-KR">
-                <a:latin typeface="Apple SD Gothic Neo" panose="02000300000000000000" pitchFamily="2" charset="-127"/>
-                <a:ea typeface="Apple SD Gothic Neo" panose="02000300000000000000" pitchFamily="2" charset="-127"/>
-              </a:rPr>
-              <a:t>Quiz</a:t>
-            </a:r>
-          </a:p>
-          <a:p>
-            <a:endParaRPr lang="en-KR">
-              <a:latin typeface="Apple SD Gothic Neo" panose="02000300000000000000" pitchFamily="2" charset="-127"/>
-              <a:ea typeface="Apple SD Gothic Neo" panose="02000300000000000000" pitchFamily="2" charset="-127"/>
-            </a:endParaRPr>
-          </a:p>
-          <a:p>
-            <a:endParaRPr lang="en-KR">
-              <a:latin typeface="Apple SD Gothic Neo" panose="02000300000000000000" pitchFamily="2" charset="-127"/>
-              <a:ea typeface="Apple SD Gothic Neo" panose="02000300000000000000" pitchFamily="2" charset="-127"/>
-            </a:endParaRPr>
-          </a:p>
-          <a:p>
-            <a:r>
-              <a:rPr lang="en-KR">
-                <a:latin typeface="Apple SD Gothic Neo" panose="02000300000000000000" pitchFamily="2" charset="-127"/>
-                <a:ea typeface="Apple SD Gothic Neo" panose="02000300000000000000" pitchFamily="2" charset="-127"/>
-              </a:rPr>
-              <a:t>Homework 2</a:t>
-            </a:r>
-          </a:p>
-        </p:txBody>
-      </p:sp>
-      <p:sp>
-        <p:nvSpPr>
-          <p:cNvPr id="4" name="Date Placeholder 3">
-            <a:extLst>
-              <a:ext uri="{FF2B5EF4-FFF2-40B4-BE49-F238E27FC236}">
-                <a16:creationId xmlns:a16="http://schemas.microsoft.com/office/drawing/2014/main" id="{D6551D74-B6F5-F4DC-1DEC-E248D180F747}"/>
-              </a:ext>
-            </a:extLst>
-          </p:cNvPr>
-          <p:cNvSpPr>
-            <a:spLocks noGrp="1"/>
-          </p:cNvSpPr>
-          <p:nvPr>
-            <p:ph type="dt" sz="half" idx="10"/>
-          </p:nvPr>
-        </p:nvSpPr>
-        <p:spPr/>
-        <p:txBody>
-          <a:bodyPr/>
-          <a:lstStyle/>
-          <a:p>
-            <a:fld id="{68118D73-32D1-A847-AA81-E353C58266DD}" type="datetime1">
-              <a:rPr lang="en-US" smtClean="0"/>
-              <a:t>9/3/25</a:t>
-            </a:fld>
-            <a:endParaRPr lang="en-KR"/>
-          </a:p>
-        </p:txBody>
-      </p:sp>
-      <p:sp>
-        <p:nvSpPr>
-          <p:cNvPr id="5" name="Slide Number Placeholder 4">
-            <a:extLst>
-              <a:ext uri="{FF2B5EF4-FFF2-40B4-BE49-F238E27FC236}">
-                <a16:creationId xmlns:a16="http://schemas.microsoft.com/office/drawing/2014/main" id="{ED162DA3-FC11-50E1-4972-50702183FFD7}"/>
-              </a:ext>
-            </a:extLst>
-          </p:cNvPr>
-          <p:cNvSpPr>
-            <a:spLocks noGrp="1"/>
-          </p:cNvSpPr>
-          <p:nvPr>
-            <p:ph type="sldNum" sz="quarter" idx="12"/>
-          </p:nvPr>
-        </p:nvSpPr>
-        <p:spPr/>
-        <p:txBody>
-          <a:bodyPr/>
-          <a:lstStyle/>
-          <a:p>
-            <a:fld id="{98A7C90A-C1D4-1A4A-BB39-07FDF258A5BB}" type="slidenum">
-              <a:rPr lang="en-KR" smtClean="0"/>
-              <a:t>3</a:t>
-            </a:fld>
-            <a:endParaRPr lang="en-KR"/>
-          </a:p>
-        </p:txBody>
-      </p:sp>
-    </p:spTree>
-    <p:extLst>
-      <p:ext uri="{BB962C8B-B14F-4D97-AF65-F5344CB8AC3E}">
-        <p14:creationId xmlns:p14="http://schemas.microsoft.com/office/powerpoint/2010/main" val="2348936479"/>
-      </p:ext>
-    </p:extLst>
-  </p:cSld>
-  <p:clrMapOvr>
-    <a:masterClrMapping/>
-  </p:clrMapOvr>
-</p:sld>
-</file>
-
-<file path=ppt/slides/slide30.xml><?xml version="1.0" encoding="utf-8"?>
+<file path=ppt/slides/slide29.xml><?xml version="1.0" encoding="utf-8"?>
 <p:sld xmlns:a="http://schemas.openxmlformats.org/drawingml/2006/main" xmlns:r="http://schemas.openxmlformats.org/officeDocument/2006/relationships" xmlns:p="http://schemas.openxmlformats.org/presentationml/2006/main">
   <p:cSld>
     <p:spTree>
@@ -14095,7 +11705,7 @@
           <a:p>
             <a:fld id="{68118D73-32D1-A847-AA81-E353C58266DD}" type="datetime1">
               <a:rPr lang="en-US" smtClean="0"/>
-              <a:t>9/3/25</a:t>
+              <a:t>9/5/2025</a:t>
             </a:fld>
             <a:endParaRPr lang="en-KR"/>
           </a:p>
@@ -14124,7 +11734,7 @@
           <a:p>
             <a:fld id="{98A7C90A-C1D4-1A4A-BB39-07FDF258A5BB}" type="slidenum">
               <a:rPr lang="en-KR" smtClean="0"/>
-              <a:t>30</a:t>
+              <a:t>29</a:t>
             </a:fld>
             <a:endParaRPr lang="en-KR"/>
           </a:p>
@@ -14243,848 +11853,68 @@
           </a:prstGeom>
         </p:spPr>
       </p:pic>
-      <mc:AlternateContent xmlns:mc="http://schemas.openxmlformats.org/markup-compatibility/2006" xmlns:a14="http://schemas.microsoft.com/office/drawing/2010/main">
-        <mc:Choice Requires="a14">
-          <p:sp>
-            <p:nvSpPr>
-              <p:cNvPr id="2" name="Content Placeholder 8">
-                <a:extLst>
-                  <a:ext uri="{FF2B5EF4-FFF2-40B4-BE49-F238E27FC236}">
-                    <a16:creationId xmlns:a16="http://schemas.microsoft.com/office/drawing/2014/main" id="{54F22351-1BB4-9A93-56E6-4EB33226C9EC}"/>
-                  </a:ext>
-                </a:extLst>
-              </p:cNvPr>
-              <p:cNvSpPr>
-                <a:spLocks noGrp="1"/>
-              </p:cNvSpPr>
-              <p:nvPr>
-                <p:ph idx="1"/>
-              </p:nvPr>
-            </p:nvSpPr>
-            <p:spPr>
-              <a:xfrm>
-                <a:off x="838200" y="2774193"/>
-                <a:ext cx="10515600" cy="3402770"/>
-              </a:xfrm>
-            </p:spPr>
-            <p:txBody>
-              <a:bodyPr>
-                <a:normAutofit fontScale="85000" lnSpcReduction="20000"/>
-              </a:bodyPr>
-              <a:lstStyle/>
-              <a:p>
-                <a:pPr marL="0" indent="0">
-                  <a:buNone/>
-                </a:pPr>
-                <a:r>
-                  <a:rPr lang="en-KR">
-                    <a:latin typeface="Apple SD Gothic Neo" panose="02000300000000000000" pitchFamily="2" charset="-127"/>
-                    <a:ea typeface="Apple SD Gothic Neo" panose="02000300000000000000" pitchFamily="2" charset="-127"/>
-                  </a:rPr>
-                  <a:t>Case i.</a:t>
-                </a:r>
-              </a:p>
-              <a:p>
-                <a:pPr marL="0" indent="0" algn="ctr">
-                  <a:buNone/>
-                </a:pPr>
-                <a14:m>
-                  <m:oMathPara xmlns:m="http://schemas.openxmlformats.org/officeDocument/2006/math">
-                    <m:oMathParaPr>
-                      <m:jc m:val="centerGroup"/>
-                    </m:oMathParaPr>
-                    <m:oMath xmlns:m="http://schemas.openxmlformats.org/officeDocument/2006/math">
-                      <m:f>
-                        <m:fPr>
-                          <m:ctrlPr>
-                            <a:rPr lang="en-KR" i="1" smtClean="0">
-                              <a:latin typeface="Cambria Math" panose="02040503050406030204" pitchFamily="18" charset="0"/>
-                              <a:ea typeface="Apple SD Gothic Neo" panose="02000300000000000000" pitchFamily="2" charset="-127"/>
-                            </a:rPr>
-                          </m:ctrlPr>
-                        </m:fPr>
-                        <m:num/>
-                        <m:den>
-                          <m:func>
-                            <m:funcPr>
-                              <m:ctrlPr>
-                                <a:rPr lang="en-US" b="0" i="1" smtClean="0">
-                                  <a:latin typeface="Cambria Math" panose="02040503050406030204" pitchFamily="18" charset="0"/>
-                                  <a:ea typeface="Apple SD Gothic Neo" panose="02000300000000000000" pitchFamily="2" charset="-127"/>
-                                </a:rPr>
-                              </m:ctrlPr>
-                            </m:funcPr>
-                            <m:fName>
-                              <m:r>
-                                <m:rPr>
-                                  <m:sty m:val="p"/>
-                                </m:rPr>
-                                <a:rPr lang="en-US" b="0" i="0" smtClean="0">
-                                  <a:latin typeface="Cambria Math" panose="02040503050406030204" pitchFamily="18" charset="0"/>
-                                  <a:ea typeface="Apple SD Gothic Neo" panose="02000300000000000000" pitchFamily="2" charset="-127"/>
-                                </a:rPr>
-                                <m:t>fibsum</m:t>
-                              </m:r>
-                            </m:fName>
-                            <m:e>
-                              <m:r>
-                                <a:rPr lang="en-US" b="0" i="1" smtClean="0">
-                                  <a:latin typeface="Cambria Math" panose="02040503050406030204" pitchFamily="18" charset="0"/>
-                                  <a:ea typeface="Apple SD Gothic Neo" panose="02000300000000000000" pitchFamily="2" charset="-127"/>
-                                </a:rPr>
-                                <m:t>𝑍</m:t>
-                              </m:r>
-                              <m:r>
-                                <a:rPr lang="en-US" b="0" i="1" smtClean="0">
-                                  <a:latin typeface="Cambria Math" panose="02040503050406030204" pitchFamily="18" charset="0"/>
-                                  <a:ea typeface="Apple SD Gothic Neo" panose="02000300000000000000" pitchFamily="2" charset="-127"/>
-                                </a:rPr>
-                                <m:t> </m:t>
-                              </m:r>
-                              <m:r>
-                                <a:rPr lang="en-US" b="0" i="1" smtClean="0">
-                                  <a:latin typeface="Cambria Math" panose="02040503050406030204" pitchFamily="18" charset="0"/>
-                                  <a:ea typeface="Apple SD Gothic Neo" panose="02000300000000000000" pitchFamily="2" charset="-127"/>
-                                </a:rPr>
-                                <m:t>𝑍</m:t>
-                              </m:r>
-                            </m:e>
-                          </m:func>
-                        </m:den>
-                      </m:f>
-                      <m:func>
-                        <m:funcPr>
-                          <m:ctrlPr>
-                            <a:rPr lang="en-US" b="0" i="1" smtClean="0">
-                              <a:latin typeface="Cambria Math" panose="02040503050406030204" pitchFamily="18" charset="0"/>
-                              <a:ea typeface="Apple SD Gothic Neo" panose="02000300000000000000" pitchFamily="2" charset="-127"/>
-                            </a:rPr>
-                          </m:ctrlPr>
-                        </m:funcPr>
-                        <m:fName>
-                          <m:r>
-                            <m:rPr>
-                              <m:sty m:val="p"/>
-                            </m:rPr>
-                            <a:rPr lang="en-US" b="0" i="0" smtClean="0">
-                              <a:latin typeface="Cambria Math" panose="02040503050406030204" pitchFamily="18" charset="0"/>
-                              <a:ea typeface="Apple SD Gothic Neo" panose="02000300000000000000" pitchFamily="2" charset="-127"/>
-                            </a:rPr>
-                            <m:t>fibsum</m:t>
-                          </m:r>
-                        </m:fName>
-                        <m:e>
-                          <m:r>
-                            <a:rPr lang="en-US" b="0" i="1" smtClean="0">
-                              <a:latin typeface="Cambria Math" panose="02040503050406030204" pitchFamily="18" charset="0"/>
-                              <a:ea typeface="Apple SD Gothic Neo" panose="02000300000000000000" pitchFamily="2" charset="-127"/>
-                            </a:rPr>
-                            <m:t>𝑍</m:t>
-                          </m:r>
-                        </m:e>
-                      </m:func>
-                    </m:oMath>
-                  </m:oMathPara>
-                </a14:m>
-                <a:endParaRPr lang="en-US" b="0">
-                  <a:latin typeface="Apple SD Gothic Neo" panose="02000300000000000000" pitchFamily="2" charset="-127"/>
-                  <a:ea typeface="Apple SD Gothic Neo" panose="02000300000000000000" pitchFamily="2" charset="-127"/>
-                </a:endParaRPr>
-              </a:p>
-              <a:p>
-                <a:pPr marL="0" indent="0" algn="ctr">
-                  <a:buNone/>
-                </a:pPr>
-                <a:r>
-                  <a:rPr lang="en-US">
-                    <a:latin typeface="Apple SD Gothic Neo" panose="02000300000000000000" pitchFamily="2" charset="-127"/>
-                    <a:ea typeface="Apple SD Gothic Neo" panose="02000300000000000000" pitchFamily="2" charset="-127"/>
-                  </a:rPr>
-                  <a:t>I</a:t>
-                </a:r>
-                <a:r>
-                  <a:rPr lang="en-KR">
-                    <a:latin typeface="Apple SD Gothic Neo" panose="02000300000000000000" pitchFamily="2" charset="-127"/>
-                    <a:ea typeface="Apple SD Gothic Neo" panose="02000300000000000000" pitchFamily="2" charset="-127"/>
-                  </a:rPr>
-                  <a:t>f fibsum Z Z, then fib S(S(Z) S(Z)?</a:t>
-                </a:r>
-              </a:p>
-              <a:p>
-                <a:pPr marL="0" indent="0" algn="just">
-                  <a:buNone/>
-                </a:pPr>
-                <a:r>
-                  <a:rPr lang="en-KR">
-                    <a:latin typeface="Apple SD Gothic Neo" panose="02000300000000000000" pitchFamily="2" charset="-127"/>
-                    <a:ea typeface="Apple SD Gothic Neo" panose="02000300000000000000" pitchFamily="2" charset="-127"/>
-                  </a:rPr>
-                  <a:t>Proof)</a:t>
-                </a:r>
-              </a:p>
-              <a:p>
-                <a:pPr marL="514350" indent="-514350" algn="ctr">
-                  <a:buAutoNum type="arabicParenR"/>
-                </a:pPr>
-                <a14:m>
-                  <m:oMath xmlns:m="http://schemas.openxmlformats.org/officeDocument/2006/math">
-                    <m:func>
-                      <m:funcPr>
-                        <m:ctrlPr>
-                          <a:rPr lang="en-US" b="0" i="1" smtClean="0">
-                            <a:latin typeface="Cambria Math" panose="02040503050406030204" pitchFamily="18" charset="0"/>
-                            <a:ea typeface="Apple SD Gothic Neo" panose="02000300000000000000" pitchFamily="2" charset="-127"/>
-                          </a:rPr>
-                        </m:ctrlPr>
-                      </m:funcPr>
-                      <m:fName>
-                        <m:r>
-                          <m:rPr>
-                            <m:sty m:val="p"/>
-                          </m:rPr>
-                          <a:rPr lang="en-US" b="0" i="0" smtClean="0">
-                            <a:latin typeface="Cambria Math" panose="02040503050406030204" pitchFamily="18" charset="0"/>
-                            <a:ea typeface="Apple SD Gothic Neo" panose="02000300000000000000" pitchFamily="2" charset="-127"/>
-                          </a:rPr>
-                          <m:t>fib</m:t>
-                        </m:r>
-                      </m:fName>
-                      <m:e>
-                        <m:r>
-                          <a:rPr lang="en-US" b="0" i="1" smtClean="0">
-                            <a:latin typeface="Cambria Math" panose="02040503050406030204" pitchFamily="18" charset="0"/>
-                            <a:ea typeface="Apple SD Gothic Neo" panose="02000300000000000000" pitchFamily="2" charset="-127"/>
-                          </a:rPr>
-                          <m:t>𝑍</m:t>
-                        </m:r>
-                        <m:r>
-                          <a:rPr lang="en-US" b="0" i="1" smtClean="0">
-                            <a:latin typeface="Cambria Math" panose="02040503050406030204" pitchFamily="18" charset="0"/>
-                            <a:ea typeface="Apple SD Gothic Neo" panose="02000300000000000000" pitchFamily="2" charset="-127"/>
-                          </a:rPr>
-                          <m:t> </m:t>
-                        </m:r>
-                        <m:r>
-                          <a:rPr lang="en-US" b="0" i="1" smtClean="0">
-                            <a:latin typeface="Cambria Math" panose="02040503050406030204" pitchFamily="18" charset="0"/>
-                            <a:ea typeface="Apple SD Gothic Neo" panose="02000300000000000000" pitchFamily="2" charset="-127"/>
-                          </a:rPr>
-                          <m:t>𝑍</m:t>
-                        </m:r>
-                        <m:r>
-                          <a:rPr lang="en-US" b="0" i="1" smtClean="0">
-                            <a:latin typeface="Cambria Math" panose="02040503050406030204" pitchFamily="18" charset="0"/>
-                            <a:ea typeface="Apple SD Gothic Neo" panose="02000300000000000000" pitchFamily="2" charset="-127"/>
-                          </a:rPr>
-                          <m:t> (</m:t>
-                        </m:r>
-                        <m:r>
-                          <a:rPr lang="en-US" b="0" i="1" smtClean="0">
-                            <a:latin typeface="Cambria Math" panose="02040503050406030204" pitchFamily="18" charset="0"/>
-                            <a:ea typeface="Apple SD Gothic Neo" panose="02000300000000000000" pitchFamily="2" charset="-127"/>
-                          </a:rPr>
-                          <m:t>𝐵𝑦</m:t>
-                        </m:r>
-                        <m:func>
-                          <m:funcPr>
-                            <m:ctrlPr>
-                              <a:rPr lang="en-US" b="0" i="1" smtClean="0">
-                                <a:latin typeface="Cambria Math" panose="02040503050406030204" pitchFamily="18" charset="0"/>
-                                <a:ea typeface="Apple SD Gothic Neo" panose="02000300000000000000" pitchFamily="2" charset="-127"/>
-                              </a:rPr>
-                            </m:ctrlPr>
-                          </m:funcPr>
-                          <m:fName>
-                            <m:r>
-                              <m:rPr>
-                                <m:sty m:val="p"/>
-                              </m:rPr>
-                              <a:rPr lang="en-US" b="0" i="0" smtClean="0">
-                                <a:latin typeface="Cambria Math" panose="02040503050406030204" pitchFamily="18" charset="0"/>
-                                <a:ea typeface="Apple SD Gothic Neo" panose="02000300000000000000" pitchFamily="2" charset="-127"/>
-                              </a:rPr>
-                              <m:t>fib</m:t>
-                            </m:r>
-                          </m:fName>
-                          <m:e>
-                            <m:r>
-                              <a:rPr lang="en-US" b="0" i="1" smtClean="0">
-                                <a:latin typeface="Cambria Math" panose="02040503050406030204" pitchFamily="18" charset="0"/>
-                                <a:ea typeface="Apple SD Gothic Neo" panose="02000300000000000000" pitchFamily="2" charset="-127"/>
-                              </a:rPr>
-                              <m:t>𝑍</m:t>
-                            </m:r>
-                            <m:r>
-                              <a:rPr lang="en-US" b="0" i="1" smtClean="0">
-                                <a:latin typeface="Cambria Math" panose="02040503050406030204" pitchFamily="18" charset="0"/>
-                                <a:ea typeface="Apple SD Gothic Neo" panose="02000300000000000000" pitchFamily="2" charset="-127"/>
-                              </a:rPr>
-                              <m:t>)</m:t>
-                            </m:r>
-                          </m:e>
-                        </m:func>
-                      </m:e>
-                    </m:func>
-                  </m:oMath>
-                </a14:m>
-                <a:endParaRPr lang="en-KR">
-                  <a:latin typeface="Apple SD Gothic Neo" panose="02000300000000000000" pitchFamily="2" charset="-127"/>
-                  <a:ea typeface="Apple SD Gothic Neo" panose="02000300000000000000" pitchFamily="2" charset="-127"/>
-                </a:endParaRPr>
-              </a:p>
-              <a:p>
-                <a:pPr marL="514350" indent="-514350" algn="ctr">
-                  <a:buFont typeface="Arial" panose="020B0604020202020204" pitchFamily="34" charset="0"/>
-                  <a:buAutoNum type="arabicParenR"/>
-                </a:pPr>
-                <a14:m>
-                  <m:oMath xmlns:m="http://schemas.openxmlformats.org/officeDocument/2006/math">
-                    <m:func>
-                      <m:funcPr>
-                        <m:ctrlPr>
-                          <a:rPr lang="en-US" i="1">
-                            <a:latin typeface="Cambria Math" panose="02040503050406030204" pitchFamily="18" charset="0"/>
-                            <a:ea typeface="Apple SD Gothic Neo" panose="02000300000000000000" pitchFamily="2" charset="-127"/>
-                          </a:rPr>
-                        </m:ctrlPr>
-                      </m:funcPr>
-                      <m:fName>
-                        <m:r>
-                          <m:rPr>
-                            <m:sty m:val="p"/>
-                          </m:rPr>
-                          <a:rPr lang="en-US">
-                            <a:latin typeface="Cambria Math" panose="02040503050406030204" pitchFamily="18" charset="0"/>
-                            <a:ea typeface="Apple SD Gothic Neo" panose="02000300000000000000" pitchFamily="2" charset="-127"/>
-                          </a:rPr>
-                          <m:t>fib</m:t>
-                        </m:r>
-                      </m:fName>
-                      <m:e>
-                        <m:r>
-                          <a:rPr lang="en-US" b="0" i="1" smtClean="0">
-                            <a:latin typeface="Cambria Math" panose="02040503050406030204" pitchFamily="18" charset="0"/>
-                            <a:ea typeface="Apple SD Gothic Neo" panose="02000300000000000000" pitchFamily="2" charset="-127"/>
-                          </a:rPr>
-                          <m:t>𝑆</m:t>
-                        </m:r>
-                        <m:r>
-                          <a:rPr lang="en-US" b="0" i="1" smtClean="0">
-                            <a:latin typeface="Cambria Math" panose="02040503050406030204" pitchFamily="18" charset="0"/>
-                            <a:ea typeface="Apple SD Gothic Neo" panose="02000300000000000000" pitchFamily="2" charset="-127"/>
-                          </a:rPr>
-                          <m:t>(</m:t>
-                        </m:r>
-                        <m:r>
-                          <a:rPr lang="en-US" i="1">
-                            <a:latin typeface="Cambria Math" panose="02040503050406030204" pitchFamily="18" charset="0"/>
-                            <a:ea typeface="Apple SD Gothic Neo" panose="02000300000000000000" pitchFamily="2" charset="-127"/>
-                          </a:rPr>
-                          <m:t>𝑍</m:t>
-                        </m:r>
-                        <m:r>
-                          <a:rPr lang="en-US" b="0" i="1" smtClean="0">
-                            <a:latin typeface="Cambria Math" panose="02040503050406030204" pitchFamily="18" charset="0"/>
-                            <a:ea typeface="Apple SD Gothic Neo" panose="02000300000000000000" pitchFamily="2" charset="-127"/>
-                          </a:rPr>
-                          <m:t>)</m:t>
-                        </m:r>
-                        <m:r>
-                          <a:rPr lang="en-US" i="1">
-                            <a:latin typeface="Cambria Math" panose="02040503050406030204" pitchFamily="18" charset="0"/>
-                            <a:ea typeface="Apple SD Gothic Neo" panose="02000300000000000000" pitchFamily="2" charset="-127"/>
-                          </a:rPr>
-                          <m:t> </m:t>
-                        </m:r>
-                        <m:r>
-                          <a:rPr lang="en-US" b="0" i="1" smtClean="0">
-                            <a:latin typeface="Cambria Math" panose="02040503050406030204" pitchFamily="18" charset="0"/>
-                            <a:ea typeface="Apple SD Gothic Neo" panose="02000300000000000000" pitchFamily="2" charset="-127"/>
-                          </a:rPr>
-                          <m:t>𝑆</m:t>
-                        </m:r>
-                        <m:r>
-                          <a:rPr lang="en-US" b="0" i="1" smtClean="0">
-                            <a:latin typeface="Cambria Math" panose="02040503050406030204" pitchFamily="18" charset="0"/>
-                            <a:ea typeface="Apple SD Gothic Neo" panose="02000300000000000000" pitchFamily="2" charset="-127"/>
-                          </a:rPr>
-                          <m:t>(</m:t>
-                        </m:r>
-                        <m:r>
-                          <a:rPr lang="en-US" i="1">
-                            <a:latin typeface="Cambria Math" panose="02040503050406030204" pitchFamily="18" charset="0"/>
-                            <a:ea typeface="Apple SD Gothic Neo" panose="02000300000000000000" pitchFamily="2" charset="-127"/>
-                          </a:rPr>
-                          <m:t>𝑍</m:t>
-                        </m:r>
-                        <m:r>
-                          <a:rPr lang="en-US" b="0" i="1" smtClean="0">
-                            <a:latin typeface="Cambria Math" panose="02040503050406030204" pitchFamily="18" charset="0"/>
-                            <a:ea typeface="Apple SD Gothic Neo" panose="02000300000000000000" pitchFamily="2" charset="-127"/>
-                          </a:rPr>
-                          <m:t>)</m:t>
-                        </m:r>
-                        <m:r>
-                          <a:rPr lang="en-US" i="1">
-                            <a:latin typeface="Cambria Math" panose="02040503050406030204" pitchFamily="18" charset="0"/>
-                            <a:ea typeface="Apple SD Gothic Neo" panose="02000300000000000000" pitchFamily="2" charset="-127"/>
-                          </a:rPr>
-                          <m:t> (</m:t>
-                        </m:r>
-                        <m:r>
-                          <a:rPr lang="en-US" i="1">
-                            <a:latin typeface="Cambria Math" panose="02040503050406030204" pitchFamily="18" charset="0"/>
-                            <a:ea typeface="Apple SD Gothic Neo" panose="02000300000000000000" pitchFamily="2" charset="-127"/>
-                          </a:rPr>
-                          <m:t>𝐵𝑦</m:t>
-                        </m:r>
-                        <m:func>
-                          <m:funcPr>
-                            <m:ctrlPr>
-                              <a:rPr lang="en-US" i="1">
-                                <a:latin typeface="Cambria Math" panose="02040503050406030204" pitchFamily="18" charset="0"/>
-                                <a:ea typeface="Apple SD Gothic Neo" panose="02000300000000000000" pitchFamily="2" charset="-127"/>
-                              </a:rPr>
-                            </m:ctrlPr>
-                          </m:funcPr>
-                          <m:fName>
-                            <m:r>
-                              <m:rPr>
-                                <m:sty m:val="p"/>
-                              </m:rPr>
-                              <a:rPr lang="en-US">
-                                <a:latin typeface="Cambria Math" panose="02040503050406030204" pitchFamily="18" charset="0"/>
-                                <a:ea typeface="Apple SD Gothic Neo" panose="02000300000000000000" pitchFamily="2" charset="-127"/>
-                              </a:rPr>
-                              <m:t>fib</m:t>
-                            </m:r>
-                          </m:fName>
-                          <m:e>
-                            <m:r>
-                              <a:rPr lang="en-US" b="0" i="1" smtClean="0">
-                                <a:latin typeface="Cambria Math" panose="02040503050406030204" pitchFamily="18" charset="0"/>
-                                <a:ea typeface="Apple SD Gothic Neo" panose="02000300000000000000" pitchFamily="2" charset="-127"/>
-                              </a:rPr>
-                              <m:t>𝑆</m:t>
-                            </m:r>
-                            <m:r>
-                              <a:rPr lang="en-US" i="1">
-                                <a:latin typeface="Cambria Math" panose="02040503050406030204" pitchFamily="18" charset="0"/>
-                                <a:ea typeface="Apple SD Gothic Neo" panose="02000300000000000000" pitchFamily="2" charset="-127"/>
-                              </a:rPr>
-                              <m:t>𝑍</m:t>
-                            </m:r>
-                            <m:r>
-                              <a:rPr lang="en-US" i="1">
-                                <a:latin typeface="Cambria Math" panose="02040503050406030204" pitchFamily="18" charset="0"/>
-                                <a:ea typeface="Apple SD Gothic Neo" panose="02000300000000000000" pitchFamily="2" charset="-127"/>
-                              </a:rPr>
-                              <m:t>)</m:t>
-                            </m:r>
-                          </m:e>
-                        </m:func>
-                      </m:e>
-                    </m:func>
-                  </m:oMath>
-                </a14:m>
-                <a:endParaRPr lang="en-KR">
-                  <a:latin typeface="Apple SD Gothic Neo" panose="02000300000000000000" pitchFamily="2" charset="-127"/>
-                  <a:ea typeface="Apple SD Gothic Neo" panose="02000300000000000000" pitchFamily="2" charset="-127"/>
-                </a:endParaRPr>
-              </a:p>
-              <a:p>
-                <a:pPr marL="514350" indent="-514350" algn="ctr">
-                  <a:buFont typeface="Arial" panose="020B0604020202020204" pitchFamily="34" charset="0"/>
-                  <a:buAutoNum type="arabicParenR"/>
-                </a:pPr>
-                <a14:m>
-                  <m:oMath xmlns:m="http://schemas.openxmlformats.org/officeDocument/2006/math">
-                    <m:func>
-                      <m:funcPr>
-                        <m:ctrlPr>
-                          <a:rPr lang="en-US" i="1">
-                            <a:latin typeface="Cambria Math" panose="02040503050406030204" pitchFamily="18" charset="0"/>
-                            <a:ea typeface="Apple SD Gothic Neo" panose="02000300000000000000" pitchFamily="2" charset="-127"/>
-                          </a:rPr>
-                        </m:ctrlPr>
-                      </m:funcPr>
-                      <m:fName>
-                        <m:r>
-                          <m:rPr>
-                            <m:sty m:val="p"/>
-                          </m:rPr>
-                          <a:rPr lang="en-US" b="0" i="0" smtClean="0">
-                            <a:latin typeface="Cambria Math" panose="02040503050406030204" pitchFamily="18" charset="0"/>
-                            <a:ea typeface="Apple SD Gothic Neo" panose="02000300000000000000" pitchFamily="2" charset="-127"/>
-                          </a:rPr>
-                          <m:t>add</m:t>
-                        </m:r>
-                      </m:fName>
-                      <m:e>
-                        <m:r>
-                          <a:rPr lang="en-US" i="1">
-                            <a:latin typeface="Cambria Math" panose="02040503050406030204" pitchFamily="18" charset="0"/>
-                            <a:ea typeface="Apple SD Gothic Neo" panose="02000300000000000000" pitchFamily="2" charset="-127"/>
-                          </a:rPr>
-                          <m:t>𝑍</m:t>
-                        </m:r>
-                        <m:r>
-                          <a:rPr lang="en-US" i="1">
-                            <a:latin typeface="Cambria Math" panose="02040503050406030204" pitchFamily="18" charset="0"/>
-                            <a:ea typeface="Apple SD Gothic Neo" panose="02000300000000000000" pitchFamily="2" charset="-127"/>
-                          </a:rPr>
-                          <m:t> </m:t>
-                        </m:r>
-                        <m:r>
-                          <a:rPr lang="en-US" i="1">
-                            <a:latin typeface="Cambria Math" panose="02040503050406030204" pitchFamily="18" charset="0"/>
-                            <a:ea typeface="Apple SD Gothic Neo" panose="02000300000000000000" pitchFamily="2" charset="-127"/>
-                          </a:rPr>
-                          <m:t>𝑆</m:t>
-                        </m:r>
-                        <m:d>
-                          <m:dPr>
-                            <m:ctrlPr>
-                              <a:rPr lang="en-US" i="1">
-                                <a:latin typeface="Cambria Math" panose="02040503050406030204" pitchFamily="18" charset="0"/>
-                                <a:ea typeface="Apple SD Gothic Neo" panose="02000300000000000000" pitchFamily="2" charset="-127"/>
-                              </a:rPr>
-                            </m:ctrlPr>
-                          </m:dPr>
-                          <m:e>
-                            <m:r>
-                              <a:rPr lang="en-US" i="1">
-                                <a:latin typeface="Cambria Math" panose="02040503050406030204" pitchFamily="18" charset="0"/>
-                                <a:ea typeface="Apple SD Gothic Neo" panose="02000300000000000000" pitchFamily="2" charset="-127"/>
-                              </a:rPr>
-                              <m:t>𝑍</m:t>
-                            </m:r>
-                          </m:e>
-                        </m:d>
-                        <m:r>
-                          <a:rPr lang="en-US" b="0" i="1" smtClean="0">
-                            <a:latin typeface="Cambria Math" panose="02040503050406030204" pitchFamily="18" charset="0"/>
-                            <a:ea typeface="Apple SD Gothic Neo" panose="02000300000000000000" pitchFamily="2" charset="-127"/>
-                          </a:rPr>
-                          <m:t> </m:t>
-                        </m:r>
-                        <m:r>
-                          <a:rPr lang="en-US" b="0" i="1" smtClean="0">
-                            <a:latin typeface="Cambria Math" panose="02040503050406030204" pitchFamily="18" charset="0"/>
-                            <a:ea typeface="Apple SD Gothic Neo" panose="02000300000000000000" pitchFamily="2" charset="-127"/>
-                          </a:rPr>
-                          <m:t>𝑆</m:t>
-                        </m:r>
-                        <m:r>
-                          <a:rPr lang="en-US" b="0" i="1" smtClean="0">
-                            <a:latin typeface="Cambria Math" panose="02040503050406030204" pitchFamily="18" charset="0"/>
-                            <a:ea typeface="Apple SD Gothic Neo" panose="02000300000000000000" pitchFamily="2" charset="-127"/>
-                          </a:rPr>
-                          <m:t>(</m:t>
-                        </m:r>
-                        <m:r>
-                          <a:rPr lang="en-US" b="0" i="1" smtClean="0">
-                            <a:latin typeface="Cambria Math" panose="02040503050406030204" pitchFamily="18" charset="0"/>
-                            <a:ea typeface="Apple SD Gothic Neo" panose="02000300000000000000" pitchFamily="2" charset="-127"/>
-                          </a:rPr>
-                          <m:t>𝑍</m:t>
-                        </m:r>
-                        <m:r>
-                          <a:rPr lang="en-US" b="0" i="1" smtClean="0">
-                            <a:latin typeface="Cambria Math" panose="02040503050406030204" pitchFamily="18" charset="0"/>
-                            <a:ea typeface="Apple SD Gothic Neo" panose="02000300000000000000" pitchFamily="2" charset="-127"/>
-                          </a:rPr>
-                          <m:t>) (</m:t>
-                        </m:r>
-                        <m:r>
-                          <a:rPr lang="en-US" i="1">
-                            <a:latin typeface="Cambria Math" panose="02040503050406030204" pitchFamily="18" charset="0"/>
-                            <a:ea typeface="Apple SD Gothic Neo" panose="02000300000000000000" pitchFamily="2" charset="-127"/>
-                          </a:rPr>
-                          <m:t>𝐵𝑦</m:t>
-                        </m:r>
-                        <m:func>
-                          <m:funcPr>
-                            <m:ctrlPr>
-                              <a:rPr lang="en-US" i="1">
-                                <a:latin typeface="Cambria Math" panose="02040503050406030204" pitchFamily="18" charset="0"/>
-                                <a:ea typeface="Apple SD Gothic Neo" panose="02000300000000000000" pitchFamily="2" charset="-127"/>
-                              </a:rPr>
-                            </m:ctrlPr>
-                          </m:funcPr>
-                          <m:fName>
-                            <m:r>
-                              <m:rPr>
-                                <m:sty m:val="p"/>
-                              </m:rPr>
-                              <a:rPr lang="en-US" b="0" i="0" smtClean="0">
-                                <a:latin typeface="Cambria Math" panose="02040503050406030204" pitchFamily="18" charset="0"/>
-                                <a:ea typeface="Apple SD Gothic Neo" panose="02000300000000000000" pitchFamily="2" charset="-127"/>
-                              </a:rPr>
-                              <m:t>Add</m:t>
-                            </m:r>
-                          </m:fName>
-                          <m:e>
-                            <m:r>
-                              <a:rPr lang="en-US" i="1">
-                                <a:latin typeface="Cambria Math" panose="02040503050406030204" pitchFamily="18" charset="0"/>
-                                <a:ea typeface="Apple SD Gothic Neo" panose="02000300000000000000" pitchFamily="2" charset="-127"/>
-                              </a:rPr>
-                              <m:t>𝑍</m:t>
-                            </m:r>
-                            <m:r>
-                              <a:rPr lang="en-US" i="1">
-                                <a:latin typeface="Cambria Math" panose="02040503050406030204" pitchFamily="18" charset="0"/>
-                                <a:ea typeface="Apple SD Gothic Neo" panose="02000300000000000000" pitchFamily="2" charset="-127"/>
-                              </a:rPr>
-                              <m:t>)</m:t>
-                            </m:r>
-                          </m:e>
-                        </m:func>
-                      </m:e>
-                    </m:func>
-                  </m:oMath>
-                </a14:m>
-                <a:endParaRPr lang="en-KR">
-                  <a:latin typeface="Apple SD Gothic Neo" panose="02000300000000000000" pitchFamily="2" charset="-127"/>
-                  <a:ea typeface="Apple SD Gothic Neo" panose="02000300000000000000" pitchFamily="2" charset="-127"/>
-                </a:endParaRPr>
-              </a:p>
-              <a:p>
-                <a:pPr marL="514350" indent="-514350" algn="ctr">
-                  <a:buFont typeface="Arial" panose="020B0604020202020204" pitchFamily="34" charset="0"/>
-                  <a:buAutoNum type="arabicParenR"/>
-                </a:pPr>
-                <a14:m>
-                  <m:oMath xmlns:m="http://schemas.openxmlformats.org/officeDocument/2006/math">
-                    <m:func>
-                      <m:funcPr>
-                        <m:ctrlPr>
-                          <a:rPr lang="en-US" i="1">
-                            <a:latin typeface="Cambria Math" panose="02040503050406030204" pitchFamily="18" charset="0"/>
-                            <a:ea typeface="Apple SD Gothic Neo" panose="02000300000000000000" pitchFamily="2" charset="-127"/>
-                          </a:rPr>
-                        </m:ctrlPr>
-                      </m:funcPr>
-                      <m:fName>
-                        <m:r>
-                          <m:rPr>
-                            <m:sty m:val="p"/>
-                          </m:rPr>
-                          <a:rPr lang="en-US" b="0" i="0" smtClean="0">
-                            <a:latin typeface="Cambria Math" panose="02040503050406030204" pitchFamily="18" charset="0"/>
-                            <a:ea typeface="Apple SD Gothic Neo" panose="02000300000000000000" pitchFamily="2" charset="-127"/>
-                          </a:rPr>
-                          <m:t>fib</m:t>
-                        </m:r>
-                      </m:fName>
-                      <m:e>
-                        <m:r>
-                          <a:rPr lang="en-US" b="0" i="1" smtClean="0">
-                            <a:latin typeface="Cambria Math" panose="02040503050406030204" pitchFamily="18" charset="0"/>
-                            <a:ea typeface="Apple SD Gothic Neo" panose="02000300000000000000" pitchFamily="2" charset="-127"/>
-                          </a:rPr>
-                          <m:t>𝑆</m:t>
-                        </m:r>
-                        <m:r>
-                          <a:rPr lang="en-US" b="0" i="1" smtClean="0">
-                            <a:latin typeface="Cambria Math" panose="02040503050406030204" pitchFamily="18" charset="0"/>
-                            <a:ea typeface="Apple SD Gothic Neo" panose="02000300000000000000" pitchFamily="2" charset="-127"/>
-                          </a:rPr>
-                          <m:t>(</m:t>
-                        </m:r>
-                        <m:r>
-                          <a:rPr lang="en-US" i="1">
-                            <a:latin typeface="Cambria Math" panose="02040503050406030204" pitchFamily="18" charset="0"/>
-                            <a:ea typeface="Apple SD Gothic Neo" panose="02000300000000000000" pitchFamily="2" charset="-127"/>
-                          </a:rPr>
-                          <m:t>𝑆</m:t>
-                        </m:r>
-                        <m:d>
-                          <m:dPr>
-                            <m:ctrlPr>
-                              <a:rPr lang="en-US" i="1">
-                                <a:latin typeface="Cambria Math" panose="02040503050406030204" pitchFamily="18" charset="0"/>
-                                <a:ea typeface="Apple SD Gothic Neo" panose="02000300000000000000" pitchFamily="2" charset="-127"/>
-                              </a:rPr>
-                            </m:ctrlPr>
-                          </m:dPr>
-                          <m:e>
-                            <m:r>
-                              <a:rPr lang="en-US" i="1">
-                                <a:latin typeface="Cambria Math" panose="02040503050406030204" pitchFamily="18" charset="0"/>
-                                <a:ea typeface="Apple SD Gothic Neo" panose="02000300000000000000" pitchFamily="2" charset="-127"/>
-                              </a:rPr>
-                              <m:t>𝑍</m:t>
-                            </m:r>
-                          </m:e>
-                        </m:d>
-                        <m:r>
-                          <a:rPr lang="en-US" b="0" i="1" smtClean="0">
-                            <a:latin typeface="Cambria Math" panose="02040503050406030204" pitchFamily="18" charset="0"/>
-                            <a:ea typeface="Apple SD Gothic Neo" panose="02000300000000000000" pitchFamily="2" charset="-127"/>
-                          </a:rPr>
-                          <m:t>)</m:t>
-                        </m:r>
-                        <m:r>
-                          <a:rPr lang="en-US" i="1">
-                            <a:latin typeface="Cambria Math" panose="02040503050406030204" pitchFamily="18" charset="0"/>
-                            <a:ea typeface="Apple SD Gothic Neo" panose="02000300000000000000" pitchFamily="2" charset="-127"/>
-                          </a:rPr>
-                          <m:t> </m:t>
-                        </m:r>
-                        <m:r>
-                          <a:rPr lang="en-US" i="1">
-                            <a:latin typeface="Cambria Math" panose="02040503050406030204" pitchFamily="18" charset="0"/>
-                            <a:ea typeface="Apple SD Gothic Neo" panose="02000300000000000000" pitchFamily="2" charset="-127"/>
-                          </a:rPr>
-                          <m:t>𝑆</m:t>
-                        </m:r>
-                        <m:r>
-                          <a:rPr lang="en-US" i="1">
-                            <a:latin typeface="Cambria Math" panose="02040503050406030204" pitchFamily="18" charset="0"/>
-                            <a:ea typeface="Apple SD Gothic Neo" panose="02000300000000000000" pitchFamily="2" charset="-127"/>
-                          </a:rPr>
-                          <m:t>(</m:t>
-                        </m:r>
-                        <m:r>
-                          <a:rPr lang="en-US" i="1">
-                            <a:latin typeface="Cambria Math" panose="02040503050406030204" pitchFamily="18" charset="0"/>
-                            <a:ea typeface="Apple SD Gothic Neo" panose="02000300000000000000" pitchFamily="2" charset="-127"/>
-                          </a:rPr>
-                          <m:t>𝑍</m:t>
-                        </m:r>
-                        <m:r>
-                          <a:rPr lang="en-US" i="1">
-                            <a:latin typeface="Cambria Math" panose="02040503050406030204" pitchFamily="18" charset="0"/>
-                            <a:ea typeface="Apple SD Gothic Neo" panose="02000300000000000000" pitchFamily="2" charset="-127"/>
-                          </a:rPr>
-                          <m:t>) (</m:t>
-                        </m:r>
-                        <m:r>
-                          <a:rPr lang="en-US" i="1">
-                            <a:latin typeface="Cambria Math" panose="02040503050406030204" pitchFamily="18" charset="0"/>
-                            <a:ea typeface="Apple SD Gothic Neo" panose="02000300000000000000" pitchFamily="2" charset="-127"/>
-                          </a:rPr>
-                          <m:t>𝐵𝑦</m:t>
-                        </m:r>
-                        <m:func>
-                          <m:funcPr>
-                            <m:ctrlPr>
-                              <a:rPr lang="en-US" i="1">
-                                <a:latin typeface="Cambria Math" panose="02040503050406030204" pitchFamily="18" charset="0"/>
-                                <a:ea typeface="Apple SD Gothic Neo" panose="02000300000000000000" pitchFamily="2" charset="-127"/>
-                              </a:rPr>
-                            </m:ctrlPr>
-                          </m:funcPr>
-                          <m:fName>
-                            <m:r>
-                              <a:rPr lang="en-US" b="0" i="0" smtClean="0">
-                                <a:latin typeface="Cambria Math" panose="02040503050406030204" pitchFamily="18" charset="0"/>
-                                <a:ea typeface="Apple SD Gothic Neo" panose="02000300000000000000" pitchFamily="2" charset="-127"/>
-                              </a:rPr>
-                              <m:t>1,2,3</m:t>
-                            </m:r>
-                          </m:fName>
-                          <m:e>
-                            <m:r>
-                              <a:rPr lang="en-US" b="0" i="1" smtClean="0">
-                                <a:latin typeface="Cambria Math" panose="02040503050406030204" pitchFamily="18" charset="0"/>
-                                <a:ea typeface="Apple SD Gothic Neo" panose="02000300000000000000" pitchFamily="2" charset="-127"/>
-                              </a:rPr>
-                              <m:t>𝑎𝑛𝑑</m:t>
-                            </m:r>
-                            <m:r>
-                              <a:rPr lang="en-US" b="0" i="1" smtClean="0">
-                                <a:latin typeface="Cambria Math" panose="02040503050406030204" pitchFamily="18" charset="0"/>
-                                <a:ea typeface="Apple SD Gothic Neo" panose="02000300000000000000" pitchFamily="2" charset="-127"/>
-                              </a:rPr>
-                              <m:t> </m:t>
-                            </m:r>
-                            <m:r>
-                              <m:rPr>
-                                <m:sty m:val="p"/>
-                              </m:rPr>
-                              <a:rPr lang="en-US" b="0" i="0" smtClean="0">
-                                <a:latin typeface="Cambria Math" panose="02040503050406030204" pitchFamily="18" charset="0"/>
-                                <a:ea typeface="Apple SD Gothic Neo" panose="02000300000000000000" pitchFamily="2" charset="-127"/>
-                              </a:rPr>
-                              <m:t>fib</m:t>
-                            </m:r>
-                            <m:r>
-                              <a:rPr lang="en-US" b="0" i="1" smtClean="0">
-                                <a:latin typeface="Cambria Math" panose="02040503050406030204" pitchFamily="18" charset="0"/>
-                                <a:ea typeface="Apple SD Gothic Neo" panose="02000300000000000000" pitchFamily="2" charset="-127"/>
-                              </a:rPr>
-                              <m:t>𝑆</m:t>
-                            </m:r>
-                            <m:r>
-                              <a:rPr lang="en-US" i="1">
-                                <a:latin typeface="Cambria Math" panose="02040503050406030204" pitchFamily="18" charset="0"/>
-                                <a:ea typeface="Apple SD Gothic Neo" panose="02000300000000000000" pitchFamily="2" charset="-127"/>
-                              </a:rPr>
-                              <m:t>)</m:t>
-                            </m:r>
-                          </m:e>
-                        </m:func>
-                      </m:e>
-                    </m:func>
-                  </m:oMath>
-                </a14:m>
-                <a:endParaRPr lang="en-KR">
-                  <a:latin typeface="Apple SD Gothic Neo" panose="02000300000000000000" pitchFamily="2" charset="-127"/>
-                  <a:ea typeface="Apple SD Gothic Neo" panose="02000300000000000000" pitchFamily="2" charset="-127"/>
-                </a:endParaRPr>
-              </a:p>
-            </p:txBody>
-          </p:sp>
-        </mc:Choice>
-        <mc:Fallback xmlns="">
-          <p:sp>
-            <p:nvSpPr>
-              <p:cNvPr id="2" name="Content Placeholder 8">
-                <a:extLst>
-                  <a:ext uri="{FF2B5EF4-FFF2-40B4-BE49-F238E27FC236}">
-                    <a16:creationId xmlns:a16="http://schemas.microsoft.com/office/drawing/2014/main" id="{54F22351-1BB4-9A93-56E6-4EB33226C9EC}"/>
-                  </a:ext>
-                </a:extLst>
-              </p:cNvPr>
-              <p:cNvSpPr>
-                <a:spLocks noGrp="1" noRot="1" noChangeAspect="1" noMove="1" noResize="1" noEditPoints="1" noAdjustHandles="1" noChangeArrowheads="1" noChangeShapeType="1" noTextEdit="1"/>
-              </p:cNvSpPr>
-              <p:nvPr>
-                <p:ph idx="1"/>
-              </p:nvPr>
-            </p:nvSpPr>
-            <p:spPr>
-              <a:xfrm>
-                <a:off x="838200" y="2774193"/>
-                <a:ext cx="10515600" cy="3402770"/>
-              </a:xfrm>
-              <a:blipFill>
-                <a:blip r:embed="rId4"/>
-                <a:stretch>
-                  <a:fillRect l="-965" t="-4089"/>
-                </a:stretch>
-              </a:blipFill>
-            </p:spPr>
-            <p:txBody>
-              <a:bodyPr/>
-              <a:lstStyle/>
-              <a:p>
-                <a:r>
-                  <a:rPr lang="en-KR">
-                    <a:noFill/>
-                  </a:rPr>
-                  <a:t> </a:t>
-                </a:r>
-              </a:p>
-            </p:txBody>
-          </p:sp>
-        </mc:Fallback>
-      </mc:AlternateContent>
-      <mc:AlternateContent xmlns:mc="http://schemas.openxmlformats.org/markup-compatibility/2006" xmlns:a14="http://schemas.microsoft.com/office/drawing/2010/main">
-        <mc:Choice Requires="a14">
+      <p:pic>
+        <p:nvPicPr>
+          <p:cNvPr id="11" name="Content Placeholder 8">
+            <a:extLst>
+              <a:ext uri="{FF2B5EF4-FFF2-40B4-BE49-F238E27FC236}">
+                <a16:creationId xmlns:a16="http://schemas.microsoft.com/office/drawing/2014/main" id="{ED1147E7-B471-301C-8D6F-FDE951E51FEC}"/>
+              </a:ext>
+            </a:extLst>
+          </p:cNvPr>
+          <p:cNvPicPr>
+            <a:picLocks noChangeAspect="1"/>
+          </p:cNvPicPr>
+          <p:nvPr/>
+        </p:nvPicPr>
+        <p:blipFill>
+          <a:blip r:embed="rId4"/>
+          <a:stretch>
+            <a:fillRect/>
+          </a:stretch>
+        </p:blipFill>
+        <p:spPr>
+          <a:xfrm>
+            <a:off x="839258" y="3156744"/>
+            <a:ext cx="6153150" cy="419100"/>
+          </a:xfrm>
+          <a:prstGeom prst="rect">
+            <a:avLst/>
+          </a:prstGeom>
+        </p:spPr>
+      </p:pic>
+      <p:pic>
+        <p:nvPicPr>
+          <p:cNvPr id="17" name="Picture 16" descr="A white background with black letters and numbers&#10;&#10;AI-generated content may be incorrect.">
+            <a:extLst>
+              <a:ext uri="{FF2B5EF4-FFF2-40B4-BE49-F238E27FC236}">
+                <a16:creationId xmlns:a16="http://schemas.microsoft.com/office/drawing/2014/main" id="{D6E653DD-4BD7-74D4-2530-FF30F6CBE6F7}"/>
+              </a:ext>
+            </a:extLst>
+          </p:cNvPr>
+          <p:cNvPicPr>
+            <a:picLocks noChangeAspect="1"/>
+          </p:cNvPicPr>
+          <p:nvPr/>
+        </p:nvPicPr>
+        <p:blipFill>
+          <a:blip r:embed="rId5"/>
+          <a:stretch>
+            <a:fillRect/>
+          </a:stretch>
+        </p:blipFill>
+        <p:spPr>
+          <a:xfrm>
+            <a:off x="838906" y="3583164"/>
+            <a:ext cx="8933744" cy="2739672"/>
+          </a:xfrm>
+          <a:prstGeom prst="rect">
+            <a:avLst/>
+          </a:prstGeom>
+        </p:spPr>
+      </p:pic>
+      <mc:AlternateContent xmlns:mc="http://schemas.openxmlformats.org/markup-compatibility/2006">
+        <mc:Choice xmlns:a14="http://schemas.microsoft.com/office/drawing/2010/main" Requires="a14">
           <p:sp>
             <p:nvSpPr>
               <p:cNvPr id="7" name="Content Placeholder 8">
@@ -15101,7 +11931,7 @@
             </p:nvSpPr>
             <p:spPr>
               <a:xfrm>
-                <a:off x="8610600" y="4475578"/>
+                <a:off x="8610600" y="3586578"/>
                 <a:ext cx="3386769" cy="778040"/>
               </a:xfrm>
               <a:prstGeom prst="rect">
@@ -15493,7 +12323,7 @@
             </p:txBody>
           </p:sp>
         </mc:Choice>
-        <mc:Fallback xmlns="">
+        <mc:Fallback>
           <p:sp>
             <p:nvSpPr>
               <p:cNvPr id="7" name="Content Placeholder 8">
@@ -15510,16 +12340,16 @@
             </p:nvSpPr>
             <p:spPr>
               <a:xfrm>
-                <a:off x="8610600" y="4475578"/>
+                <a:off x="8610600" y="3586578"/>
                 <a:ext cx="3386769" cy="778040"/>
               </a:xfrm>
               <a:prstGeom prst="rect">
                 <a:avLst/>
               </a:prstGeom>
               <a:blipFill>
-                <a:blip r:embed="rId5"/>
+                <a:blip r:embed="rId6"/>
                 <a:stretch>
-                  <a:fillRect t="-1613" b="-1613"/>
+                  <a:fillRect/>
                 </a:stretch>
               </a:blipFill>
             </p:spPr>
@@ -15528,7 +12358,7 @@
               <a:lstStyle/>
               <a:p>
                 <a:r>
-                  <a:rPr lang="en-KR">
+                  <a:rPr lang="en-US">
                     <a:noFill/>
                   </a:rPr>
                   <a:t> </a:t>
@@ -15551,7 +12381,189 @@
 </p:sld>
 </file>
 
-<file path=ppt/slides/slide31.xml><?xml version="1.0" encoding="utf-8"?>
+<file path=ppt/slides/slide3.xml><?xml version="1.0" encoding="utf-8"?>
+<p:sld xmlns:a="http://schemas.openxmlformats.org/drawingml/2006/main" xmlns:r="http://schemas.openxmlformats.org/officeDocument/2006/relationships" xmlns:p="http://schemas.openxmlformats.org/presentationml/2006/main">
+  <p:cSld>
+    <p:spTree>
+      <p:nvGrpSpPr>
+        <p:cNvPr id="1" name="">
+          <a:extLst>
+            <a:ext uri="{FF2B5EF4-FFF2-40B4-BE49-F238E27FC236}">
+              <a16:creationId xmlns:a16="http://schemas.microsoft.com/office/drawing/2014/main" id="{650F95F5-C38D-2196-A018-6AA4A7450C0D}"/>
+            </a:ext>
+          </a:extLst>
+        </p:cNvPr>
+        <p:cNvGrpSpPr/>
+        <p:nvPr/>
+      </p:nvGrpSpPr>
+      <p:grpSpPr>
+        <a:xfrm>
+          <a:off x="0" y="0"/>
+          <a:ext cx="0" cy="0"/>
+          <a:chOff x="0" y="0"/>
+          <a:chExt cx="0" cy="0"/>
+        </a:xfrm>
+      </p:grpSpPr>
+      <p:sp>
+        <p:nvSpPr>
+          <p:cNvPr id="2" name="Title 1">
+            <a:extLst>
+              <a:ext uri="{FF2B5EF4-FFF2-40B4-BE49-F238E27FC236}">
+                <a16:creationId xmlns:a16="http://schemas.microsoft.com/office/drawing/2014/main" id="{7AADBDC8-B9F1-BC32-1346-B4C848FF2424}"/>
+              </a:ext>
+            </a:extLst>
+          </p:cNvPr>
+          <p:cNvSpPr>
+            <a:spLocks noGrp="1"/>
+          </p:cNvSpPr>
+          <p:nvPr>
+            <p:ph type="title"/>
+          </p:nvPr>
+        </p:nvSpPr>
+        <p:spPr/>
+        <p:txBody>
+          <a:bodyPr/>
+          <a:lstStyle/>
+          <a:p>
+            <a:r>
+              <a:rPr lang="en-KR" b="1">
+                <a:latin typeface="Apple SD Gothic Neo" panose="02000300000000000000" pitchFamily="2" charset="-127"/>
+                <a:ea typeface="Apple SD Gothic Neo" panose="02000300000000000000" pitchFamily="2" charset="-127"/>
+              </a:rPr>
+              <a:t>Content</a:t>
+            </a:r>
+          </a:p>
+        </p:txBody>
+      </p:sp>
+      <p:sp>
+        <p:nvSpPr>
+          <p:cNvPr id="9" name="Content Placeholder 8">
+            <a:extLst>
+              <a:ext uri="{FF2B5EF4-FFF2-40B4-BE49-F238E27FC236}">
+                <a16:creationId xmlns:a16="http://schemas.microsoft.com/office/drawing/2014/main" id="{1C02E391-47E1-4A00-6BEA-F6432DD4DEC8}"/>
+              </a:ext>
+            </a:extLst>
+          </p:cNvPr>
+          <p:cNvSpPr>
+            <a:spLocks noGrp="1"/>
+          </p:cNvSpPr>
+          <p:nvPr>
+            <p:ph idx="1"/>
+          </p:nvPr>
+        </p:nvSpPr>
+        <p:spPr>
+          <a:xfrm>
+            <a:off x="838200" y="1690688"/>
+            <a:ext cx="10515600" cy="4486275"/>
+          </a:xfrm>
+        </p:spPr>
+        <p:txBody>
+          <a:bodyPr/>
+          <a:lstStyle/>
+          <a:p>
+            <a:r>
+              <a:rPr lang="en-KR">
+                <a:latin typeface="Apple SD Gothic Neo" panose="02000300000000000000" pitchFamily="2" charset="-127"/>
+                <a:ea typeface="Apple SD Gothic Neo" panose="02000300000000000000" pitchFamily="2" charset="-127"/>
+              </a:rPr>
+              <a:t>Quiz</a:t>
+            </a:r>
+          </a:p>
+          <a:p>
+            <a:endParaRPr lang="en-KR">
+              <a:latin typeface="Apple SD Gothic Neo" panose="02000300000000000000" pitchFamily="2" charset="-127"/>
+              <a:ea typeface="Apple SD Gothic Neo" panose="02000300000000000000" pitchFamily="2" charset="-127"/>
+            </a:endParaRPr>
+          </a:p>
+          <a:p>
+            <a:endParaRPr lang="en-KR">
+              <a:latin typeface="Apple SD Gothic Neo" panose="02000300000000000000" pitchFamily="2" charset="-127"/>
+              <a:ea typeface="Apple SD Gothic Neo" panose="02000300000000000000" pitchFamily="2" charset="-127"/>
+            </a:endParaRPr>
+          </a:p>
+          <a:p>
+            <a:r>
+              <a:rPr lang="en-KR">
+                <a:latin typeface="Apple SD Gothic Neo" panose="02000300000000000000" pitchFamily="2" charset="-127"/>
+                <a:ea typeface="Apple SD Gothic Neo" panose="02000300000000000000" pitchFamily="2" charset="-127"/>
+              </a:rPr>
+              <a:t>Homework 2</a:t>
+            </a:r>
+          </a:p>
+        </p:txBody>
+      </p:sp>
+      <p:sp>
+        <p:nvSpPr>
+          <p:cNvPr id="4" name="Date Placeholder 3">
+            <a:extLst>
+              <a:ext uri="{FF2B5EF4-FFF2-40B4-BE49-F238E27FC236}">
+                <a16:creationId xmlns:a16="http://schemas.microsoft.com/office/drawing/2014/main" id="{D6551D74-B6F5-F4DC-1DEC-E248D180F747}"/>
+              </a:ext>
+            </a:extLst>
+          </p:cNvPr>
+          <p:cNvSpPr>
+            <a:spLocks noGrp="1"/>
+          </p:cNvSpPr>
+          <p:nvPr>
+            <p:ph type="dt" sz="half" idx="10"/>
+          </p:nvPr>
+        </p:nvSpPr>
+        <p:spPr/>
+        <p:txBody>
+          <a:bodyPr/>
+          <a:lstStyle/>
+          <a:p>
+            <a:fld id="{68118D73-32D1-A847-AA81-E353C58266DD}" type="datetime1">
+              <a:rPr lang="en-US" smtClean="0"/>
+              <a:t>9/5/2025</a:t>
+            </a:fld>
+            <a:endParaRPr lang="en-KR"/>
+          </a:p>
+        </p:txBody>
+      </p:sp>
+      <p:sp>
+        <p:nvSpPr>
+          <p:cNvPr id="5" name="Slide Number Placeholder 4">
+            <a:extLst>
+              <a:ext uri="{FF2B5EF4-FFF2-40B4-BE49-F238E27FC236}">
+                <a16:creationId xmlns:a16="http://schemas.microsoft.com/office/drawing/2014/main" id="{ED162DA3-FC11-50E1-4972-50702183FFD7}"/>
+              </a:ext>
+            </a:extLst>
+          </p:cNvPr>
+          <p:cNvSpPr>
+            <a:spLocks noGrp="1"/>
+          </p:cNvSpPr>
+          <p:nvPr>
+            <p:ph type="sldNum" sz="quarter" idx="12"/>
+          </p:nvPr>
+        </p:nvSpPr>
+        <p:spPr/>
+        <p:txBody>
+          <a:bodyPr/>
+          <a:lstStyle/>
+          <a:p>
+            <a:fld id="{98A7C90A-C1D4-1A4A-BB39-07FDF258A5BB}" type="slidenum">
+              <a:rPr lang="en-KR" smtClean="0"/>
+              <a:t>3</a:t>
+            </a:fld>
+            <a:endParaRPr lang="en-KR"/>
+          </a:p>
+        </p:txBody>
+      </p:sp>
+    </p:spTree>
+    <p:extLst>
+      <p:ext uri="{BB962C8B-B14F-4D97-AF65-F5344CB8AC3E}">
+        <p14:creationId xmlns:p14="http://schemas.microsoft.com/office/powerpoint/2010/main" val="2348936479"/>
+      </p:ext>
+    </p:extLst>
+  </p:cSld>
+  <p:clrMapOvr>
+    <a:masterClrMapping/>
+  </p:clrMapOvr>
+</p:sld>
+</file>
+
+<file path=ppt/slides/slide30.xml><?xml version="1.0" encoding="utf-8"?>
 <p:sld xmlns:a="http://schemas.openxmlformats.org/drawingml/2006/main" xmlns:r="http://schemas.openxmlformats.org/officeDocument/2006/relationships" xmlns:p="http://schemas.openxmlformats.org/presentationml/2006/main">
   <p:cSld>
     <p:spTree>
@@ -15597,7 +12609,7 @@
           <a:p>
             <a:fld id="{68118D73-32D1-A847-AA81-E353C58266DD}" type="datetime1">
               <a:rPr lang="en-US" smtClean="0"/>
-              <a:t>9/3/25</a:t>
+              <a:t>9/5/2025</a:t>
             </a:fld>
             <a:endParaRPr lang="en-KR"/>
           </a:p>
@@ -15626,7 +12638,7 @@
           <a:p>
             <a:fld id="{98A7C90A-C1D4-1A4A-BB39-07FDF258A5BB}" type="slidenum">
               <a:rPr lang="en-KR" smtClean="0"/>
-              <a:t>31</a:t>
+              <a:t>30</a:t>
             </a:fld>
             <a:endParaRPr lang="en-KR"/>
           </a:p>
@@ -15687,10 +12699,10 @@
       </p:sp>
       <p:pic>
         <p:nvPicPr>
-          <p:cNvPr id="3" name="Picture 2">
-            <a:extLst>
-              <a:ext uri="{FF2B5EF4-FFF2-40B4-BE49-F238E27FC236}">
-                <a16:creationId xmlns:a16="http://schemas.microsoft.com/office/drawing/2014/main" id="{2FDDDF25-E262-993A-ABBD-DD1000A31C37}"/>
+          <p:cNvPr id="8" name="Content Placeholder 8">
+            <a:extLst>
+              <a:ext uri="{FF2B5EF4-FFF2-40B4-BE49-F238E27FC236}">
+                <a16:creationId xmlns:a16="http://schemas.microsoft.com/office/drawing/2014/main" id="{8A7FBAF8-8966-967A-0218-8CEFC9D7C69E}"/>
               </a:ext>
             </a:extLst>
           </p:cNvPr>
@@ -15707,8 +12719,8 @@
         </p:blipFill>
         <p:spPr>
           <a:xfrm>
-            <a:off x="838200" y="1690688"/>
-            <a:ext cx="10487866" cy="365125"/>
+            <a:off x="839258" y="1689188"/>
+            <a:ext cx="6153150" cy="419100"/>
           </a:xfrm>
           <a:prstGeom prst="rect">
             <a:avLst/>
@@ -15717,17 +12729,19 @@
       </p:pic>
       <p:pic>
         <p:nvPicPr>
-          <p:cNvPr id="6" name="Picture 5">
-            <a:extLst>
-              <a:ext uri="{FF2B5EF4-FFF2-40B4-BE49-F238E27FC236}">
-                <a16:creationId xmlns:a16="http://schemas.microsoft.com/office/drawing/2014/main" id="{E5804CB2-B6B7-CF9B-5BD9-4651285B95A0}"/>
+          <p:cNvPr id="11" name="Content Placeholder 10" descr="A white paper with black text&#10;&#10;AI-generated content may be incorrect.">
+            <a:extLst>
+              <a:ext uri="{FF2B5EF4-FFF2-40B4-BE49-F238E27FC236}">
+                <a16:creationId xmlns:a16="http://schemas.microsoft.com/office/drawing/2014/main" id="{3518B64C-D258-202C-AC0D-3B516FF942F4}"/>
               </a:ext>
             </a:extLst>
           </p:cNvPr>
           <p:cNvPicPr>
-            <a:picLocks noChangeAspect="1"/>
+            <a:picLocks noGrp="1" noChangeAspect="1"/>
           </p:cNvPicPr>
-          <p:nvPr/>
+          <p:nvPr>
+            <p:ph idx="1"/>
+          </p:nvPr>
         </p:nvPicPr>
         <p:blipFill>
           <a:blip r:embed="rId3"/>
@@ -15737,1903 +12751,14 @@
         </p:blipFill>
         <p:spPr>
           <a:xfrm>
-            <a:off x="4761333" y="2124668"/>
-            <a:ext cx="2641600" cy="1028700"/>
+            <a:off x="980017" y="2112169"/>
+            <a:ext cx="9596966" cy="4131027"/>
           </a:xfrm>
           <a:prstGeom prst="rect">
             <a:avLst/>
           </a:prstGeom>
         </p:spPr>
       </p:pic>
-      <mc:AlternateContent xmlns:mc="http://schemas.openxmlformats.org/markup-compatibility/2006" xmlns:a14="http://schemas.microsoft.com/office/drawing/2010/main">
-        <mc:Choice Requires="a14">
-          <p:sp>
-            <p:nvSpPr>
-              <p:cNvPr id="2" name="Content Placeholder 8">
-                <a:extLst>
-                  <a:ext uri="{FF2B5EF4-FFF2-40B4-BE49-F238E27FC236}">
-                    <a16:creationId xmlns:a16="http://schemas.microsoft.com/office/drawing/2014/main" id="{8A15A0AA-D6C8-7ECB-D3C3-219012716882}"/>
-                  </a:ext>
-                </a:extLst>
-              </p:cNvPr>
-              <p:cNvSpPr>
-                <a:spLocks noGrp="1"/>
-              </p:cNvSpPr>
-              <p:nvPr>
-                <p:ph idx="1"/>
-              </p:nvPr>
-            </p:nvSpPr>
-            <p:spPr>
-              <a:xfrm>
-                <a:off x="838200" y="2774193"/>
-                <a:ext cx="10515600" cy="3402770"/>
-              </a:xfrm>
-            </p:spPr>
-            <p:txBody>
-              <a:bodyPr>
-                <a:normAutofit fontScale="55000" lnSpcReduction="20000"/>
-              </a:bodyPr>
-              <a:lstStyle/>
-              <a:p>
-                <a:pPr marL="0" indent="0">
-                  <a:buNone/>
-                </a:pPr>
-                <a:r>
-                  <a:rPr lang="en-KR">
-                    <a:latin typeface="Apple SD Gothic Neo" panose="02000300000000000000" pitchFamily="2" charset="-127"/>
-                    <a:ea typeface="Apple SD Gothic Neo" panose="02000300000000000000" pitchFamily="2" charset="-127"/>
-                  </a:rPr>
-                  <a:t>Case ii.</a:t>
-                </a:r>
-              </a:p>
-              <a:p>
-                <a:pPr marL="0" indent="0" algn="ctr">
-                  <a:buNone/>
-                </a:pPr>
-                <a14:m>
-                  <m:oMathPara xmlns:m="http://schemas.openxmlformats.org/officeDocument/2006/math">
-                    <m:oMathParaPr>
-                      <m:jc m:val="centerGroup"/>
-                    </m:oMathParaPr>
-                    <m:oMath xmlns:m="http://schemas.openxmlformats.org/officeDocument/2006/math">
-                      <m:f>
-                        <m:fPr>
-                          <m:ctrlPr>
-                            <a:rPr lang="en-KR" i="1">
-                              <a:latin typeface="Cambria Math" panose="02040503050406030204" pitchFamily="18" charset="0"/>
-                              <a:ea typeface="Apple SD Gothic Neo" panose="02000300000000000000" pitchFamily="2" charset="-127"/>
-                            </a:rPr>
-                          </m:ctrlPr>
-                        </m:fPr>
-                        <m:num>
-                          <m:func>
-                            <m:funcPr>
-                              <m:ctrlPr>
-                                <a:rPr lang="en-US" i="1">
-                                  <a:latin typeface="Cambria Math" panose="02040503050406030204" pitchFamily="18" charset="0"/>
-                                  <a:ea typeface="Apple SD Gothic Neo" panose="02000300000000000000" pitchFamily="2" charset="-127"/>
-                                </a:rPr>
-                              </m:ctrlPr>
-                            </m:funcPr>
-                            <m:fName>
-                              <m:r>
-                                <m:rPr>
-                                  <m:sty m:val="p"/>
-                                </m:rPr>
-                                <a:rPr lang="en-US">
-                                  <a:latin typeface="Cambria Math" panose="02040503050406030204" pitchFamily="18" charset="0"/>
-                                  <a:ea typeface="Apple SD Gothic Neo" panose="02000300000000000000" pitchFamily="2" charset="-127"/>
-                                </a:rPr>
-                                <m:t>fibsum</m:t>
-                              </m:r>
-                            </m:fName>
-                            <m:e>
-                              <m:sSub>
-                                <m:sSubPr>
-                                  <m:ctrlPr>
-                                    <a:rPr lang="en-US" i="1">
-                                      <a:latin typeface="Cambria Math" panose="02040503050406030204" pitchFamily="18" charset="0"/>
-                                      <a:ea typeface="Apple SD Gothic Neo" panose="02000300000000000000" pitchFamily="2" charset="-127"/>
-                                    </a:rPr>
-                                  </m:ctrlPr>
-                                </m:sSubPr>
-                                <m:e>
-                                  <m:r>
-                                    <a:rPr lang="en-US" i="1">
-                                      <a:latin typeface="Cambria Math" panose="02040503050406030204" pitchFamily="18" charset="0"/>
-                                      <a:ea typeface="Apple SD Gothic Neo" panose="02000300000000000000" pitchFamily="2" charset="-127"/>
-                                    </a:rPr>
-                                    <m:t>𝑛</m:t>
-                                  </m:r>
-                                </m:e>
-                                <m:sub>
-                                  <m:r>
-                                    <a:rPr lang="en-US" i="1">
-                                      <a:latin typeface="Cambria Math" panose="02040503050406030204" pitchFamily="18" charset="0"/>
-                                      <a:ea typeface="Apple SD Gothic Neo" panose="02000300000000000000" pitchFamily="2" charset="-127"/>
-                                    </a:rPr>
-                                    <m:t>1</m:t>
-                                  </m:r>
-                                </m:sub>
-                              </m:sSub>
-                              <m:sSub>
-                                <m:sSubPr>
-                                  <m:ctrlPr>
-                                    <a:rPr lang="en-US" i="1">
-                                      <a:latin typeface="Cambria Math" panose="02040503050406030204" pitchFamily="18" charset="0"/>
-                                      <a:ea typeface="Apple SD Gothic Neo" panose="02000300000000000000" pitchFamily="2" charset="-127"/>
-                                    </a:rPr>
-                                  </m:ctrlPr>
-                                </m:sSubPr>
-                                <m:e>
-                                  <m:r>
-                                    <a:rPr lang="en-US" i="1">
-                                      <a:latin typeface="Cambria Math" panose="02040503050406030204" pitchFamily="18" charset="0"/>
-                                      <a:ea typeface="Apple SD Gothic Neo" panose="02000300000000000000" pitchFamily="2" charset="-127"/>
-                                    </a:rPr>
-                                    <m:t>𝑛</m:t>
-                                  </m:r>
-                                </m:e>
-                                <m:sub>
-                                  <m:r>
-                                    <a:rPr lang="en-US" i="1">
-                                      <a:latin typeface="Cambria Math" panose="02040503050406030204" pitchFamily="18" charset="0"/>
-                                      <a:ea typeface="Apple SD Gothic Neo" panose="02000300000000000000" pitchFamily="2" charset="-127"/>
-                                    </a:rPr>
-                                    <m:t>2</m:t>
-                                  </m:r>
-                                </m:sub>
-                              </m:sSub>
-                              <m:func>
-                                <m:funcPr>
-                                  <m:ctrlPr>
-                                    <a:rPr lang="en-US" i="1">
-                                      <a:latin typeface="Cambria Math" panose="02040503050406030204" pitchFamily="18" charset="0"/>
-                                      <a:ea typeface="Apple SD Gothic Neo" panose="02000300000000000000" pitchFamily="2" charset="-127"/>
-                                    </a:rPr>
-                                  </m:ctrlPr>
-                                </m:funcPr>
-                                <m:fName>
-                                  <m:r>
-                                    <m:rPr>
-                                      <m:sty m:val="p"/>
-                                    </m:rPr>
-                                    <a:rPr lang="en-US">
-                                      <a:latin typeface="Cambria Math" panose="02040503050406030204" pitchFamily="18" charset="0"/>
-                                      <a:ea typeface="Apple SD Gothic Neo" panose="02000300000000000000" pitchFamily="2" charset="-127"/>
-                                    </a:rPr>
-                                    <m:t>fib</m:t>
-                                  </m:r>
-                                </m:fName>
-                                <m:e>
-                                  <m:sSub>
-                                    <m:sSubPr>
-                                      <m:ctrlPr>
-                                        <a:rPr lang="en-US" i="1">
-                                          <a:latin typeface="Cambria Math" panose="02040503050406030204" pitchFamily="18" charset="0"/>
-                                          <a:ea typeface="Apple SD Gothic Neo" panose="02000300000000000000" pitchFamily="2" charset="-127"/>
-                                        </a:rPr>
-                                      </m:ctrlPr>
-                                    </m:sSubPr>
-                                    <m:e>
-                                      <m:r>
-                                        <a:rPr lang="en-US" i="1">
-                                          <a:latin typeface="Cambria Math" panose="02040503050406030204" pitchFamily="18" charset="0"/>
-                                          <a:ea typeface="Apple SD Gothic Neo" panose="02000300000000000000" pitchFamily="2" charset="-127"/>
-                                        </a:rPr>
-                                        <m:t>𝑆</m:t>
-                                      </m:r>
-                                      <m:r>
-                                        <a:rPr lang="en-US" i="1">
-                                          <a:latin typeface="Cambria Math" panose="02040503050406030204" pitchFamily="18" charset="0"/>
-                                          <a:ea typeface="Apple SD Gothic Neo" panose="02000300000000000000" pitchFamily="2" charset="-127"/>
-                                        </a:rPr>
-                                        <m:t>(</m:t>
-                                      </m:r>
-                                      <m:r>
-                                        <a:rPr lang="en-US" i="1">
-                                          <a:latin typeface="Cambria Math" panose="02040503050406030204" pitchFamily="18" charset="0"/>
-                                          <a:ea typeface="Apple SD Gothic Neo" panose="02000300000000000000" pitchFamily="2" charset="-127"/>
-                                        </a:rPr>
-                                        <m:t>𝑛</m:t>
-                                      </m:r>
-                                    </m:e>
-                                    <m:sub>
-                                      <m:r>
-                                        <a:rPr lang="en-US" i="1">
-                                          <a:latin typeface="Cambria Math" panose="02040503050406030204" pitchFamily="18" charset="0"/>
-                                          <a:ea typeface="Apple SD Gothic Neo" panose="02000300000000000000" pitchFamily="2" charset="-127"/>
-                                        </a:rPr>
-                                        <m:t>1</m:t>
-                                      </m:r>
-                                    </m:sub>
-                                  </m:sSub>
-                                  <m:r>
-                                    <a:rPr lang="en-US" i="1">
-                                      <a:latin typeface="Cambria Math" panose="02040503050406030204" pitchFamily="18" charset="0"/>
-                                      <a:ea typeface="Apple SD Gothic Neo" panose="02000300000000000000" pitchFamily="2" charset="-127"/>
-                                    </a:rPr>
-                                    <m:t>)</m:t>
-                                  </m:r>
-                                  <m:sSub>
-                                    <m:sSubPr>
-                                      <m:ctrlPr>
-                                        <a:rPr lang="en-US" i="1">
-                                          <a:latin typeface="Cambria Math" panose="02040503050406030204" pitchFamily="18" charset="0"/>
-                                          <a:ea typeface="Apple SD Gothic Neo" panose="02000300000000000000" pitchFamily="2" charset="-127"/>
-                                        </a:rPr>
-                                      </m:ctrlPr>
-                                    </m:sSubPr>
-                                    <m:e>
-                                      <m:r>
-                                        <a:rPr lang="en-US" i="1">
-                                          <a:latin typeface="Cambria Math" panose="02040503050406030204" pitchFamily="18" charset="0"/>
-                                          <a:ea typeface="Apple SD Gothic Neo" panose="02000300000000000000" pitchFamily="2" charset="-127"/>
-                                        </a:rPr>
-                                        <m:t>𝑛</m:t>
-                                      </m:r>
-                                    </m:e>
-                                    <m:sub>
-                                      <m:r>
-                                        <a:rPr lang="en-US" i="1">
-                                          <a:latin typeface="Cambria Math" panose="02040503050406030204" pitchFamily="18" charset="0"/>
-                                          <a:ea typeface="Apple SD Gothic Neo" panose="02000300000000000000" pitchFamily="2" charset="-127"/>
-                                        </a:rPr>
-                                        <m:t>3</m:t>
-                                      </m:r>
-                                    </m:sub>
-                                  </m:sSub>
-                                </m:e>
-                              </m:func>
-                              <m:func>
-                                <m:funcPr>
-                                  <m:ctrlPr>
-                                    <a:rPr lang="en-US" i="1">
-                                      <a:latin typeface="Cambria Math" panose="02040503050406030204" pitchFamily="18" charset="0"/>
-                                      <a:ea typeface="Apple SD Gothic Neo" panose="02000300000000000000" pitchFamily="2" charset="-127"/>
-                                    </a:rPr>
-                                  </m:ctrlPr>
-                                </m:funcPr>
-                                <m:fName>
-                                  <m:r>
-                                    <m:rPr>
-                                      <m:sty m:val="p"/>
-                                    </m:rPr>
-                                    <a:rPr lang="en-US">
-                                      <a:latin typeface="Cambria Math" panose="02040503050406030204" pitchFamily="18" charset="0"/>
-                                      <a:ea typeface="Apple SD Gothic Neo" panose="02000300000000000000" pitchFamily="2" charset="-127"/>
-                                    </a:rPr>
-                                    <m:t>add</m:t>
-                                  </m:r>
-                                </m:fName>
-                                <m:e>
-                                  <m:sSub>
-                                    <m:sSubPr>
-                                      <m:ctrlPr>
-                                        <a:rPr lang="en-US" i="1">
-                                          <a:latin typeface="Cambria Math" panose="02040503050406030204" pitchFamily="18" charset="0"/>
-                                          <a:ea typeface="Apple SD Gothic Neo" panose="02000300000000000000" pitchFamily="2" charset="-127"/>
-                                        </a:rPr>
-                                      </m:ctrlPr>
-                                    </m:sSubPr>
-                                    <m:e>
-                                      <m:r>
-                                        <a:rPr lang="en-US" i="1">
-                                          <a:latin typeface="Cambria Math" panose="02040503050406030204" pitchFamily="18" charset="0"/>
-                                          <a:ea typeface="Apple SD Gothic Neo" panose="02000300000000000000" pitchFamily="2" charset="-127"/>
-                                        </a:rPr>
-                                        <m:t>𝑛</m:t>
-                                      </m:r>
-                                    </m:e>
-                                    <m:sub>
-                                      <m:r>
-                                        <a:rPr lang="en-US" i="1">
-                                          <a:latin typeface="Cambria Math" panose="02040503050406030204" pitchFamily="18" charset="0"/>
-                                          <a:ea typeface="Apple SD Gothic Neo" panose="02000300000000000000" pitchFamily="2" charset="-127"/>
-                                        </a:rPr>
-                                        <m:t>2</m:t>
-                                      </m:r>
-                                    </m:sub>
-                                  </m:sSub>
-                                  <m:sSub>
-                                    <m:sSubPr>
-                                      <m:ctrlPr>
-                                        <a:rPr lang="en-US" i="1">
-                                          <a:latin typeface="Cambria Math" panose="02040503050406030204" pitchFamily="18" charset="0"/>
-                                          <a:ea typeface="Apple SD Gothic Neo" panose="02000300000000000000" pitchFamily="2" charset="-127"/>
-                                        </a:rPr>
-                                      </m:ctrlPr>
-                                    </m:sSubPr>
-                                    <m:e>
-                                      <m:r>
-                                        <a:rPr lang="en-US" i="1">
-                                          <a:latin typeface="Cambria Math" panose="02040503050406030204" pitchFamily="18" charset="0"/>
-                                          <a:ea typeface="Apple SD Gothic Neo" panose="02000300000000000000" pitchFamily="2" charset="-127"/>
-                                        </a:rPr>
-                                        <m:t>𝑛</m:t>
-                                      </m:r>
-                                    </m:e>
-                                    <m:sub>
-                                      <m:r>
-                                        <a:rPr lang="en-US" i="1">
-                                          <a:latin typeface="Cambria Math" panose="02040503050406030204" pitchFamily="18" charset="0"/>
-                                          <a:ea typeface="Apple SD Gothic Neo" panose="02000300000000000000" pitchFamily="2" charset="-127"/>
-                                        </a:rPr>
-                                        <m:t>3</m:t>
-                                      </m:r>
-                                    </m:sub>
-                                  </m:sSub>
-                                  <m:sSub>
-                                    <m:sSubPr>
-                                      <m:ctrlPr>
-                                        <a:rPr lang="en-US" i="1">
-                                          <a:latin typeface="Cambria Math" panose="02040503050406030204" pitchFamily="18" charset="0"/>
-                                          <a:ea typeface="Apple SD Gothic Neo" panose="02000300000000000000" pitchFamily="2" charset="-127"/>
-                                        </a:rPr>
-                                      </m:ctrlPr>
-                                    </m:sSubPr>
-                                    <m:e>
-                                      <m:r>
-                                        <a:rPr lang="en-US" i="1">
-                                          <a:latin typeface="Cambria Math" panose="02040503050406030204" pitchFamily="18" charset="0"/>
-                                          <a:ea typeface="Apple SD Gothic Neo" panose="02000300000000000000" pitchFamily="2" charset="-127"/>
-                                        </a:rPr>
-                                        <m:t>𝑛</m:t>
-                                      </m:r>
-                                    </m:e>
-                                    <m:sub>
-                                      <m:r>
-                                        <a:rPr lang="en-US" i="1">
-                                          <a:latin typeface="Cambria Math" panose="02040503050406030204" pitchFamily="18" charset="0"/>
-                                          <a:ea typeface="Apple SD Gothic Neo" panose="02000300000000000000" pitchFamily="2" charset="-127"/>
-                                        </a:rPr>
-                                        <m:t>4</m:t>
-                                      </m:r>
-                                    </m:sub>
-                                  </m:sSub>
-                                </m:e>
-                              </m:func>
-                            </m:e>
-                          </m:func>
-                        </m:num>
-                        <m:den>
-                          <m:func>
-                            <m:funcPr>
-                              <m:ctrlPr>
-                                <a:rPr lang="en-US" i="1">
-                                  <a:latin typeface="Cambria Math" panose="02040503050406030204" pitchFamily="18" charset="0"/>
-                                  <a:ea typeface="Apple SD Gothic Neo" panose="02000300000000000000" pitchFamily="2" charset="-127"/>
-                                </a:rPr>
-                              </m:ctrlPr>
-                            </m:funcPr>
-                            <m:fName>
-                              <m:r>
-                                <m:rPr>
-                                  <m:sty m:val="p"/>
-                                </m:rPr>
-                                <a:rPr lang="en-US">
-                                  <a:latin typeface="Cambria Math" panose="02040503050406030204" pitchFamily="18" charset="0"/>
-                                  <a:ea typeface="Apple SD Gothic Neo" panose="02000300000000000000" pitchFamily="2" charset="-127"/>
-                                </a:rPr>
-                                <m:t>fibsum</m:t>
-                              </m:r>
-                            </m:fName>
-                            <m:e>
-                              <m:sSub>
-                                <m:sSubPr>
-                                  <m:ctrlPr>
-                                    <a:rPr lang="en-US" i="1">
-                                      <a:latin typeface="Cambria Math" panose="02040503050406030204" pitchFamily="18" charset="0"/>
-                                      <a:ea typeface="Apple SD Gothic Neo" panose="02000300000000000000" pitchFamily="2" charset="-127"/>
-                                    </a:rPr>
-                                  </m:ctrlPr>
-                                </m:sSubPr>
-                                <m:e>
-                                  <m:r>
-                                    <a:rPr lang="en-US" i="1">
-                                      <a:latin typeface="Cambria Math" panose="02040503050406030204" pitchFamily="18" charset="0"/>
-                                      <a:ea typeface="Apple SD Gothic Neo" panose="02000300000000000000" pitchFamily="2" charset="-127"/>
-                                    </a:rPr>
-                                    <m:t>𝑆</m:t>
-                                  </m:r>
-                                  <m:r>
-                                    <a:rPr lang="en-US" i="1">
-                                      <a:latin typeface="Cambria Math" panose="02040503050406030204" pitchFamily="18" charset="0"/>
-                                      <a:ea typeface="Apple SD Gothic Neo" panose="02000300000000000000" pitchFamily="2" charset="-127"/>
-                                    </a:rPr>
-                                    <m:t>(</m:t>
-                                  </m:r>
-                                  <m:r>
-                                    <a:rPr lang="en-US" i="1">
-                                      <a:latin typeface="Cambria Math" panose="02040503050406030204" pitchFamily="18" charset="0"/>
-                                      <a:ea typeface="Apple SD Gothic Neo" panose="02000300000000000000" pitchFamily="2" charset="-127"/>
-                                    </a:rPr>
-                                    <m:t>𝑛</m:t>
-                                  </m:r>
-                                </m:e>
-                                <m:sub>
-                                  <m:r>
-                                    <a:rPr lang="en-US" i="1">
-                                      <a:latin typeface="Cambria Math" panose="02040503050406030204" pitchFamily="18" charset="0"/>
-                                      <a:ea typeface="Apple SD Gothic Neo" panose="02000300000000000000" pitchFamily="2" charset="-127"/>
-                                    </a:rPr>
-                                    <m:t>1</m:t>
-                                  </m:r>
-                                </m:sub>
-                              </m:sSub>
-                              <m:r>
-                                <a:rPr lang="en-US" i="1">
-                                  <a:latin typeface="Cambria Math" panose="02040503050406030204" pitchFamily="18" charset="0"/>
-                                  <a:ea typeface="Apple SD Gothic Neo" panose="02000300000000000000" pitchFamily="2" charset="-127"/>
-                                </a:rPr>
-                                <m:t>)</m:t>
-                              </m:r>
-                            </m:e>
-                          </m:func>
-                          <m:sSub>
-                            <m:sSubPr>
-                              <m:ctrlPr>
-                                <a:rPr lang="en-US" i="1">
-                                  <a:latin typeface="Cambria Math" panose="02040503050406030204" pitchFamily="18" charset="0"/>
-                                  <a:ea typeface="Apple SD Gothic Neo" panose="02000300000000000000" pitchFamily="2" charset="-127"/>
-                                </a:rPr>
-                              </m:ctrlPr>
-                            </m:sSubPr>
-                            <m:e>
-                              <m:r>
-                                <a:rPr lang="en-US" i="1">
-                                  <a:latin typeface="Cambria Math" panose="02040503050406030204" pitchFamily="18" charset="0"/>
-                                  <a:ea typeface="Apple SD Gothic Neo" panose="02000300000000000000" pitchFamily="2" charset="-127"/>
-                                </a:rPr>
-                                <m:t>𝑛</m:t>
-                              </m:r>
-                            </m:e>
-                            <m:sub>
-                              <m:r>
-                                <a:rPr lang="en-US" i="1">
-                                  <a:latin typeface="Cambria Math" panose="02040503050406030204" pitchFamily="18" charset="0"/>
-                                  <a:ea typeface="Apple SD Gothic Neo" panose="02000300000000000000" pitchFamily="2" charset="-127"/>
-                                </a:rPr>
-                                <m:t>4</m:t>
-                              </m:r>
-                            </m:sub>
-                          </m:sSub>
-                        </m:den>
-                      </m:f>
-                      <m:func>
-                        <m:funcPr>
-                          <m:ctrlPr>
-                            <a:rPr lang="en-US" i="1">
-                              <a:latin typeface="Cambria Math" panose="02040503050406030204" pitchFamily="18" charset="0"/>
-                              <a:ea typeface="Apple SD Gothic Neo" panose="02000300000000000000" pitchFamily="2" charset="-127"/>
-                            </a:rPr>
-                          </m:ctrlPr>
-                        </m:funcPr>
-                        <m:fName>
-                          <m:r>
-                            <m:rPr>
-                              <m:sty m:val="p"/>
-                            </m:rPr>
-                            <a:rPr lang="en-US">
-                              <a:latin typeface="Cambria Math" panose="02040503050406030204" pitchFamily="18" charset="0"/>
-                              <a:ea typeface="Apple SD Gothic Neo" panose="02000300000000000000" pitchFamily="2" charset="-127"/>
-                            </a:rPr>
-                            <m:t>fibsum</m:t>
-                          </m:r>
-                        </m:fName>
-                        <m:e>
-                          <m:r>
-                            <a:rPr lang="en-US" i="1">
-                              <a:latin typeface="Cambria Math" panose="02040503050406030204" pitchFamily="18" charset="0"/>
-                              <a:ea typeface="Apple SD Gothic Neo" panose="02000300000000000000" pitchFamily="2" charset="-127"/>
-                            </a:rPr>
-                            <m:t>𝑆</m:t>
-                          </m:r>
-                        </m:e>
-                      </m:func>
-                    </m:oMath>
-                  </m:oMathPara>
-                </a14:m>
-                <a:endParaRPr lang="en-KR">
-                  <a:latin typeface="Apple SD Gothic Neo" panose="02000300000000000000" pitchFamily="2" charset="-127"/>
-                  <a:ea typeface="Apple SD Gothic Neo" panose="02000300000000000000" pitchFamily="2" charset="-127"/>
-                </a:endParaRPr>
-              </a:p>
-              <a:p>
-                <a:pPr marL="0" indent="0" algn="ctr">
-                  <a:buNone/>
-                </a:pPr>
-                <a:r>
-                  <a:rPr lang="en-US">
-                    <a:latin typeface="Apple SD Gothic Neo" panose="02000300000000000000" pitchFamily="2" charset="-127"/>
-                    <a:ea typeface="Apple SD Gothic Neo" panose="02000300000000000000" pitchFamily="2" charset="-127"/>
-                  </a:rPr>
-                  <a:t>I</a:t>
-                </a:r>
-                <a:r>
-                  <a:rPr lang="en-KR">
-                    <a:latin typeface="Apple SD Gothic Neo" panose="02000300000000000000" pitchFamily="2" charset="-127"/>
-                    <a:ea typeface="Apple SD Gothic Neo" panose="02000300000000000000" pitchFamily="2" charset="-127"/>
-                  </a:rPr>
-                  <a:t>f fibsum S(n1) n4, then fib S(S(n1) S(n4)?</a:t>
-                </a:r>
-              </a:p>
-              <a:p>
-                <a:pPr marL="0" indent="0" algn="just">
-                  <a:buNone/>
-                </a:pPr>
-                <a:r>
-                  <a:rPr lang="en-KR">
-                    <a:latin typeface="Apple SD Gothic Neo" panose="02000300000000000000" pitchFamily="2" charset="-127"/>
-                    <a:ea typeface="Apple SD Gothic Neo" panose="02000300000000000000" pitchFamily="2" charset="-127"/>
-                  </a:rPr>
-                  <a:t>Proof)</a:t>
-                </a:r>
-              </a:p>
-              <a:p>
-                <a:pPr marL="514350" indent="-514350" algn="ctr">
-                  <a:buAutoNum type="arabicParenR"/>
-                </a:pPr>
-                <a14:m>
-                  <m:oMath xmlns:m="http://schemas.openxmlformats.org/officeDocument/2006/math">
-                    <m:func>
-                      <m:funcPr>
-                        <m:ctrlPr>
-                          <a:rPr lang="en-US" b="0" i="1" smtClean="0">
-                            <a:latin typeface="Cambria Math" panose="02040503050406030204" pitchFamily="18" charset="0"/>
-                            <a:ea typeface="Apple SD Gothic Neo" panose="02000300000000000000" pitchFamily="2" charset="-127"/>
-                          </a:rPr>
-                        </m:ctrlPr>
-                      </m:funcPr>
-                      <m:fName>
-                        <m:r>
-                          <m:rPr>
-                            <m:sty m:val="p"/>
-                          </m:rPr>
-                          <a:rPr lang="en-US" b="0" i="0" smtClean="0">
-                            <a:latin typeface="Cambria Math" panose="02040503050406030204" pitchFamily="18" charset="0"/>
-                            <a:ea typeface="Apple SD Gothic Neo" panose="02000300000000000000" pitchFamily="2" charset="-127"/>
-                          </a:rPr>
-                          <m:t>fibsum</m:t>
-                        </m:r>
-                      </m:fName>
-                      <m:e>
-                        <m:sSub>
-                          <m:sSubPr>
-                            <m:ctrlPr>
-                              <a:rPr lang="en-US" i="1">
-                                <a:latin typeface="Cambria Math" panose="02040503050406030204" pitchFamily="18" charset="0"/>
-                                <a:ea typeface="Apple SD Gothic Neo" panose="02000300000000000000" pitchFamily="2" charset="-127"/>
-                              </a:rPr>
-                            </m:ctrlPr>
-                          </m:sSubPr>
-                          <m:e>
-                            <m:r>
-                              <a:rPr lang="en-US" i="1">
-                                <a:latin typeface="Cambria Math" panose="02040503050406030204" pitchFamily="18" charset="0"/>
-                                <a:ea typeface="Apple SD Gothic Neo" panose="02000300000000000000" pitchFamily="2" charset="-127"/>
-                              </a:rPr>
-                              <m:t>𝑛</m:t>
-                            </m:r>
-                          </m:e>
-                          <m:sub>
-                            <m:r>
-                              <a:rPr lang="en-US" i="1">
-                                <a:latin typeface="Cambria Math" panose="02040503050406030204" pitchFamily="18" charset="0"/>
-                                <a:ea typeface="Apple SD Gothic Neo" panose="02000300000000000000" pitchFamily="2" charset="-127"/>
-                              </a:rPr>
-                              <m:t>1</m:t>
-                            </m:r>
-                          </m:sub>
-                        </m:sSub>
-                        <m:sSub>
-                          <m:sSubPr>
-                            <m:ctrlPr>
-                              <a:rPr lang="en-US" i="1">
-                                <a:latin typeface="Cambria Math" panose="02040503050406030204" pitchFamily="18" charset="0"/>
-                                <a:ea typeface="Apple SD Gothic Neo" panose="02000300000000000000" pitchFamily="2" charset="-127"/>
-                              </a:rPr>
-                            </m:ctrlPr>
-                          </m:sSubPr>
-                          <m:e>
-                            <m:r>
-                              <a:rPr lang="en-US" i="1">
-                                <a:latin typeface="Cambria Math" panose="02040503050406030204" pitchFamily="18" charset="0"/>
-                                <a:ea typeface="Apple SD Gothic Neo" panose="02000300000000000000" pitchFamily="2" charset="-127"/>
-                              </a:rPr>
-                              <m:t>𝑛</m:t>
-                            </m:r>
-                          </m:e>
-                          <m:sub>
-                            <m:r>
-                              <a:rPr lang="en-US" b="0" i="1" smtClean="0">
-                                <a:latin typeface="Cambria Math" panose="02040503050406030204" pitchFamily="18" charset="0"/>
-                                <a:ea typeface="Apple SD Gothic Neo" panose="02000300000000000000" pitchFamily="2" charset="-127"/>
-                              </a:rPr>
-                              <m:t>2</m:t>
-                            </m:r>
-                          </m:sub>
-                        </m:sSub>
-                        <m:r>
-                          <a:rPr lang="en-US" b="0" i="1" smtClean="0">
-                            <a:latin typeface="Cambria Math" panose="02040503050406030204" pitchFamily="18" charset="0"/>
-                            <a:ea typeface="Apple SD Gothic Neo" panose="02000300000000000000" pitchFamily="2" charset="-127"/>
-                          </a:rPr>
-                          <m:t> (</m:t>
-                        </m:r>
-                        <m:r>
-                          <a:rPr lang="en-US" b="0" i="1" smtClean="0">
-                            <a:latin typeface="Cambria Math" panose="02040503050406030204" pitchFamily="18" charset="0"/>
-                            <a:ea typeface="Apple SD Gothic Neo" panose="02000300000000000000" pitchFamily="2" charset="-127"/>
-                          </a:rPr>
-                          <m:t>𝐵𝑦</m:t>
-                        </m:r>
-                        <m:r>
-                          <a:rPr lang="en-US" b="0" i="1" smtClean="0">
-                            <a:latin typeface="Cambria Math" panose="02040503050406030204" pitchFamily="18" charset="0"/>
-                            <a:ea typeface="Apple SD Gothic Neo" panose="02000300000000000000" pitchFamily="2" charset="-127"/>
-                          </a:rPr>
-                          <m:t> </m:t>
-                        </m:r>
-                        <m:r>
-                          <a:rPr lang="en-US" b="0" i="1" smtClean="0">
-                            <a:latin typeface="Cambria Math" panose="02040503050406030204" pitchFamily="18" charset="0"/>
-                            <a:ea typeface="Apple SD Gothic Neo" panose="02000300000000000000" pitchFamily="2" charset="-127"/>
-                          </a:rPr>
-                          <m:t>𝐴𝑠𝑠𝑢𝑚𝑝𝑡𝑖𝑜𝑛</m:t>
-                        </m:r>
-                        <m:r>
-                          <a:rPr lang="en-US" b="0" i="1" smtClean="0">
-                            <a:latin typeface="Cambria Math" panose="02040503050406030204" pitchFamily="18" charset="0"/>
-                            <a:ea typeface="Apple SD Gothic Neo" panose="02000300000000000000" pitchFamily="2" charset="-127"/>
-                          </a:rPr>
-                          <m:t>)</m:t>
-                        </m:r>
-                      </m:e>
-                    </m:func>
-                  </m:oMath>
-                </a14:m>
-                <a:endParaRPr lang="en-KR">
-                  <a:latin typeface="Apple SD Gothic Neo" panose="02000300000000000000" pitchFamily="2" charset="-127"/>
-                  <a:ea typeface="Apple SD Gothic Neo" panose="02000300000000000000" pitchFamily="2" charset="-127"/>
-                </a:endParaRPr>
-              </a:p>
-              <a:p>
-                <a:pPr marL="514350" indent="-514350" algn="ctr">
-                  <a:buFont typeface="Arial" panose="020B0604020202020204" pitchFamily="34" charset="0"/>
-                  <a:buAutoNum type="arabicParenR"/>
-                </a:pPr>
-                <a14:m>
-                  <m:oMath xmlns:m="http://schemas.openxmlformats.org/officeDocument/2006/math">
-                    <m:func>
-                      <m:funcPr>
-                        <m:ctrlPr>
-                          <a:rPr lang="en-US" i="1">
-                            <a:latin typeface="Cambria Math" panose="02040503050406030204" pitchFamily="18" charset="0"/>
-                            <a:ea typeface="Apple SD Gothic Neo" panose="02000300000000000000" pitchFamily="2" charset="-127"/>
-                          </a:rPr>
-                        </m:ctrlPr>
-                      </m:funcPr>
-                      <m:fName>
-                        <m:r>
-                          <m:rPr>
-                            <m:sty m:val="p"/>
-                          </m:rPr>
-                          <a:rPr lang="en-US">
-                            <a:latin typeface="Cambria Math" panose="02040503050406030204" pitchFamily="18" charset="0"/>
-                            <a:ea typeface="Apple SD Gothic Neo" panose="02000300000000000000" pitchFamily="2" charset="-127"/>
-                          </a:rPr>
-                          <m:t>fib</m:t>
-                        </m:r>
-                      </m:fName>
-                      <m:e>
-                        <m:r>
-                          <a:rPr lang="en-US" b="0" i="1" smtClean="0">
-                            <a:latin typeface="Cambria Math" panose="02040503050406030204" pitchFamily="18" charset="0"/>
-                            <a:ea typeface="Apple SD Gothic Neo" panose="02000300000000000000" pitchFamily="2" charset="-127"/>
-                          </a:rPr>
-                          <m:t>𝑆</m:t>
-                        </m:r>
-                        <m:r>
-                          <a:rPr lang="en-US" b="0" i="1" smtClean="0">
-                            <a:latin typeface="Cambria Math" panose="02040503050406030204" pitchFamily="18" charset="0"/>
-                            <a:ea typeface="Apple SD Gothic Neo" panose="02000300000000000000" pitchFamily="2" charset="-127"/>
-                          </a:rPr>
-                          <m:t>(</m:t>
-                        </m:r>
-                        <m:r>
-                          <a:rPr lang="en-US" b="0" i="1" smtClean="0">
-                            <a:latin typeface="Cambria Math" panose="02040503050406030204" pitchFamily="18" charset="0"/>
-                            <a:ea typeface="Apple SD Gothic Neo" panose="02000300000000000000" pitchFamily="2" charset="-127"/>
-                          </a:rPr>
-                          <m:t>𝑆</m:t>
-                        </m:r>
-                        <m:r>
-                          <a:rPr lang="en-US" b="0" i="1" smtClean="0">
-                            <a:latin typeface="Cambria Math" panose="02040503050406030204" pitchFamily="18" charset="0"/>
-                            <a:ea typeface="Apple SD Gothic Neo" panose="02000300000000000000" pitchFamily="2" charset="-127"/>
-                          </a:rPr>
-                          <m:t>(</m:t>
-                        </m:r>
-                        <m:sSub>
-                          <m:sSubPr>
-                            <m:ctrlPr>
-                              <a:rPr lang="en-US" i="1">
-                                <a:latin typeface="Cambria Math" panose="02040503050406030204" pitchFamily="18" charset="0"/>
-                                <a:ea typeface="Apple SD Gothic Neo" panose="02000300000000000000" pitchFamily="2" charset="-127"/>
-                              </a:rPr>
-                            </m:ctrlPr>
-                          </m:sSubPr>
-                          <m:e>
-                            <m:r>
-                              <a:rPr lang="en-US" i="1">
-                                <a:latin typeface="Cambria Math" panose="02040503050406030204" pitchFamily="18" charset="0"/>
-                                <a:ea typeface="Apple SD Gothic Neo" panose="02000300000000000000" pitchFamily="2" charset="-127"/>
-                              </a:rPr>
-                              <m:t>𝑛</m:t>
-                            </m:r>
-                          </m:e>
-                          <m:sub>
-                            <m:r>
-                              <a:rPr lang="en-US" i="1">
-                                <a:latin typeface="Cambria Math" panose="02040503050406030204" pitchFamily="18" charset="0"/>
-                                <a:ea typeface="Apple SD Gothic Neo" panose="02000300000000000000" pitchFamily="2" charset="-127"/>
-                              </a:rPr>
-                              <m:t>1</m:t>
-                            </m:r>
-                          </m:sub>
-                        </m:sSub>
-                        <m:r>
-                          <a:rPr lang="en-US" b="0" i="1" smtClean="0">
-                            <a:latin typeface="Cambria Math" panose="02040503050406030204" pitchFamily="18" charset="0"/>
-                            <a:ea typeface="Apple SD Gothic Neo" panose="02000300000000000000" pitchFamily="2" charset="-127"/>
-                          </a:rPr>
-                          <m:t>))</m:t>
-                        </m:r>
-                        <m:r>
-                          <a:rPr lang="en-US" i="1">
-                            <a:latin typeface="Cambria Math" panose="02040503050406030204" pitchFamily="18" charset="0"/>
-                            <a:ea typeface="Apple SD Gothic Neo" panose="02000300000000000000" pitchFamily="2" charset="-127"/>
-                          </a:rPr>
-                          <m:t> </m:t>
-                        </m:r>
-                        <m:r>
-                          <a:rPr lang="en-US" b="0" i="1" smtClean="0">
-                            <a:latin typeface="Cambria Math" panose="02040503050406030204" pitchFamily="18" charset="0"/>
-                            <a:ea typeface="Apple SD Gothic Neo" panose="02000300000000000000" pitchFamily="2" charset="-127"/>
-                          </a:rPr>
-                          <m:t>𝑆</m:t>
-                        </m:r>
-                        <m:r>
-                          <a:rPr lang="en-US" b="0" i="1" smtClean="0">
-                            <a:latin typeface="Cambria Math" panose="02040503050406030204" pitchFamily="18" charset="0"/>
-                            <a:ea typeface="Apple SD Gothic Neo" panose="02000300000000000000" pitchFamily="2" charset="-127"/>
-                          </a:rPr>
-                          <m:t>(</m:t>
-                        </m:r>
-                        <m:sSub>
-                          <m:sSubPr>
-                            <m:ctrlPr>
-                              <a:rPr lang="en-US" i="1">
-                                <a:latin typeface="Cambria Math" panose="02040503050406030204" pitchFamily="18" charset="0"/>
-                                <a:ea typeface="Apple SD Gothic Neo" panose="02000300000000000000" pitchFamily="2" charset="-127"/>
-                              </a:rPr>
-                            </m:ctrlPr>
-                          </m:sSubPr>
-                          <m:e>
-                            <m:r>
-                              <a:rPr lang="en-US" i="1">
-                                <a:latin typeface="Cambria Math" panose="02040503050406030204" pitchFamily="18" charset="0"/>
-                                <a:ea typeface="Apple SD Gothic Neo" panose="02000300000000000000" pitchFamily="2" charset="-127"/>
-                              </a:rPr>
-                              <m:t>𝑛</m:t>
-                            </m:r>
-                          </m:e>
-                          <m:sub>
-                            <m:r>
-                              <a:rPr lang="en-US" b="0" i="1" smtClean="0">
-                                <a:latin typeface="Cambria Math" panose="02040503050406030204" pitchFamily="18" charset="0"/>
-                                <a:ea typeface="Apple SD Gothic Neo" panose="02000300000000000000" pitchFamily="2" charset="-127"/>
-                              </a:rPr>
-                              <m:t>2</m:t>
-                            </m:r>
-                          </m:sub>
-                        </m:sSub>
-                        <m:r>
-                          <a:rPr lang="en-US" b="0" i="1" smtClean="0">
-                            <a:latin typeface="Cambria Math" panose="02040503050406030204" pitchFamily="18" charset="0"/>
-                            <a:ea typeface="Apple SD Gothic Neo" panose="02000300000000000000" pitchFamily="2" charset="-127"/>
-                          </a:rPr>
-                          <m:t>)</m:t>
-                        </m:r>
-                        <m:r>
-                          <a:rPr lang="en-US" i="1">
-                            <a:latin typeface="Cambria Math" panose="02040503050406030204" pitchFamily="18" charset="0"/>
-                            <a:ea typeface="Apple SD Gothic Neo" panose="02000300000000000000" pitchFamily="2" charset="-127"/>
-                          </a:rPr>
-                          <m:t> (</m:t>
-                        </m:r>
-                        <m:r>
-                          <a:rPr lang="en-US" i="1">
-                            <a:latin typeface="Cambria Math" panose="02040503050406030204" pitchFamily="18" charset="0"/>
-                            <a:ea typeface="Apple SD Gothic Neo" panose="02000300000000000000" pitchFamily="2" charset="-127"/>
-                          </a:rPr>
-                          <m:t>𝐵𝑦</m:t>
-                        </m:r>
-                        <m:r>
-                          <a:rPr lang="en-US" b="0" i="1" smtClean="0">
-                            <a:latin typeface="Cambria Math" panose="02040503050406030204" pitchFamily="18" charset="0"/>
-                            <a:ea typeface="Apple SD Gothic Neo" panose="02000300000000000000" pitchFamily="2" charset="-127"/>
-                          </a:rPr>
-                          <m:t> 1 </m:t>
-                        </m:r>
-                        <m:r>
-                          <a:rPr lang="en-US" b="0" i="1" smtClean="0">
-                            <a:latin typeface="Cambria Math" panose="02040503050406030204" pitchFamily="18" charset="0"/>
-                            <a:ea typeface="Apple SD Gothic Neo" panose="02000300000000000000" pitchFamily="2" charset="-127"/>
-                          </a:rPr>
-                          <m:t>𝑎𝑛𝑑</m:t>
-                        </m:r>
-                        <m:r>
-                          <a:rPr lang="en-US" b="0" i="1" smtClean="0">
-                            <a:latin typeface="Cambria Math" panose="02040503050406030204" pitchFamily="18" charset="0"/>
-                            <a:ea typeface="Apple SD Gothic Neo" panose="02000300000000000000" pitchFamily="2" charset="-127"/>
-                          </a:rPr>
-                          <m:t> </m:t>
-                        </m:r>
-                        <m:r>
-                          <a:rPr lang="en-US" b="0" i="1" smtClean="0">
-                            <a:latin typeface="Cambria Math" panose="02040503050406030204" pitchFamily="18" charset="0"/>
-                            <a:ea typeface="Apple SD Gothic Neo" panose="02000300000000000000" pitchFamily="2" charset="-127"/>
-                          </a:rPr>
-                          <m:t>𝐼</m:t>
-                        </m:r>
-                        <m:r>
-                          <a:rPr lang="en-US" b="0" i="1" smtClean="0">
-                            <a:latin typeface="Cambria Math" panose="02040503050406030204" pitchFamily="18" charset="0"/>
-                            <a:ea typeface="Apple SD Gothic Neo" panose="02000300000000000000" pitchFamily="2" charset="-127"/>
-                          </a:rPr>
-                          <m:t>.</m:t>
-                        </m:r>
-                        <m:r>
-                          <a:rPr lang="en-US" b="0" i="1" smtClean="0">
-                            <a:latin typeface="Cambria Math" panose="02040503050406030204" pitchFamily="18" charset="0"/>
-                            <a:ea typeface="Apple SD Gothic Neo" panose="02000300000000000000" pitchFamily="2" charset="-127"/>
-                          </a:rPr>
-                          <m:t>𝐻</m:t>
-                        </m:r>
-                        <m:r>
-                          <a:rPr lang="en-US" b="0" i="1" smtClean="0">
-                            <a:latin typeface="Cambria Math" panose="02040503050406030204" pitchFamily="18" charset="0"/>
-                            <a:ea typeface="Apple SD Gothic Neo" panose="02000300000000000000" pitchFamily="2" charset="-127"/>
-                          </a:rPr>
-                          <m:t>.)</m:t>
-                        </m:r>
-                      </m:e>
-                    </m:func>
-                  </m:oMath>
-                </a14:m>
-                <a:endParaRPr lang="en-KR">
-                  <a:latin typeface="Apple SD Gothic Neo" panose="02000300000000000000" pitchFamily="2" charset="-127"/>
-                  <a:ea typeface="Apple SD Gothic Neo" panose="02000300000000000000" pitchFamily="2" charset="-127"/>
-                </a:endParaRPr>
-              </a:p>
-              <a:p>
-                <a:pPr marL="514350" indent="-514350" algn="ctr">
-                  <a:buFont typeface="Arial" panose="020B0604020202020204" pitchFamily="34" charset="0"/>
-                  <a:buAutoNum type="arabicParenR"/>
-                </a:pPr>
-                <a14:m>
-                  <m:oMath xmlns:m="http://schemas.openxmlformats.org/officeDocument/2006/math">
-                    <m:func>
-                      <m:funcPr>
-                        <m:ctrlPr>
-                          <a:rPr lang="en-US" i="1">
-                            <a:latin typeface="Cambria Math" panose="02040503050406030204" pitchFamily="18" charset="0"/>
-                            <a:ea typeface="Apple SD Gothic Neo" panose="02000300000000000000" pitchFamily="2" charset="-127"/>
-                          </a:rPr>
-                        </m:ctrlPr>
-                      </m:funcPr>
-                      <m:fName>
-                        <m:r>
-                          <m:rPr>
-                            <m:sty m:val="p"/>
-                          </m:rPr>
-                          <a:rPr lang="en-US" b="0" i="0" smtClean="0">
-                            <a:latin typeface="Cambria Math" panose="02040503050406030204" pitchFamily="18" charset="0"/>
-                            <a:ea typeface="Apple SD Gothic Neo" panose="02000300000000000000" pitchFamily="2" charset="-127"/>
-                          </a:rPr>
-                          <m:t>fib</m:t>
-                        </m:r>
-                      </m:fName>
-                      <m:e>
-                        <m:r>
-                          <a:rPr lang="en-US" i="1">
-                            <a:latin typeface="Cambria Math" panose="02040503050406030204" pitchFamily="18" charset="0"/>
-                            <a:ea typeface="Apple SD Gothic Neo" panose="02000300000000000000" pitchFamily="2" charset="-127"/>
-                          </a:rPr>
-                          <m:t>𝑆</m:t>
-                        </m:r>
-                        <m:d>
-                          <m:dPr>
-                            <m:ctrlPr>
-                              <a:rPr lang="en-US" i="1">
-                                <a:latin typeface="Cambria Math" panose="02040503050406030204" pitchFamily="18" charset="0"/>
-                                <a:ea typeface="Apple SD Gothic Neo" panose="02000300000000000000" pitchFamily="2" charset="-127"/>
-                              </a:rPr>
-                            </m:ctrlPr>
-                          </m:dPr>
-                          <m:e>
-                            <m:sSub>
-                              <m:sSubPr>
-                                <m:ctrlPr>
-                                  <a:rPr lang="en-US" i="1">
-                                    <a:latin typeface="Cambria Math" panose="02040503050406030204" pitchFamily="18" charset="0"/>
-                                    <a:ea typeface="Apple SD Gothic Neo" panose="02000300000000000000" pitchFamily="2" charset="-127"/>
-                                  </a:rPr>
-                                </m:ctrlPr>
-                              </m:sSubPr>
-                              <m:e>
-                                <m:r>
-                                  <a:rPr lang="en-US" i="1">
-                                    <a:latin typeface="Cambria Math" panose="02040503050406030204" pitchFamily="18" charset="0"/>
-                                    <a:ea typeface="Apple SD Gothic Neo" panose="02000300000000000000" pitchFamily="2" charset="-127"/>
-                                  </a:rPr>
-                                  <m:t>𝑛</m:t>
-                                </m:r>
-                              </m:e>
-                              <m:sub>
-                                <m:r>
-                                  <a:rPr lang="en-US" i="1">
-                                    <a:latin typeface="Cambria Math" panose="02040503050406030204" pitchFamily="18" charset="0"/>
-                                    <a:ea typeface="Apple SD Gothic Neo" panose="02000300000000000000" pitchFamily="2" charset="-127"/>
-                                  </a:rPr>
-                                  <m:t>1</m:t>
-                                </m:r>
-                              </m:sub>
-                            </m:sSub>
-                          </m:e>
-                        </m:d>
-                        <m:sSub>
-                          <m:sSubPr>
-                            <m:ctrlPr>
-                              <a:rPr lang="en-US" i="1">
-                                <a:latin typeface="Cambria Math" panose="02040503050406030204" pitchFamily="18" charset="0"/>
-                                <a:ea typeface="Apple SD Gothic Neo" panose="02000300000000000000" pitchFamily="2" charset="-127"/>
-                              </a:rPr>
-                            </m:ctrlPr>
-                          </m:sSubPr>
-                          <m:e>
-                            <m:r>
-                              <a:rPr lang="en-US" i="1">
-                                <a:latin typeface="Cambria Math" panose="02040503050406030204" pitchFamily="18" charset="0"/>
-                                <a:ea typeface="Apple SD Gothic Neo" panose="02000300000000000000" pitchFamily="2" charset="-127"/>
-                              </a:rPr>
-                              <m:t>𝑛</m:t>
-                            </m:r>
-                          </m:e>
-                          <m:sub>
-                            <m:r>
-                              <a:rPr lang="en-US" b="0" i="1" smtClean="0">
-                                <a:latin typeface="Cambria Math" panose="02040503050406030204" pitchFamily="18" charset="0"/>
-                                <a:ea typeface="Apple SD Gothic Neo" panose="02000300000000000000" pitchFamily="2" charset="-127"/>
-                              </a:rPr>
-                              <m:t>3</m:t>
-                            </m:r>
-                          </m:sub>
-                        </m:sSub>
-                        <m:r>
-                          <a:rPr lang="en-US" i="1">
-                            <a:latin typeface="Cambria Math" panose="02040503050406030204" pitchFamily="18" charset="0"/>
-                            <a:ea typeface="Apple SD Gothic Neo" panose="02000300000000000000" pitchFamily="2" charset="-127"/>
-                          </a:rPr>
-                          <m:t>(</m:t>
-                        </m:r>
-                        <m:r>
-                          <a:rPr lang="en-US" i="1">
-                            <a:latin typeface="Cambria Math" panose="02040503050406030204" pitchFamily="18" charset="0"/>
-                            <a:ea typeface="Apple SD Gothic Neo" panose="02000300000000000000" pitchFamily="2" charset="-127"/>
-                          </a:rPr>
-                          <m:t>𝐵𝑦</m:t>
-                        </m:r>
-                        <m:r>
-                          <a:rPr lang="en-US" b="0" i="1" smtClean="0">
-                            <a:latin typeface="Cambria Math" panose="02040503050406030204" pitchFamily="18" charset="0"/>
-                            <a:ea typeface="Apple SD Gothic Neo" panose="02000300000000000000" pitchFamily="2" charset="-127"/>
-                          </a:rPr>
-                          <m:t> </m:t>
-                        </m:r>
-                        <m:r>
-                          <a:rPr lang="en-US" b="0" i="1" smtClean="0">
-                            <a:latin typeface="Cambria Math" panose="02040503050406030204" pitchFamily="18" charset="0"/>
-                            <a:ea typeface="Apple SD Gothic Neo" panose="02000300000000000000" pitchFamily="2" charset="-127"/>
-                          </a:rPr>
-                          <m:t>𝐴𝑠𝑠𝑢𝑚𝑝𝑡𝑖𝑜𝑛</m:t>
-                        </m:r>
-                        <m:r>
-                          <a:rPr lang="en-US" b="0" i="1" smtClean="0">
-                            <a:latin typeface="Cambria Math" panose="02040503050406030204" pitchFamily="18" charset="0"/>
-                            <a:ea typeface="Apple SD Gothic Neo" panose="02000300000000000000" pitchFamily="2" charset="-127"/>
-                          </a:rPr>
-                          <m:t>)</m:t>
-                        </m:r>
-                      </m:e>
-                    </m:func>
-                  </m:oMath>
-                </a14:m>
-                <a:endParaRPr lang="en-KR">
-                  <a:latin typeface="Apple SD Gothic Neo" panose="02000300000000000000" pitchFamily="2" charset="-127"/>
-                  <a:ea typeface="Apple SD Gothic Neo" panose="02000300000000000000" pitchFamily="2" charset="-127"/>
-                </a:endParaRPr>
-              </a:p>
-              <a:p>
-                <a:pPr marL="514350" indent="-514350" algn="ctr">
-                  <a:buFont typeface="Arial" panose="020B0604020202020204" pitchFamily="34" charset="0"/>
-                  <a:buAutoNum type="arabicParenR"/>
-                </a:pPr>
-                <a14:m>
-                  <m:oMath xmlns:m="http://schemas.openxmlformats.org/officeDocument/2006/math">
-                    <m:func>
-                      <m:funcPr>
-                        <m:ctrlPr>
-                          <a:rPr lang="en-US" i="1">
-                            <a:latin typeface="Cambria Math" panose="02040503050406030204" pitchFamily="18" charset="0"/>
-                            <a:ea typeface="Apple SD Gothic Neo" panose="02000300000000000000" pitchFamily="2" charset="-127"/>
-                          </a:rPr>
-                        </m:ctrlPr>
-                      </m:funcPr>
-                      <m:fName>
-                        <m:r>
-                          <m:rPr>
-                            <m:sty m:val="p"/>
-                          </m:rPr>
-                          <a:rPr lang="en-US" b="0" i="0" smtClean="0">
-                            <a:latin typeface="Cambria Math" panose="02040503050406030204" pitchFamily="18" charset="0"/>
-                            <a:ea typeface="Apple SD Gothic Neo" panose="02000300000000000000" pitchFamily="2" charset="-127"/>
-                          </a:rPr>
-                          <m:t>add</m:t>
-                        </m:r>
-                      </m:fName>
-                      <m:e>
-                        <m:sSub>
-                          <m:sSubPr>
-                            <m:ctrlPr>
-                              <a:rPr lang="en-US" i="1">
-                                <a:latin typeface="Cambria Math" panose="02040503050406030204" pitchFamily="18" charset="0"/>
-                                <a:ea typeface="Apple SD Gothic Neo" panose="02000300000000000000" pitchFamily="2" charset="-127"/>
-                              </a:rPr>
-                            </m:ctrlPr>
-                          </m:sSubPr>
-                          <m:e>
-                            <m:r>
-                              <a:rPr lang="en-US" i="1">
-                                <a:latin typeface="Cambria Math" panose="02040503050406030204" pitchFamily="18" charset="0"/>
-                                <a:ea typeface="Apple SD Gothic Neo" panose="02000300000000000000" pitchFamily="2" charset="-127"/>
-                              </a:rPr>
-                              <m:t>𝑛</m:t>
-                            </m:r>
-                          </m:e>
-                          <m:sub>
-                            <m:r>
-                              <a:rPr lang="en-US" b="0" i="1" smtClean="0">
-                                <a:latin typeface="Cambria Math" panose="02040503050406030204" pitchFamily="18" charset="0"/>
-                                <a:ea typeface="Apple SD Gothic Neo" panose="02000300000000000000" pitchFamily="2" charset="-127"/>
-                              </a:rPr>
-                              <m:t>2</m:t>
-                            </m:r>
-                          </m:sub>
-                        </m:sSub>
-                        <m:sSub>
-                          <m:sSubPr>
-                            <m:ctrlPr>
-                              <a:rPr lang="en-US" i="1">
-                                <a:latin typeface="Cambria Math" panose="02040503050406030204" pitchFamily="18" charset="0"/>
-                                <a:ea typeface="Apple SD Gothic Neo" panose="02000300000000000000" pitchFamily="2" charset="-127"/>
-                              </a:rPr>
-                            </m:ctrlPr>
-                          </m:sSubPr>
-                          <m:e>
-                            <m:r>
-                              <a:rPr lang="en-US" i="1">
-                                <a:latin typeface="Cambria Math" panose="02040503050406030204" pitchFamily="18" charset="0"/>
-                                <a:ea typeface="Apple SD Gothic Neo" panose="02000300000000000000" pitchFamily="2" charset="-127"/>
-                              </a:rPr>
-                              <m:t>𝑛</m:t>
-                            </m:r>
-                          </m:e>
-                          <m:sub>
-                            <m:r>
-                              <a:rPr lang="en-US" b="0" i="1" smtClean="0">
-                                <a:latin typeface="Cambria Math" panose="02040503050406030204" pitchFamily="18" charset="0"/>
-                                <a:ea typeface="Apple SD Gothic Neo" panose="02000300000000000000" pitchFamily="2" charset="-127"/>
-                              </a:rPr>
-                              <m:t>3</m:t>
-                            </m:r>
-                          </m:sub>
-                        </m:sSub>
-                        <m:sSub>
-                          <m:sSubPr>
-                            <m:ctrlPr>
-                              <a:rPr lang="en-US" i="1">
-                                <a:latin typeface="Cambria Math" panose="02040503050406030204" pitchFamily="18" charset="0"/>
-                                <a:ea typeface="Apple SD Gothic Neo" panose="02000300000000000000" pitchFamily="2" charset="-127"/>
-                              </a:rPr>
-                            </m:ctrlPr>
-                          </m:sSubPr>
-                          <m:e>
-                            <m:r>
-                              <a:rPr lang="en-US" i="1">
-                                <a:latin typeface="Cambria Math" panose="02040503050406030204" pitchFamily="18" charset="0"/>
-                                <a:ea typeface="Apple SD Gothic Neo" panose="02000300000000000000" pitchFamily="2" charset="-127"/>
-                              </a:rPr>
-                              <m:t>𝑛</m:t>
-                            </m:r>
-                          </m:e>
-                          <m:sub>
-                            <m:r>
-                              <a:rPr lang="en-US" b="0" i="1" smtClean="0">
-                                <a:latin typeface="Cambria Math" panose="02040503050406030204" pitchFamily="18" charset="0"/>
-                                <a:ea typeface="Apple SD Gothic Neo" panose="02000300000000000000" pitchFamily="2" charset="-127"/>
-                              </a:rPr>
-                              <m:t>4</m:t>
-                            </m:r>
-                          </m:sub>
-                        </m:sSub>
-                        <m:r>
-                          <a:rPr lang="en-US" i="1">
-                            <a:latin typeface="Cambria Math" panose="02040503050406030204" pitchFamily="18" charset="0"/>
-                            <a:ea typeface="Apple SD Gothic Neo" panose="02000300000000000000" pitchFamily="2" charset="-127"/>
-                          </a:rPr>
-                          <m:t>(</m:t>
-                        </m:r>
-                        <m:r>
-                          <a:rPr lang="en-US" i="1">
-                            <a:latin typeface="Cambria Math" panose="02040503050406030204" pitchFamily="18" charset="0"/>
-                            <a:ea typeface="Apple SD Gothic Neo" panose="02000300000000000000" pitchFamily="2" charset="-127"/>
-                          </a:rPr>
-                          <m:t>𝐵𝑦</m:t>
-                        </m:r>
-                        <m:r>
-                          <a:rPr lang="en-US" b="0" i="1" smtClean="0">
-                            <a:latin typeface="Cambria Math" panose="02040503050406030204" pitchFamily="18" charset="0"/>
-                            <a:ea typeface="Apple SD Gothic Neo" panose="02000300000000000000" pitchFamily="2" charset="-127"/>
-                          </a:rPr>
-                          <m:t> </m:t>
-                        </m:r>
-                        <m:r>
-                          <a:rPr lang="en-US" b="0" i="1" smtClean="0">
-                            <a:latin typeface="Cambria Math" panose="02040503050406030204" pitchFamily="18" charset="0"/>
-                            <a:ea typeface="Apple SD Gothic Neo" panose="02000300000000000000" pitchFamily="2" charset="-127"/>
-                          </a:rPr>
-                          <m:t>𝐴𝑠𝑠𝑢𝑚𝑝𝑡𝑖𝑜𝑛</m:t>
-                        </m:r>
-                        <m:r>
-                          <a:rPr lang="en-US" b="0" i="1" smtClean="0">
-                            <a:latin typeface="Cambria Math" panose="02040503050406030204" pitchFamily="18" charset="0"/>
-                            <a:ea typeface="Apple SD Gothic Neo" panose="02000300000000000000" pitchFamily="2" charset="-127"/>
-                          </a:rPr>
-                          <m:t>)</m:t>
-                        </m:r>
-                      </m:e>
-                    </m:func>
-                  </m:oMath>
-                </a14:m>
-                <a:endParaRPr lang="en-US">
-                  <a:latin typeface="Apple SD Gothic Neo" panose="02000300000000000000" pitchFamily="2" charset="-127"/>
-                  <a:ea typeface="Apple SD Gothic Neo" panose="02000300000000000000" pitchFamily="2" charset="-127"/>
-                </a:endParaRPr>
-              </a:p>
-              <a:p>
-                <a:pPr marL="514350" indent="-514350" algn="ctr">
-                  <a:buFont typeface="Arial" panose="020B0604020202020204" pitchFamily="34" charset="0"/>
-                  <a:buAutoNum type="arabicParenR"/>
-                </a:pPr>
-                <a14:m>
-                  <m:oMath xmlns:m="http://schemas.openxmlformats.org/officeDocument/2006/math">
-                    <m:func>
-                      <m:funcPr>
-                        <m:ctrlPr>
-                          <a:rPr lang="en-US" i="1">
-                            <a:latin typeface="Cambria Math" panose="02040503050406030204" pitchFamily="18" charset="0"/>
-                            <a:ea typeface="Apple SD Gothic Neo" panose="02000300000000000000" pitchFamily="2" charset="-127"/>
-                          </a:rPr>
-                        </m:ctrlPr>
-                      </m:funcPr>
-                      <m:fName>
-                        <m:r>
-                          <m:rPr>
-                            <m:sty m:val="p"/>
-                          </m:rPr>
-                          <a:rPr lang="en-US">
-                            <a:latin typeface="Cambria Math" panose="02040503050406030204" pitchFamily="18" charset="0"/>
-                            <a:ea typeface="Apple SD Gothic Neo" panose="02000300000000000000" pitchFamily="2" charset="-127"/>
-                          </a:rPr>
-                          <m:t>add</m:t>
-                        </m:r>
-                      </m:fName>
-                      <m:e>
-                        <m:sSub>
-                          <m:sSubPr>
-                            <m:ctrlPr>
-                              <a:rPr lang="en-US" i="1">
-                                <a:latin typeface="Cambria Math" panose="02040503050406030204" pitchFamily="18" charset="0"/>
-                                <a:ea typeface="Apple SD Gothic Neo" panose="02000300000000000000" pitchFamily="2" charset="-127"/>
-                              </a:rPr>
-                            </m:ctrlPr>
-                          </m:sSubPr>
-                          <m:e>
-                            <m:r>
-                              <a:rPr lang="en-US" b="0" i="1" smtClean="0">
-                                <a:latin typeface="Cambria Math" panose="02040503050406030204" pitchFamily="18" charset="0"/>
-                                <a:ea typeface="Apple SD Gothic Neo" panose="02000300000000000000" pitchFamily="2" charset="-127"/>
-                              </a:rPr>
-                              <m:t>𝑆</m:t>
-                            </m:r>
-                            <m:r>
-                              <a:rPr lang="en-US" b="0" i="1" smtClean="0">
-                                <a:latin typeface="Cambria Math" panose="02040503050406030204" pitchFamily="18" charset="0"/>
-                                <a:ea typeface="Apple SD Gothic Neo" panose="02000300000000000000" pitchFamily="2" charset="-127"/>
-                              </a:rPr>
-                              <m:t>(</m:t>
-                            </m:r>
-                            <m:r>
-                              <a:rPr lang="en-US" i="1">
-                                <a:latin typeface="Cambria Math" panose="02040503050406030204" pitchFamily="18" charset="0"/>
-                                <a:ea typeface="Apple SD Gothic Neo" panose="02000300000000000000" pitchFamily="2" charset="-127"/>
-                              </a:rPr>
-                              <m:t>𝑛</m:t>
-                            </m:r>
-                          </m:e>
-                          <m:sub>
-                            <m:r>
-                              <a:rPr lang="en-US" i="1">
-                                <a:latin typeface="Cambria Math" panose="02040503050406030204" pitchFamily="18" charset="0"/>
-                                <a:ea typeface="Apple SD Gothic Neo" panose="02000300000000000000" pitchFamily="2" charset="-127"/>
-                              </a:rPr>
-                              <m:t>2</m:t>
-                            </m:r>
-                          </m:sub>
-                        </m:sSub>
-                        <m:r>
-                          <a:rPr lang="en-US" b="0" i="1" smtClean="0">
-                            <a:latin typeface="Cambria Math" panose="02040503050406030204" pitchFamily="18" charset="0"/>
-                            <a:ea typeface="Apple SD Gothic Neo" panose="02000300000000000000" pitchFamily="2" charset="-127"/>
-                          </a:rPr>
-                          <m:t>)</m:t>
-                        </m:r>
-                        <m:sSub>
-                          <m:sSubPr>
-                            <m:ctrlPr>
-                              <a:rPr lang="en-US" i="1">
-                                <a:latin typeface="Cambria Math" panose="02040503050406030204" pitchFamily="18" charset="0"/>
-                                <a:ea typeface="Apple SD Gothic Neo" panose="02000300000000000000" pitchFamily="2" charset="-127"/>
-                              </a:rPr>
-                            </m:ctrlPr>
-                          </m:sSubPr>
-                          <m:e>
-                            <m:r>
-                              <a:rPr lang="en-US" i="1">
-                                <a:latin typeface="Cambria Math" panose="02040503050406030204" pitchFamily="18" charset="0"/>
-                                <a:ea typeface="Apple SD Gothic Neo" panose="02000300000000000000" pitchFamily="2" charset="-127"/>
-                              </a:rPr>
-                              <m:t>𝑛</m:t>
-                            </m:r>
-                          </m:e>
-                          <m:sub>
-                            <m:r>
-                              <a:rPr lang="en-US" b="0" i="1" smtClean="0">
-                                <a:latin typeface="Cambria Math" panose="02040503050406030204" pitchFamily="18" charset="0"/>
-                                <a:ea typeface="Apple SD Gothic Neo" panose="02000300000000000000" pitchFamily="2" charset="-127"/>
-                              </a:rPr>
-                              <m:t>2</m:t>
-                            </m:r>
-                          </m:sub>
-                        </m:sSub>
-                        <m:sSub>
-                          <m:sSubPr>
-                            <m:ctrlPr>
-                              <a:rPr lang="en-US" i="1">
-                                <a:latin typeface="Cambria Math" panose="02040503050406030204" pitchFamily="18" charset="0"/>
-                                <a:ea typeface="Apple SD Gothic Neo" panose="02000300000000000000" pitchFamily="2" charset="-127"/>
-                              </a:rPr>
-                            </m:ctrlPr>
-                          </m:sSubPr>
-                          <m:e>
-                            <m:r>
-                              <a:rPr lang="en-US" b="0" i="1" smtClean="0">
-                                <a:latin typeface="Cambria Math" panose="02040503050406030204" pitchFamily="18" charset="0"/>
-                                <a:ea typeface="Apple SD Gothic Neo" panose="02000300000000000000" pitchFamily="2" charset="-127"/>
-                              </a:rPr>
-                              <m:t>𝑆</m:t>
-                            </m:r>
-                            <m:r>
-                              <a:rPr lang="en-US" b="0" i="1" smtClean="0">
-                                <a:latin typeface="Cambria Math" panose="02040503050406030204" pitchFamily="18" charset="0"/>
-                                <a:ea typeface="Apple SD Gothic Neo" panose="02000300000000000000" pitchFamily="2" charset="-127"/>
-                              </a:rPr>
-                              <m:t>(</m:t>
-                            </m:r>
-                            <m:r>
-                              <a:rPr lang="en-US" i="1">
-                                <a:latin typeface="Cambria Math" panose="02040503050406030204" pitchFamily="18" charset="0"/>
-                                <a:ea typeface="Apple SD Gothic Neo" panose="02000300000000000000" pitchFamily="2" charset="-127"/>
-                              </a:rPr>
-                              <m:t>𝑛</m:t>
-                            </m:r>
-                          </m:e>
-                          <m:sub>
-                            <m:r>
-                              <a:rPr lang="en-US" i="1">
-                                <a:latin typeface="Cambria Math" panose="02040503050406030204" pitchFamily="18" charset="0"/>
-                                <a:ea typeface="Apple SD Gothic Neo" panose="02000300000000000000" pitchFamily="2" charset="-127"/>
-                              </a:rPr>
-                              <m:t>4</m:t>
-                            </m:r>
-                          </m:sub>
-                        </m:sSub>
-                        <m:r>
-                          <a:rPr lang="en-US" b="0" i="1" smtClean="0">
-                            <a:latin typeface="Cambria Math" panose="02040503050406030204" pitchFamily="18" charset="0"/>
-                            <a:ea typeface="Apple SD Gothic Neo" panose="02000300000000000000" pitchFamily="2" charset="-127"/>
-                          </a:rPr>
-                          <m:t>)</m:t>
-                        </m:r>
-                        <m:r>
-                          <a:rPr lang="en-US" i="1">
-                            <a:latin typeface="Cambria Math" panose="02040503050406030204" pitchFamily="18" charset="0"/>
-                            <a:ea typeface="Apple SD Gothic Neo" panose="02000300000000000000" pitchFamily="2" charset="-127"/>
-                          </a:rPr>
-                          <m:t>(</m:t>
-                        </m:r>
-                        <m:r>
-                          <a:rPr lang="en-US" i="1">
-                            <a:latin typeface="Cambria Math" panose="02040503050406030204" pitchFamily="18" charset="0"/>
-                            <a:ea typeface="Apple SD Gothic Neo" panose="02000300000000000000" pitchFamily="2" charset="-127"/>
-                          </a:rPr>
-                          <m:t>𝐵𝑦</m:t>
-                        </m:r>
-                        <m:r>
-                          <a:rPr lang="en-US" i="1">
-                            <a:latin typeface="Cambria Math" panose="02040503050406030204" pitchFamily="18" charset="0"/>
-                            <a:ea typeface="Apple SD Gothic Neo" panose="02000300000000000000" pitchFamily="2" charset="-127"/>
-                          </a:rPr>
-                          <m:t> </m:t>
-                        </m:r>
-                        <m:r>
-                          <a:rPr lang="en-US" b="0" i="1" smtClean="0">
-                            <a:latin typeface="Cambria Math" panose="02040503050406030204" pitchFamily="18" charset="0"/>
-                            <a:ea typeface="Apple SD Gothic Neo" panose="02000300000000000000" pitchFamily="2" charset="-127"/>
-                          </a:rPr>
-                          <m:t>𝐴𝑑𝑑</m:t>
-                        </m:r>
-                        <m:r>
-                          <a:rPr lang="en-US" b="0" i="1" smtClean="0">
-                            <a:latin typeface="Cambria Math" panose="02040503050406030204" pitchFamily="18" charset="0"/>
-                            <a:ea typeface="Apple SD Gothic Neo" panose="02000300000000000000" pitchFamily="2" charset="-127"/>
-                          </a:rPr>
-                          <m:t> </m:t>
-                        </m:r>
-                        <m:r>
-                          <a:rPr lang="en-US" b="0" i="1" smtClean="0">
-                            <a:latin typeface="Cambria Math" panose="02040503050406030204" pitchFamily="18" charset="0"/>
-                            <a:ea typeface="Apple SD Gothic Neo" panose="02000300000000000000" pitchFamily="2" charset="-127"/>
-                          </a:rPr>
-                          <m:t>𝑆</m:t>
-                        </m:r>
-                        <m:r>
-                          <a:rPr lang="en-US" i="1">
-                            <a:latin typeface="Cambria Math" panose="02040503050406030204" pitchFamily="18" charset="0"/>
-                            <a:ea typeface="Apple SD Gothic Neo" panose="02000300000000000000" pitchFamily="2" charset="-127"/>
-                          </a:rPr>
-                          <m:t>)</m:t>
-                        </m:r>
-                      </m:e>
-                    </m:func>
-                  </m:oMath>
-                </a14:m>
-                <a:endParaRPr lang="en-US">
-                  <a:latin typeface="Apple SD Gothic Neo" panose="02000300000000000000" pitchFamily="2" charset="-127"/>
-                  <a:ea typeface="Apple SD Gothic Neo" panose="02000300000000000000" pitchFamily="2" charset="-127"/>
-                </a:endParaRPr>
-              </a:p>
-              <a:p>
-                <a:pPr marL="514350" indent="-514350" algn="ctr">
-                  <a:buFont typeface="Arial" panose="020B0604020202020204" pitchFamily="34" charset="0"/>
-                  <a:buAutoNum type="arabicParenR"/>
-                </a:pPr>
-                <a14:m>
-                  <m:oMath xmlns:m="http://schemas.openxmlformats.org/officeDocument/2006/math">
-                    <m:func>
-                      <m:funcPr>
-                        <m:ctrlPr>
-                          <a:rPr lang="en-US" i="1">
-                            <a:latin typeface="Cambria Math" panose="02040503050406030204" pitchFamily="18" charset="0"/>
-                            <a:ea typeface="Apple SD Gothic Neo" panose="02000300000000000000" pitchFamily="2" charset="-127"/>
-                          </a:rPr>
-                        </m:ctrlPr>
-                      </m:funcPr>
-                      <m:fName>
-                        <m:r>
-                          <m:rPr>
-                            <m:sty m:val="p"/>
-                          </m:rPr>
-                          <a:rPr lang="en-US">
-                            <a:latin typeface="Cambria Math" panose="02040503050406030204" pitchFamily="18" charset="0"/>
-                            <a:ea typeface="Apple SD Gothic Neo" panose="02000300000000000000" pitchFamily="2" charset="-127"/>
-                          </a:rPr>
-                          <m:t>add</m:t>
-                        </m:r>
-                      </m:fName>
-                      <m:e>
-                        <m:sSub>
-                          <m:sSubPr>
-                            <m:ctrlPr>
-                              <a:rPr lang="en-US" i="1" smtClean="0">
-                                <a:latin typeface="Cambria Math" panose="02040503050406030204" pitchFamily="18" charset="0"/>
-                                <a:ea typeface="Apple SD Gothic Neo" panose="02000300000000000000" pitchFamily="2" charset="-127"/>
-                              </a:rPr>
-                            </m:ctrlPr>
-                          </m:sSubPr>
-                          <m:e>
-                            <m:r>
-                              <a:rPr lang="en-US" i="1">
-                                <a:latin typeface="Cambria Math" panose="02040503050406030204" pitchFamily="18" charset="0"/>
-                                <a:ea typeface="Apple SD Gothic Neo" panose="02000300000000000000" pitchFamily="2" charset="-127"/>
-                              </a:rPr>
-                              <m:t>𝑛</m:t>
-                            </m:r>
-                          </m:e>
-                          <m:sub>
-                            <m:r>
-                              <a:rPr lang="en-US" b="0" i="1" smtClean="0">
-                                <a:latin typeface="Cambria Math" panose="02040503050406030204" pitchFamily="18" charset="0"/>
-                                <a:ea typeface="Apple SD Gothic Neo" panose="02000300000000000000" pitchFamily="2" charset="-127"/>
-                              </a:rPr>
-                              <m:t>3</m:t>
-                            </m:r>
-                          </m:sub>
-                        </m:sSub>
-                        <m:r>
-                          <a:rPr lang="en-US" i="1">
-                            <a:latin typeface="Cambria Math" panose="02040503050406030204" pitchFamily="18" charset="0"/>
-                            <a:ea typeface="Apple SD Gothic Neo" panose="02000300000000000000" pitchFamily="2" charset="-127"/>
-                          </a:rPr>
-                          <m:t>𝑆</m:t>
-                        </m:r>
-                        <m:r>
-                          <a:rPr lang="en-US" i="1">
-                            <a:latin typeface="Cambria Math" panose="02040503050406030204" pitchFamily="18" charset="0"/>
-                            <a:ea typeface="Apple SD Gothic Neo" panose="02000300000000000000" pitchFamily="2" charset="-127"/>
-                          </a:rPr>
-                          <m:t>(</m:t>
-                        </m:r>
-                        <m:sSub>
-                          <m:sSubPr>
-                            <m:ctrlPr>
-                              <a:rPr lang="en-US" i="1">
-                                <a:latin typeface="Cambria Math" panose="02040503050406030204" pitchFamily="18" charset="0"/>
-                                <a:ea typeface="Apple SD Gothic Neo" panose="02000300000000000000" pitchFamily="2" charset="-127"/>
-                              </a:rPr>
-                            </m:ctrlPr>
-                          </m:sSubPr>
-                          <m:e>
-                            <m:r>
-                              <a:rPr lang="en-US" i="1">
-                                <a:latin typeface="Cambria Math" panose="02040503050406030204" pitchFamily="18" charset="0"/>
-                                <a:ea typeface="Apple SD Gothic Neo" panose="02000300000000000000" pitchFamily="2" charset="-127"/>
-                              </a:rPr>
-                              <m:t>𝑛</m:t>
-                            </m:r>
-                          </m:e>
-                          <m:sub>
-                            <m:r>
-                              <a:rPr lang="en-US" b="0" i="1" smtClean="0">
-                                <a:latin typeface="Cambria Math" panose="02040503050406030204" pitchFamily="18" charset="0"/>
-                                <a:ea typeface="Apple SD Gothic Neo" panose="02000300000000000000" pitchFamily="2" charset="-127"/>
-                              </a:rPr>
-                              <m:t>2</m:t>
-                            </m:r>
-                          </m:sub>
-                        </m:sSub>
-                        <m:sSub>
-                          <m:sSubPr>
-                            <m:ctrlPr>
-                              <a:rPr lang="en-US" i="1">
-                                <a:latin typeface="Cambria Math" panose="02040503050406030204" pitchFamily="18" charset="0"/>
-                                <a:ea typeface="Apple SD Gothic Neo" panose="02000300000000000000" pitchFamily="2" charset="-127"/>
-                              </a:rPr>
-                            </m:ctrlPr>
-                          </m:sSubPr>
-                          <m:e>
-                            <m:r>
-                              <a:rPr lang="en-US" i="1">
-                                <a:latin typeface="Cambria Math" panose="02040503050406030204" pitchFamily="18" charset="0"/>
-                                <a:ea typeface="Apple SD Gothic Neo" panose="02000300000000000000" pitchFamily="2" charset="-127"/>
-                              </a:rPr>
-                              <m:t>)</m:t>
-                            </m:r>
-                            <m:r>
-                              <a:rPr lang="en-US" i="1">
-                                <a:latin typeface="Cambria Math" panose="02040503050406030204" pitchFamily="18" charset="0"/>
-                                <a:ea typeface="Apple SD Gothic Neo" panose="02000300000000000000" pitchFamily="2" charset="-127"/>
-                              </a:rPr>
-                              <m:t>𝑆</m:t>
-                            </m:r>
-                            <m:r>
-                              <a:rPr lang="en-US" i="1">
-                                <a:latin typeface="Cambria Math" panose="02040503050406030204" pitchFamily="18" charset="0"/>
-                                <a:ea typeface="Apple SD Gothic Neo" panose="02000300000000000000" pitchFamily="2" charset="-127"/>
-                              </a:rPr>
-                              <m:t>(</m:t>
-                            </m:r>
-                            <m:r>
-                              <a:rPr lang="en-US" i="1">
-                                <a:latin typeface="Cambria Math" panose="02040503050406030204" pitchFamily="18" charset="0"/>
-                                <a:ea typeface="Apple SD Gothic Neo" panose="02000300000000000000" pitchFamily="2" charset="-127"/>
-                              </a:rPr>
-                              <m:t>𝑛</m:t>
-                            </m:r>
-                          </m:e>
-                          <m:sub>
-                            <m:r>
-                              <a:rPr lang="en-US" i="1">
-                                <a:latin typeface="Cambria Math" panose="02040503050406030204" pitchFamily="18" charset="0"/>
-                                <a:ea typeface="Apple SD Gothic Neo" panose="02000300000000000000" pitchFamily="2" charset="-127"/>
-                              </a:rPr>
-                              <m:t>4</m:t>
-                            </m:r>
-                          </m:sub>
-                        </m:sSub>
-                        <m:r>
-                          <a:rPr lang="en-US" i="1">
-                            <a:latin typeface="Cambria Math" panose="02040503050406030204" pitchFamily="18" charset="0"/>
-                            <a:ea typeface="Apple SD Gothic Neo" panose="02000300000000000000" pitchFamily="2" charset="-127"/>
-                          </a:rPr>
-                          <m:t>)(</m:t>
-                        </m:r>
-                        <m:r>
-                          <a:rPr lang="en-US" i="1">
-                            <a:latin typeface="Cambria Math" panose="02040503050406030204" pitchFamily="18" charset="0"/>
-                            <a:ea typeface="Apple SD Gothic Neo" panose="02000300000000000000" pitchFamily="2" charset="-127"/>
-                          </a:rPr>
-                          <m:t>𝐵𝑦</m:t>
-                        </m:r>
-                        <m:r>
-                          <a:rPr lang="en-US" i="1">
-                            <a:latin typeface="Cambria Math" panose="02040503050406030204" pitchFamily="18" charset="0"/>
-                            <a:ea typeface="Apple SD Gothic Neo" panose="02000300000000000000" pitchFamily="2" charset="-127"/>
-                          </a:rPr>
-                          <m:t> 5 </m:t>
-                        </m:r>
-                        <m:r>
-                          <a:rPr lang="en-US" b="0" i="1" smtClean="0">
-                            <a:latin typeface="Cambria Math" panose="02040503050406030204" pitchFamily="18" charset="0"/>
-                            <a:ea typeface="Apple SD Gothic Neo" panose="02000300000000000000" pitchFamily="2" charset="-127"/>
-                          </a:rPr>
-                          <m:t>𝑎𝑛𝑑</m:t>
-                        </m:r>
-                        <m:r>
-                          <a:rPr lang="en-US" b="0" i="1" smtClean="0">
-                            <a:latin typeface="Cambria Math" panose="02040503050406030204" pitchFamily="18" charset="0"/>
-                            <a:ea typeface="Apple SD Gothic Neo" panose="02000300000000000000" pitchFamily="2" charset="-127"/>
-                          </a:rPr>
-                          <m:t> </m:t>
-                        </m:r>
-                        <m:r>
-                          <a:rPr lang="en-US" b="0" i="1" smtClean="0">
-                            <a:latin typeface="Cambria Math" panose="02040503050406030204" pitchFamily="18" charset="0"/>
-                            <a:ea typeface="Apple SD Gothic Neo" panose="02000300000000000000" pitchFamily="2" charset="-127"/>
-                          </a:rPr>
-                          <m:t>𝐿𝑒𝑚𝑚𝑎</m:t>
-                        </m:r>
-                        <m:r>
-                          <a:rPr lang="en-US" b="0" i="1" smtClean="0">
-                            <a:latin typeface="Cambria Math" panose="02040503050406030204" pitchFamily="18" charset="0"/>
-                            <a:ea typeface="Apple SD Gothic Neo" panose="02000300000000000000" pitchFamily="2" charset="-127"/>
-                          </a:rPr>
-                          <m:t> 3)</m:t>
-                        </m:r>
-                      </m:e>
-                    </m:func>
-                  </m:oMath>
-                </a14:m>
-                <a:endParaRPr lang="en-US">
-                  <a:latin typeface="Apple SD Gothic Neo" panose="02000300000000000000" pitchFamily="2" charset="-127"/>
-                  <a:ea typeface="Apple SD Gothic Neo" panose="02000300000000000000" pitchFamily="2" charset="-127"/>
-                </a:endParaRPr>
-              </a:p>
-              <a:p>
-                <a:pPr marL="514350" indent="-514350" algn="ctr">
-                  <a:buFont typeface="Arial" panose="020B0604020202020204" pitchFamily="34" charset="0"/>
-                  <a:buAutoNum type="arabicParenR"/>
-                </a:pPr>
-                <a14:m>
-                  <m:oMath xmlns:m="http://schemas.openxmlformats.org/officeDocument/2006/math">
-                    <m:func>
-                      <m:funcPr>
-                        <m:ctrlPr>
-                          <a:rPr lang="en-US" i="1">
-                            <a:latin typeface="Cambria Math" panose="02040503050406030204" pitchFamily="18" charset="0"/>
-                            <a:ea typeface="Apple SD Gothic Neo" panose="02000300000000000000" pitchFamily="2" charset="-127"/>
-                          </a:rPr>
-                        </m:ctrlPr>
-                      </m:funcPr>
-                      <m:fName>
-                        <m:r>
-                          <m:rPr>
-                            <m:sty m:val="p"/>
-                          </m:rPr>
-                          <a:rPr lang="en-US" b="0" i="0" smtClean="0">
-                            <a:latin typeface="Cambria Math" panose="02040503050406030204" pitchFamily="18" charset="0"/>
-                            <a:ea typeface="Apple SD Gothic Neo" panose="02000300000000000000" pitchFamily="2" charset="-127"/>
-                          </a:rPr>
-                          <m:t>fib</m:t>
-                        </m:r>
-                      </m:fName>
-                      <m:e>
-                        <m:r>
-                          <a:rPr lang="en-US" i="1">
-                            <a:latin typeface="Cambria Math" panose="02040503050406030204" pitchFamily="18" charset="0"/>
-                            <a:ea typeface="Apple SD Gothic Neo" panose="02000300000000000000" pitchFamily="2" charset="-127"/>
-                          </a:rPr>
-                          <m:t>𝑆</m:t>
-                        </m:r>
-                        <m:r>
-                          <a:rPr lang="en-US" i="1">
-                            <a:latin typeface="Cambria Math" panose="02040503050406030204" pitchFamily="18" charset="0"/>
-                            <a:ea typeface="Apple SD Gothic Neo" panose="02000300000000000000" pitchFamily="2" charset="-127"/>
-                          </a:rPr>
-                          <m:t>(</m:t>
-                        </m:r>
-                        <m:r>
-                          <a:rPr lang="en-US" b="0" i="1" smtClean="0">
-                            <a:latin typeface="Cambria Math" panose="02040503050406030204" pitchFamily="18" charset="0"/>
-                            <a:ea typeface="Apple SD Gothic Neo" panose="02000300000000000000" pitchFamily="2" charset="-127"/>
-                          </a:rPr>
-                          <m:t>𝑆</m:t>
-                        </m:r>
-                        <m:r>
-                          <a:rPr lang="en-US" b="0" i="1" smtClean="0">
-                            <a:latin typeface="Cambria Math" panose="02040503050406030204" pitchFamily="18" charset="0"/>
-                            <a:ea typeface="Apple SD Gothic Neo" panose="02000300000000000000" pitchFamily="2" charset="-127"/>
-                          </a:rPr>
-                          <m:t>(</m:t>
-                        </m:r>
-                        <m:r>
-                          <a:rPr lang="en-US" b="0" i="1" smtClean="0">
-                            <a:latin typeface="Cambria Math" panose="02040503050406030204" pitchFamily="18" charset="0"/>
-                            <a:ea typeface="Apple SD Gothic Neo" panose="02000300000000000000" pitchFamily="2" charset="-127"/>
-                          </a:rPr>
-                          <m:t>𝑆</m:t>
-                        </m:r>
-                        <m:d>
-                          <m:dPr>
-                            <m:ctrlPr>
-                              <a:rPr lang="en-US" b="0" i="1" smtClean="0">
-                                <a:latin typeface="Cambria Math" panose="02040503050406030204" pitchFamily="18" charset="0"/>
-                                <a:ea typeface="Apple SD Gothic Neo" panose="02000300000000000000" pitchFamily="2" charset="-127"/>
-                              </a:rPr>
-                            </m:ctrlPr>
-                          </m:dPr>
-                          <m:e>
-                            <m:sSub>
-                              <m:sSubPr>
-                                <m:ctrlPr>
-                                  <a:rPr lang="en-US" i="1">
-                                    <a:latin typeface="Cambria Math" panose="02040503050406030204" pitchFamily="18" charset="0"/>
-                                    <a:ea typeface="Apple SD Gothic Neo" panose="02000300000000000000" pitchFamily="2" charset="-127"/>
-                                  </a:rPr>
-                                </m:ctrlPr>
-                              </m:sSubPr>
-                              <m:e>
-                                <m:r>
-                                  <a:rPr lang="en-US" i="1">
-                                    <a:latin typeface="Cambria Math" panose="02040503050406030204" pitchFamily="18" charset="0"/>
-                                    <a:ea typeface="Apple SD Gothic Neo" panose="02000300000000000000" pitchFamily="2" charset="-127"/>
-                                  </a:rPr>
-                                  <m:t>𝑛</m:t>
-                                </m:r>
-                              </m:e>
-                              <m:sub>
-                                <m:r>
-                                  <a:rPr lang="en-US" b="0" i="1" smtClean="0">
-                                    <a:latin typeface="Cambria Math" panose="02040503050406030204" pitchFamily="18" charset="0"/>
-                                    <a:ea typeface="Apple SD Gothic Neo" panose="02000300000000000000" pitchFamily="2" charset="-127"/>
-                                  </a:rPr>
-                                  <m:t>1</m:t>
-                                </m:r>
-                              </m:sub>
-                            </m:sSub>
-                          </m:e>
-                        </m:d>
-                        <m:r>
-                          <a:rPr lang="en-US" b="0" i="1" smtClean="0">
-                            <a:latin typeface="Cambria Math" panose="02040503050406030204" pitchFamily="18" charset="0"/>
-                            <a:ea typeface="Apple SD Gothic Neo" panose="02000300000000000000" pitchFamily="2" charset="-127"/>
-                          </a:rPr>
-                          <m:t>)</m:t>
-                        </m:r>
-                        <m:sSub>
-                          <m:sSubPr>
-                            <m:ctrlPr>
-                              <a:rPr lang="en-US" i="1">
-                                <a:latin typeface="Cambria Math" panose="02040503050406030204" pitchFamily="18" charset="0"/>
-                                <a:ea typeface="Apple SD Gothic Neo" panose="02000300000000000000" pitchFamily="2" charset="-127"/>
-                              </a:rPr>
-                            </m:ctrlPr>
-                          </m:sSubPr>
-                          <m:e>
-                            <m:r>
-                              <a:rPr lang="en-US" i="1">
-                                <a:latin typeface="Cambria Math" panose="02040503050406030204" pitchFamily="18" charset="0"/>
-                                <a:ea typeface="Apple SD Gothic Neo" panose="02000300000000000000" pitchFamily="2" charset="-127"/>
-                              </a:rPr>
-                              <m:t>)</m:t>
-                            </m:r>
-                            <m:r>
-                              <a:rPr lang="en-US" i="1">
-                                <a:latin typeface="Cambria Math" panose="02040503050406030204" pitchFamily="18" charset="0"/>
-                                <a:ea typeface="Apple SD Gothic Neo" panose="02000300000000000000" pitchFamily="2" charset="-127"/>
-                              </a:rPr>
-                              <m:t>𝑆</m:t>
-                            </m:r>
-                            <m:r>
-                              <a:rPr lang="en-US" i="1">
-                                <a:latin typeface="Cambria Math" panose="02040503050406030204" pitchFamily="18" charset="0"/>
-                                <a:ea typeface="Apple SD Gothic Neo" panose="02000300000000000000" pitchFamily="2" charset="-127"/>
-                              </a:rPr>
-                              <m:t>(</m:t>
-                            </m:r>
-                            <m:r>
-                              <a:rPr lang="en-US" i="1">
-                                <a:latin typeface="Cambria Math" panose="02040503050406030204" pitchFamily="18" charset="0"/>
-                                <a:ea typeface="Apple SD Gothic Neo" panose="02000300000000000000" pitchFamily="2" charset="-127"/>
-                              </a:rPr>
-                              <m:t>𝑛</m:t>
-                            </m:r>
-                          </m:e>
-                          <m:sub>
-                            <m:r>
-                              <a:rPr lang="en-US" i="1">
-                                <a:latin typeface="Cambria Math" panose="02040503050406030204" pitchFamily="18" charset="0"/>
-                                <a:ea typeface="Apple SD Gothic Neo" panose="02000300000000000000" pitchFamily="2" charset="-127"/>
-                              </a:rPr>
-                              <m:t>4</m:t>
-                            </m:r>
-                          </m:sub>
-                        </m:sSub>
-                        <m:r>
-                          <a:rPr lang="en-US" i="1">
-                            <a:latin typeface="Cambria Math" panose="02040503050406030204" pitchFamily="18" charset="0"/>
-                            <a:ea typeface="Apple SD Gothic Neo" panose="02000300000000000000" pitchFamily="2" charset="-127"/>
-                          </a:rPr>
-                          <m:t>)(</m:t>
-                        </m:r>
-                        <m:r>
-                          <a:rPr lang="en-US" i="1">
-                            <a:latin typeface="Cambria Math" panose="02040503050406030204" pitchFamily="18" charset="0"/>
-                            <a:ea typeface="Apple SD Gothic Neo" panose="02000300000000000000" pitchFamily="2" charset="-127"/>
-                          </a:rPr>
-                          <m:t>𝐵𝑦</m:t>
-                        </m:r>
-                        <m:r>
-                          <a:rPr lang="en-US" i="1">
-                            <a:latin typeface="Cambria Math" panose="02040503050406030204" pitchFamily="18" charset="0"/>
-                            <a:ea typeface="Apple SD Gothic Neo" panose="02000300000000000000" pitchFamily="2" charset="-127"/>
-                          </a:rPr>
-                          <m:t> 2,3,6, </m:t>
-                        </m:r>
-                        <m:r>
-                          <a:rPr lang="en-US" b="0" i="1" smtClean="0">
-                            <a:latin typeface="Cambria Math" panose="02040503050406030204" pitchFamily="18" charset="0"/>
-                            <a:ea typeface="Apple SD Gothic Neo" panose="02000300000000000000" pitchFamily="2" charset="-127"/>
-                          </a:rPr>
-                          <m:t>𝑎𝑛𝑑</m:t>
-                        </m:r>
-                        <m:r>
-                          <a:rPr lang="en-US" b="0" i="1" smtClean="0">
-                            <a:latin typeface="Cambria Math" panose="02040503050406030204" pitchFamily="18" charset="0"/>
-                            <a:ea typeface="Apple SD Gothic Neo" panose="02000300000000000000" pitchFamily="2" charset="-127"/>
-                          </a:rPr>
-                          <m:t> </m:t>
-                        </m:r>
-                        <m:r>
-                          <m:rPr>
-                            <m:sty m:val="p"/>
-                          </m:rPr>
-                          <a:rPr lang="en-US" b="0" i="0" smtClean="0">
-                            <a:latin typeface="Cambria Math" panose="02040503050406030204" pitchFamily="18" charset="0"/>
-                            <a:ea typeface="Apple SD Gothic Neo" panose="02000300000000000000" pitchFamily="2" charset="-127"/>
-                          </a:rPr>
-                          <m:t>fib</m:t>
-                        </m:r>
-                        <m:r>
-                          <a:rPr lang="en-US" b="0" i="1" smtClean="0">
-                            <a:latin typeface="Cambria Math" panose="02040503050406030204" pitchFamily="18" charset="0"/>
-                            <a:ea typeface="Apple SD Gothic Neo" panose="02000300000000000000" pitchFamily="2" charset="-127"/>
-                          </a:rPr>
-                          <m:t> </m:t>
-                        </m:r>
-                        <m:r>
-                          <a:rPr lang="en-US" b="0" i="1" smtClean="0">
-                            <a:latin typeface="Cambria Math" panose="02040503050406030204" pitchFamily="18" charset="0"/>
-                            <a:ea typeface="Apple SD Gothic Neo" panose="02000300000000000000" pitchFamily="2" charset="-127"/>
-                          </a:rPr>
-                          <m:t>𝑆</m:t>
-                        </m:r>
-                        <m:r>
-                          <a:rPr lang="en-US" i="1">
-                            <a:latin typeface="Cambria Math" panose="02040503050406030204" pitchFamily="18" charset="0"/>
-                            <a:ea typeface="Apple SD Gothic Neo" panose="02000300000000000000" pitchFamily="2" charset="-127"/>
-                          </a:rPr>
-                          <m:t>)</m:t>
-                        </m:r>
-                      </m:e>
-                    </m:func>
-                  </m:oMath>
-                </a14:m>
-                <a:endParaRPr lang="en-US">
-                  <a:latin typeface="Apple SD Gothic Neo" panose="02000300000000000000" pitchFamily="2" charset="-127"/>
-                  <a:ea typeface="Apple SD Gothic Neo" panose="02000300000000000000" pitchFamily="2" charset="-127"/>
-                </a:endParaRPr>
-              </a:p>
-              <a:p>
-                <a:pPr marL="514350" indent="-514350" algn="ctr">
-                  <a:buFont typeface="Arial" panose="020B0604020202020204" pitchFamily="34" charset="0"/>
-                  <a:buAutoNum type="arabicParenR"/>
-                </a:pPr>
-                <a:endParaRPr lang="en-KR">
-                  <a:latin typeface="Apple SD Gothic Neo" panose="02000300000000000000" pitchFamily="2" charset="-127"/>
-                  <a:ea typeface="Apple SD Gothic Neo" panose="02000300000000000000" pitchFamily="2" charset="-127"/>
-                </a:endParaRPr>
-              </a:p>
-            </p:txBody>
-          </p:sp>
-        </mc:Choice>
-        <mc:Fallback xmlns="">
-          <p:sp>
-            <p:nvSpPr>
-              <p:cNvPr id="2" name="Content Placeholder 8">
-                <a:extLst>
-                  <a:ext uri="{FF2B5EF4-FFF2-40B4-BE49-F238E27FC236}">
-                    <a16:creationId xmlns:a16="http://schemas.microsoft.com/office/drawing/2014/main" id="{8A15A0AA-D6C8-7ECB-D3C3-219012716882}"/>
-                  </a:ext>
-                </a:extLst>
-              </p:cNvPr>
-              <p:cNvSpPr>
-                <a:spLocks noGrp="1" noRot="1" noChangeAspect="1" noMove="1" noResize="1" noEditPoints="1" noAdjustHandles="1" noChangeArrowheads="1" noChangeShapeType="1" noTextEdit="1"/>
-              </p:cNvSpPr>
-              <p:nvPr>
-                <p:ph idx="1"/>
-              </p:nvPr>
-            </p:nvSpPr>
-            <p:spPr>
-              <a:xfrm>
-                <a:off x="838200" y="2774193"/>
-                <a:ext cx="10515600" cy="3402770"/>
-              </a:xfrm>
-              <a:blipFill>
-                <a:blip r:embed="rId4"/>
-                <a:stretch>
-                  <a:fillRect l="-362" t="-2230"/>
-                </a:stretch>
-              </a:blipFill>
-            </p:spPr>
-            <p:txBody>
-              <a:bodyPr/>
-              <a:lstStyle/>
-              <a:p>
-                <a:r>
-                  <a:rPr lang="en-KR">
-                    <a:noFill/>
-                  </a:rPr>
-                  <a:t> </a:t>
-                </a:r>
-              </a:p>
-            </p:txBody>
-          </p:sp>
-        </mc:Fallback>
-      </mc:AlternateContent>
     </p:spTree>
     <p:extLst>
       <p:ext uri="{BB962C8B-B14F-4D97-AF65-F5344CB8AC3E}">
@@ -17647,7 +12772,7 @@
 </p:sld>
 </file>
 
-<file path=ppt/slides/slide32.xml><?xml version="1.0" encoding="utf-8"?>
+<file path=ppt/slides/slide31.xml><?xml version="1.0" encoding="utf-8"?>
 <p:sld xmlns:a="http://schemas.openxmlformats.org/drawingml/2006/main" xmlns:r="http://schemas.openxmlformats.org/officeDocument/2006/relationships" xmlns:p="http://schemas.openxmlformats.org/presentationml/2006/main">
   <p:cSld>
     <p:spTree>
@@ -17655,7 +12780,7 @@
         <p:cNvPr id="1" name="">
           <a:extLst>
             <a:ext uri="{FF2B5EF4-FFF2-40B4-BE49-F238E27FC236}">
-              <a16:creationId xmlns:a16="http://schemas.microsoft.com/office/drawing/2014/main" id="{11912BA8-190A-4A89-6526-5E40A762900B}"/>
+              <a16:creationId xmlns:a16="http://schemas.microsoft.com/office/drawing/2014/main" id="{8CCC4890-04B1-DEDA-E7CC-658D2B3EFD4B}"/>
             </a:ext>
           </a:extLst>
         </p:cNvPr>
@@ -17675,7 +12800,7 @@
           <p:cNvPr id="4" name="Date Placeholder 3">
             <a:extLst>
               <a:ext uri="{FF2B5EF4-FFF2-40B4-BE49-F238E27FC236}">
-                <a16:creationId xmlns:a16="http://schemas.microsoft.com/office/drawing/2014/main" id="{B7AE8A14-DC79-2F6E-BBB2-2B426C311B37}"/>
+                <a16:creationId xmlns:a16="http://schemas.microsoft.com/office/drawing/2014/main" id="{96876849-624A-1A6A-9FB8-37D1B86459D9}"/>
               </a:ext>
             </a:extLst>
           </p:cNvPr>
@@ -17693,7 +12818,7 @@
           <a:p>
             <a:fld id="{68118D73-32D1-A847-AA81-E353C58266DD}" type="datetime1">
               <a:rPr lang="en-US" smtClean="0"/>
-              <a:t>9/3/25</a:t>
+              <a:t>9/5/2025</a:t>
             </a:fld>
             <a:endParaRPr lang="en-KR"/>
           </a:p>
@@ -17704,7 +12829,7 @@
           <p:cNvPr id="5" name="Slide Number Placeholder 4">
             <a:extLst>
               <a:ext uri="{FF2B5EF4-FFF2-40B4-BE49-F238E27FC236}">
-                <a16:creationId xmlns:a16="http://schemas.microsoft.com/office/drawing/2014/main" id="{9B5313C3-9108-DA41-91F5-27854D3AAAC2}"/>
+                <a16:creationId xmlns:a16="http://schemas.microsoft.com/office/drawing/2014/main" id="{45791037-AB24-82B6-AB04-93A3ACCC6D66}"/>
               </a:ext>
             </a:extLst>
           </p:cNvPr>
@@ -17722,7 +12847,7 @@
           <a:p>
             <a:fld id="{98A7C90A-C1D4-1A4A-BB39-07FDF258A5BB}" type="slidenum">
               <a:rPr lang="en-KR" smtClean="0"/>
-              <a:t>32</a:t>
+              <a:t>31</a:t>
             </a:fld>
             <a:endParaRPr lang="en-KR"/>
           </a:p>
@@ -17733,7 +12858,7 @@
           <p:cNvPr id="15" name="Title 1">
             <a:extLst>
               <a:ext uri="{FF2B5EF4-FFF2-40B4-BE49-F238E27FC236}">
-                <a16:creationId xmlns:a16="http://schemas.microsoft.com/office/drawing/2014/main" id="{1E139C6B-B19B-83D3-9BCD-ECF9EF611163}"/>
+                <a16:creationId xmlns:a16="http://schemas.microsoft.com/office/drawing/2014/main" id="{0CC7BA05-0E8A-B2C4-61E7-A325C9369EF7}"/>
               </a:ext>
             </a:extLst>
           </p:cNvPr>
@@ -17783,10 +12908,10 @@
       </p:sp>
       <p:pic>
         <p:nvPicPr>
-          <p:cNvPr id="3" name="Picture 2">
-            <a:extLst>
-              <a:ext uri="{FF2B5EF4-FFF2-40B4-BE49-F238E27FC236}">
-                <a16:creationId xmlns:a16="http://schemas.microsoft.com/office/drawing/2014/main" id="{6D4C83B8-6F22-9FDA-160B-236B9ED75B52}"/>
+          <p:cNvPr id="8" name="Content Placeholder 8">
+            <a:extLst>
+              <a:ext uri="{FF2B5EF4-FFF2-40B4-BE49-F238E27FC236}">
+                <a16:creationId xmlns:a16="http://schemas.microsoft.com/office/drawing/2014/main" id="{9E36DC9C-24DB-7F81-54A4-64FFD5FE7DEC}"/>
               </a:ext>
             </a:extLst>
           </p:cNvPr>
@@ -17803,8 +12928,8 @@
         </p:blipFill>
         <p:spPr>
           <a:xfrm>
-            <a:off x="838200" y="1690688"/>
-            <a:ext cx="10487866" cy="365125"/>
+            <a:off x="839258" y="1689188"/>
+            <a:ext cx="6153150" cy="419100"/>
           </a:xfrm>
           <a:prstGeom prst="rect">
             <a:avLst/>
@@ -17813,17 +12938,19 @@
       </p:pic>
       <p:pic>
         <p:nvPicPr>
-          <p:cNvPr id="6" name="Picture 5">
-            <a:extLst>
-              <a:ext uri="{FF2B5EF4-FFF2-40B4-BE49-F238E27FC236}">
-                <a16:creationId xmlns:a16="http://schemas.microsoft.com/office/drawing/2014/main" id="{E1806754-EDB0-EDFF-8B83-F21343D32A79}"/>
+          <p:cNvPr id="11" name="Content Placeholder 10" descr="A white paper with black text&#10;&#10;AI-generated content may be incorrect.">
+            <a:extLst>
+              <a:ext uri="{FF2B5EF4-FFF2-40B4-BE49-F238E27FC236}">
+                <a16:creationId xmlns:a16="http://schemas.microsoft.com/office/drawing/2014/main" id="{191D98BD-0CC4-4C8E-2CC7-36CAE84694EB}"/>
               </a:ext>
             </a:extLst>
           </p:cNvPr>
           <p:cNvPicPr>
-            <a:picLocks noChangeAspect="1"/>
+            <a:picLocks noGrp="1" noChangeAspect="1"/>
           </p:cNvPicPr>
-          <p:nvPr/>
+          <p:nvPr>
+            <p:ph idx="1"/>
+          </p:nvPr>
         </p:nvPicPr>
         <p:blipFill>
           <a:blip r:embed="rId3"/>
@@ -17833,1920 +12960,22 @@
         </p:blipFill>
         <p:spPr>
           <a:xfrm>
-            <a:off x="4761333" y="2124668"/>
-            <a:ext cx="2641600" cy="1028700"/>
+            <a:off x="980017" y="2112169"/>
+            <a:ext cx="5935133" cy="2564695"/>
           </a:xfrm>
           <a:prstGeom prst="rect">
             <a:avLst/>
           </a:prstGeom>
         </p:spPr>
       </p:pic>
-      <mc:AlternateContent xmlns:mc="http://schemas.openxmlformats.org/markup-compatibility/2006" xmlns:a14="http://schemas.microsoft.com/office/drawing/2010/main">
-        <mc:Choice Requires="a14">
+      <mc:AlternateContent xmlns:mc="http://schemas.openxmlformats.org/markup-compatibility/2006">
+        <mc:Choice xmlns:a14="http://schemas.microsoft.com/office/drawing/2010/main" Requires="a14">
           <p:sp>
             <p:nvSpPr>
-              <p:cNvPr id="2" name="Content Placeholder 8">
+              <p:cNvPr id="3" name="Content Placeholder 8">
                 <a:extLst>
                   <a:ext uri="{FF2B5EF4-FFF2-40B4-BE49-F238E27FC236}">
-                    <a16:creationId xmlns:a16="http://schemas.microsoft.com/office/drawing/2014/main" id="{3EE4CED1-E9D0-9303-239A-9584E3F3CF43}"/>
-                  </a:ext>
-                </a:extLst>
-              </p:cNvPr>
-              <p:cNvSpPr>
-                <a:spLocks noGrp="1"/>
-              </p:cNvSpPr>
-              <p:nvPr>
-                <p:ph idx="1"/>
-              </p:nvPr>
-            </p:nvSpPr>
-            <p:spPr>
-              <a:xfrm>
-                <a:off x="838200" y="2774193"/>
-                <a:ext cx="6752422" cy="3402770"/>
-              </a:xfrm>
-            </p:spPr>
-            <p:txBody>
-              <a:bodyPr>
-                <a:normAutofit fontScale="47500" lnSpcReduction="20000"/>
-              </a:bodyPr>
-              <a:lstStyle/>
-              <a:p>
-                <a:pPr marL="0" indent="0">
-                  <a:buNone/>
-                </a:pPr>
-                <a:r>
-                  <a:rPr lang="en-KR">
-                    <a:latin typeface="Apple SD Gothic Neo" panose="02000300000000000000" pitchFamily="2" charset="-127"/>
-                    <a:ea typeface="Apple SD Gothic Neo" panose="02000300000000000000" pitchFamily="2" charset="-127"/>
-                  </a:rPr>
-                  <a:t>Case ii.</a:t>
-                </a:r>
-              </a:p>
-              <a:p>
-                <a:pPr marL="0" indent="0">
-                  <a:buNone/>
-                </a:pPr>
-                <a:endParaRPr lang="en-KR">
-                  <a:latin typeface="Apple SD Gothic Neo" panose="02000300000000000000" pitchFamily="2" charset="-127"/>
-                  <a:ea typeface="Apple SD Gothic Neo" panose="02000300000000000000" pitchFamily="2" charset="-127"/>
-                </a:endParaRPr>
-              </a:p>
-              <a:p>
-                <a:pPr marL="0" indent="0" algn="ctr">
-                  <a:buNone/>
-                </a:pPr>
-                <a14:m>
-                  <m:oMathPara xmlns:m="http://schemas.openxmlformats.org/officeDocument/2006/math">
-                    <m:oMathParaPr>
-                      <m:jc m:val="centerGroup"/>
-                    </m:oMathParaPr>
-                    <m:oMath xmlns:m="http://schemas.openxmlformats.org/officeDocument/2006/math">
-                      <m:f>
-                        <m:fPr>
-                          <m:ctrlPr>
-                            <a:rPr lang="en-KR" i="1">
-                              <a:latin typeface="Cambria Math" panose="02040503050406030204" pitchFamily="18" charset="0"/>
-                              <a:ea typeface="Apple SD Gothic Neo" panose="02000300000000000000" pitchFamily="2" charset="-127"/>
-                            </a:rPr>
-                          </m:ctrlPr>
-                        </m:fPr>
-                        <m:num>
-                          <m:func>
-                            <m:funcPr>
-                              <m:ctrlPr>
-                                <a:rPr lang="en-US" i="1">
-                                  <a:latin typeface="Cambria Math" panose="02040503050406030204" pitchFamily="18" charset="0"/>
-                                  <a:ea typeface="Apple SD Gothic Neo" panose="02000300000000000000" pitchFamily="2" charset="-127"/>
-                                </a:rPr>
-                              </m:ctrlPr>
-                            </m:funcPr>
-                            <m:fName>
-                              <m:r>
-                                <m:rPr>
-                                  <m:sty m:val="p"/>
-                                </m:rPr>
-                                <a:rPr lang="en-US">
-                                  <a:latin typeface="Cambria Math" panose="02040503050406030204" pitchFamily="18" charset="0"/>
-                                  <a:ea typeface="Apple SD Gothic Neo" panose="02000300000000000000" pitchFamily="2" charset="-127"/>
-                                </a:rPr>
-                                <m:t>fibsum</m:t>
-                              </m:r>
-                            </m:fName>
-                            <m:e>
-                              <m:sSub>
-                                <m:sSubPr>
-                                  <m:ctrlPr>
-                                    <a:rPr lang="en-US" i="1">
-                                      <a:latin typeface="Cambria Math" panose="02040503050406030204" pitchFamily="18" charset="0"/>
-                                      <a:ea typeface="Apple SD Gothic Neo" panose="02000300000000000000" pitchFamily="2" charset="-127"/>
-                                    </a:rPr>
-                                  </m:ctrlPr>
-                                </m:sSubPr>
-                                <m:e>
-                                  <m:r>
-                                    <a:rPr lang="en-US" i="1">
-                                      <a:latin typeface="Cambria Math" panose="02040503050406030204" pitchFamily="18" charset="0"/>
-                                      <a:ea typeface="Apple SD Gothic Neo" panose="02000300000000000000" pitchFamily="2" charset="-127"/>
-                                    </a:rPr>
-                                    <m:t>𝑛</m:t>
-                                  </m:r>
-                                </m:e>
-                                <m:sub>
-                                  <m:r>
-                                    <a:rPr lang="en-US" i="1">
-                                      <a:latin typeface="Cambria Math" panose="02040503050406030204" pitchFamily="18" charset="0"/>
-                                      <a:ea typeface="Apple SD Gothic Neo" panose="02000300000000000000" pitchFamily="2" charset="-127"/>
-                                    </a:rPr>
-                                    <m:t>1</m:t>
-                                  </m:r>
-                                </m:sub>
-                              </m:sSub>
-                              <m:sSub>
-                                <m:sSubPr>
-                                  <m:ctrlPr>
-                                    <a:rPr lang="en-US" i="1">
-                                      <a:latin typeface="Cambria Math" panose="02040503050406030204" pitchFamily="18" charset="0"/>
-                                      <a:ea typeface="Apple SD Gothic Neo" panose="02000300000000000000" pitchFamily="2" charset="-127"/>
-                                    </a:rPr>
-                                  </m:ctrlPr>
-                                </m:sSubPr>
-                                <m:e>
-                                  <m:r>
-                                    <a:rPr lang="en-US" i="1">
-                                      <a:latin typeface="Cambria Math" panose="02040503050406030204" pitchFamily="18" charset="0"/>
-                                      <a:ea typeface="Apple SD Gothic Neo" panose="02000300000000000000" pitchFamily="2" charset="-127"/>
-                                    </a:rPr>
-                                    <m:t>𝑛</m:t>
-                                  </m:r>
-                                </m:e>
-                                <m:sub>
-                                  <m:r>
-                                    <a:rPr lang="en-US" i="1">
-                                      <a:latin typeface="Cambria Math" panose="02040503050406030204" pitchFamily="18" charset="0"/>
-                                      <a:ea typeface="Apple SD Gothic Neo" panose="02000300000000000000" pitchFamily="2" charset="-127"/>
-                                    </a:rPr>
-                                    <m:t>2</m:t>
-                                  </m:r>
-                                </m:sub>
-                              </m:sSub>
-                              <m:func>
-                                <m:funcPr>
-                                  <m:ctrlPr>
-                                    <a:rPr lang="en-US" i="1">
-                                      <a:latin typeface="Cambria Math" panose="02040503050406030204" pitchFamily="18" charset="0"/>
-                                      <a:ea typeface="Apple SD Gothic Neo" panose="02000300000000000000" pitchFamily="2" charset="-127"/>
-                                    </a:rPr>
-                                  </m:ctrlPr>
-                                </m:funcPr>
-                                <m:fName>
-                                  <m:r>
-                                    <m:rPr>
-                                      <m:sty m:val="p"/>
-                                    </m:rPr>
-                                    <a:rPr lang="en-US">
-                                      <a:latin typeface="Cambria Math" panose="02040503050406030204" pitchFamily="18" charset="0"/>
-                                      <a:ea typeface="Apple SD Gothic Neo" panose="02000300000000000000" pitchFamily="2" charset="-127"/>
-                                    </a:rPr>
-                                    <m:t>fib</m:t>
-                                  </m:r>
-                                </m:fName>
-                                <m:e>
-                                  <m:sSub>
-                                    <m:sSubPr>
-                                      <m:ctrlPr>
-                                        <a:rPr lang="en-US" i="1">
-                                          <a:latin typeface="Cambria Math" panose="02040503050406030204" pitchFamily="18" charset="0"/>
-                                          <a:ea typeface="Apple SD Gothic Neo" panose="02000300000000000000" pitchFamily="2" charset="-127"/>
-                                        </a:rPr>
-                                      </m:ctrlPr>
-                                    </m:sSubPr>
-                                    <m:e>
-                                      <m:r>
-                                        <a:rPr lang="en-US" i="1">
-                                          <a:latin typeface="Cambria Math" panose="02040503050406030204" pitchFamily="18" charset="0"/>
-                                          <a:ea typeface="Apple SD Gothic Neo" panose="02000300000000000000" pitchFamily="2" charset="-127"/>
-                                        </a:rPr>
-                                        <m:t>𝑆</m:t>
-                                      </m:r>
-                                      <m:r>
-                                        <a:rPr lang="en-US" i="1">
-                                          <a:latin typeface="Cambria Math" panose="02040503050406030204" pitchFamily="18" charset="0"/>
-                                          <a:ea typeface="Apple SD Gothic Neo" panose="02000300000000000000" pitchFamily="2" charset="-127"/>
-                                        </a:rPr>
-                                        <m:t>(</m:t>
-                                      </m:r>
-                                      <m:r>
-                                        <a:rPr lang="en-US" i="1">
-                                          <a:latin typeface="Cambria Math" panose="02040503050406030204" pitchFamily="18" charset="0"/>
-                                          <a:ea typeface="Apple SD Gothic Neo" panose="02000300000000000000" pitchFamily="2" charset="-127"/>
-                                        </a:rPr>
-                                        <m:t>𝑛</m:t>
-                                      </m:r>
-                                    </m:e>
-                                    <m:sub>
-                                      <m:r>
-                                        <a:rPr lang="en-US" i="1">
-                                          <a:latin typeface="Cambria Math" panose="02040503050406030204" pitchFamily="18" charset="0"/>
-                                          <a:ea typeface="Apple SD Gothic Neo" panose="02000300000000000000" pitchFamily="2" charset="-127"/>
-                                        </a:rPr>
-                                        <m:t>1</m:t>
-                                      </m:r>
-                                    </m:sub>
-                                  </m:sSub>
-                                  <m:r>
-                                    <a:rPr lang="en-US" i="1">
-                                      <a:latin typeface="Cambria Math" panose="02040503050406030204" pitchFamily="18" charset="0"/>
-                                      <a:ea typeface="Apple SD Gothic Neo" panose="02000300000000000000" pitchFamily="2" charset="-127"/>
-                                    </a:rPr>
-                                    <m:t>)</m:t>
-                                  </m:r>
-                                  <m:sSub>
-                                    <m:sSubPr>
-                                      <m:ctrlPr>
-                                        <a:rPr lang="en-US" i="1">
-                                          <a:latin typeface="Cambria Math" panose="02040503050406030204" pitchFamily="18" charset="0"/>
-                                          <a:ea typeface="Apple SD Gothic Neo" panose="02000300000000000000" pitchFamily="2" charset="-127"/>
-                                        </a:rPr>
-                                      </m:ctrlPr>
-                                    </m:sSubPr>
-                                    <m:e>
-                                      <m:r>
-                                        <a:rPr lang="en-US" i="1">
-                                          <a:latin typeface="Cambria Math" panose="02040503050406030204" pitchFamily="18" charset="0"/>
-                                          <a:ea typeface="Apple SD Gothic Neo" panose="02000300000000000000" pitchFamily="2" charset="-127"/>
-                                        </a:rPr>
-                                        <m:t>𝑛</m:t>
-                                      </m:r>
-                                    </m:e>
-                                    <m:sub>
-                                      <m:r>
-                                        <a:rPr lang="en-US" i="1">
-                                          <a:latin typeface="Cambria Math" panose="02040503050406030204" pitchFamily="18" charset="0"/>
-                                          <a:ea typeface="Apple SD Gothic Neo" panose="02000300000000000000" pitchFamily="2" charset="-127"/>
-                                        </a:rPr>
-                                        <m:t>3</m:t>
-                                      </m:r>
-                                    </m:sub>
-                                  </m:sSub>
-                                </m:e>
-                              </m:func>
-                              <m:func>
-                                <m:funcPr>
-                                  <m:ctrlPr>
-                                    <a:rPr lang="en-US" i="1">
-                                      <a:latin typeface="Cambria Math" panose="02040503050406030204" pitchFamily="18" charset="0"/>
-                                      <a:ea typeface="Apple SD Gothic Neo" panose="02000300000000000000" pitchFamily="2" charset="-127"/>
-                                    </a:rPr>
-                                  </m:ctrlPr>
-                                </m:funcPr>
-                                <m:fName>
-                                  <m:r>
-                                    <m:rPr>
-                                      <m:sty m:val="p"/>
-                                    </m:rPr>
-                                    <a:rPr lang="en-US">
-                                      <a:latin typeface="Cambria Math" panose="02040503050406030204" pitchFamily="18" charset="0"/>
-                                      <a:ea typeface="Apple SD Gothic Neo" panose="02000300000000000000" pitchFamily="2" charset="-127"/>
-                                    </a:rPr>
-                                    <m:t>add</m:t>
-                                  </m:r>
-                                </m:fName>
-                                <m:e>
-                                  <m:sSub>
-                                    <m:sSubPr>
-                                      <m:ctrlPr>
-                                        <a:rPr lang="en-US" i="1">
-                                          <a:latin typeface="Cambria Math" panose="02040503050406030204" pitchFamily="18" charset="0"/>
-                                          <a:ea typeface="Apple SD Gothic Neo" panose="02000300000000000000" pitchFamily="2" charset="-127"/>
-                                        </a:rPr>
-                                      </m:ctrlPr>
-                                    </m:sSubPr>
-                                    <m:e>
-                                      <m:r>
-                                        <a:rPr lang="en-US" i="1">
-                                          <a:latin typeface="Cambria Math" panose="02040503050406030204" pitchFamily="18" charset="0"/>
-                                          <a:ea typeface="Apple SD Gothic Neo" panose="02000300000000000000" pitchFamily="2" charset="-127"/>
-                                        </a:rPr>
-                                        <m:t>𝑛</m:t>
-                                      </m:r>
-                                    </m:e>
-                                    <m:sub>
-                                      <m:r>
-                                        <a:rPr lang="en-US" i="1">
-                                          <a:latin typeface="Cambria Math" panose="02040503050406030204" pitchFamily="18" charset="0"/>
-                                          <a:ea typeface="Apple SD Gothic Neo" panose="02000300000000000000" pitchFamily="2" charset="-127"/>
-                                        </a:rPr>
-                                        <m:t>2</m:t>
-                                      </m:r>
-                                    </m:sub>
-                                  </m:sSub>
-                                  <m:sSub>
-                                    <m:sSubPr>
-                                      <m:ctrlPr>
-                                        <a:rPr lang="en-US" i="1">
-                                          <a:latin typeface="Cambria Math" panose="02040503050406030204" pitchFamily="18" charset="0"/>
-                                          <a:ea typeface="Apple SD Gothic Neo" panose="02000300000000000000" pitchFamily="2" charset="-127"/>
-                                        </a:rPr>
-                                      </m:ctrlPr>
-                                    </m:sSubPr>
-                                    <m:e>
-                                      <m:r>
-                                        <a:rPr lang="en-US" i="1">
-                                          <a:latin typeface="Cambria Math" panose="02040503050406030204" pitchFamily="18" charset="0"/>
-                                          <a:ea typeface="Apple SD Gothic Neo" panose="02000300000000000000" pitchFamily="2" charset="-127"/>
-                                        </a:rPr>
-                                        <m:t>𝑛</m:t>
-                                      </m:r>
-                                    </m:e>
-                                    <m:sub>
-                                      <m:r>
-                                        <a:rPr lang="en-US" i="1">
-                                          <a:latin typeface="Cambria Math" panose="02040503050406030204" pitchFamily="18" charset="0"/>
-                                          <a:ea typeface="Apple SD Gothic Neo" panose="02000300000000000000" pitchFamily="2" charset="-127"/>
-                                        </a:rPr>
-                                        <m:t>3</m:t>
-                                      </m:r>
-                                    </m:sub>
-                                  </m:sSub>
-                                  <m:sSub>
-                                    <m:sSubPr>
-                                      <m:ctrlPr>
-                                        <a:rPr lang="en-US" i="1">
-                                          <a:latin typeface="Cambria Math" panose="02040503050406030204" pitchFamily="18" charset="0"/>
-                                          <a:ea typeface="Apple SD Gothic Neo" panose="02000300000000000000" pitchFamily="2" charset="-127"/>
-                                        </a:rPr>
-                                      </m:ctrlPr>
-                                    </m:sSubPr>
-                                    <m:e>
-                                      <m:r>
-                                        <a:rPr lang="en-US" i="1">
-                                          <a:latin typeface="Cambria Math" panose="02040503050406030204" pitchFamily="18" charset="0"/>
-                                          <a:ea typeface="Apple SD Gothic Neo" panose="02000300000000000000" pitchFamily="2" charset="-127"/>
-                                        </a:rPr>
-                                        <m:t>𝑛</m:t>
-                                      </m:r>
-                                    </m:e>
-                                    <m:sub>
-                                      <m:r>
-                                        <a:rPr lang="en-US" i="1">
-                                          <a:latin typeface="Cambria Math" panose="02040503050406030204" pitchFamily="18" charset="0"/>
-                                          <a:ea typeface="Apple SD Gothic Neo" panose="02000300000000000000" pitchFamily="2" charset="-127"/>
-                                        </a:rPr>
-                                        <m:t>4</m:t>
-                                      </m:r>
-                                    </m:sub>
-                                  </m:sSub>
-                                </m:e>
-                              </m:func>
-                            </m:e>
-                          </m:func>
-                        </m:num>
-                        <m:den>
-                          <m:func>
-                            <m:funcPr>
-                              <m:ctrlPr>
-                                <a:rPr lang="en-US" i="1">
-                                  <a:latin typeface="Cambria Math" panose="02040503050406030204" pitchFamily="18" charset="0"/>
-                                  <a:ea typeface="Apple SD Gothic Neo" panose="02000300000000000000" pitchFamily="2" charset="-127"/>
-                                </a:rPr>
-                              </m:ctrlPr>
-                            </m:funcPr>
-                            <m:fName>
-                              <m:r>
-                                <m:rPr>
-                                  <m:sty m:val="p"/>
-                                </m:rPr>
-                                <a:rPr lang="en-US">
-                                  <a:latin typeface="Cambria Math" panose="02040503050406030204" pitchFamily="18" charset="0"/>
-                                  <a:ea typeface="Apple SD Gothic Neo" panose="02000300000000000000" pitchFamily="2" charset="-127"/>
-                                </a:rPr>
-                                <m:t>fibsum</m:t>
-                              </m:r>
-                            </m:fName>
-                            <m:e>
-                              <m:sSub>
-                                <m:sSubPr>
-                                  <m:ctrlPr>
-                                    <a:rPr lang="en-US" i="1">
-                                      <a:latin typeface="Cambria Math" panose="02040503050406030204" pitchFamily="18" charset="0"/>
-                                      <a:ea typeface="Apple SD Gothic Neo" panose="02000300000000000000" pitchFamily="2" charset="-127"/>
-                                    </a:rPr>
-                                  </m:ctrlPr>
-                                </m:sSubPr>
-                                <m:e>
-                                  <m:r>
-                                    <a:rPr lang="en-US" i="1">
-                                      <a:latin typeface="Cambria Math" panose="02040503050406030204" pitchFamily="18" charset="0"/>
-                                      <a:ea typeface="Apple SD Gothic Neo" panose="02000300000000000000" pitchFamily="2" charset="-127"/>
-                                    </a:rPr>
-                                    <m:t>𝑆</m:t>
-                                  </m:r>
-                                  <m:r>
-                                    <a:rPr lang="en-US" i="1">
-                                      <a:latin typeface="Cambria Math" panose="02040503050406030204" pitchFamily="18" charset="0"/>
-                                      <a:ea typeface="Apple SD Gothic Neo" panose="02000300000000000000" pitchFamily="2" charset="-127"/>
-                                    </a:rPr>
-                                    <m:t>(</m:t>
-                                  </m:r>
-                                  <m:r>
-                                    <a:rPr lang="en-US" i="1">
-                                      <a:latin typeface="Cambria Math" panose="02040503050406030204" pitchFamily="18" charset="0"/>
-                                      <a:ea typeface="Apple SD Gothic Neo" panose="02000300000000000000" pitchFamily="2" charset="-127"/>
-                                    </a:rPr>
-                                    <m:t>𝑛</m:t>
-                                  </m:r>
-                                </m:e>
-                                <m:sub>
-                                  <m:r>
-                                    <a:rPr lang="en-US" i="1">
-                                      <a:latin typeface="Cambria Math" panose="02040503050406030204" pitchFamily="18" charset="0"/>
-                                      <a:ea typeface="Apple SD Gothic Neo" panose="02000300000000000000" pitchFamily="2" charset="-127"/>
-                                    </a:rPr>
-                                    <m:t>1</m:t>
-                                  </m:r>
-                                </m:sub>
-                              </m:sSub>
-                              <m:r>
-                                <a:rPr lang="en-US" i="1">
-                                  <a:latin typeface="Cambria Math" panose="02040503050406030204" pitchFamily="18" charset="0"/>
-                                  <a:ea typeface="Apple SD Gothic Neo" panose="02000300000000000000" pitchFamily="2" charset="-127"/>
-                                </a:rPr>
-                                <m:t>)</m:t>
-                              </m:r>
-                            </m:e>
-                          </m:func>
-                          <m:sSub>
-                            <m:sSubPr>
-                              <m:ctrlPr>
-                                <a:rPr lang="en-US" i="1">
-                                  <a:latin typeface="Cambria Math" panose="02040503050406030204" pitchFamily="18" charset="0"/>
-                                  <a:ea typeface="Apple SD Gothic Neo" panose="02000300000000000000" pitchFamily="2" charset="-127"/>
-                                </a:rPr>
-                              </m:ctrlPr>
-                            </m:sSubPr>
-                            <m:e>
-                              <m:r>
-                                <a:rPr lang="en-US" i="1">
-                                  <a:latin typeface="Cambria Math" panose="02040503050406030204" pitchFamily="18" charset="0"/>
-                                  <a:ea typeface="Apple SD Gothic Neo" panose="02000300000000000000" pitchFamily="2" charset="-127"/>
-                                </a:rPr>
-                                <m:t>𝑛</m:t>
-                              </m:r>
-                            </m:e>
-                            <m:sub>
-                              <m:r>
-                                <a:rPr lang="en-US" i="1">
-                                  <a:latin typeface="Cambria Math" panose="02040503050406030204" pitchFamily="18" charset="0"/>
-                                  <a:ea typeface="Apple SD Gothic Neo" panose="02000300000000000000" pitchFamily="2" charset="-127"/>
-                                </a:rPr>
-                                <m:t>4</m:t>
-                              </m:r>
-                            </m:sub>
-                          </m:sSub>
-                        </m:den>
-                      </m:f>
-                      <m:func>
-                        <m:funcPr>
-                          <m:ctrlPr>
-                            <a:rPr lang="en-US" i="1">
-                              <a:latin typeface="Cambria Math" panose="02040503050406030204" pitchFamily="18" charset="0"/>
-                              <a:ea typeface="Apple SD Gothic Neo" panose="02000300000000000000" pitchFamily="2" charset="-127"/>
-                            </a:rPr>
-                          </m:ctrlPr>
-                        </m:funcPr>
-                        <m:fName>
-                          <m:r>
-                            <m:rPr>
-                              <m:sty m:val="p"/>
-                            </m:rPr>
-                            <a:rPr lang="en-US">
-                              <a:latin typeface="Cambria Math" panose="02040503050406030204" pitchFamily="18" charset="0"/>
-                              <a:ea typeface="Apple SD Gothic Neo" panose="02000300000000000000" pitchFamily="2" charset="-127"/>
-                            </a:rPr>
-                            <m:t>fibsum</m:t>
-                          </m:r>
-                        </m:fName>
-                        <m:e>
-                          <m:r>
-                            <a:rPr lang="en-US" i="1">
-                              <a:latin typeface="Cambria Math" panose="02040503050406030204" pitchFamily="18" charset="0"/>
-                              <a:ea typeface="Apple SD Gothic Neo" panose="02000300000000000000" pitchFamily="2" charset="-127"/>
-                            </a:rPr>
-                            <m:t>𝑆</m:t>
-                          </m:r>
-                        </m:e>
-                      </m:func>
-                    </m:oMath>
-                  </m:oMathPara>
-                </a14:m>
-                <a:endParaRPr lang="en-KR">
-                  <a:latin typeface="Apple SD Gothic Neo" panose="02000300000000000000" pitchFamily="2" charset="-127"/>
-                  <a:ea typeface="Apple SD Gothic Neo" panose="02000300000000000000" pitchFamily="2" charset="-127"/>
-                </a:endParaRPr>
-              </a:p>
-              <a:p>
-                <a:pPr marL="0" indent="0" algn="ctr">
-                  <a:buNone/>
-                </a:pPr>
-                <a:r>
-                  <a:rPr lang="en-US">
-                    <a:latin typeface="Apple SD Gothic Neo" panose="02000300000000000000" pitchFamily="2" charset="-127"/>
-                    <a:ea typeface="Apple SD Gothic Neo" panose="02000300000000000000" pitchFamily="2" charset="-127"/>
-                  </a:rPr>
-                  <a:t>I</a:t>
-                </a:r>
-                <a:r>
-                  <a:rPr lang="en-KR">
-                    <a:latin typeface="Apple SD Gothic Neo" panose="02000300000000000000" pitchFamily="2" charset="-127"/>
-                    <a:ea typeface="Apple SD Gothic Neo" panose="02000300000000000000" pitchFamily="2" charset="-127"/>
-                  </a:rPr>
-                  <a:t>f fibsum S(n1) n4, then fib S(S(n1) S(n4)?</a:t>
-                </a:r>
-              </a:p>
-              <a:p>
-                <a:pPr marL="0" indent="0" algn="just">
-                  <a:buNone/>
-                </a:pPr>
-                <a:r>
-                  <a:rPr lang="en-KR">
-                    <a:latin typeface="Apple SD Gothic Neo" panose="02000300000000000000" pitchFamily="2" charset="-127"/>
-                    <a:ea typeface="Apple SD Gothic Neo" panose="02000300000000000000" pitchFamily="2" charset="-127"/>
-                  </a:rPr>
-                  <a:t>Proof)</a:t>
-                </a:r>
-              </a:p>
-              <a:p>
-                <a:pPr marL="514350" indent="-514350" algn="ctr">
-                  <a:buAutoNum type="arabicParenR"/>
-                </a:pPr>
-                <a14:m>
-                  <m:oMath xmlns:m="http://schemas.openxmlformats.org/officeDocument/2006/math">
-                    <m:func>
-                      <m:funcPr>
-                        <m:ctrlPr>
-                          <a:rPr lang="en-US" b="0" i="1" smtClean="0">
-                            <a:latin typeface="Cambria Math" panose="02040503050406030204" pitchFamily="18" charset="0"/>
-                            <a:ea typeface="Apple SD Gothic Neo" panose="02000300000000000000" pitchFamily="2" charset="-127"/>
-                          </a:rPr>
-                        </m:ctrlPr>
-                      </m:funcPr>
-                      <m:fName>
-                        <m:r>
-                          <m:rPr>
-                            <m:sty m:val="p"/>
-                          </m:rPr>
-                          <a:rPr lang="en-US" b="0" i="0" smtClean="0">
-                            <a:latin typeface="Cambria Math" panose="02040503050406030204" pitchFamily="18" charset="0"/>
-                            <a:ea typeface="Apple SD Gothic Neo" panose="02000300000000000000" pitchFamily="2" charset="-127"/>
-                          </a:rPr>
-                          <m:t>fibsum</m:t>
-                        </m:r>
-                      </m:fName>
-                      <m:e>
-                        <m:sSub>
-                          <m:sSubPr>
-                            <m:ctrlPr>
-                              <a:rPr lang="en-US" i="1">
-                                <a:latin typeface="Cambria Math" panose="02040503050406030204" pitchFamily="18" charset="0"/>
-                                <a:ea typeface="Apple SD Gothic Neo" panose="02000300000000000000" pitchFamily="2" charset="-127"/>
-                              </a:rPr>
-                            </m:ctrlPr>
-                          </m:sSubPr>
-                          <m:e>
-                            <m:r>
-                              <a:rPr lang="en-US" i="1">
-                                <a:latin typeface="Cambria Math" panose="02040503050406030204" pitchFamily="18" charset="0"/>
-                                <a:ea typeface="Apple SD Gothic Neo" panose="02000300000000000000" pitchFamily="2" charset="-127"/>
-                              </a:rPr>
-                              <m:t>𝑛</m:t>
-                            </m:r>
-                          </m:e>
-                          <m:sub>
-                            <m:r>
-                              <a:rPr lang="en-US" i="1">
-                                <a:latin typeface="Cambria Math" panose="02040503050406030204" pitchFamily="18" charset="0"/>
-                                <a:ea typeface="Apple SD Gothic Neo" panose="02000300000000000000" pitchFamily="2" charset="-127"/>
-                              </a:rPr>
-                              <m:t>1</m:t>
-                            </m:r>
-                          </m:sub>
-                        </m:sSub>
-                        <m:sSub>
-                          <m:sSubPr>
-                            <m:ctrlPr>
-                              <a:rPr lang="en-US" i="1">
-                                <a:latin typeface="Cambria Math" panose="02040503050406030204" pitchFamily="18" charset="0"/>
-                                <a:ea typeface="Apple SD Gothic Neo" panose="02000300000000000000" pitchFamily="2" charset="-127"/>
-                              </a:rPr>
-                            </m:ctrlPr>
-                          </m:sSubPr>
-                          <m:e>
-                            <m:r>
-                              <a:rPr lang="en-US" i="1">
-                                <a:latin typeface="Cambria Math" panose="02040503050406030204" pitchFamily="18" charset="0"/>
-                                <a:ea typeface="Apple SD Gothic Neo" panose="02000300000000000000" pitchFamily="2" charset="-127"/>
-                              </a:rPr>
-                              <m:t>𝑛</m:t>
-                            </m:r>
-                          </m:e>
-                          <m:sub>
-                            <m:r>
-                              <a:rPr lang="en-US" b="0" i="1" smtClean="0">
-                                <a:latin typeface="Cambria Math" panose="02040503050406030204" pitchFamily="18" charset="0"/>
-                                <a:ea typeface="Apple SD Gothic Neo" panose="02000300000000000000" pitchFamily="2" charset="-127"/>
-                              </a:rPr>
-                              <m:t>2</m:t>
-                            </m:r>
-                          </m:sub>
-                        </m:sSub>
-                        <m:r>
-                          <a:rPr lang="en-US" b="0" i="1" smtClean="0">
-                            <a:latin typeface="Cambria Math" panose="02040503050406030204" pitchFamily="18" charset="0"/>
-                            <a:ea typeface="Apple SD Gothic Neo" panose="02000300000000000000" pitchFamily="2" charset="-127"/>
-                          </a:rPr>
-                          <m:t> (</m:t>
-                        </m:r>
-                        <m:r>
-                          <a:rPr lang="en-US" b="0" i="1" smtClean="0">
-                            <a:latin typeface="Cambria Math" panose="02040503050406030204" pitchFamily="18" charset="0"/>
-                            <a:ea typeface="Apple SD Gothic Neo" panose="02000300000000000000" pitchFamily="2" charset="-127"/>
-                          </a:rPr>
-                          <m:t>𝐵𝑦</m:t>
-                        </m:r>
-                        <m:r>
-                          <a:rPr lang="en-US" b="0" i="1" smtClean="0">
-                            <a:latin typeface="Cambria Math" panose="02040503050406030204" pitchFamily="18" charset="0"/>
-                            <a:ea typeface="Apple SD Gothic Neo" panose="02000300000000000000" pitchFamily="2" charset="-127"/>
-                          </a:rPr>
-                          <m:t> </m:t>
-                        </m:r>
-                        <m:r>
-                          <a:rPr lang="en-US" b="0" i="1" smtClean="0">
-                            <a:latin typeface="Cambria Math" panose="02040503050406030204" pitchFamily="18" charset="0"/>
-                            <a:ea typeface="Apple SD Gothic Neo" panose="02000300000000000000" pitchFamily="2" charset="-127"/>
-                          </a:rPr>
-                          <m:t>𝐴𝑠𝑠𝑢𝑚𝑝𝑡𝑖𝑜𝑛</m:t>
-                        </m:r>
-                        <m:r>
-                          <a:rPr lang="en-US" b="0" i="1" smtClean="0">
-                            <a:latin typeface="Cambria Math" panose="02040503050406030204" pitchFamily="18" charset="0"/>
-                            <a:ea typeface="Apple SD Gothic Neo" panose="02000300000000000000" pitchFamily="2" charset="-127"/>
-                          </a:rPr>
-                          <m:t>)</m:t>
-                        </m:r>
-                      </m:e>
-                    </m:func>
-                  </m:oMath>
-                </a14:m>
-                <a:endParaRPr lang="en-KR">
-                  <a:latin typeface="Apple SD Gothic Neo" panose="02000300000000000000" pitchFamily="2" charset="-127"/>
-                  <a:ea typeface="Apple SD Gothic Neo" panose="02000300000000000000" pitchFamily="2" charset="-127"/>
-                </a:endParaRPr>
-              </a:p>
-              <a:p>
-                <a:pPr marL="514350" indent="-514350" algn="ctr">
-                  <a:buFont typeface="Arial" panose="020B0604020202020204" pitchFamily="34" charset="0"/>
-                  <a:buAutoNum type="arabicParenR"/>
-                </a:pPr>
-                <a14:m>
-                  <m:oMath xmlns:m="http://schemas.openxmlformats.org/officeDocument/2006/math">
-                    <m:func>
-                      <m:funcPr>
-                        <m:ctrlPr>
-                          <a:rPr lang="en-US" i="1">
-                            <a:latin typeface="Cambria Math" panose="02040503050406030204" pitchFamily="18" charset="0"/>
-                            <a:ea typeface="Apple SD Gothic Neo" panose="02000300000000000000" pitchFamily="2" charset="-127"/>
-                          </a:rPr>
-                        </m:ctrlPr>
-                      </m:funcPr>
-                      <m:fName>
-                        <m:r>
-                          <m:rPr>
-                            <m:sty m:val="p"/>
-                          </m:rPr>
-                          <a:rPr lang="en-US">
-                            <a:latin typeface="Cambria Math" panose="02040503050406030204" pitchFamily="18" charset="0"/>
-                            <a:ea typeface="Apple SD Gothic Neo" panose="02000300000000000000" pitchFamily="2" charset="-127"/>
-                          </a:rPr>
-                          <m:t>fib</m:t>
-                        </m:r>
-                      </m:fName>
-                      <m:e>
-                        <m:r>
-                          <a:rPr lang="en-US" b="0" i="1" smtClean="0">
-                            <a:latin typeface="Cambria Math" panose="02040503050406030204" pitchFamily="18" charset="0"/>
-                            <a:ea typeface="Apple SD Gothic Neo" panose="02000300000000000000" pitchFamily="2" charset="-127"/>
-                          </a:rPr>
-                          <m:t>𝑆</m:t>
-                        </m:r>
-                        <m:r>
-                          <a:rPr lang="en-US" b="0" i="1" smtClean="0">
-                            <a:latin typeface="Cambria Math" panose="02040503050406030204" pitchFamily="18" charset="0"/>
-                            <a:ea typeface="Apple SD Gothic Neo" panose="02000300000000000000" pitchFamily="2" charset="-127"/>
-                          </a:rPr>
-                          <m:t>(</m:t>
-                        </m:r>
-                        <m:r>
-                          <a:rPr lang="en-US" b="0" i="1" smtClean="0">
-                            <a:latin typeface="Cambria Math" panose="02040503050406030204" pitchFamily="18" charset="0"/>
-                            <a:ea typeface="Apple SD Gothic Neo" panose="02000300000000000000" pitchFamily="2" charset="-127"/>
-                          </a:rPr>
-                          <m:t>𝑆</m:t>
-                        </m:r>
-                        <m:r>
-                          <a:rPr lang="en-US" b="0" i="1" smtClean="0">
-                            <a:latin typeface="Cambria Math" panose="02040503050406030204" pitchFamily="18" charset="0"/>
-                            <a:ea typeface="Apple SD Gothic Neo" panose="02000300000000000000" pitchFamily="2" charset="-127"/>
-                          </a:rPr>
-                          <m:t>(</m:t>
-                        </m:r>
-                        <m:sSub>
-                          <m:sSubPr>
-                            <m:ctrlPr>
-                              <a:rPr lang="en-US" i="1">
-                                <a:latin typeface="Cambria Math" panose="02040503050406030204" pitchFamily="18" charset="0"/>
-                                <a:ea typeface="Apple SD Gothic Neo" panose="02000300000000000000" pitchFamily="2" charset="-127"/>
-                              </a:rPr>
-                            </m:ctrlPr>
-                          </m:sSubPr>
-                          <m:e>
-                            <m:r>
-                              <a:rPr lang="en-US" i="1">
-                                <a:latin typeface="Cambria Math" panose="02040503050406030204" pitchFamily="18" charset="0"/>
-                                <a:ea typeface="Apple SD Gothic Neo" panose="02000300000000000000" pitchFamily="2" charset="-127"/>
-                              </a:rPr>
-                              <m:t>𝑛</m:t>
-                            </m:r>
-                          </m:e>
-                          <m:sub>
-                            <m:r>
-                              <a:rPr lang="en-US" i="1">
-                                <a:latin typeface="Cambria Math" panose="02040503050406030204" pitchFamily="18" charset="0"/>
-                                <a:ea typeface="Apple SD Gothic Neo" panose="02000300000000000000" pitchFamily="2" charset="-127"/>
-                              </a:rPr>
-                              <m:t>1</m:t>
-                            </m:r>
-                          </m:sub>
-                        </m:sSub>
-                        <m:r>
-                          <a:rPr lang="en-US" b="0" i="1" smtClean="0">
-                            <a:latin typeface="Cambria Math" panose="02040503050406030204" pitchFamily="18" charset="0"/>
-                            <a:ea typeface="Apple SD Gothic Neo" panose="02000300000000000000" pitchFamily="2" charset="-127"/>
-                          </a:rPr>
-                          <m:t>))</m:t>
-                        </m:r>
-                        <m:r>
-                          <a:rPr lang="en-US" i="1">
-                            <a:latin typeface="Cambria Math" panose="02040503050406030204" pitchFamily="18" charset="0"/>
-                            <a:ea typeface="Apple SD Gothic Neo" panose="02000300000000000000" pitchFamily="2" charset="-127"/>
-                          </a:rPr>
-                          <m:t> </m:t>
-                        </m:r>
-                        <m:r>
-                          <a:rPr lang="en-US" b="0" i="1" smtClean="0">
-                            <a:latin typeface="Cambria Math" panose="02040503050406030204" pitchFamily="18" charset="0"/>
-                            <a:ea typeface="Apple SD Gothic Neo" panose="02000300000000000000" pitchFamily="2" charset="-127"/>
-                          </a:rPr>
-                          <m:t>𝑆</m:t>
-                        </m:r>
-                        <m:r>
-                          <a:rPr lang="en-US" b="0" i="1" smtClean="0">
-                            <a:latin typeface="Cambria Math" panose="02040503050406030204" pitchFamily="18" charset="0"/>
-                            <a:ea typeface="Apple SD Gothic Neo" panose="02000300000000000000" pitchFamily="2" charset="-127"/>
-                          </a:rPr>
-                          <m:t>(</m:t>
-                        </m:r>
-                        <m:sSub>
-                          <m:sSubPr>
-                            <m:ctrlPr>
-                              <a:rPr lang="en-US" i="1">
-                                <a:latin typeface="Cambria Math" panose="02040503050406030204" pitchFamily="18" charset="0"/>
-                                <a:ea typeface="Apple SD Gothic Neo" panose="02000300000000000000" pitchFamily="2" charset="-127"/>
-                              </a:rPr>
-                            </m:ctrlPr>
-                          </m:sSubPr>
-                          <m:e>
-                            <m:r>
-                              <a:rPr lang="en-US" i="1">
-                                <a:latin typeface="Cambria Math" panose="02040503050406030204" pitchFamily="18" charset="0"/>
-                                <a:ea typeface="Apple SD Gothic Neo" panose="02000300000000000000" pitchFamily="2" charset="-127"/>
-                              </a:rPr>
-                              <m:t>𝑛</m:t>
-                            </m:r>
-                          </m:e>
-                          <m:sub>
-                            <m:r>
-                              <a:rPr lang="en-US" b="0" i="1" smtClean="0">
-                                <a:latin typeface="Cambria Math" panose="02040503050406030204" pitchFamily="18" charset="0"/>
-                                <a:ea typeface="Apple SD Gothic Neo" panose="02000300000000000000" pitchFamily="2" charset="-127"/>
-                              </a:rPr>
-                              <m:t>2</m:t>
-                            </m:r>
-                          </m:sub>
-                        </m:sSub>
-                        <m:r>
-                          <a:rPr lang="en-US" b="0" i="1" smtClean="0">
-                            <a:latin typeface="Cambria Math" panose="02040503050406030204" pitchFamily="18" charset="0"/>
-                            <a:ea typeface="Apple SD Gothic Neo" panose="02000300000000000000" pitchFamily="2" charset="-127"/>
-                          </a:rPr>
-                          <m:t>)</m:t>
-                        </m:r>
-                        <m:r>
-                          <a:rPr lang="en-US" i="1">
-                            <a:latin typeface="Cambria Math" panose="02040503050406030204" pitchFamily="18" charset="0"/>
-                            <a:ea typeface="Apple SD Gothic Neo" panose="02000300000000000000" pitchFamily="2" charset="-127"/>
-                          </a:rPr>
-                          <m:t> (</m:t>
-                        </m:r>
-                        <m:r>
-                          <a:rPr lang="en-US" i="1">
-                            <a:latin typeface="Cambria Math" panose="02040503050406030204" pitchFamily="18" charset="0"/>
-                            <a:ea typeface="Apple SD Gothic Neo" panose="02000300000000000000" pitchFamily="2" charset="-127"/>
-                          </a:rPr>
-                          <m:t>𝐵𝑦</m:t>
-                        </m:r>
-                        <m:r>
-                          <a:rPr lang="en-US" b="0" i="1" smtClean="0">
-                            <a:latin typeface="Cambria Math" panose="02040503050406030204" pitchFamily="18" charset="0"/>
-                            <a:ea typeface="Apple SD Gothic Neo" panose="02000300000000000000" pitchFamily="2" charset="-127"/>
-                          </a:rPr>
-                          <m:t> 1 </m:t>
-                        </m:r>
-                        <m:r>
-                          <a:rPr lang="en-US" b="0" i="1" smtClean="0">
-                            <a:latin typeface="Cambria Math" panose="02040503050406030204" pitchFamily="18" charset="0"/>
-                            <a:ea typeface="Apple SD Gothic Neo" panose="02000300000000000000" pitchFamily="2" charset="-127"/>
-                          </a:rPr>
-                          <m:t>𝑎𝑛𝑑</m:t>
-                        </m:r>
-                        <m:r>
-                          <a:rPr lang="en-US" b="0" i="1" smtClean="0">
-                            <a:latin typeface="Cambria Math" panose="02040503050406030204" pitchFamily="18" charset="0"/>
-                            <a:ea typeface="Apple SD Gothic Neo" panose="02000300000000000000" pitchFamily="2" charset="-127"/>
-                          </a:rPr>
-                          <m:t> </m:t>
-                        </m:r>
-                        <m:r>
-                          <a:rPr lang="en-US" b="0" i="1" smtClean="0">
-                            <a:latin typeface="Cambria Math" panose="02040503050406030204" pitchFamily="18" charset="0"/>
-                            <a:ea typeface="Apple SD Gothic Neo" panose="02000300000000000000" pitchFamily="2" charset="-127"/>
-                          </a:rPr>
-                          <m:t>𝐼</m:t>
-                        </m:r>
-                        <m:r>
-                          <a:rPr lang="en-US" b="0" i="1" smtClean="0">
-                            <a:latin typeface="Cambria Math" panose="02040503050406030204" pitchFamily="18" charset="0"/>
-                            <a:ea typeface="Apple SD Gothic Neo" panose="02000300000000000000" pitchFamily="2" charset="-127"/>
-                          </a:rPr>
-                          <m:t>.</m:t>
-                        </m:r>
-                        <m:r>
-                          <a:rPr lang="en-US" b="0" i="1" smtClean="0">
-                            <a:latin typeface="Cambria Math" panose="02040503050406030204" pitchFamily="18" charset="0"/>
-                            <a:ea typeface="Apple SD Gothic Neo" panose="02000300000000000000" pitchFamily="2" charset="-127"/>
-                          </a:rPr>
-                          <m:t>𝐻</m:t>
-                        </m:r>
-                        <m:r>
-                          <a:rPr lang="en-US" b="0" i="1" smtClean="0">
-                            <a:latin typeface="Cambria Math" panose="02040503050406030204" pitchFamily="18" charset="0"/>
-                            <a:ea typeface="Apple SD Gothic Neo" panose="02000300000000000000" pitchFamily="2" charset="-127"/>
-                          </a:rPr>
-                          <m:t>.)</m:t>
-                        </m:r>
-                      </m:e>
-                    </m:func>
-                  </m:oMath>
-                </a14:m>
-                <a:endParaRPr lang="en-KR">
-                  <a:latin typeface="Apple SD Gothic Neo" panose="02000300000000000000" pitchFamily="2" charset="-127"/>
-                  <a:ea typeface="Apple SD Gothic Neo" panose="02000300000000000000" pitchFamily="2" charset="-127"/>
-                </a:endParaRPr>
-              </a:p>
-              <a:p>
-                <a:pPr marL="514350" indent="-514350" algn="ctr">
-                  <a:buFont typeface="Arial" panose="020B0604020202020204" pitchFamily="34" charset="0"/>
-                  <a:buAutoNum type="arabicParenR"/>
-                </a:pPr>
-                <a14:m>
-                  <m:oMath xmlns:m="http://schemas.openxmlformats.org/officeDocument/2006/math">
-                    <m:func>
-                      <m:funcPr>
-                        <m:ctrlPr>
-                          <a:rPr lang="en-US" i="1">
-                            <a:latin typeface="Cambria Math" panose="02040503050406030204" pitchFamily="18" charset="0"/>
-                            <a:ea typeface="Apple SD Gothic Neo" panose="02000300000000000000" pitchFamily="2" charset="-127"/>
-                          </a:rPr>
-                        </m:ctrlPr>
-                      </m:funcPr>
-                      <m:fName>
-                        <m:r>
-                          <m:rPr>
-                            <m:sty m:val="p"/>
-                          </m:rPr>
-                          <a:rPr lang="en-US" b="0" i="0" smtClean="0">
-                            <a:latin typeface="Cambria Math" panose="02040503050406030204" pitchFamily="18" charset="0"/>
-                            <a:ea typeface="Apple SD Gothic Neo" panose="02000300000000000000" pitchFamily="2" charset="-127"/>
-                          </a:rPr>
-                          <m:t>fib</m:t>
-                        </m:r>
-                      </m:fName>
-                      <m:e>
-                        <m:r>
-                          <a:rPr lang="en-US" i="1">
-                            <a:latin typeface="Cambria Math" panose="02040503050406030204" pitchFamily="18" charset="0"/>
-                            <a:ea typeface="Apple SD Gothic Neo" panose="02000300000000000000" pitchFamily="2" charset="-127"/>
-                          </a:rPr>
-                          <m:t>𝑆</m:t>
-                        </m:r>
-                        <m:d>
-                          <m:dPr>
-                            <m:ctrlPr>
-                              <a:rPr lang="en-US" i="1">
-                                <a:latin typeface="Cambria Math" panose="02040503050406030204" pitchFamily="18" charset="0"/>
-                                <a:ea typeface="Apple SD Gothic Neo" panose="02000300000000000000" pitchFamily="2" charset="-127"/>
-                              </a:rPr>
-                            </m:ctrlPr>
-                          </m:dPr>
-                          <m:e>
-                            <m:sSub>
-                              <m:sSubPr>
-                                <m:ctrlPr>
-                                  <a:rPr lang="en-US" i="1">
-                                    <a:latin typeface="Cambria Math" panose="02040503050406030204" pitchFamily="18" charset="0"/>
-                                    <a:ea typeface="Apple SD Gothic Neo" panose="02000300000000000000" pitchFamily="2" charset="-127"/>
-                                  </a:rPr>
-                                </m:ctrlPr>
-                              </m:sSubPr>
-                              <m:e>
-                                <m:r>
-                                  <a:rPr lang="en-US" i="1">
-                                    <a:latin typeface="Cambria Math" panose="02040503050406030204" pitchFamily="18" charset="0"/>
-                                    <a:ea typeface="Apple SD Gothic Neo" panose="02000300000000000000" pitchFamily="2" charset="-127"/>
-                                  </a:rPr>
-                                  <m:t>𝑛</m:t>
-                                </m:r>
-                              </m:e>
-                              <m:sub>
-                                <m:r>
-                                  <a:rPr lang="en-US" i="1">
-                                    <a:latin typeface="Cambria Math" panose="02040503050406030204" pitchFamily="18" charset="0"/>
-                                    <a:ea typeface="Apple SD Gothic Neo" panose="02000300000000000000" pitchFamily="2" charset="-127"/>
-                                  </a:rPr>
-                                  <m:t>1</m:t>
-                                </m:r>
-                              </m:sub>
-                            </m:sSub>
-                          </m:e>
-                        </m:d>
-                        <m:sSub>
-                          <m:sSubPr>
-                            <m:ctrlPr>
-                              <a:rPr lang="en-US" i="1">
-                                <a:latin typeface="Cambria Math" panose="02040503050406030204" pitchFamily="18" charset="0"/>
-                                <a:ea typeface="Apple SD Gothic Neo" panose="02000300000000000000" pitchFamily="2" charset="-127"/>
-                              </a:rPr>
-                            </m:ctrlPr>
-                          </m:sSubPr>
-                          <m:e>
-                            <m:r>
-                              <a:rPr lang="en-US" i="1">
-                                <a:latin typeface="Cambria Math" panose="02040503050406030204" pitchFamily="18" charset="0"/>
-                                <a:ea typeface="Apple SD Gothic Neo" panose="02000300000000000000" pitchFamily="2" charset="-127"/>
-                              </a:rPr>
-                              <m:t>𝑛</m:t>
-                            </m:r>
-                          </m:e>
-                          <m:sub>
-                            <m:r>
-                              <a:rPr lang="en-US" b="0" i="1" smtClean="0">
-                                <a:latin typeface="Cambria Math" panose="02040503050406030204" pitchFamily="18" charset="0"/>
-                                <a:ea typeface="Apple SD Gothic Neo" panose="02000300000000000000" pitchFamily="2" charset="-127"/>
-                              </a:rPr>
-                              <m:t>3</m:t>
-                            </m:r>
-                          </m:sub>
-                        </m:sSub>
-                        <m:r>
-                          <a:rPr lang="en-US" i="1">
-                            <a:latin typeface="Cambria Math" panose="02040503050406030204" pitchFamily="18" charset="0"/>
-                            <a:ea typeface="Apple SD Gothic Neo" panose="02000300000000000000" pitchFamily="2" charset="-127"/>
-                          </a:rPr>
-                          <m:t>(</m:t>
-                        </m:r>
-                        <m:r>
-                          <a:rPr lang="en-US" i="1">
-                            <a:latin typeface="Cambria Math" panose="02040503050406030204" pitchFamily="18" charset="0"/>
-                            <a:ea typeface="Apple SD Gothic Neo" panose="02000300000000000000" pitchFamily="2" charset="-127"/>
-                          </a:rPr>
-                          <m:t>𝐵𝑦</m:t>
-                        </m:r>
-                        <m:r>
-                          <a:rPr lang="en-US" b="0" i="1" smtClean="0">
-                            <a:latin typeface="Cambria Math" panose="02040503050406030204" pitchFamily="18" charset="0"/>
-                            <a:ea typeface="Apple SD Gothic Neo" panose="02000300000000000000" pitchFamily="2" charset="-127"/>
-                          </a:rPr>
-                          <m:t> </m:t>
-                        </m:r>
-                        <m:r>
-                          <a:rPr lang="en-US" b="0" i="1" smtClean="0">
-                            <a:latin typeface="Cambria Math" panose="02040503050406030204" pitchFamily="18" charset="0"/>
-                            <a:ea typeface="Apple SD Gothic Neo" panose="02000300000000000000" pitchFamily="2" charset="-127"/>
-                          </a:rPr>
-                          <m:t>𝐴𝑠𝑠𝑢𝑚𝑝𝑡𝑖𝑜𝑛</m:t>
-                        </m:r>
-                        <m:r>
-                          <a:rPr lang="en-US" b="0" i="1" smtClean="0">
-                            <a:latin typeface="Cambria Math" panose="02040503050406030204" pitchFamily="18" charset="0"/>
-                            <a:ea typeface="Apple SD Gothic Neo" panose="02000300000000000000" pitchFamily="2" charset="-127"/>
-                          </a:rPr>
-                          <m:t>)</m:t>
-                        </m:r>
-                      </m:e>
-                    </m:func>
-                  </m:oMath>
-                </a14:m>
-                <a:endParaRPr lang="en-KR">
-                  <a:latin typeface="Apple SD Gothic Neo" panose="02000300000000000000" pitchFamily="2" charset="-127"/>
-                  <a:ea typeface="Apple SD Gothic Neo" panose="02000300000000000000" pitchFamily="2" charset="-127"/>
-                </a:endParaRPr>
-              </a:p>
-              <a:p>
-                <a:pPr marL="514350" indent="-514350" algn="ctr">
-                  <a:buFont typeface="Arial" panose="020B0604020202020204" pitchFamily="34" charset="0"/>
-                  <a:buAutoNum type="arabicParenR"/>
-                </a:pPr>
-                <a14:m>
-                  <m:oMath xmlns:m="http://schemas.openxmlformats.org/officeDocument/2006/math">
-                    <m:func>
-                      <m:funcPr>
-                        <m:ctrlPr>
-                          <a:rPr lang="en-US" i="1">
-                            <a:latin typeface="Cambria Math" panose="02040503050406030204" pitchFamily="18" charset="0"/>
-                            <a:ea typeface="Apple SD Gothic Neo" panose="02000300000000000000" pitchFamily="2" charset="-127"/>
-                          </a:rPr>
-                        </m:ctrlPr>
-                      </m:funcPr>
-                      <m:fName>
-                        <m:r>
-                          <m:rPr>
-                            <m:sty m:val="p"/>
-                          </m:rPr>
-                          <a:rPr lang="en-US" b="0" i="0" smtClean="0">
-                            <a:latin typeface="Cambria Math" panose="02040503050406030204" pitchFamily="18" charset="0"/>
-                            <a:ea typeface="Apple SD Gothic Neo" panose="02000300000000000000" pitchFamily="2" charset="-127"/>
-                          </a:rPr>
-                          <m:t>add</m:t>
-                        </m:r>
-                      </m:fName>
-                      <m:e>
-                        <m:sSub>
-                          <m:sSubPr>
-                            <m:ctrlPr>
-                              <a:rPr lang="en-US" i="1">
-                                <a:latin typeface="Cambria Math" panose="02040503050406030204" pitchFamily="18" charset="0"/>
-                                <a:ea typeface="Apple SD Gothic Neo" panose="02000300000000000000" pitchFamily="2" charset="-127"/>
-                              </a:rPr>
-                            </m:ctrlPr>
-                          </m:sSubPr>
-                          <m:e>
-                            <m:r>
-                              <a:rPr lang="en-US" i="1">
-                                <a:latin typeface="Cambria Math" panose="02040503050406030204" pitchFamily="18" charset="0"/>
-                                <a:ea typeface="Apple SD Gothic Neo" panose="02000300000000000000" pitchFamily="2" charset="-127"/>
-                              </a:rPr>
-                              <m:t>𝑛</m:t>
-                            </m:r>
-                          </m:e>
-                          <m:sub>
-                            <m:r>
-                              <a:rPr lang="en-US" b="0" i="1" smtClean="0">
-                                <a:latin typeface="Cambria Math" panose="02040503050406030204" pitchFamily="18" charset="0"/>
-                                <a:ea typeface="Apple SD Gothic Neo" panose="02000300000000000000" pitchFamily="2" charset="-127"/>
-                              </a:rPr>
-                              <m:t>2</m:t>
-                            </m:r>
-                          </m:sub>
-                        </m:sSub>
-                        <m:sSub>
-                          <m:sSubPr>
-                            <m:ctrlPr>
-                              <a:rPr lang="en-US" i="1">
-                                <a:latin typeface="Cambria Math" panose="02040503050406030204" pitchFamily="18" charset="0"/>
-                                <a:ea typeface="Apple SD Gothic Neo" panose="02000300000000000000" pitchFamily="2" charset="-127"/>
-                              </a:rPr>
-                            </m:ctrlPr>
-                          </m:sSubPr>
-                          <m:e>
-                            <m:r>
-                              <a:rPr lang="en-US" i="1">
-                                <a:latin typeface="Cambria Math" panose="02040503050406030204" pitchFamily="18" charset="0"/>
-                                <a:ea typeface="Apple SD Gothic Neo" panose="02000300000000000000" pitchFamily="2" charset="-127"/>
-                              </a:rPr>
-                              <m:t>𝑛</m:t>
-                            </m:r>
-                          </m:e>
-                          <m:sub>
-                            <m:r>
-                              <a:rPr lang="en-US" b="0" i="1" smtClean="0">
-                                <a:latin typeface="Cambria Math" panose="02040503050406030204" pitchFamily="18" charset="0"/>
-                                <a:ea typeface="Apple SD Gothic Neo" panose="02000300000000000000" pitchFamily="2" charset="-127"/>
-                              </a:rPr>
-                              <m:t>3</m:t>
-                            </m:r>
-                          </m:sub>
-                        </m:sSub>
-                        <m:sSub>
-                          <m:sSubPr>
-                            <m:ctrlPr>
-                              <a:rPr lang="en-US" i="1">
-                                <a:latin typeface="Cambria Math" panose="02040503050406030204" pitchFamily="18" charset="0"/>
-                                <a:ea typeface="Apple SD Gothic Neo" panose="02000300000000000000" pitchFamily="2" charset="-127"/>
-                              </a:rPr>
-                            </m:ctrlPr>
-                          </m:sSubPr>
-                          <m:e>
-                            <m:r>
-                              <a:rPr lang="en-US" i="1">
-                                <a:latin typeface="Cambria Math" panose="02040503050406030204" pitchFamily="18" charset="0"/>
-                                <a:ea typeface="Apple SD Gothic Neo" panose="02000300000000000000" pitchFamily="2" charset="-127"/>
-                              </a:rPr>
-                              <m:t>𝑛</m:t>
-                            </m:r>
-                          </m:e>
-                          <m:sub>
-                            <m:r>
-                              <a:rPr lang="en-US" b="0" i="1" smtClean="0">
-                                <a:latin typeface="Cambria Math" panose="02040503050406030204" pitchFamily="18" charset="0"/>
-                                <a:ea typeface="Apple SD Gothic Neo" panose="02000300000000000000" pitchFamily="2" charset="-127"/>
-                              </a:rPr>
-                              <m:t>4</m:t>
-                            </m:r>
-                          </m:sub>
-                        </m:sSub>
-                        <m:r>
-                          <a:rPr lang="en-US" i="1">
-                            <a:latin typeface="Cambria Math" panose="02040503050406030204" pitchFamily="18" charset="0"/>
-                            <a:ea typeface="Apple SD Gothic Neo" panose="02000300000000000000" pitchFamily="2" charset="-127"/>
-                          </a:rPr>
-                          <m:t>(</m:t>
-                        </m:r>
-                        <m:r>
-                          <a:rPr lang="en-US" i="1">
-                            <a:latin typeface="Cambria Math" panose="02040503050406030204" pitchFamily="18" charset="0"/>
-                            <a:ea typeface="Apple SD Gothic Neo" panose="02000300000000000000" pitchFamily="2" charset="-127"/>
-                          </a:rPr>
-                          <m:t>𝐵𝑦</m:t>
-                        </m:r>
-                        <m:r>
-                          <a:rPr lang="en-US" b="0" i="1" smtClean="0">
-                            <a:latin typeface="Cambria Math" panose="02040503050406030204" pitchFamily="18" charset="0"/>
-                            <a:ea typeface="Apple SD Gothic Neo" panose="02000300000000000000" pitchFamily="2" charset="-127"/>
-                          </a:rPr>
-                          <m:t> </m:t>
-                        </m:r>
-                        <m:r>
-                          <a:rPr lang="en-US" b="0" i="1" smtClean="0">
-                            <a:latin typeface="Cambria Math" panose="02040503050406030204" pitchFamily="18" charset="0"/>
-                            <a:ea typeface="Apple SD Gothic Neo" panose="02000300000000000000" pitchFamily="2" charset="-127"/>
-                          </a:rPr>
-                          <m:t>𝐴𝑠𝑠𝑢𝑚𝑝𝑡𝑖𝑜𝑛</m:t>
-                        </m:r>
-                        <m:r>
-                          <a:rPr lang="en-US" b="0" i="1" smtClean="0">
-                            <a:latin typeface="Cambria Math" panose="02040503050406030204" pitchFamily="18" charset="0"/>
-                            <a:ea typeface="Apple SD Gothic Neo" panose="02000300000000000000" pitchFamily="2" charset="-127"/>
-                          </a:rPr>
-                          <m:t>)</m:t>
-                        </m:r>
-                      </m:e>
-                    </m:func>
-                  </m:oMath>
-                </a14:m>
-                <a:endParaRPr lang="en-US">
-                  <a:latin typeface="Apple SD Gothic Neo" panose="02000300000000000000" pitchFamily="2" charset="-127"/>
-                  <a:ea typeface="Apple SD Gothic Neo" panose="02000300000000000000" pitchFamily="2" charset="-127"/>
-                </a:endParaRPr>
-              </a:p>
-              <a:p>
-                <a:pPr marL="514350" indent="-514350" algn="ctr">
-                  <a:buFont typeface="Arial" panose="020B0604020202020204" pitchFamily="34" charset="0"/>
-                  <a:buAutoNum type="arabicParenR"/>
-                </a:pPr>
-                <a14:m>
-                  <m:oMath xmlns:m="http://schemas.openxmlformats.org/officeDocument/2006/math">
-                    <m:func>
-                      <m:funcPr>
-                        <m:ctrlPr>
-                          <a:rPr lang="en-US" i="1">
-                            <a:latin typeface="Cambria Math" panose="02040503050406030204" pitchFamily="18" charset="0"/>
-                            <a:ea typeface="Apple SD Gothic Neo" panose="02000300000000000000" pitchFamily="2" charset="-127"/>
-                          </a:rPr>
-                        </m:ctrlPr>
-                      </m:funcPr>
-                      <m:fName>
-                        <m:r>
-                          <m:rPr>
-                            <m:sty m:val="p"/>
-                          </m:rPr>
-                          <a:rPr lang="en-US">
-                            <a:latin typeface="Cambria Math" panose="02040503050406030204" pitchFamily="18" charset="0"/>
-                            <a:ea typeface="Apple SD Gothic Neo" panose="02000300000000000000" pitchFamily="2" charset="-127"/>
-                          </a:rPr>
-                          <m:t>add</m:t>
-                        </m:r>
-                      </m:fName>
-                      <m:e>
-                        <m:sSub>
-                          <m:sSubPr>
-                            <m:ctrlPr>
-                              <a:rPr lang="en-US" i="1">
-                                <a:latin typeface="Cambria Math" panose="02040503050406030204" pitchFamily="18" charset="0"/>
-                                <a:ea typeface="Apple SD Gothic Neo" panose="02000300000000000000" pitchFamily="2" charset="-127"/>
-                              </a:rPr>
-                            </m:ctrlPr>
-                          </m:sSubPr>
-                          <m:e>
-                            <m:r>
-                              <a:rPr lang="en-US" b="0" i="1" smtClean="0">
-                                <a:latin typeface="Cambria Math" panose="02040503050406030204" pitchFamily="18" charset="0"/>
-                                <a:ea typeface="Apple SD Gothic Neo" panose="02000300000000000000" pitchFamily="2" charset="-127"/>
-                              </a:rPr>
-                              <m:t>𝑆</m:t>
-                            </m:r>
-                            <m:r>
-                              <a:rPr lang="en-US" b="0" i="1" smtClean="0">
-                                <a:latin typeface="Cambria Math" panose="02040503050406030204" pitchFamily="18" charset="0"/>
-                                <a:ea typeface="Apple SD Gothic Neo" panose="02000300000000000000" pitchFamily="2" charset="-127"/>
-                              </a:rPr>
-                              <m:t>(</m:t>
-                            </m:r>
-                            <m:r>
-                              <a:rPr lang="en-US" i="1">
-                                <a:latin typeface="Cambria Math" panose="02040503050406030204" pitchFamily="18" charset="0"/>
-                                <a:ea typeface="Apple SD Gothic Neo" panose="02000300000000000000" pitchFamily="2" charset="-127"/>
-                              </a:rPr>
-                              <m:t>𝑛</m:t>
-                            </m:r>
-                          </m:e>
-                          <m:sub>
-                            <m:r>
-                              <a:rPr lang="en-US" i="1">
-                                <a:latin typeface="Cambria Math" panose="02040503050406030204" pitchFamily="18" charset="0"/>
-                                <a:ea typeface="Apple SD Gothic Neo" panose="02000300000000000000" pitchFamily="2" charset="-127"/>
-                              </a:rPr>
-                              <m:t>2</m:t>
-                            </m:r>
-                          </m:sub>
-                        </m:sSub>
-                        <m:r>
-                          <a:rPr lang="en-US" b="0" i="1" smtClean="0">
-                            <a:latin typeface="Cambria Math" panose="02040503050406030204" pitchFamily="18" charset="0"/>
-                            <a:ea typeface="Apple SD Gothic Neo" panose="02000300000000000000" pitchFamily="2" charset="-127"/>
-                          </a:rPr>
-                          <m:t>)</m:t>
-                        </m:r>
-                        <m:sSub>
-                          <m:sSubPr>
-                            <m:ctrlPr>
-                              <a:rPr lang="en-US" i="1">
-                                <a:latin typeface="Cambria Math" panose="02040503050406030204" pitchFamily="18" charset="0"/>
-                                <a:ea typeface="Apple SD Gothic Neo" panose="02000300000000000000" pitchFamily="2" charset="-127"/>
-                              </a:rPr>
-                            </m:ctrlPr>
-                          </m:sSubPr>
-                          <m:e>
-                            <m:r>
-                              <a:rPr lang="en-US" i="1">
-                                <a:latin typeface="Cambria Math" panose="02040503050406030204" pitchFamily="18" charset="0"/>
-                                <a:ea typeface="Apple SD Gothic Neo" panose="02000300000000000000" pitchFamily="2" charset="-127"/>
-                              </a:rPr>
-                              <m:t>𝑛</m:t>
-                            </m:r>
-                          </m:e>
-                          <m:sub>
-                            <m:r>
-                              <a:rPr lang="en-US" b="0" i="1" smtClean="0">
-                                <a:latin typeface="Cambria Math" panose="02040503050406030204" pitchFamily="18" charset="0"/>
-                                <a:ea typeface="Apple SD Gothic Neo" panose="02000300000000000000" pitchFamily="2" charset="-127"/>
-                              </a:rPr>
-                              <m:t>2</m:t>
-                            </m:r>
-                          </m:sub>
-                        </m:sSub>
-                        <m:sSub>
-                          <m:sSubPr>
-                            <m:ctrlPr>
-                              <a:rPr lang="en-US" i="1">
-                                <a:latin typeface="Cambria Math" panose="02040503050406030204" pitchFamily="18" charset="0"/>
-                                <a:ea typeface="Apple SD Gothic Neo" panose="02000300000000000000" pitchFamily="2" charset="-127"/>
-                              </a:rPr>
-                            </m:ctrlPr>
-                          </m:sSubPr>
-                          <m:e>
-                            <m:r>
-                              <a:rPr lang="en-US" b="0" i="1" smtClean="0">
-                                <a:latin typeface="Cambria Math" panose="02040503050406030204" pitchFamily="18" charset="0"/>
-                                <a:ea typeface="Apple SD Gothic Neo" panose="02000300000000000000" pitchFamily="2" charset="-127"/>
-                              </a:rPr>
-                              <m:t>𝑆</m:t>
-                            </m:r>
-                            <m:r>
-                              <a:rPr lang="en-US" b="0" i="1" smtClean="0">
-                                <a:latin typeface="Cambria Math" panose="02040503050406030204" pitchFamily="18" charset="0"/>
-                                <a:ea typeface="Apple SD Gothic Neo" panose="02000300000000000000" pitchFamily="2" charset="-127"/>
-                              </a:rPr>
-                              <m:t>(</m:t>
-                            </m:r>
-                            <m:r>
-                              <a:rPr lang="en-US" i="1">
-                                <a:latin typeface="Cambria Math" panose="02040503050406030204" pitchFamily="18" charset="0"/>
-                                <a:ea typeface="Apple SD Gothic Neo" panose="02000300000000000000" pitchFamily="2" charset="-127"/>
-                              </a:rPr>
-                              <m:t>𝑛</m:t>
-                            </m:r>
-                          </m:e>
-                          <m:sub>
-                            <m:r>
-                              <a:rPr lang="en-US" i="1">
-                                <a:latin typeface="Cambria Math" panose="02040503050406030204" pitchFamily="18" charset="0"/>
-                                <a:ea typeface="Apple SD Gothic Neo" panose="02000300000000000000" pitchFamily="2" charset="-127"/>
-                              </a:rPr>
-                              <m:t>4</m:t>
-                            </m:r>
-                          </m:sub>
-                        </m:sSub>
-                        <m:r>
-                          <a:rPr lang="en-US" b="0" i="1" smtClean="0">
-                            <a:latin typeface="Cambria Math" panose="02040503050406030204" pitchFamily="18" charset="0"/>
-                            <a:ea typeface="Apple SD Gothic Neo" panose="02000300000000000000" pitchFamily="2" charset="-127"/>
-                          </a:rPr>
-                          <m:t>)</m:t>
-                        </m:r>
-                        <m:r>
-                          <a:rPr lang="en-US" i="1">
-                            <a:latin typeface="Cambria Math" panose="02040503050406030204" pitchFamily="18" charset="0"/>
-                            <a:ea typeface="Apple SD Gothic Neo" panose="02000300000000000000" pitchFamily="2" charset="-127"/>
-                          </a:rPr>
-                          <m:t>(</m:t>
-                        </m:r>
-                        <m:r>
-                          <a:rPr lang="en-US" i="1">
-                            <a:latin typeface="Cambria Math" panose="02040503050406030204" pitchFamily="18" charset="0"/>
-                            <a:ea typeface="Apple SD Gothic Neo" panose="02000300000000000000" pitchFamily="2" charset="-127"/>
-                          </a:rPr>
-                          <m:t>𝐵𝑦</m:t>
-                        </m:r>
-                        <m:r>
-                          <a:rPr lang="en-US" i="1">
-                            <a:latin typeface="Cambria Math" panose="02040503050406030204" pitchFamily="18" charset="0"/>
-                            <a:ea typeface="Apple SD Gothic Neo" panose="02000300000000000000" pitchFamily="2" charset="-127"/>
-                          </a:rPr>
-                          <m:t> </m:t>
-                        </m:r>
-                        <m:r>
-                          <a:rPr lang="en-US" b="0" i="1" smtClean="0">
-                            <a:latin typeface="Cambria Math" panose="02040503050406030204" pitchFamily="18" charset="0"/>
-                            <a:ea typeface="Apple SD Gothic Neo" panose="02000300000000000000" pitchFamily="2" charset="-127"/>
-                          </a:rPr>
-                          <m:t>𝐴𝑑𝑑</m:t>
-                        </m:r>
-                        <m:r>
-                          <a:rPr lang="en-US" b="0" i="1" smtClean="0">
-                            <a:latin typeface="Cambria Math" panose="02040503050406030204" pitchFamily="18" charset="0"/>
-                            <a:ea typeface="Apple SD Gothic Neo" panose="02000300000000000000" pitchFamily="2" charset="-127"/>
-                          </a:rPr>
-                          <m:t> </m:t>
-                        </m:r>
-                        <m:r>
-                          <a:rPr lang="en-US" b="0" i="1" smtClean="0">
-                            <a:latin typeface="Cambria Math" panose="02040503050406030204" pitchFamily="18" charset="0"/>
-                            <a:ea typeface="Apple SD Gothic Neo" panose="02000300000000000000" pitchFamily="2" charset="-127"/>
-                          </a:rPr>
-                          <m:t>𝑆</m:t>
-                        </m:r>
-                        <m:r>
-                          <a:rPr lang="en-US" i="1">
-                            <a:latin typeface="Cambria Math" panose="02040503050406030204" pitchFamily="18" charset="0"/>
-                            <a:ea typeface="Apple SD Gothic Neo" panose="02000300000000000000" pitchFamily="2" charset="-127"/>
-                          </a:rPr>
-                          <m:t>)</m:t>
-                        </m:r>
-                      </m:e>
-                    </m:func>
-                  </m:oMath>
-                </a14:m>
-                <a:endParaRPr lang="en-US">
-                  <a:latin typeface="Apple SD Gothic Neo" panose="02000300000000000000" pitchFamily="2" charset="-127"/>
-                  <a:ea typeface="Apple SD Gothic Neo" panose="02000300000000000000" pitchFamily="2" charset="-127"/>
-                </a:endParaRPr>
-              </a:p>
-              <a:p>
-                <a:pPr marL="514350" indent="-514350" algn="ctr">
-                  <a:buFont typeface="Arial" panose="020B0604020202020204" pitchFamily="34" charset="0"/>
-                  <a:buAutoNum type="arabicParenR"/>
-                </a:pPr>
-                <a14:m>
-                  <m:oMath xmlns:m="http://schemas.openxmlformats.org/officeDocument/2006/math">
-                    <m:func>
-                      <m:funcPr>
-                        <m:ctrlPr>
-                          <a:rPr lang="en-US" i="1">
-                            <a:latin typeface="Cambria Math" panose="02040503050406030204" pitchFamily="18" charset="0"/>
-                            <a:ea typeface="Apple SD Gothic Neo" panose="02000300000000000000" pitchFamily="2" charset="-127"/>
-                          </a:rPr>
-                        </m:ctrlPr>
-                      </m:funcPr>
-                      <m:fName>
-                        <m:r>
-                          <m:rPr>
-                            <m:sty m:val="p"/>
-                          </m:rPr>
-                          <a:rPr lang="en-US">
-                            <a:latin typeface="Cambria Math" panose="02040503050406030204" pitchFamily="18" charset="0"/>
-                            <a:ea typeface="Apple SD Gothic Neo" panose="02000300000000000000" pitchFamily="2" charset="-127"/>
-                          </a:rPr>
-                          <m:t>add</m:t>
-                        </m:r>
-                      </m:fName>
-                      <m:e>
-                        <m:sSub>
-                          <m:sSubPr>
-                            <m:ctrlPr>
-                              <a:rPr lang="en-US" i="1" smtClean="0">
-                                <a:latin typeface="Cambria Math" panose="02040503050406030204" pitchFamily="18" charset="0"/>
-                                <a:ea typeface="Apple SD Gothic Neo" panose="02000300000000000000" pitchFamily="2" charset="-127"/>
-                              </a:rPr>
-                            </m:ctrlPr>
-                          </m:sSubPr>
-                          <m:e>
-                            <m:r>
-                              <a:rPr lang="en-US" i="1">
-                                <a:latin typeface="Cambria Math" panose="02040503050406030204" pitchFamily="18" charset="0"/>
-                                <a:ea typeface="Apple SD Gothic Neo" panose="02000300000000000000" pitchFamily="2" charset="-127"/>
-                              </a:rPr>
-                              <m:t>𝑛</m:t>
-                            </m:r>
-                          </m:e>
-                          <m:sub>
-                            <m:r>
-                              <a:rPr lang="en-US" b="0" i="1" smtClean="0">
-                                <a:latin typeface="Cambria Math" panose="02040503050406030204" pitchFamily="18" charset="0"/>
-                                <a:ea typeface="Apple SD Gothic Neo" panose="02000300000000000000" pitchFamily="2" charset="-127"/>
-                              </a:rPr>
-                              <m:t>3</m:t>
-                            </m:r>
-                          </m:sub>
-                        </m:sSub>
-                        <m:r>
-                          <a:rPr lang="en-US" i="1">
-                            <a:latin typeface="Cambria Math" panose="02040503050406030204" pitchFamily="18" charset="0"/>
-                            <a:ea typeface="Apple SD Gothic Neo" panose="02000300000000000000" pitchFamily="2" charset="-127"/>
-                          </a:rPr>
-                          <m:t>𝑆</m:t>
-                        </m:r>
-                        <m:r>
-                          <a:rPr lang="en-US" i="1">
-                            <a:latin typeface="Cambria Math" panose="02040503050406030204" pitchFamily="18" charset="0"/>
-                            <a:ea typeface="Apple SD Gothic Neo" panose="02000300000000000000" pitchFamily="2" charset="-127"/>
-                          </a:rPr>
-                          <m:t>(</m:t>
-                        </m:r>
-                        <m:sSub>
-                          <m:sSubPr>
-                            <m:ctrlPr>
-                              <a:rPr lang="en-US" i="1">
-                                <a:latin typeface="Cambria Math" panose="02040503050406030204" pitchFamily="18" charset="0"/>
-                                <a:ea typeface="Apple SD Gothic Neo" panose="02000300000000000000" pitchFamily="2" charset="-127"/>
-                              </a:rPr>
-                            </m:ctrlPr>
-                          </m:sSubPr>
-                          <m:e>
-                            <m:r>
-                              <a:rPr lang="en-US" i="1">
-                                <a:latin typeface="Cambria Math" panose="02040503050406030204" pitchFamily="18" charset="0"/>
-                                <a:ea typeface="Apple SD Gothic Neo" panose="02000300000000000000" pitchFamily="2" charset="-127"/>
-                              </a:rPr>
-                              <m:t>𝑛</m:t>
-                            </m:r>
-                          </m:e>
-                          <m:sub>
-                            <m:r>
-                              <a:rPr lang="en-US" b="0" i="1" smtClean="0">
-                                <a:latin typeface="Cambria Math" panose="02040503050406030204" pitchFamily="18" charset="0"/>
-                                <a:ea typeface="Apple SD Gothic Neo" panose="02000300000000000000" pitchFamily="2" charset="-127"/>
-                              </a:rPr>
-                              <m:t>2</m:t>
-                            </m:r>
-                          </m:sub>
-                        </m:sSub>
-                        <m:sSub>
-                          <m:sSubPr>
-                            <m:ctrlPr>
-                              <a:rPr lang="en-US" i="1">
-                                <a:latin typeface="Cambria Math" panose="02040503050406030204" pitchFamily="18" charset="0"/>
-                                <a:ea typeface="Apple SD Gothic Neo" panose="02000300000000000000" pitchFamily="2" charset="-127"/>
-                              </a:rPr>
-                            </m:ctrlPr>
-                          </m:sSubPr>
-                          <m:e>
-                            <m:r>
-                              <a:rPr lang="en-US" i="1">
-                                <a:latin typeface="Cambria Math" panose="02040503050406030204" pitchFamily="18" charset="0"/>
-                                <a:ea typeface="Apple SD Gothic Neo" panose="02000300000000000000" pitchFamily="2" charset="-127"/>
-                              </a:rPr>
-                              <m:t>)</m:t>
-                            </m:r>
-                            <m:r>
-                              <a:rPr lang="en-US" i="1">
-                                <a:latin typeface="Cambria Math" panose="02040503050406030204" pitchFamily="18" charset="0"/>
-                                <a:ea typeface="Apple SD Gothic Neo" panose="02000300000000000000" pitchFamily="2" charset="-127"/>
-                              </a:rPr>
-                              <m:t>𝑆</m:t>
-                            </m:r>
-                            <m:r>
-                              <a:rPr lang="en-US" i="1">
-                                <a:latin typeface="Cambria Math" panose="02040503050406030204" pitchFamily="18" charset="0"/>
-                                <a:ea typeface="Apple SD Gothic Neo" panose="02000300000000000000" pitchFamily="2" charset="-127"/>
-                              </a:rPr>
-                              <m:t>(</m:t>
-                            </m:r>
-                            <m:r>
-                              <a:rPr lang="en-US" i="1">
-                                <a:latin typeface="Cambria Math" panose="02040503050406030204" pitchFamily="18" charset="0"/>
-                                <a:ea typeface="Apple SD Gothic Neo" panose="02000300000000000000" pitchFamily="2" charset="-127"/>
-                              </a:rPr>
-                              <m:t>𝑛</m:t>
-                            </m:r>
-                          </m:e>
-                          <m:sub>
-                            <m:r>
-                              <a:rPr lang="en-US" i="1">
-                                <a:latin typeface="Cambria Math" panose="02040503050406030204" pitchFamily="18" charset="0"/>
-                                <a:ea typeface="Apple SD Gothic Neo" panose="02000300000000000000" pitchFamily="2" charset="-127"/>
-                              </a:rPr>
-                              <m:t>4</m:t>
-                            </m:r>
-                          </m:sub>
-                        </m:sSub>
-                        <m:r>
-                          <a:rPr lang="en-US" i="1">
-                            <a:latin typeface="Cambria Math" panose="02040503050406030204" pitchFamily="18" charset="0"/>
-                            <a:ea typeface="Apple SD Gothic Neo" panose="02000300000000000000" pitchFamily="2" charset="-127"/>
-                          </a:rPr>
-                          <m:t>)(</m:t>
-                        </m:r>
-                        <m:r>
-                          <a:rPr lang="en-US" i="1">
-                            <a:latin typeface="Cambria Math" panose="02040503050406030204" pitchFamily="18" charset="0"/>
-                            <a:ea typeface="Apple SD Gothic Neo" panose="02000300000000000000" pitchFamily="2" charset="-127"/>
-                          </a:rPr>
-                          <m:t>𝐵𝑦</m:t>
-                        </m:r>
-                        <m:r>
-                          <a:rPr lang="en-US" i="1">
-                            <a:latin typeface="Cambria Math" panose="02040503050406030204" pitchFamily="18" charset="0"/>
-                            <a:ea typeface="Apple SD Gothic Neo" panose="02000300000000000000" pitchFamily="2" charset="-127"/>
-                          </a:rPr>
-                          <m:t> 5 </m:t>
-                        </m:r>
-                        <m:r>
-                          <a:rPr lang="en-US" b="0" i="1" smtClean="0">
-                            <a:latin typeface="Cambria Math" panose="02040503050406030204" pitchFamily="18" charset="0"/>
-                            <a:ea typeface="Apple SD Gothic Neo" panose="02000300000000000000" pitchFamily="2" charset="-127"/>
-                          </a:rPr>
-                          <m:t>𝑎𝑛𝑑</m:t>
-                        </m:r>
-                        <m:r>
-                          <a:rPr lang="en-US" b="0" i="1" smtClean="0">
-                            <a:latin typeface="Cambria Math" panose="02040503050406030204" pitchFamily="18" charset="0"/>
-                            <a:ea typeface="Apple SD Gothic Neo" panose="02000300000000000000" pitchFamily="2" charset="-127"/>
-                          </a:rPr>
-                          <m:t> </m:t>
-                        </m:r>
-                        <m:r>
-                          <a:rPr lang="en-US" b="0" i="1" smtClean="0">
-                            <a:latin typeface="Cambria Math" panose="02040503050406030204" pitchFamily="18" charset="0"/>
-                            <a:ea typeface="Apple SD Gothic Neo" panose="02000300000000000000" pitchFamily="2" charset="-127"/>
-                          </a:rPr>
-                          <m:t>𝐿𝑒𝑚𝑚𝑎</m:t>
-                        </m:r>
-                        <m:r>
-                          <a:rPr lang="en-US" b="0" i="1" smtClean="0">
-                            <a:latin typeface="Cambria Math" panose="02040503050406030204" pitchFamily="18" charset="0"/>
-                            <a:ea typeface="Apple SD Gothic Neo" panose="02000300000000000000" pitchFamily="2" charset="-127"/>
-                          </a:rPr>
-                          <m:t> 3)</m:t>
-                        </m:r>
-                      </m:e>
-                    </m:func>
-                  </m:oMath>
-                </a14:m>
-                <a:endParaRPr lang="en-US">
-                  <a:latin typeface="Apple SD Gothic Neo" panose="02000300000000000000" pitchFamily="2" charset="-127"/>
-                  <a:ea typeface="Apple SD Gothic Neo" panose="02000300000000000000" pitchFamily="2" charset="-127"/>
-                </a:endParaRPr>
-              </a:p>
-              <a:p>
-                <a:pPr marL="514350" indent="-514350" algn="ctr">
-                  <a:buFont typeface="Arial" panose="020B0604020202020204" pitchFamily="34" charset="0"/>
-                  <a:buAutoNum type="arabicParenR"/>
-                </a:pPr>
-                <a14:m>
-                  <m:oMath xmlns:m="http://schemas.openxmlformats.org/officeDocument/2006/math">
-                    <m:func>
-                      <m:funcPr>
-                        <m:ctrlPr>
-                          <a:rPr lang="en-US" i="1">
-                            <a:latin typeface="Cambria Math" panose="02040503050406030204" pitchFamily="18" charset="0"/>
-                            <a:ea typeface="Apple SD Gothic Neo" panose="02000300000000000000" pitchFamily="2" charset="-127"/>
-                          </a:rPr>
-                        </m:ctrlPr>
-                      </m:funcPr>
-                      <m:fName>
-                        <m:r>
-                          <m:rPr>
-                            <m:sty m:val="p"/>
-                          </m:rPr>
-                          <a:rPr lang="en-US" b="0" i="0" smtClean="0">
-                            <a:latin typeface="Cambria Math" panose="02040503050406030204" pitchFamily="18" charset="0"/>
-                            <a:ea typeface="Apple SD Gothic Neo" panose="02000300000000000000" pitchFamily="2" charset="-127"/>
-                          </a:rPr>
-                          <m:t>fib</m:t>
-                        </m:r>
-                      </m:fName>
-                      <m:e>
-                        <m:r>
-                          <a:rPr lang="en-US" i="1">
-                            <a:latin typeface="Cambria Math" panose="02040503050406030204" pitchFamily="18" charset="0"/>
-                            <a:ea typeface="Apple SD Gothic Neo" panose="02000300000000000000" pitchFamily="2" charset="-127"/>
-                          </a:rPr>
-                          <m:t>𝑆</m:t>
-                        </m:r>
-                        <m:r>
-                          <a:rPr lang="en-US" i="1">
-                            <a:latin typeface="Cambria Math" panose="02040503050406030204" pitchFamily="18" charset="0"/>
-                            <a:ea typeface="Apple SD Gothic Neo" panose="02000300000000000000" pitchFamily="2" charset="-127"/>
-                          </a:rPr>
-                          <m:t>(</m:t>
-                        </m:r>
-                        <m:r>
-                          <a:rPr lang="en-US" b="0" i="1" smtClean="0">
-                            <a:latin typeface="Cambria Math" panose="02040503050406030204" pitchFamily="18" charset="0"/>
-                            <a:ea typeface="Apple SD Gothic Neo" panose="02000300000000000000" pitchFamily="2" charset="-127"/>
-                          </a:rPr>
-                          <m:t>𝑆</m:t>
-                        </m:r>
-                        <m:r>
-                          <a:rPr lang="en-US" b="0" i="1" smtClean="0">
-                            <a:latin typeface="Cambria Math" panose="02040503050406030204" pitchFamily="18" charset="0"/>
-                            <a:ea typeface="Apple SD Gothic Neo" panose="02000300000000000000" pitchFamily="2" charset="-127"/>
-                          </a:rPr>
-                          <m:t>(</m:t>
-                        </m:r>
-                        <m:r>
-                          <a:rPr lang="en-US" b="0" i="1" smtClean="0">
-                            <a:latin typeface="Cambria Math" panose="02040503050406030204" pitchFamily="18" charset="0"/>
-                            <a:ea typeface="Apple SD Gothic Neo" panose="02000300000000000000" pitchFamily="2" charset="-127"/>
-                          </a:rPr>
-                          <m:t>𝑆</m:t>
-                        </m:r>
-                        <m:d>
-                          <m:dPr>
-                            <m:ctrlPr>
-                              <a:rPr lang="en-US" b="0" i="1" smtClean="0">
-                                <a:latin typeface="Cambria Math" panose="02040503050406030204" pitchFamily="18" charset="0"/>
-                                <a:ea typeface="Apple SD Gothic Neo" panose="02000300000000000000" pitchFamily="2" charset="-127"/>
-                              </a:rPr>
-                            </m:ctrlPr>
-                          </m:dPr>
-                          <m:e>
-                            <m:sSub>
-                              <m:sSubPr>
-                                <m:ctrlPr>
-                                  <a:rPr lang="en-US" i="1">
-                                    <a:latin typeface="Cambria Math" panose="02040503050406030204" pitchFamily="18" charset="0"/>
-                                    <a:ea typeface="Apple SD Gothic Neo" panose="02000300000000000000" pitchFamily="2" charset="-127"/>
-                                  </a:rPr>
-                                </m:ctrlPr>
-                              </m:sSubPr>
-                              <m:e>
-                                <m:r>
-                                  <a:rPr lang="en-US" i="1">
-                                    <a:latin typeface="Cambria Math" panose="02040503050406030204" pitchFamily="18" charset="0"/>
-                                    <a:ea typeface="Apple SD Gothic Neo" panose="02000300000000000000" pitchFamily="2" charset="-127"/>
-                                  </a:rPr>
-                                  <m:t>𝑛</m:t>
-                                </m:r>
-                              </m:e>
-                              <m:sub>
-                                <m:r>
-                                  <a:rPr lang="en-US" b="0" i="1" smtClean="0">
-                                    <a:latin typeface="Cambria Math" panose="02040503050406030204" pitchFamily="18" charset="0"/>
-                                    <a:ea typeface="Apple SD Gothic Neo" panose="02000300000000000000" pitchFamily="2" charset="-127"/>
-                                  </a:rPr>
-                                  <m:t>1</m:t>
-                                </m:r>
-                              </m:sub>
-                            </m:sSub>
-                          </m:e>
-                        </m:d>
-                        <m:r>
-                          <a:rPr lang="en-US" b="0" i="1" smtClean="0">
-                            <a:latin typeface="Cambria Math" panose="02040503050406030204" pitchFamily="18" charset="0"/>
-                            <a:ea typeface="Apple SD Gothic Neo" panose="02000300000000000000" pitchFamily="2" charset="-127"/>
-                          </a:rPr>
-                          <m:t>)</m:t>
-                        </m:r>
-                        <m:sSub>
-                          <m:sSubPr>
-                            <m:ctrlPr>
-                              <a:rPr lang="en-US" i="1">
-                                <a:latin typeface="Cambria Math" panose="02040503050406030204" pitchFamily="18" charset="0"/>
-                                <a:ea typeface="Apple SD Gothic Neo" panose="02000300000000000000" pitchFamily="2" charset="-127"/>
-                              </a:rPr>
-                            </m:ctrlPr>
-                          </m:sSubPr>
-                          <m:e>
-                            <m:r>
-                              <a:rPr lang="en-US" i="1">
-                                <a:latin typeface="Cambria Math" panose="02040503050406030204" pitchFamily="18" charset="0"/>
-                                <a:ea typeface="Apple SD Gothic Neo" panose="02000300000000000000" pitchFamily="2" charset="-127"/>
-                              </a:rPr>
-                              <m:t>)</m:t>
-                            </m:r>
-                            <m:r>
-                              <a:rPr lang="en-US" i="1">
-                                <a:latin typeface="Cambria Math" panose="02040503050406030204" pitchFamily="18" charset="0"/>
-                                <a:ea typeface="Apple SD Gothic Neo" panose="02000300000000000000" pitchFamily="2" charset="-127"/>
-                              </a:rPr>
-                              <m:t>𝑆</m:t>
-                            </m:r>
-                            <m:r>
-                              <a:rPr lang="en-US" i="1">
-                                <a:latin typeface="Cambria Math" panose="02040503050406030204" pitchFamily="18" charset="0"/>
-                                <a:ea typeface="Apple SD Gothic Neo" panose="02000300000000000000" pitchFamily="2" charset="-127"/>
-                              </a:rPr>
-                              <m:t>(</m:t>
-                            </m:r>
-                            <m:r>
-                              <a:rPr lang="en-US" i="1">
-                                <a:latin typeface="Cambria Math" panose="02040503050406030204" pitchFamily="18" charset="0"/>
-                                <a:ea typeface="Apple SD Gothic Neo" panose="02000300000000000000" pitchFamily="2" charset="-127"/>
-                              </a:rPr>
-                              <m:t>𝑛</m:t>
-                            </m:r>
-                          </m:e>
-                          <m:sub>
-                            <m:r>
-                              <a:rPr lang="en-US" i="1">
-                                <a:latin typeface="Cambria Math" panose="02040503050406030204" pitchFamily="18" charset="0"/>
-                                <a:ea typeface="Apple SD Gothic Neo" panose="02000300000000000000" pitchFamily="2" charset="-127"/>
-                              </a:rPr>
-                              <m:t>4</m:t>
-                            </m:r>
-                          </m:sub>
-                        </m:sSub>
-                        <m:r>
-                          <a:rPr lang="en-US" i="1">
-                            <a:latin typeface="Cambria Math" panose="02040503050406030204" pitchFamily="18" charset="0"/>
-                            <a:ea typeface="Apple SD Gothic Neo" panose="02000300000000000000" pitchFamily="2" charset="-127"/>
-                          </a:rPr>
-                          <m:t>)(</m:t>
-                        </m:r>
-                        <m:r>
-                          <a:rPr lang="en-US" i="1">
-                            <a:latin typeface="Cambria Math" panose="02040503050406030204" pitchFamily="18" charset="0"/>
-                            <a:ea typeface="Apple SD Gothic Neo" panose="02000300000000000000" pitchFamily="2" charset="-127"/>
-                          </a:rPr>
-                          <m:t>𝐵𝑦</m:t>
-                        </m:r>
-                        <m:r>
-                          <a:rPr lang="en-US" i="1">
-                            <a:latin typeface="Cambria Math" panose="02040503050406030204" pitchFamily="18" charset="0"/>
-                            <a:ea typeface="Apple SD Gothic Neo" panose="02000300000000000000" pitchFamily="2" charset="-127"/>
-                          </a:rPr>
-                          <m:t> 2,3,6, </m:t>
-                        </m:r>
-                        <m:r>
-                          <a:rPr lang="en-US" b="0" i="1" smtClean="0">
-                            <a:latin typeface="Cambria Math" panose="02040503050406030204" pitchFamily="18" charset="0"/>
-                            <a:ea typeface="Apple SD Gothic Neo" panose="02000300000000000000" pitchFamily="2" charset="-127"/>
-                          </a:rPr>
-                          <m:t>𝑎𝑛𝑑</m:t>
-                        </m:r>
-                        <m:r>
-                          <a:rPr lang="en-US" b="0" i="1" smtClean="0">
-                            <a:latin typeface="Cambria Math" panose="02040503050406030204" pitchFamily="18" charset="0"/>
-                            <a:ea typeface="Apple SD Gothic Neo" panose="02000300000000000000" pitchFamily="2" charset="-127"/>
-                          </a:rPr>
-                          <m:t> </m:t>
-                        </m:r>
-                        <m:r>
-                          <m:rPr>
-                            <m:sty m:val="p"/>
-                          </m:rPr>
-                          <a:rPr lang="en-US" b="0" i="0" smtClean="0">
-                            <a:latin typeface="Cambria Math" panose="02040503050406030204" pitchFamily="18" charset="0"/>
-                            <a:ea typeface="Apple SD Gothic Neo" panose="02000300000000000000" pitchFamily="2" charset="-127"/>
-                          </a:rPr>
-                          <m:t>fib</m:t>
-                        </m:r>
-                        <m:r>
-                          <a:rPr lang="en-US" b="0" i="1" smtClean="0">
-                            <a:latin typeface="Cambria Math" panose="02040503050406030204" pitchFamily="18" charset="0"/>
-                            <a:ea typeface="Apple SD Gothic Neo" panose="02000300000000000000" pitchFamily="2" charset="-127"/>
-                          </a:rPr>
-                          <m:t> </m:t>
-                        </m:r>
-                        <m:r>
-                          <a:rPr lang="en-US" b="0" i="1" smtClean="0">
-                            <a:latin typeface="Cambria Math" panose="02040503050406030204" pitchFamily="18" charset="0"/>
-                            <a:ea typeface="Apple SD Gothic Neo" panose="02000300000000000000" pitchFamily="2" charset="-127"/>
-                          </a:rPr>
-                          <m:t>𝑆</m:t>
-                        </m:r>
-                        <m:r>
-                          <a:rPr lang="en-US" i="1">
-                            <a:latin typeface="Cambria Math" panose="02040503050406030204" pitchFamily="18" charset="0"/>
-                            <a:ea typeface="Apple SD Gothic Neo" panose="02000300000000000000" pitchFamily="2" charset="-127"/>
-                          </a:rPr>
-                          <m:t>)</m:t>
-                        </m:r>
-                      </m:e>
-                    </m:func>
-                  </m:oMath>
-                </a14:m>
-                <a:endParaRPr lang="en-US">
-                  <a:latin typeface="Apple SD Gothic Neo" panose="02000300000000000000" pitchFamily="2" charset="-127"/>
-                  <a:ea typeface="Apple SD Gothic Neo" panose="02000300000000000000" pitchFamily="2" charset="-127"/>
-                </a:endParaRPr>
-              </a:p>
-              <a:p>
-                <a:pPr marL="514350" indent="-514350" algn="ctr">
-                  <a:buFont typeface="Arial" panose="020B0604020202020204" pitchFamily="34" charset="0"/>
-                  <a:buAutoNum type="arabicParenR"/>
-                </a:pPr>
-                <a:endParaRPr lang="en-KR">
-                  <a:latin typeface="Apple SD Gothic Neo" panose="02000300000000000000" pitchFamily="2" charset="-127"/>
-                  <a:ea typeface="Apple SD Gothic Neo" panose="02000300000000000000" pitchFamily="2" charset="-127"/>
-                </a:endParaRPr>
-              </a:p>
-            </p:txBody>
-          </p:sp>
-        </mc:Choice>
-        <mc:Fallback xmlns="">
-          <p:sp>
-            <p:nvSpPr>
-              <p:cNvPr id="2" name="Content Placeholder 8">
-                <a:extLst>
-                  <a:ext uri="{FF2B5EF4-FFF2-40B4-BE49-F238E27FC236}">
-                    <a16:creationId xmlns:a16="http://schemas.microsoft.com/office/drawing/2014/main" id="{3EE4CED1-E9D0-9303-239A-9584E3F3CF43}"/>
-                  </a:ext>
-                </a:extLst>
-              </p:cNvPr>
-              <p:cNvSpPr>
-                <a:spLocks noGrp="1" noRot="1" noChangeAspect="1" noMove="1" noResize="1" noEditPoints="1" noAdjustHandles="1" noChangeArrowheads="1" noChangeShapeType="1" noTextEdit="1"/>
-              </p:cNvSpPr>
-              <p:nvPr>
-                <p:ph idx="1"/>
-              </p:nvPr>
-            </p:nvSpPr>
-            <p:spPr>
-              <a:xfrm>
-                <a:off x="838200" y="2774193"/>
-                <a:ext cx="6752422" cy="3402770"/>
-              </a:xfrm>
-              <a:blipFill>
-                <a:blip r:embed="rId4"/>
-                <a:stretch>
-                  <a:fillRect l="-376" t="-1859"/>
-                </a:stretch>
-              </a:blipFill>
-            </p:spPr>
-            <p:txBody>
-              <a:bodyPr/>
-              <a:lstStyle/>
-              <a:p>
-                <a:r>
-                  <a:rPr lang="en-KR">
-                    <a:noFill/>
-                  </a:rPr>
-                  <a:t> </a:t>
-                </a:r>
-              </a:p>
-            </p:txBody>
-          </p:sp>
-        </mc:Fallback>
-      </mc:AlternateContent>
-      <mc:AlternateContent xmlns:mc="http://schemas.openxmlformats.org/markup-compatibility/2006" xmlns:a14="http://schemas.microsoft.com/office/drawing/2010/main">
-        <mc:Choice Requires="a14">
-          <p:sp>
-            <p:nvSpPr>
-              <p:cNvPr id="7" name="Content Placeholder 8">
-                <a:extLst>
-                  <a:ext uri="{FF2B5EF4-FFF2-40B4-BE49-F238E27FC236}">
-                    <a16:creationId xmlns:a16="http://schemas.microsoft.com/office/drawing/2014/main" id="{4CAB8F0F-E986-AE5B-CDB7-645F6BF43BFE}"/>
+                    <a16:creationId xmlns:a16="http://schemas.microsoft.com/office/drawing/2014/main" id="{15973021-4DFC-7F66-01CA-9D32ADD0FCD2}"/>
                   </a:ext>
                 </a:extLst>
               </p:cNvPr>
@@ -19757,7 +12986,7 @@
             </p:nvSpPr>
             <p:spPr>
               <a:xfrm>
-                <a:off x="6173119" y="3700253"/>
+                <a:off x="5658063" y="4680975"/>
                 <a:ext cx="5901371" cy="1550649"/>
               </a:xfrm>
               <a:prstGeom prst="rect">
@@ -20535,13 +13764,13 @@
             </p:txBody>
           </p:sp>
         </mc:Choice>
-        <mc:Fallback xmlns="">
+        <mc:Fallback>
           <p:sp>
             <p:nvSpPr>
-              <p:cNvPr id="7" name="Content Placeholder 8">
+              <p:cNvPr id="3" name="Content Placeholder 8">
                 <a:extLst>
                   <a:ext uri="{FF2B5EF4-FFF2-40B4-BE49-F238E27FC236}">
-                    <a16:creationId xmlns:a16="http://schemas.microsoft.com/office/drawing/2014/main" id="{4CAB8F0F-E986-AE5B-CDB7-645F6BF43BFE}"/>
+                    <a16:creationId xmlns:a16="http://schemas.microsoft.com/office/drawing/2014/main" id="{15973021-4DFC-7F66-01CA-9D32ADD0FCD2}"/>
                   </a:ext>
                 </a:extLst>
               </p:cNvPr>
@@ -20552,16 +13781,16 @@
             </p:nvSpPr>
             <p:spPr>
               <a:xfrm>
-                <a:off x="6173119" y="3700253"/>
+                <a:off x="5658063" y="4680975"/>
                 <a:ext cx="5901371" cy="1550649"/>
               </a:xfrm>
               <a:prstGeom prst="rect">
                 <a:avLst/>
               </a:prstGeom>
               <a:blipFill>
-                <a:blip r:embed="rId5"/>
+                <a:blip r:embed="rId4"/>
                 <a:stretch>
-                  <a:fillRect l="-2151" b="-813"/>
+                  <a:fillRect l="-2066"/>
                 </a:stretch>
               </a:blipFill>
             </p:spPr>
@@ -20570,7 +13799,7 @@
               <a:lstStyle/>
               <a:p>
                 <a:r>
-                  <a:rPr lang="en-KR">
+                  <a:rPr lang="en-US">
                     <a:noFill/>
                   </a:rPr>
                   <a:t> </a:t>
@@ -20583,7 +13812,7 @@
     </p:spTree>
     <p:extLst>
       <p:ext uri="{BB962C8B-B14F-4D97-AF65-F5344CB8AC3E}">
-        <p14:creationId xmlns:p14="http://schemas.microsoft.com/office/powerpoint/2010/main" val="3516564138"/>
+        <p14:creationId xmlns:p14="http://schemas.microsoft.com/office/powerpoint/2010/main" val="4009198647"/>
       </p:ext>
     </p:extLst>
   </p:cSld>
@@ -20690,7 +13919,7 @@
           <a:p>
             <a:fld id="{ED4F0C8A-8D87-224E-912B-0C981F57F905}" type="datetime1">
               <a:rPr lang="en-US" smtClean="0"/>
-              <a:t>9/3/25</a:t>
+              <a:t>9/5/2025</a:t>
             </a:fld>
             <a:endParaRPr lang="en-KR"/>
           </a:p>
